--- a/Documents/Presentacion Responsabilidad Unica Grupo Bravo.pptx
+++ b/Documents/Presentacion Responsabilidad Unica Grupo Bravo.pptx
@@ -4,17 +4,20 @@
   <p:sldMasterIdLst>
     <p:sldMasterId id="2147483648" r:id="rId1"/>
     <p:sldMasterId id="2147483650" r:id="rId2"/>
+    <p:sldMasterId id="2147483672" r:id="rId3"/>
   </p:sldMasterIdLst>
   <p:notesMasterIdLst>
-    <p:notesMasterId r:id="rId6"/>
+    <p:notesMasterId r:id="rId9"/>
   </p:notesMasterIdLst>
   <p:handoutMasterIdLst>
-    <p:handoutMasterId r:id="rId7"/>
+    <p:handoutMasterId r:id="rId10"/>
   </p:handoutMasterIdLst>
   <p:sldIdLst>
-    <p:sldId id="261" r:id="rId3"/>
-    <p:sldId id="262" r:id="rId4"/>
-    <p:sldId id="263" r:id="rId5"/>
+    <p:sldId id="261" r:id="rId4"/>
+    <p:sldId id="262" r:id="rId5"/>
+    <p:sldId id="263" r:id="rId6"/>
+    <p:sldId id="259" r:id="rId7"/>
+    <p:sldId id="260" r:id="rId8"/>
   </p:sldIdLst>
   <p:sldSz cx="9144000" cy="6858000" type="screen4x3"/>
   <p:notesSz cx="6858000" cy="9144000"/>
@@ -479,35 +482,35 @@
           <a:p>
             <a:pPr lvl="0"/>
             <a:r>
-              <a:rPr lang="ru-RU" smtClean="0"/>
+              <a:rPr lang="ru-RU"/>
               <a:t>Click to edit Master text styles</a:t>
             </a:r>
           </a:p>
           <a:p>
             <a:pPr lvl="1"/>
             <a:r>
-              <a:rPr lang="ru-RU" smtClean="0"/>
+              <a:rPr lang="ru-RU"/>
               <a:t>Second level</a:t>
             </a:r>
           </a:p>
           <a:p>
             <a:pPr lvl="2"/>
             <a:r>
-              <a:rPr lang="ru-RU" smtClean="0"/>
+              <a:rPr lang="ru-RU"/>
               <a:t>Third level</a:t>
             </a:r>
           </a:p>
           <a:p>
             <a:pPr lvl="3"/>
             <a:r>
-              <a:rPr lang="ru-RU" smtClean="0"/>
+              <a:rPr lang="ru-RU"/>
               <a:t>Fourth level</a:t>
             </a:r>
           </a:p>
           <a:p>
             <a:pPr lvl="4"/>
             <a:r>
-              <a:rPr lang="ru-RU" smtClean="0"/>
+              <a:rPr lang="ru-RU"/>
               <a:t>Fifth level</a:t>
             </a:r>
           </a:p>
@@ -648,7 +651,7 @@
             <a:fld id="{25680182-982F-4BD8-82BC-0E6BFC807664}" type="slidenum">
               <a:rPr lang="ru-RU"/>
               <a:pPr/>
-              <a:t>‹Nº›</a:t>
+              <a:t>‹#›</a:t>
             </a:fld>
             <a:endParaRPr lang="ru-RU"/>
           </a:p>
@@ -1114,6 +1117,214 @@
 </p:notes>
 </file>
 
+<file path=ppt/notesSlides/notesSlide4.xml><?xml version="1.0" encoding="utf-8"?>
+<p:notes xmlns:a="http://schemas.openxmlformats.org/drawingml/2006/main" xmlns:r="http://schemas.openxmlformats.org/officeDocument/2006/relationships" xmlns:p="http://schemas.openxmlformats.org/presentationml/2006/main" showMasterSp="0" showMasterPhAnim="0">
+  <p:cSld>
+    <p:spTree>
+      <p:nvGrpSpPr>
+        <p:cNvPr id="1" name="Shape 65"/>
+        <p:cNvGrpSpPr/>
+        <p:nvPr/>
+      </p:nvGrpSpPr>
+      <p:grpSpPr>
+        <a:xfrm>
+          <a:off x="0" y="0"/>
+          <a:ext cx="0" cy="0"/>
+          <a:chOff x="0" y="0"/>
+          <a:chExt cx="0" cy="0"/>
+        </a:xfrm>
+      </p:grpSpPr>
+      <p:sp>
+        <p:nvSpPr>
+          <p:cNvPr id="66" name="Google Shape;66;g938f6d0712_1_9:notes"/>
+          <p:cNvSpPr>
+            <a:spLocks noGrp="1" noRot="1" noChangeAspect="1"/>
+          </p:cNvSpPr>
+          <p:nvPr>
+            <p:ph type="sldImg" idx="2"/>
+          </p:nvPr>
+        </p:nvSpPr>
+        <p:spPr>
+          <a:xfrm>
+            <a:off x="381300" y="685800"/>
+            <a:ext cx="6096000" cy="3429000"/>
+          </a:xfrm>
+          <a:custGeom>
+            <a:avLst/>
+            <a:gdLst/>
+            <a:ahLst/>
+            <a:cxnLst/>
+            <a:rect l="l" t="t" r="r" b="b"/>
+            <a:pathLst>
+              <a:path w="120000" h="120000" extrusionOk="0">
+                <a:moveTo>
+                  <a:pt x="0" y="0"/>
+                </a:moveTo>
+                <a:lnTo>
+                  <a:pt x="120000" y="0"/>
+                </a:lnTo>
+                <a:lnTo>
+                  <a:pt x="120000" y="120000"/>
+                </a:lnTo>
+                <a:lnTo>
+                  <a:pt x="0" y="120000"/>
+                </a:lnTo>
+                <a:close/>
+              </a:path>
+            </a:pathLst>
+          </a:custGeom>
+        </p:spPr>
+      </p:sp>
+      <p:sp>
+        <p:nvSpPr>
+          <p:cNvPr id="67" name="Google Shape;67;g938f6d0712_1_9:notes"/>
+          <p:cNvSpPr txBox="1">
+            <a:spLocks noGrp="1"/>
+          </p:cNvSpPr>
+          <p:nvPr>
+            <p:ph type="body" idx="1"/>
+          </p:nvPr>
+        </p:nvSpPr>
+        <p:spPr>
+          <a:xfrm>
+            <a:off x="685800" y="4343400"/>
+            <a:ext cx="5486400" cy="4114800"/>
+          </a:xfrm>
+          <a:prstGeom prst="rect">
+            <a:avLst/>
+          </a:prstGeom>
+        </p:spPr>
+        <p:txBody>
+          <a:bodyPr spcFirstLastPara="1" wrap="square" lIns="91425" tIns="91425" rIns="91425" bIns="91425" anchor="t" anchorCtr="0">
+            <a:noAutofit/>
+          </a:bodyPr>
+          <a:lstStyle/>
+          <a:p>
+            <a:pPr marL="0" lvl="0" indent="0" algn="l" rtl="0">
+              <a:spcBef>
+                <a:spcPts val="0"/>
+              </a:spcBef>
+              <a:spcAft>
+                <a:spcPts val="0"/>
+              </a:spcAft>
+              <a:buNone/>
+            </a:pPr>
+            <a:endParaRPr/>
+          </a:p>
+        </p:txBody>
+      </p:sp>
+    </p:spTree>
+  </p:cSld>
+  <p:clrMapOvr>
+    <a:masterClrMapping/>
+  </p:clrMapOvr>
+</p:notes>
+</file>
+
+<file path=ppt/notesSlides/notesSlide5.xml><?xml version="1.0" encoding="utf-8"?>
+<p:notes xmlns:a="http://schemas.openxmlformats.org/drawingml/2006/main" xmlns:r="http://schemas.openxmlformats.org/officeDocument/2006/relationships" xmlns:p="http://schemas.openxmlformats.org/presentationml/2006/main" showMasterSp="0" showMasterPhAnim="0">
+  <p:cSld>
+    <p:spTree>
+      <p:nvGrpSpPr>
+        <p:cNvPr id="1" name="Shape 70"/>
+        <p:cNvGrpSpPr/>
+        <p:nvPr/>
+      </p:nvGrpSpPr>
+      <p:grpSpPr>
+        <a:xfrm>
+          <a:off x="0" y="0"/>
+          <a:ext cx="0" cy="0"/>
+          <a:chOff x="0" y="0"/>
+          <a:chExt cx="0" cy="0"/>
+        </a:xfrm>
+      </p:grpSpPr>
+      <p:sp>
+        <p:nvSpPr>
+          <p:cNvPr id="71" name="Google Shape;71;g938f6d0712_1_15:notes"/>
+          <p:cNvSpPr>
+            <a:spLocks noGrp="1" noRot="1" noChangeAspect="1"/>
+          </p:cNvSpPr>
+          <p:nvPr>
+            <p:ph type="sldImg" idx="2"/>
+          </p:nvPr>
+        </p:nvSpPr>
+        <p:spPr>
+          <a:xfrm>
+            <a:off x="381300" y="685800"/>
+            <a:ext cx="6096000" cy="3429000"/>
+          </a:xfrm>
+          <a:custGeom>
+            <a:avLst/>
+            <a:gdLst/>
+            <a:ahLst/>
+            <a:cxnLst/>
+            <a:rect l="l" t="t" r="r" b="b"/>
+            <a:pathLst>
+              <a:path w="120000" h="120000" extrusionOk="0">
+                <a:moveTo>
+                  <a:pt x="0" y="0"/>
+                </a:moveTo>
+                <a:lnTo>
+                  <a:pt x="120000" y="0"/>
+                </a:lnTo>
+                <a:lnTo>
+                  <a:pt x="120000" y="120000"/>
+                </a:lnTo>
+                <a:lnTo>
+                  <a:pt x="0" y="120000"/>
+                </a:lnTo>
+                <a:close/>
+              </a:path>
+            </a:pathLst>
+          </a:custGeom>
+        </p:spPr>
+      </p:sp>
+      <p:sp>
+        <p:nvSpPr>
+          <p:cNvPr id="72" name="Google Shape;72;g938f6d0712_1_15:notes"/>
+          <p:cNvSpPr txBox="1">
+            <a:spLocks noGrp="1"/>
+          </p:cNvSpPr>
+          <p:nvPr>
+            <p:ph type="body" idx="1"/>
+          </p:nvPr>
+        </p:nvSpPr>
+        <p:spPr>
+          <a:xfrm>
+            <a:off x="685800" y="4343400"/>
+            <a:ext cx="5486400" cy="4114800"/>
+          </a:xfrm>
+          <a:prstGeom prst="rect">
+            <a:avLst/>
+          </a:prstGeom>
+        </p:spPr>
+        <p:txBody>
+          <a:bodyPr spcFirstLastPara="1" wrap="square" lIns="91425" tIns="91425" rIns="91425" bIns="91425" anchor="t" anchorCtr="0">
+            <a:noAutofit/>
+          </a:bodyPr>
+          <a:lstStyle/>
+          <a:p>
+            <a:pPr marL="0" lvl="0" indent="0" algn="l" rtl="0">
+              <a:spcBef>
+                <a:spcPts val="0"/>
+              </a:spcBef>
+              <a:spcAft>
+                <a:spcPts val="0"/>
+              </a:spcAft>
+              <a:buNone/>
+            </a:pPr>
+            <a:endParaRPr/>
+          </a:p>
+        </p:txBody>
+      </p:sp>
+    </p:spTree>
+  </p:cSld>
+  <p:clrMapOvr>
+    <a:masterClrMapping/>
+  </p:clrMapOvr>
+</p:notes>
+</file>
+
 <file path=ppt/slideLayouts/slideLayout1.xml><?xml version="1.0" encoding="utf-8"?>
 <p:sldLayout xmlns:a="http://schemas.openxmlformats.org/drawingml/2006/main" xmlns:r="http://schemas.openxmlformats.org/officeDocument/2006/relationships" xmlns:p="http://schemas.openxmlformats.org/presentationml/2006/main" type="title" preserve="1">
   <p:cSld name="Титульный слайд">
@@ -1174,7 +1385,7 @@
           <a:p>
             <a:pPr lvl="0"/>
             <a:r>
-              <a:rPr lang="ru-RU" noProof="0" smtClean="0"/>
+              <a:rPr lang="ru-RU" noProof="0"/>
               <a:t>Образец заголовка</a:t>
             </a:r>
           </a:p>
@@ -1217,7 +1428,7 @@
           <a:p>
             <a:pPr lvl="0"/>
             <a:r>
-              <a:rPr lang="ru-RU" noProof="0" smtClean="0"/>
+              <a:rPr lang="ru-RU" noProof="0"/>
               <a:t>Образец подзаголовка</a:t>
             </a:r>
           </a:p>
@@ -1264,10 +1475,9 @@
           <a:lstStyle/>
           <a:p>
             <a:r>
-              <a:rPr lang="ru-RU" smtClean="0"/>
+              <a:rPr lang="ru-RU"/>
               <a:t>Образец заголовка</a:t>
             </a:r>
-            <a:endParaRPr lang="ru-RU"/>
           </a:p>
         </p:txBody>
       </p:sp>
@@ -1288,38 +1498,37 @@
           <a:p>
             <a:pPr lvl="0"/>
             <a:r>
-              <a:rPr lang="ru-RU" smtClean="0"/>
+              <a:rPr lang="ru-RU"/>
               <a:t>Образец текста</a:t>
             </a:r>
           </a:p>
           <a:p>
             <a:pPr lvl="1"/>
             <a:r>
-              <a:rPr lang="ru-RU" smtClean="0"/>
+              <a:rPr lang="ru-RU"/>
               <a:t>Второй уровень</a:t>
             </a:r>
           </a:p>
           <a:p>
             <a:pPr lvl="2"/>
             <a:r>
-              <a:rPr lang="ru-RU" smtClean="0"/>
+              <a:rPr lang="ru-RU"/>
               <a:t>Третий уровень</a:t>
             </a:r>
           </a:p>
           <a:p>
             <a:pPr lvl="3"/>
             <a:r>
-              <a:rPr lang="ru-RU" smtClean="0"/>
+              <a:rPr lang="ru-RU"/>
               <a:t>Четвертый уровень</a:t>
             </a:r>
           </a:p>
           <a:p>
             <a:pPr lvl="4"/>
             <a:r>
-              <a:rPr lang="ru-RU" smtClean="0"/>
+              <a:rPr lang="ru-RU"/>
               <a:t>Пятый уровень</a:t>
             </a:r>
-            <a:endParaRPr lang="ru-RU"/>
           </a:p>
         </p:txBody>
       </p:sp>
@@ -1374,10 +1583,9 @@
           <a:lstStyle/>
           <a:p>
             <a:r>
-              <a:rPr lang="ru-RU" smtClean="0"/>
+              <a:rPr lang="ru-RU"/>
               <a:t>Образец заголовка</a:t>
             </a:r>
-            <a:endParaRPr lang="ru-RU"/>
           </a:p>
         </p:txBody>
       </p:sp>
@@ -1403,38 +1611,37 @@
           <a:p>
             <a:pPr lvl="0"/>
             <a:r>
-              <a:rPr lang="ru-RU" smtClean="0"/>
+              <a:rPr lang="ru-RU"/>
               <a:t>Образец текста</a:t>
             </a:r>
           </a:p>
           <a:p>
             <a:pPr lvl="1"/>
             <a:r>
-              <a:rPr lang="ru-RU" smtClean="0"/>
+              <a:rPr lang="ru-RU"/>
               <a:t>Второй уровень</a:t>
             </a:r>
           </a:p>
           <a:p>
             <a:pPr lvl="2"/>
             <a:r>
-              <a:rPr lang="ru-RU" smtClean="0"/>
+              <a:rPr lang="ru-RU"/>
               <a:t>Третий уровень</a:t>
             </a:r>
           </a:p>
           <a:p>
             <a:pPr lvl="3"/>
             <a:r>
-              <a:rPr lang="ru-RU" smtClean="0"/>
+              <a:rPr lang="ru-RU"/>
               <a:t>Четвертый уровень</a:t>
             </a:r>
           </a:p>
           <a:p>
             <a:pPr lvl="4"/>
             <a:r>
-              <a:rPr lang="ru-RU" smtClean="0"/>
+              <a:rPr lang="ru-RU"/>
               <a:t>Пятый уровень</a:t>
             </a:r>
-            <a:endParaRPr lang="ru-RU"/>
           </a:p>
         </p:txBody>
       </p:sp>
@@ -1489,10 +1696,9 @@
           <a:lstStyle/>
           <a:p>
             <a:r>
-              <a:rPr lang="ru-RU" smtClean="0"/>
+              <a:rPr lang="ru-RU"/>
               <a:t>Образец заголовка</a:t>
             </a:r>
-            <a:endParaRPr lang="ru-RU"/>
           </a:p>
         </p:txBody>
       </p:sp>
@@ -1554,10 +1760,9 @@
           </a:lstStyle>
           <a:p>
             <a:r>
-              <a:rPr lang="ru-RU" smtClean="0"/>
+              <a:rPr lang="ru-RU"/>
               <a:t>Образец подзаголовка</a:t>
             </a:r>
-            <a:endParaRPr lang="ru-RU"/>
           </a:p>
         </p:txBody>
       </p:sp>
@@ -1629,7 +1834,7 @@
             <a:fld id="{0E04882C-925F-4B28-8EDA-8B88A67BCEE2}" type="slidenum">
               <a:rPr lang="ru-RU"/>
               <a:pPr/>
-              <a:t>‹Nº›</a:t>
+              <a:t>‹#›</a:t>
             </a:fld>
             <a:endParaRPr lang="ru-RU"/>
           </a:p>
@@ -1681,10 +1886,9 @@
           <a:lstStyle/>
           <a:p>
             <a:r>
-              <a:rPr lang="ru-RU" smtClean="0"/>
+              <a:rPr lang="ru-RU"/>
               <a:t>Образец заголовка</a:t>
             </a:r>
-            <a:endParaRPr lang="ru-RU"/>
           </a:p>
         </p:txBody>
       </p:sp>
@@ -1705,38 +1909,37 @@
           <a:p>
             <a:pPr lvl="0"/>
             <a:r>
-              <a:rPr lang="ru-RU" smtClean="0"/>
+              <a:rPr lang="ru-RU"/>
               <a:t>Образец текста</a:t>
             </a:r>
           </a:p>
           <a:p>
             <a:pPr lvl="1"/>
             <a:r>
-              <a:rPr lang="ru-RU" smtClean="0"/>
+              <a:rPr lang="ru-RU"/>
               <a:t>Второй уровень</a:t>
             </a:r>
           </a:p>
           <a:p>
             <a:pPr lvl="2"/>
             <a:r>
-              <a:rPr lang="ru-RU" smtClean="0"/>
+              <a:rPr lang="ru-RU"/>
               <a:t>Третий уровень</a:t>
             </a:r>
           </a:p>
           <a:p>
             <a:pPr lvl="3"/>
             <a:r>
-              <a:rPr lang="ru-RU" smtClean="0"/>
+              <a:rPr lang="ru-RU"/>
               <a:t>Четвертый уровень</a:t>
             </a:r>
           </a:p>
           <a:p>
             <a:pPr lvl="4"/>
             <a:r>
-              <a:rPr lang="ru-RU" smtClean="0"/>
+              <a:rPr lang="ru-RU"/>
               <a:t>Пятый уровень</a:t>
             </a:r>
-            <a:endParaRPr lang="ru-RU"/>
           </a:p>
         </p:txBody>
       </p:sp>
@@ -1808,7 +2011,7 @@
             <a:fld id="{E50CEF26-0BEC-49B5-81C8-0EEDFF3A8FF5}" type="slidenum">
               <a:rPr lang="ru-RU"/>
               <a:pPr/>
-              <a:t>‹Nº›</a:t>
+              <a:t>‹#›</a:t>
             </a:fld>
             <a:endParaRPr lang="ru-RU"/>
           </a:p>
@@ -1869,10 +2072,9 @@
           </a:lstStyle>
           <a:p>
             <a:r>
-              <a:rPr lang="ru-RU" smtClean="0"/>
+              <a:rPr lang="ru-RU"/>
               <a:t>Образец заголовка</a:t>
             </a:r>
-            <a:endParaRPr lang="ru-RU"/>
           </a:p>
         </p:txBody>
       </p:sp>
@@ -1935,7 +2137,7 @@
           <a:p>
             <a:pPr lvl="0"/>
             <a:r>
-              <a:rPr lang="ru-RU" smtClean="0"/>
+              <a:rPr lang="ru-RU"/>
               <a:t>Образец текста</a:t>
             </a:r>
           </a:p>
@@ -2009,7 +2211,7 @@
             <a:fld id="{1E876713-EC0C-4ACF-AF83-BBCEEBB74D15}" type="slidenum">
               <a:rPr lang="ru-RU"/>
               <a:pPr/>
-              <a:t>‹Nº›</a:t>
+              <a:t>‹#›</a:t>
             </a:fld>
             <a:endParaRPr lang="ru-RU"/>
           </a:p>
@@ -2061,10 +2263,9 @@
           <a:lstStyle/>
           <a:p>
             <a:r>
-              <a:rPr lang="ru-RU" smtClean="0"/>
+              <a:rPr lang="ru-RU"/>
               <a:t>Образец заголовка</a:t>
             </a:r>
-            <a:endParaRPr lang="ru-RU"/>
           </a:p>
         </p:txBody>
       </p:sp>
@@ -2118,38 +2319,37 @@
           <a:p>
             <a:pPr lvl="0"/>
             <a:r>
-              <a:rPr lang="ru-RU" smtClean="0"/>
+              <a:rPr lang="ru-RU"/>
               <a:t>Образец текста</a:t>
             </a:r>
           </a:p>
           <a:p>
             <a:pPr lvl="1"/>
             <a:r>
-              <a:rPr lang="ru-RU" smtClean="0"/>
+              <a:rPr lang="ru-RU"/>
               <a:t>Второй уровень</a:t>
             </a:r>
           </a:p>
           <a:p>
             <a:pPr lvl="2"/>
             <a:r>
-              <a:rPr lang="ru-RU" smtClean="0"/>
+              <a:rPr lang="ru-RU"/>
               <a:t>Третий уровень</a:t>
             </a:r>
           </a:p>
           <a:p>
             <a:pPr lvl="3"/>
             <a:r>
-              <a:rPr lang="ru-RU" smtClean="0"/>
+              <a:rPr lang="ru-RU"/>
               <a:t>Четвертый уровень</a:t>
             </a:r>
           </a:p>
           <a:p>
             <a:pPr lvl="4"/>
             <a:r>
-              <a:rPr lang="ru-RU" smtClean="0"/>
+              <a:rPr lang="ru-RU"/>
               <a:t>Пятый уровень</a:t>
             </a:r>
-            <a:endParaRPr lang="ru-RU"/>
           </a:p>
         </p:txBody>
       </p:sp>
@@ -2203,38 +2403,37 @@
           <a:p>
             <a:pPr lvl="0"/>
             <a:r>
-              <a:rPr lang="ru-RU" smtClean="0"/>
+              <a:rPr lang="ru-RU"/>
               <a:t>Образец текста</a:t>
             </a:r>
           </a:p>
           <a:p>
             <a:pPr lvl="1"/>
             <a:r>
-              <a:rPr lang="ru-RU" smtClean="0"/>
+              <a:rPr lang="ru-RU"/>
               <a:t>Второй уровень</a:t>
             </a:r>
           </a:p>
           <a:p>
             <a:pPr lvl="2"/>
             <a:r>
-              <a:rPr lang="ru-RU" smtClean="0"/>
+              <a:rPr lang="ru-RU"/>
               <a:t>Третий уровень</a:t>
             </a:r>
           </a:p>
           <a:p>
             <a:pPr lvl="3"/>
             <a:r>
-              <a:rPr lang="ru-RU" smtClean="0"/>
+              <a:rPr lang="ru-RU"/>
               <a:t>Четвертый уровень</a:t>
             </a:r>
           </a:p>
           <a:p>
             <a:pPr lvl="4"/>
             <a:r>
-              <a:rPr lang="ru-RU" smtClean="0"/>
+              <a:rPr lang="ru-RU"/>
               <a:t>Пятый уровень</a:t>
             </a:r>
-            <a:endParaRPr lang="ru-RU"/>
           </a:p>
         </p:txBody>
       </p:sp>
@@ -2306,7 +2505,7 @@
             <a:fld id="{A733EE02-CA7D-4340-BD5D-DE9BFFA825AD}" type="slidenum">
               <a:rPr lang="ru-RU"/>
               <a:pPr/>
-              <a:t>‹Nº›</a:t>
+              <a:t>‹#›</a:t>
             </a:fld>
             <a:endParaRPr lang="ru-RU"/>
           </a:p>
@@ -2367,10 +2566,9 @@
           </a:lstStyle>
           <a:p>
             <a:r>
-              <a:rPr lang="ru-RU" smtClean="0"/>
+              <a:rPr lang="ru-RU"/>
               <a:t>Образец заголовка</a:t>
             </a:r>
-            <a:endParaRPr lang="ru-RU"/>
           </a:p>
         </p:txBody>
       </p:sp>
@@ -2433,7 +2631,7 @@
           <a:p>
             <a:pPr lvl="0"/>
             <a:r>
-              <a:rPr lang="ru-RU" smtClean="0"/>
+              <a:rPr lang="ru-RU"/>
               <a:t>Образец текста</a:t>
             </a:r>
           </a:p>
@@ -2489,38 +2687,37 @@
           <a:p>
             <a:pPr lvl="0"/>
             <a:r>
-              <a:rPr lang="ru-RU" smtClean="0"/>
+              <a:rPr lang="ru-RU"/>
               <a:t>Образец текста</a:t>
             </a:r>
           </a:p>
           <a:p>
             <a:pPr lvl="1"/>
             <a:r>
-              <a:rPr lang="ru-RU" smtClean="0"/>
+              <a:rPr lang="ru-RU"/>
               <a:t>Второй уровень</a:t>
             </a:r>
           </a:p>
           <a:p>
             <a:pPr lvl="2"/>
             <a:r>
-              <a:rPr lang="ru-RU" smtClean="0"/>
+              <a:rPr lang="ru-RU"/>
               <a:t>Третий уровень</a:t>
             </a:r>
           </a:p>
           <a:p>
             <a:pPr lvl="3"/>
             <a:r>
-              <a:rPr lang="ru-RU" smtClean="0"/>
+              <a:rPr lang="ru-RU"/>
               <a:t>Четвертый уровень</a:t>
             </a:r>
           </a:p>
           <a:p>
             <a:pPr lvl="4"/>
             <a:r>
-              <a:rPr lang="ru-RU" smtClean="0"/>
+              <a:rPr lang="ru-RU"/>
               <a:t>Пятый уровень</a:t>
             </a:r>
-            <a:endParaRPr lang="ru-RU"/>
           </a:p>
         </p:txBody>
       </p:sp>
@@ -2583,7 +2780,7 @@
           <a:p>
             <a:pPr lvl="0"/>
             <a:r>
-              <a:rPr lang="ru-RU" smtClean="0"/>
+              <a:rPr lang="ru-RU"/>
               <a:t>Образец текста</a:t>
             </a:r>
           </a:p>
@@ -2639,38 +2836,37 @@
           <a:p>
             <a:pPr lvl="0"/>
             <a:r>
-              <a:rPr lang="ru-RU" smtClean="0"/>
+              <a:rPr lang="ru-RU"/>
               <a:t>Образец текста</a:t>
             </a:r>
           </a:p>
           <a:p>
             <a:pPr lvl="1"/>
             <a:r>
-              <a:rPr lang="ru-RU" smtClean="0"/>
+              <a:rPr lang="ru-RU"/>
               <a:t>Второй уровень</a:t>
             </a:r>
           </a:p>
           <a:p>
             <a:pPr lvl="2"/>
             <a:r>
-              <a:rPr lang="ru-RU" smtClean="0"/>
+              <a:rPr lang="ru-RU"/>
               <a:t>Третий уровень</a:t>
             </a:r>
           </a:p>
           <a:p>
             <a:pPr lvl="3"/>
             <a:r>
-              <a:rPr lang="ru-RU" smtClean="0"/>
+              <a:rPr lang="ru-RU"/>
               <a:t>Четвертый уровень</a:t>
             </a:r>
           </a:p>
           <a:p>
             <a:pPr lvl="4"/>
             <a:r>
-              <a:rPr lang="ru-RU" smtClean="0"/>
+              <a:rPr lang="ru-RU"/>
               <a:t>Пятый уровень</a:t>
             </a:r>
-            <a:endParaRPr lang="ru-RU"/>
           </a:p>
         </p:txBody>
       </p:sp>
@@ -2742,7 +2938,7 @@
             <a:fld id="{0A31F569-5B34-4266-BBCD-24714C389F1E}" type="slidenum">
               <a:rPr lang="ru-RU"/>
               <a:pPr/>
-              <a:t>‹Nº›</a:t>
+              <a:t>‹#›</a:t>
             </a:fld>
             <a:endParaRPr lang="ru-RU"/>
           </a:p>
@@ -2794,10 +2990,9 @@
           <a:lstStyle/>
           <a:p>
             <a:r>
-              <a:rPr lang="ru-RU" smtClean="0"/>
+              <a:rPr lang="ru-RU"/>
               <a:t>Образец заголовка</a:t>
             </a:r>
-            <a:endParaRPr lang="ru-RU"/>
           </a:p>
         </p:txBody>
       </p:sp>
@@ -2869,7 +3064,7 @@
             <a:fld id="{6086FDB6-70BE-4C80-A6E3-6C797EA1558F}" type="slidenum">
               <a:rPr lang="ru-RU"/>
               <a:pPr/>
-              <a:t>‹Nº›</a:t>
+              <a:t>‹#›</a:t>
             </a:fld>
             <a:endParaRPr lang="ru-RU"/>
           </a:p>
@@ -2973,7 +3168,7 @@
             <a:fld id="{3BC8C529-4897-48FC-BA54-F1D0F1338036}" type="slidenum">
               <a:rPr lang="ru-RU"/>
               <a:pPr/>
-              <a:t>‹Nº›</a:t>
+              <a:t>‹#›</a:t>
             </a:fld>
             <a:endParaRPr lang="ru-RU"/>
           </a:p>
@@ -3034,10 +3229,9 @@
           </a:lstStyle>
           <a:p>
             <a:r>
-              <a:rPr lang="ru-RU" smtClean="0"/>
+              <a:rPr lang="ru-RU"/>
               <a:t>Образец заголовка</a:t>
             </a:r>
-            <a:endParaRPr lang="ru-RU"/>
           </a:p>
         </p:txBody>
       </p:sp>
@@ -3091,38 +3285,37 @@
           <a:p>
             <a:pPr lvl="0"/>
             <a:r>
-              <a:rPr lang="ru-RU" smtClean="0"/>
+              <a:rPr lang="ru-RU"/>
               <a:t>Образец текста</a:t>
             </a:r>
           </a:p>
           <a:p>
             <a:pPr lvl="1"/>
             <a:r>
-              <a:rPr lang="ru-RU" smtClean="0"/>
+              <a:rPr lang="ru-RU"/>
               <a:t>Второй уровень</a:t>
             </a:r>
           </a:p>
           <a:p>
             <a:pPr lvl="2"/>
             <a:r>
-              <a:rPr lang="ru-RU" smtClean="0"/>
+              <a:rPr lang="ru-RU"/>
               <a:t>Третий уровень</a:t>
             </a:r>
           </a:p>
           <a:p>
             <a:pPr lvl="3"/>
             <a:r>
-              <a:rPr lang="ru-RU" smtClean="0"/>
+              <a:rPr lang="ru-RU"/>
               <a:t>Четвертый уровень</a:t>
             </a:r>
           </a:p>
           <a:p>
             <a:pPr lvl="4"/>
             <a:r>
-              <a:rPr lang="ru-RU" smtClean="0"/>
+              <a:rPr lang="ru-RU"/>
               <a:t>Пятый уровень</a:t>
             </a:r>
-            <a:endParaRPr lang="ru-RU"/>
           </a:p>
         </p:txBody>
       </p:sp>
@@ -3185,7 +3378,7 @@
           <a:p>
             <a:pPr lvl="0"/>
             <a:r>
-              <a:rPr lang="ru-RU" smtClean="0"/>
+              <a:rPr lang="ru-RU"/>
               <a:t>Образец текста</a:t>
             </a:r>
           </a:p>
@@ -3259,7 +3452,7 @@
             <a:fld id="{BBDD08E2-9206-4366-A777-291F7B6FD065}" type="slidenum">
               <a:rPr lang="ru-RU"/>
               <a:pPr/>
-              <a:t>‹Nº›</a:t>
+              <a:t>‹#›</a:t>
             </a:fld>
             <a:endParaRPr lang="ru-RU"/>
           </a:p>
@@ -3311,10 +3504,9 @@
           <a:lstStyle/>
           <a:p>
             <a:r>
-              <a:rPr lang="ru-RU" smtClean="0"/>
+              <a:rPr lang="ru-RU"/>
               <a:t>Образец заголовка</a:t>
             </a:r>
-            <a:endParaRPr lang="ru-RU"/>
           </a:p>
         </p:txBody>
       </p:sp>
@@ -3335,38 +3527,37 @@
           <a:p>
             <a:pPr lvl="0"/>
             <a:r>
-              <a:rPr lang="ru-RU" smtClean="0"/>
+              <a:rPr lang="ru-RU"/>
               <a:t>Образец текста</a:t>
             </a:r>
           </a:p>
           <a:p>
             <a:pPr lvl="1"/>
             <a:r>
-              <a:rPr lang="ru-RU" smtClean="0"/>
+              <a:rPr lang="ru-RU"/>
               <a:t>Второй уровень</a:t>
             </a:r>
           </a:p>
           <a:p>
             <a:pPr lvl="2"/>
             <a:r>
-              <a:rPr lang="ru-RU" smtClean="0"/>
+              <a:rPr lang="ru-RU"/>
               <a:t>Третий уровень</a:t>
             </a:r>
           </a:p>
           <a:p>
             <a:pPr lvl="3"/>
             <a:r>
-              <a:rPr lang="ru-RU" smtClean="0"/>
+              <a:rPr lang="ru-RU"/>
               <a:t>Четвертый уровень</a:t>
             </a:r>
           </a:p>
           <a:p>
             <a:pPr lvl="4"/>
             <a:r>
-              <a:rPr lang="ru-RU" smtClean="0"/>
+              <a:rPr lang="ru-RU"/>
               <a:t>Пятый уровень</a:t>
             </a:r>
-            <a:endParaRPr lang="ru-RU"/>
           </a:p>
         </p:txBody>
       </p:sp>
@@ -3425,10 +3616,9 @@
           </a:lstStyle>
           <a:p>
             <a:r>
-              <a:rPr lang="ru-RU" smtClean="0"/>
+              <a:rPr lang="ru-RU"/>
               <a:t>Образец заголовка</a:t>
             </a:r>
-            <a:endParaRPr lang="ru-RU"/>
           </a:p>
         </p:txBody>
       </p:sp>
@@ -3552,7 +3742,7 @@
           <a:p>
             <a:pPr lvl="0"/>
             <a:r>
-              <a:rPr lang="ru-RU" smtClean="0"/>
+              <a:rPr lang="ru-RU"/>
               <a:t>Образец текста</a:t>
             </a:r>
           </a:p>
@@ -3626,7 +3816,7 @@
             <a:fld id="{C2D3056B-08F4-4A8D-8874-659D0A30CDE1}" type="slidenum">
               <a:rPr lang="ru-RU"/>
               <a:pPr/>
-              <a:t>‹Nº›</a:t>
+              <a:t>‹#›</a:t>
             </a:fld>
             <a:endParaRPr lang="ru-RU"/>
           </a:p>
@@ -3678,10 +3868,9 @@
           <a:lstStyle/>
           <a:p>
             <a:r>
-              <a:rPr lang="ru-RU" smtClean="0"/>
+              <a:rPr lang="ru-RU"/>
               <a:t>Образец заголовка</a:t>
             </a:r>
-            <a:endParaRPr lang="ru-RU"/>
           </a:p>
         </p:txBody>
       </p:sp>
@@ -3702,38 +3891,37 @@
           <a:p>
             <a:pPr lvl="0"/>
             <a:r>
-              <a:rPr lang="ru-RU" smtClean="0"/>
+              <a:rPr lang="ru-RU"/>
               <a:t>Образец текста</a:t>
             </a:r>
           </a:p>
           <a:p>
             <a:pPr lvl="1"/>
             <a:r>
-              <a:rPr lang="ru-RU" smtClean="0"/>
+              <a:rPr lang="ru-RU"/>
               <a:t>Второй уровень</a:t>
             </a:r>
           </a:p>
           <a:p>
             <a:pPr lvl="2"/>
             <a:r>
-              <a:rPr lang="ru-RU" smtClean="0"/>
+              <a:rPr lang="ru-RU"/>
               <a:t>Третий уровень</a:t>
             </a:r>
           </a:p>
           <a:p>
             <a:pPr lvl="3"/>
             <a:r>
-              <a:rPr lang="ru-RU" smtClean="0"/>
+              <a:rPr lang="ru-RU"/>
               <a:t>Четвертый уровень</a:t>
             </a:r>
           </a:p>
           <a:p>
             <a:pPr lvl="4"/>
             <a:r>
-              <a:rPr lang="ru-RU" smtClean="0"/>
+              <a:rPr lang="ru-RU"/>
               <a:t>Пятый уровень</a:t>
             </a:r>
-            <a:endParaRPr lang="ru-RU"/>
           </a:p>
         </p:txBody>
       </p:sp>
@@ -3805,7 +3993,7 @@
             <a:fld id="{122A9DBD-154D-436B-9716-1CFD14EA20E7}" type="slidenum">
               <a:rPr lang="ru-RU"/>
               <a:pPr/>
-              <a:t>‹Nº›</a:t>
+              <a:t>‹#›</a:t>
             </a:fld>
             <a:endParaRPr lang="ru-RU"/>
           </a:p>
@@ -3862,10 +4050,9 @@
           <a:lstStyle/>
           <a:p>
             <a:r>
-              <a:rPr lang="ru-RU" smtClean="0"/>
+              <a:rPr lang="ru-RU"/>
               <a:t>Образец заголовка</a:t>
             </a:r>
-            <a:endParaRPr lang="ru-RU"/>
           </a:p>
         </p:txBody>
       </p:sp>
@@ -3891,38 +4078,37 @@
           <a:p>
             <a:pPr lvl="0"/>
             <a:r>
-              <a:rPr lang="ru-RU" smtClean="0"/>
+              <a:rPr lang="ru-RU"/>
               <a:t>Образец текста</a:t>
             </a:r>
           </a:p>
           <a:p>
             <a:pPr lvl="1"/>
             <a:r>
-              <a:rPr lang="ru-RU" smtClean="0"/>
+              <a:rPr lang="ru-RU"/>
               <a:t>Второй уровень</a:t>
             </a:r>
           </a:p>
           <a:p>
             <a:pPr lvl="2"/>
             <a:r>
-              <a:rPr lang="ru-RU" smtClean="0"/>
+              <a:rPr lang="ru-RU"/>
               <a:t>Третий уровень</a:t>
             </a:r>
           </a:p>
           <a:p>
             <a:pPr lvl="3"/>
             <a:r>
-              <a:rPr lang="ru-RU" smtClean="0"/>
+              <a:rPr lang="ru-RU"/>
               <a:t>Четвертый уровень</a:t>
             </a:r>
           </a:p>
           <a:p>
             <a:pPr lvl="4"/>
             <a:r>
-              <a:rPr lang="ru-RU" smtClean="0"/>
+              <a:rPr lang="ru-RU"/>
               <a:t>Пятый уровень</a:t>
             </a:r>
-            <a:endParaRPr lang="ru-RU"/>
           </a:p>
         </p:txBody>
       </p:sp>
@@ -3994,7 +4180,7 @@
             <a:fld id="{C9F2845B-3EC2-4DA1-928C-CC6EDDE30CA8}" type="slidenum">
               <a:rPr lang="ru-RU"/>
               <a:pPr/>
-              <a:t>‹Nº›</a:t>
+              <a:t>‹#›</a:t>
             </a:fld>
             <a:endParaRPr lang="ru-RU"/>
           </a:p>
@@ -4004,6 +4190,2545 @@
     <p:extLst>
       <p:ext uri="{BB962C8B-B14F-4D97-AF65-F5344CB8AC3E}">
         <p14:creationId xmlns:p14="http://schemas.microsoft.com/office/powerpoint/2010/main" val="863487110"/>
+      </p:ext>
+    </p:extLst>
+  </p:cSld>
+  <p:clrMapOvr>
+    <a:masterClrMapping/>
+  </p:clrMapOvr>
+</p:sldLayout>
+</file>
+
+<file path=ppt/slideLayouts/slideLayout23.xml><?xml version="1.0" encoding="utf-8"?>
+<p:sldLayout xmlns:a="http://schemas.openxmlformats.org/drawingml/2006/main" xmlns:r="http://schemas.openxmlformats.org/officeDocument/2006/relationships" xmlns:p="http://schemas.openxmlformats.org/presentationml/2006/main" matchingName="Титульный слайд" type="title">
+  <p:cSld name="Титульный слайд">
+    <p:bg>
+      <p:bgPr>
+        <a:blipFill>
+          <a:blip r:embed="rId2">
+            <a:alphaModFix/>
+          </a:blip>
+          <a:stretch>
+            <a:fillRect/>
+          </a:stretch>
+        </a:blipFill>
+        <a:effectLst/>
+      </p:bgPr>
+    </p:bg>
+    <p:spTree>
+      <p:nvGrpSpPr>
+        <p:cNvPr id="1" name="Shape 8"/>
+        <p:cNvGrpSpPr/>
+        <p:nvPr/>
+      </p:nvGrpSpPr>
+      <p:grpSpPr>
+        <a:xfrm>
+          <a:off x="0" y="0"/>
+          <a:ext cx="0" cy="0"/>
+          <a:chOff x="0" y="0"/>
+          <a:chExt cx="0" cy="0"/>
+        </a:xfrm>
+      </p:grpSpPr>
+      <p:sp>
+        <p:nvSpPr>
+          <p:cNvPr id="9" name="Google Shape;9;p2"/>
+          <p:cNvSpPr txBox="1">
+            <a:spLocks noGrp="1"/>
+          </p:cNvSpPr>
+          <p:nvPr>
+            <p:ph type="ctrTitle"/>
+          </p:nvPr>
+        </p:nvSpPr>
+        <p:spPr>
+          <a:xfrm>
+            <a:off x="539750" y="620713"/>
+            <a:ext cx="4392600" cy="1079600"/>
+          </a:xfrm>
+          <a:prstGeom prst="rect">
+            <a:avLst/>
+          </a:prstGeom>
+          <a:noFill/>
+          <a:ln>
+            <a:noFill/>
+          </a:ln>
+          <a:effectLst>
+            <a:outerShdw dist="17961" dir="2700000" algn="ctr" rotWithShape="0">
+              <a:schemeClr val="lt2"/>
+            </a:outerShdw>
+          </a:effectLst>
+        </p:spPr>
+        <p:txBody>
+          <a:bodyPr spcFirstLastPara="1" wrap="square" lIns="91425" tIns="45700" rIns="91425" bIns="45700" anchor="ctr" anchorCtr="0">
+            <a:noAutofit/>
+          </a:bodyPr>
+          <a:lstStyle>
+            <a:lvl1pPr lvl="0" algn="l">
+              <a:spcBef>
+                <a:spcPts val="0"/>
+              </a:spcBef>
+              <a:spcAft>
+                <a:spcPts val="0"/>
+              </a:spcAft>
+              <a:buSzPts val="1400"/>
+              <a:buNone/>
+              <a:defRPr/>
+            </a:lvl1pPr>
+            <a:lvl2pPr lvl="1" algn="l">
+              <a:spcBef>
+                <a:spcPts val="0"/>
+              </a:spcBef>
+              <a:spcAft>
+                <a:spcPts val="0"/>
+              </a:spcAft>
+              <a:buSzPts val="1400"/>
+              <a:buNone/>
+              <a:defRPr/>
+            </a:lvl2pPr>
+            <a:lvl3pPr lvl="2" algn="l">
+              <a:spcBef>
+                <a:spcPts val="0"/>
+              </a:spcBef>
+              <a:spcAft>
+                <a:spcPts val="0"/>
+              </a:spcAft>
+              <a:buSzPts val="1400"/>
+              <a:buNone/>
+              <a:defRPr/>
+            </a:lvl3pPr>
+            <a:lvl4pPr lvl="3" algn="l">
+              <a:spcBef>
+                <a:spcPts val="0"/>
+              </a:spcBef>
+              <a:spcAft>
+                <a:spcPts val="0"/>
+              </a:spcAft>
+              <a:buSzPts val="1400"/>
+              <a:buNone/>
+              <a:defRPr/>
+            </a:lvl4pPr>
+            <a:lvl5pPr lvl="4" algn="l">
+              <a:spcBef>
+                <a:spcPts val="0"/>
+              </a:spcBef>
+              <a:spcAft>
+                <a:spcPts val="0"/>
+              </a:spcAft>
+              <a:buSzPts val="1400"/>
+              <a:buNone/>
+              <a:defRPr/>
+            </a:lvl5pPr>
+            <a:lvl6pPr lvl="5" algn="l">
+              <a:spcBef>
+                <a:spcPts val="0"/>
+              </a:spcBef>
+              <a:spcAft>
+                <a:spcPts val="0"/>
+              </a:spcAft>
+              <a:buSzPts val="1400"/>
+              <a:buNone/>
+              <a:defRPr/>
+            </a:lvl6pPr>
+            <a:lvl7pPr lvl="6" algn="l">
+              <a:spcBef>
+                <a:spcPts val="0"/>
+              </a:spcBef>
+              <a:spcAft>
+                <a:spcPts val="0"/>
+              </a:spcAft>
+              <a:buSzPts val="1400"/>
+              <a:buNone/>
+              <a:defRPr/>
+            </a:lvl7pPr>
+            <a:lvl8pPr lvl="7" algn="l">
+              <a:spcBef>
+                <a:spcPts val="0"/>
+              </a:spcBef>
+              <a:spcAft>
+                <a:spcPts val="0"/>
+              </a:spcAft>
+              <a:buSzPts val="1400"/>
+              <a:buNone/>
+              <a:defRPr/>
+            </a:lvl8pPr>
+            <a:lvl9pPr lvl="8" algn="l">
+              <a:spcBef>
+                <a:spcPts val="0"/>
+              </a:spcBef>
+              <a:spcAft>
+                <a:spcPts val="0"/>
+              </a:spcAft>
+              <a:buSzPts val="1400"/>
+              <a:buNone/>
+              <a:defRPr/>
+            </a:lvl9pPr>
+          </a:lstStyle>
+          <a:p>
+            <a:endParaRPr/>
+          </a:p>
+        </p:txBody>
+      </p:sp>
+      <p:sp>
+        <p:nvSpPr>
+          <p:cNvPr id="10" name="Google Shape;10;p2"/>
+          <p:cNvSpPr txBox="1">
+            <a:spLocks noGrp="1"/>
+          </p:cNvSpPr>
+          <p:nvPr>
+            <p:ph type="subTitle" idx="1"/>
+          </p:nvPr>
+        </p:nvSpPr>
+        <p:spPr>
+          <a:xfrm>
+            <a:off x="539750" y="2349500"/>
+            <a:ext cx="4392600" cy="408000"/>
+          </a:xfrm>
+          <a:prstGeom prst="rect">
+            <a:avLst/>
+          </a:prstGeom>
+          <a:noFill/>
+          <a:ln>
+            <a:noFill/>
+          </a:ln>
+          <a:effectLst>
+            <a:outerShdw dist="17961" dir="2700000" algn="ctr" rotWithShape="0">
+              <a:schemeClr val="lt2"/>
+            </a:outerShdw>
+          </a:effectLst>
+        </p:spPr>
+        <p:txBody>
+          <a:bodyPr spcFirstLastPara="1" wrap="square" lIns="91425" tIns="45700" rIns="91425" bIns="45700" anchor="t" anchorCtr="0">
+            <a:noAutofit/>
+          </a:bodyPr>
+          <a:lstStyle>
+            <a:lvl1pPr lvl="0" algn="l">
+              <a:spcBef>
+                <a:spcPts val="400"/>
+              </a:spcBef>
+              <a:spcAft>
+                <a:spcPts val="0"/>
+              </a:spcAft>
+              <a:buClr>
+                <a:srgbClr val="77D21A"/>
+              </a:buClr>
+              <a:buSzPts val="2000"/>
+              <a:buFont typeface="Dosis"/>
+              <a:buNone/>
+              <a:defRPr>
+                <a:solidFill>
+                  <a:srgbClr val="77D21A"/>
+                </a:solidFill>
+              </a:defRPr>
+            </a:lvl1pPr>
+            <a:lvl2pPr lvl="1" algn="l">
+              <a:spcBef>
+                <a:spcPts val="360"/>
+              </a:spcBef>
+              <a:spcAft>
+                <a:spcPts val="0"/>
+              </a:spcAft>
+              <a:buClr>
+                <a:srgbClr val="666666"/>
+              </a:buClr>
+              <a:buSzPts val="1800"/>
+              <a:buChar char="–"/>
+              <a:defRPr/>
+            </a:lvl2pPr>
+            <a:lvl3pPr lvl="2" algn="l">
+              <a:spcBef>
+                <a:spcPts val="360"/>
+              </a:spcBef>
+              <a:spcAft>
+                <a:spcPts val="0"/>
+              </a:spcAft>
+              <a:buClr>
+                <a:srgbClr val="666666"/>
+              </a:buClr>
+              <a:buSzPts val="1800"/>
+              <a:buChar char="•"/>
+              <a:defRPr/>
+            </a:lvl3pPr>
+            <a:lvl4pPr lvl="3" algn="l">
+              <a:spcBef>
+                <a:spcPts val="360"/>
+              </a:spcBef>
+              <a:spcAft>
+                <a:spcPts val="0"/>
+              </a:spcAft>
+              <a:buClr>
+                <a:srgbClr val="666666"/>
+              </a:buClr>
+              <a:buSzPts val="1800"/>
+              <a:buChar char="–"/>
+              <a:defRPr/>
+            </a:lvl4pPr>
+            <a:lvl5pPr lvl="4" algn="l">
+              <a:spcBef>
+                <a:spcPts val="360"/>
+              </a:spcBef>
+              <a:spcAft>
+                <a:spcPts val="0"/>
+              </a:spcAft>
+              <a:buClr>
+                <a:srgbClr val="666666"/>
+              </a:buClr>
+              <a:buSzPts val="1800"/>
+              <a:buChar char="»"/>
+              <a:defRPr/>
+            </a:lvl5pPr>
+            <a:lvl6pPr lvl="5" algn="l">
+              <a:spcBef>
+                <a:spcPts val="360"/>
+              </a:spcBef>
+              <a:spcAft>
+                <a:spcPts val="0"/>
+              </a:spcAft>
+              <a:buClr>
+                <a:srgbClr val="666666"/>
+              </a:buClr>
+              <a:buSzPts val="1800"/>
+              <a:buChar char="»"/>
+              <a:defRPr/>
+            </a:lvl6pPr>
+            <a:lvl7pPr lvl="6" algn="l">
+              <a:spcBef>
+                <a:spcPts val="360"/>
+              </a:spcBef>
+              <a:spcAft>
+                <a:spcPts val="0"/>
+              </a:spcAft>
+              <a:buClr>
+                <a:srgbClr val="666666"/>
+              </a:buClr>
+              <a:buSzPts val="1800"/>
+              <a:buChar char="»"/>
+              <a:defRPr/>
+            </a:lvl7pPr>
+            <a:lvl8pPr lvl="7" algn="l">
+              <a:spcBef>
+                <a:spcPts val="360"/>
+              </a:spcBef>
+              <a:spcAft>
+                <a:spcPts val="0"/>
+              </a:spcAft>
+              <a:buClr>
+                <a:srgbClr val="666666"/>
+              </a:buClr>
+              <a:buSzPts val="1800"/>
+              <a:buChar char="»"/>
+              <a:defRPr/>
+            </a:lvl8pPr>
+            <a:lvl9pPr lvl="8" algn="l">
+              <a:spcBef>
+                <a:spcPts val="360"/>
+              </a:spcBef>
+              <a:spcAft>
+                <a:spcPts val="0"/>
+              </a:spcAft>
+              <a:buClr>
+                <a:srgbClr val="666666"/>
+              </a:buClr>
+              <a:buSzPts val="1800"/>
+              <a:buChar char="»"/>
+              <a:defRPr/>
+            </a:lvl9pPr>
+          </a:lstStyle>
+          <a:p>
+            <a:endParaRPr/>
+          </a:p>
+        </p:txBody>
+      </p:sp>
+    </p:spTree>
+    <p:extLst>
+      <p:ext uri="{BB962C8B-B14F-4D97-AF65-F5344CB8AC3E}">
+        <p14:creationId xmlns:p14="http://schemas.microsoft.com/office/powerpoint/2010/main" val="2536618479"/>
+      </p:ext>
+    </p:extLst>
+  </p:cSld>
+  <p:clrMapOvr>
+    <a:masterClrMapping/>
+  </p:clrMapOvr>
+</p:sldLayout>
+</file>
+
+<file path=ppt/slideLayouts/slideLayout24.xml><?xml version="1.0" encoding="utf-8"?>
+<p:sldLayout xmlns:a="http://schemas.openxmlformats.org/drawingml/2006/main" xmlns:r="http://schemas.openxmlformats.org/officeDocument/2006/relationships" xmlns:p="http://schemas.openxmlformats.org/presentationml/2006/main" matchingName="Заголовок и объект" type="obj">
+  <p:cSld name="Заголовок и объект">
+    <p:spTree>
+      <p:nvGrpSpPr>
+        <p:cNvPr id="1" name="Shape 11"/>
+        <p:cNvGrpSpPr/>
+        <p:nvPr/>
+      </p:nvGrpSpPr>
+      <p:grpSpPr>
+        <a:xfrm>
+          <a:off x="0" y="0"/>
+          <a:ext cx="0" cy="0"/>
+          <a:chOff x="0" y="0"/>
+          <a:chExt cx="0" cy="0"/>
+        </a:xfrm>
+      </p:grpSpPr>
+      <p:sp>
+        <p:nvSpPr>
+          <p:cNvPr id="12" name="Google Shape;12;p3"/>
+          <p:cNvSpPr txBox="1">
+            <a:spLocks noGrp="1"/>
+          </p:cNvSpPr>
+          <p:nvPr>
+            <p:ph type="title"/>
+          </p:nvPr>
+        </p:nvSpPr>
+        <p:spPr>
+          <a:xfrm>
+            <a:off x="611188" y="260351"/>
+            <a:ext cx="8137500" cy="868400"/>
+          </a:xfrm>
+          <a:prstGeom prst="rect">
+            <a:avLst/>
+          </a:prstGeom>
+          <a:noFill/>
+          <a:ln>
+            <a:noFill/>
+          </a:ln>
+        </p:spPr>
+        <p:txBody>
+          <a:bodyPr spcFirstLastPara="1" wrap="square" lIns="91425" tIns="45700" rIns="91425" bIns="45700" anchor="ctr" anchorCtr="0">
+            <a:noAutofit/>
+          </a:bodyPr>
+          <a:lstStyle>
+            <a:lvl1pPr lvl="0" algn="l">
+              <a:spcBef>
+                <a:spcPts val="0"/>
+              </a:spcBef>
+              <a:spcAft>
+                <a:spcPts val="0"/>
+              </a:spcAft>
+              <a:buSzPts val="1400"/>
+              <a:buNone/>
+              <a:defRPr/>
+            </a:lvl1pPr>
+            <a:lvl2pPr lvl="1" algn="l">
+              <a:spcBef>
+                <a:spcPts val="0"/>
+              </a:spcBef>
+              <a:spcAft>
+                <a:spcPts val="0"/>
+              </a:spcAft>
+              <a:buSzPts val="1400"/>
+              <a:buNone/>
+              <a:defRPr/>
+            </a:lvl2pPr>
+            <a:lvl3pPr lvl="2" algn="l">
+              <a:spcBef>
+                <a:spcPts val="0"/>
+              </a:spcBef>
+              <a:spcAft>
+                <a:spcPts val="0"/>
+              </a:spcAft>
+              <a:buSzPts val="1400"/>
+              <a:buNone/>
+              <a:defRPr/>
+            </a:lvl3pPr>
+            <a:lvl4pPr lvl="3" algn="l">
+              <a:spcBef>
+                <a:spcPts val="0"/>
+              </a:spcBef>
+              <a:spcAft>
+                <a:spcPts val="0"/>
+              </a:spcAft>
+              <a:buSzPts val="1400"/>
+              <a:buNone/>
+              <a:defRPr/>
+            </a:lvl4pPr>
+            <a:lvl5pPr lvl="4" algn="l">
+              <a:spcBef>
+                <a:spcPts val="0"/>
+              </a:spcBef>
+              <a:spcAft>
+                <a:spcPts val="0"/>
+              </a:spcAft>
+              <a:buSzPts val="1400"/>
+              <a:buNone/>
+              <a:defRPr/>
+            </a:lvl5pPr>
+            <a:lvl6pPr lvl="5" algn="l">
+              <a:spcBef>
+                <a:spcPts val="0"/>
+              </a:spcBef>
+              <a:spcAft>
+                <a:spcPts val="0"/>
+              </a:spcAft>
+              <a:buSzPts val="1400"/>
+              <a:buNone/>
+              <a:defRPr/>
+            </a:lvl6pPr>
+            <a:lvl7pPr lvl="6" algn="l">
+              <a:spcBef>
+                <a:spcPts val="0"/>
+              </a:spcBef>
+              <a:spcAft>
+                <a:spcPts val="0"/>
+              </a:spcAft>
+              <a:buSzPts val="1400"/>
+              <a:buNone/>
+              <a:defRPr/>
+            </a:lvl7pPr>
+            <a:lvl8pPr lvl="7" algn="l">
+              <a:spcBef>
+                <a:spcPts val="0"/>
+              </a:spcBef>
+              <a:spcAft>
+                <a:spcPts val="0"/>
+              </a:spcAft>
+              <a:buSzPts val="1400"/>
+              <a:buNone/>
+              <a:defRPr/>
+            </a:lvl8pPr>
+            <a:lvl9pPr lvl="8" algn="l">
+              <a:spcBef>
+                <a:spcPts val="0"/>
+              </a:spcBef>
+              <a:spcAft>
+                <a:spcPts val="0"/>
+              </a:spcAft>
+              <a:buSzPts val="1400"/>
+              <a:buNone/>
+              <a:defRPr/>
+            </a:lvl9pPr>
+          </a:lstStyle>
+          <a:p>
+            <a:endParaRPr/>
+          </a:p>
+        </p:txBody>
+      </p:sp>
+      <p:sp>
+        <p:nvSpPr>
+          <p:cNvPr id="13" name="Google Shape;13;p3"/>
+          <p:cNvSpPr txBox="1">
+            <a:spLocks noGrp="1"/>
+          </p:cNvSpPr>
+          <p:nvPr>
+            <p:ph type="body" idx="1"/>
+          </p:nvPr>
+        </p:nvSpPr>
+        <p:spPr>
+          <a:xfrm>
+            <a:off x="611188" y="1339851"/>
+            <a:ext cx="8137500" cy="5184800"/>
+          </a:xfrm>
+          <a:prstGeom prst="rect">
+            <a:avLst/>
+          </a:prstGeom>
+          <a:noFill/>
+          <a:ln>
+            <a:noFill/>
+          </a:ln>
+        </p:spPr>
+        <p:txBody>
+          <a:bodyPr spcFirstLastPara="1" wrap="square" lIns="91425" tIns="45700" rIns="91425" bIns="45700" anchor="t" anchorCtr="0">
+            <a:noAutofit/>
+          </a:bodyPr>
+          <a:lstStyle>
+            <a:lvl1pPr marL="457200" lvl="0" indent="-342900" algn="l">
+              <a:spcBef>
+                <a:spcPts val="360"/>
+              </a:spcBef>
+              <a:spcAft>
+                <a:spcPts val="0"/>
+              </a:spcAft>
+              <a:buClr>
+                <a:srgbClr val="666666"/>
+              </a:buClr>
+              <a:buSzPts val="1800"/>
+              <a:buChar char="•"/>
+              <a:defRPr/>
+            </a:lvl1pPr>
+            <a:lvl2pPr marL="914400" lvl="1" indent="-342900" algn="l">
+              <a:spcBef>
+                <a:spcPts val="360"/>
+              </a:spcBef>
+              <a:spcAft>
+                <a:spcPts val="0"/>
+              </a:spcAft>
+              <a:buClr>
+                <a:srgbClr val="666666"/>
+              </a:buClr>
+              <a:buSzPts val="1800"/>
+              <a:buChar char="–"/>
+              <a:defRPr/>
+            </a:lvl2pPr>
+            <a:lvl3pPr marL="1371600" lvl="2" indent="-342900" algn="l">
+              <a:spcBef>
+                <a:spcPts val="360"/>
+              </a:spcBef>
+              <a:spcAft>
+                <a:spcPts val="0"/>
+              </a:spcAft>
+              <a:buClr>
+                <a:srgbClr val="666666"/>
+              </a:buClr>
+              <a:buSzPts val="1800"/>
+              <a:buChar char="•"/>
+              <a:defRPr/>
+            </a:lvl3pPr>
+            <a:lvl4pPr marL="1828800" lvl="3" indent="-342900" algn="l">
+              <a:spcBef>
+                <a:spcPts val="360"/>
+              </a:spcBef>
+              <a:spcAft>
+                <a:spcPts val="0"/>
+              </a:spcAft>
+              <a:buClr>
+                <a:srgbClr val="666666"/>
+              </a:buClr>
+              <a:buSzPts val="1800"/>
+              <a:buChar char="–"/>
+              <a:defRPr/>
+            </a:lvl4pPr>
+            <a:lvl5pPr marL="2286000" lvl="4" indent="-342900" algn="l">
+              <a:spcBef>
+                <a:spcPts val="360"/>
+              </a:spcBef>
+              <a:spcAft>
+                <a:spcPts val="0"/>
+              </a:spcAft>
+              <a:buClr>
+                <a:srgbClr val="666666"/>
+              </a:buClr>
+              <a:buSzPts val="1800"/>
+              <a:buChar char="»"/>
+              <a:defRPr/>
+            </a:lvl5pPr>
+            <a:lvl6pPr marL="2743200" lvl="5" indent="-342900" algn="l">
+              <a:spcBef>
+                <a:spcPts val="360"/>
+              </a:spcBef>
+              <a:spcAft>
+                <a:spcPts val="0"/>
+              </a:spcAft>
+              <a:buClr>
+                <a:srgbClr val="666666"/>
+              </a:buClr>
+              <a:buSzPts val="1800"/>
+              <a:buChar char="»"/>
+              <a:defRPr/>
+            </a:lvl6pPr>
+            <a:lvl7pPr marL="3200400" lvl="6" indent="-342900" algn="l">
+              <a:spcBef>
+                <a:spcPts val="360"/>
+              </a:spcBef>
+              <a:spcAft>
+                <a:spcPts val="0"/>
+              </a:spcAft>
+              <a:buClr>
+                <a:srgbClr val="666666"/>
+              </a:buClr>
+              <a:buSzPts val="1800"/>
+              <a:buChar char="»"/>
+              <a:defRPr/>
+            </a:lvl7pPr>
+            <a:lvl8pPr marL="3657600" lvl="7" indent="-342900" algn="l">
+              <a:spcBef>
+                <a:spcPts val="360"/>
+              </a:spcBef>
+              <a:spcAft>
+                <a:spcPts val="0"/>
+              </a:spcAft>
+              <a:buClr>
+                <a:srgbClr val="666666"/>
+              </a:buClr>
+              <a:buSzPts val="1800"/>
+              <a:buChar char="»"/>
+              <a:defRPr/>
+            </a:lvl8pPr>
+            <a:lvl9pPr marL="4114800" lvl="8" indent="-342900" algn="l">
+              <a:spcBef>
+                <a:spcPts val="360"/>
+              </a:spcBef>
+              <a:spcAft>
+                <a:spcPts val="0"/>
+              </a:spcAft>
+              <a:buClr>
+                <a:srgbClr val="666666"/>
+              </a:buClr>
+              <a:buSzPts val="1800"/>
+              <a:buChar char="»"/>
+              <a:defRPr/>
+            </a:lvl9pPr>
+          </a:lstStyle>
+          <a:p>
+            <a:endParaRPr/>
+          </a:p>
+        </p:txBody>
+      </p:sp>
+    </p:spTree>
+    <p:extLst>
+      <p:ext uri="{BB962C8B-B14F-4D97-AF65-F5344CB8AC3E}">
+        <p14:creationId xmlns:p14="http://schemas.microsoft.com/office/powerpoint/2010/main" val="3956669364"/>
+      </p:ext>
+    </p:extLst>
+  </p:cSld>
+  <p:clrMapOvr>
+    <a:masterClrMapping/>
+  </p:clrMapOvr>
+</p:sldLayout>
+</file>
+
+<file path=ppt/slideLayouts/slideLayout25.xml><?xml version="1.0" encoding="utf-8"?>
+<p:sldLayout xmlns:a="http://schemas.openxmlformats.org/drawingml/2006/main" xmlns:r="http://schemas.openxmlformats.org/officeDocument/2006/relationships" xmlns:p="http://schemas.openxmlformats.org/presentationml/2006/main" matchingName="Заголовок раздела" type="secHead">
+  <p:cSld name="Заголовок раздела">
+    <p:spTree>
+      <p:nvGrpSpPr>
+        <p:cNvPr id="1" name="Shape 14"/>
+        <p:cNvGrpSpPr/>
+        <p:nvPr/>
+      </p:nvGrpSpPr>
+      <p:grpSpPr>
+        <a:xfrm>
+          <a:off x="0" y="0"/>
+          <a:ext cx="0" cy="0"/>
+          <a:chOff x="0" y="0"/>
+          <a:chExt cx="0" cy="0"/>
+        </a:xfrm>
+      </p:grpSpPr>
+      <p:sp>
+        <p:nvSpPr>
+          <p:cNvPr id="15" name="Google Shape;15;p4"/>
+          <p:cNvSpPr txBox="1">
+            <a:spLocks noGrp="1"/>
+          </p:cNvSpPr>
+          <p:nvPr>
+            <p:ph type="title"/>
+          </p:nvPr>
+        </p:nvSpPr>
+        <p:spPr>
+          <a:xfrm>
+            <a:off x="722313" y="4406900"/>
+            <a:ext cx="7772400" cy="1362000"/>
+          </a:xfrm>
+          <a:prstGeom prst="rect">
+            <a:avLst/>
+          </a:prstGeom>
+          <a:noFill/>
+          <a:ln>
+            <a:noFill/>
+          </a:ln>
+        </p:spPr>
+        <p:txBody>
+          <a:bodyPr spcFirstLastPara="1" wrap="square" lIns="91425" tIns="45700" rIns="91425" bIns="45700" anchor="t" anchorCtr="0">
+            <a:noAutofit/>
+          </a:bodyPr>
+          <a:lstStyle>
+            <a:lvl1pPr lvl="0" algn="l">
+              <a:spcBef>
+                <a:spcPts val="0"/>
+              </a:spcBef>
+              <a:spcAft>
+                <a:spcPts val="0"/>
+              </a:spcAft>
+              <a:buSzPts val="1400"/>
+              <a:buNone/>
+              <a:defRPr sz="4000" b="1" cap="none"/>
+            </a:lvl1pPr>
+            <a:lvl2pPr lvl="1" algn="l">
+              <a:spcBef>
+                <a:spcPts val="0"/>
+              </a:spcBef>
+              <a:spcAft>
+                <a:spcPts val="0"/>
+              </a:spcAft>
+              <a:buSzPts val="1400"/>
+              <a:buNone/>
+              <a:defRPr/>
+            </a:lvl2pPr>
+            <a:lvl3pPr lvl="2" algn="l">
+              <a:spcBef>
+                <a:spcPts val="0"/>
+              </a:spcBef>
+              <a:spcAft>
+                <a:spcPts val="0"/>
+              </a:spcAft>
+              <a:buSzPts val="1400"/>
+              <a:buNone/>
+              <a:defRPr/>
+            </a:lvl3pPr>
+            <a:lvl4pPr lvl="3" algn="l">
+              <a:spcBef>
+                <a:spcPts val="0"/>
+              </a:spcBef>
+              <a:spcAft>
+                <a:spcPts val="0"/>
+              </a:spcAft>
+              <a:buSzPts val="1400"/>
+              <a:buNone/>
+              <a:defRPr/>
+            </a:lvl4pPr>
+            <a:lvl5pPr lvl="4" algn="l">
+              <a:spcBef>
+                <a:spcPts val="0"/>
+              </a:spcBef>
+              <a:spcAft>
+                <a:spcPts val="0"/>
+              </a:spcAft>
+              <a:buSzPts val="1400"/>
+              <a:buNone/>
+              <a:defRPr/>
+            </a:lvl5pPr>
+            <a:lvl6pPr lvl="5" algn="l">
+              <a:spcBef>
+                <a:spcPts val="0"/>
+              </a:spcBef>
+              <a:spcAft>
+                <a:spcPts val="0"/>
+              </a:spcAft>
+              <a:buSzPts val="1400"/>
+              <a:buNone/>
+              <a:defRPr/>
+            </a:lvl6pPr>
+            <a:lvl7pPr lvl="6" algn="l">
+              <a:spcBef>
+                <a:spcPts val="0"/>
+              </a:spcBef>
+              <a:spcAft>
+                <a:spcPts val="0"/>
+              </a:spcAft>
+              <a:buSzPts val="1400"/>
+              <a:buNone/>
+              <a:defRPr/>
+            </a:lvl7pPr>
+            <a:lvl8pPr lvl="7" algn="l">
+              <a:spcBef>
+                <a:spcPts val="0"/>
+              </a:spcBef>
+              <a:spcAft>
+                <a:spcPts val="0"/>
+              </a:spcAft>
+              <a:buSzPts val="1400"/>
+              <a:buNone/>
+              <a:defRPr/>
+            </a:lvl8pPr>
+            <a:lvl9pPr lvl="8" algn="l">
+              <a:spcBef>
+                <a:spcPts val="0"/>
+              </a:spcBef>
+              <a:spcAft>
+                <a:spcPts val="0"/>
+              </a:spcAft>
+              <a:buSzPts val="1400"/>
+              <a:buNone/>
+              <a:defRPr/>
+            </a:lvl9pPr>
+          </a:lstStyle>
+          <a:p>
+            <a:endParaRPr/>
+          </a:p>
+        </p:txBody>
+      </p:sp>
+      <p:sp>
+        <p:nvSpPr>
+          <p:cNvPr id="16" name="Google Shape;16;p4"/>
+          <p:cNvSpPr txBox="1">
+            <a:spLocks noGrp="1"/>
+          </p:cNvSpPr>
+          <p:nvPr>
+            <p:ph type="body" idx="1"/>
+          </p:nvPr>
+        </p:nvSpPr>
+        <p:spPr>
+          <a:xfrm>
+            <a:off x="722313" y="2906713"/>
+            <a:ext cx="7772400" cy="1500000"/>
+          </a:xfrm>
+          <a:prstGeom prst="rect">
+            <a:avLst/>
+          </a:prstGeom>
+          <a:noFill/>
+          <a:ln>
+            <a:noFill/>
+          </a:ln>
+        </p:spPr>
+        <p:txBody>
+          <a:bodyPr spcFirstLastPara="1" wrap="square" lIns="91425" tIns="45700" rIns="91425" bIns="45700" anchor="b" anchorCtr="0">
+            <a:noAutofit/>
+          </a:bodyPr>
+          <a:lstStyle>
+            <a:lvl1pPr marL="457200" lvl="0" indent="-228600" algn="l">
+              <a:spcBef>
+                <a:spcPts val="400"/>
+              </a:spcBef>
+              <a:spcAft>
+                <a:spcPts val="0"/>
+              </a:spcAft>
+              <a:buClr>
+                <a:srgbClr val="666666"/>
+              </a:buClr>
+              <a:buSzPts val="2000"/>
+              <a:buFont typeface="Dosis"/>
+              <a:buNone/>
+              <a:defRPr sz="2000"/>
+            </a:lvl1pPr>
+            <a:lvl2pPr marL="914400" lvl="1" indent="-228600" algn="l">
+              <a:spcBef>
+                <a:spcPts val="360"/>
+              </a:spcBef>
+              <a:spcAft>
+                <a:spcPts val="0"/>
+              </a:spcAft>
+              <a:buClr>
+                <a:srgbClr val="666666"/>
+              </a:buClr>
+              <a:buSzPts val="1800"/>
+              <a:buFont typeface="Dosis"/>
+              <a:buNone/>
+              <a:defRPr sz="1800"/>
+            </a:lvl2pPr>
+            <a:lvl3pPr marL="1371600" lvl="2" indent="-228600" algn="l">
+              <a:spcBef>
+                <a:spcPts val="320"/>
+              </a:spcBef>
+              <a:spcAft>
+                <a:spcPts val="0"/>
+              </a:spcAft>
+              <a:buClr>
+                <a:srgbClr val="666666"/>
+              </a:buClr>
+              <a:buSzPts val="1600"/>
+              <a:buFont typeface="Dosis"/>
+              <a:buNone/>
+              <a:defRPr sz="1600"/>
+            </a:lvl3pPr>
+            <a:lvl4pPr marL="1828800" lvl="3" indent="-228600" algn="l">
+              <a:spcBef>
+                <a:spcPts val="280"/>
+              </a:spcBef>
+              <a:spcAft>
+                <a:spcPts val="0"/>
+              </a:spcAft>
+              <a:buClr>
+                <a:srgbClr val="666666"/>
+              </a:buClr>
+              <a:buSzPts val="1400"/>
+              <a:buFont typeface="Dosis"/>
+              <a:buNone/>
+              <a:defRPr sz="1400"/>
+            </a:lvl4pPr>
+            <a:lvl5pPr marL="2286000" lvl="4" indent="-228600" algn="l">
+              <a:spcBef>
+                <a:spcPts val="280"/>
+              </a:spcBef>
+              <a:spcAft>
+                <a:spcPts val="0"/>
+              </a:spcAft>
+              <a:buClr>
+                <a:srgbClr val="666666"/>
+              </a:buClr>
+              <a:buSzPts val="1400"/>
+              <a:buFont typeface="Dosis"/>
+              <a:buNone/>
+              <a:defRPr sz="1400"/>
+            </a:lvl5pPr>
+            <a:lvl6pPr marL="2743200" lvl="5" indent="-228600" algn="l">
+              <a:spcBef>
+                <a:spcPts val="280"/>
+              </a:spcBef>
+              <a:spcAft>
+                <a:spcPts val="0"/>
+              </a:spcAft>
+              <a:buClr>
+                <a:srgbClr val="666666"/>
+              </a:buClr>
+              <a:buSzPts val="1400"/>
+              <a:buFont typeface="Dosis"/>
+              <a:buNone/>
+              <a:defRPr sz="1400"/>
+            </a:lvl6pPr>
+            <a:lvl7pPr marL="3200400" lvl="6" indent="-228600" algn="l">
+              <a:spcBef>
+                <a:spcPts val="280"/>
+              </a:spcBef>
+              <a:spcAft>
+                <a:spcPts val="0"/>
+              </a:spcAft>
+              <a:buClr>
+                <a:srgbClr val="666666"/>
+              </a:buClr>
+              <a:buSzPts val="1400"/>
+              <a:buFont typeface="Dosis"/>
+              <a:buNone/>
+              <a:defRPr sz="1400"/>
+            </a:lvl7pPr>
+            <a:lvl8pPr marL="3657600" lvl="7" indent="-228600" algn="l">
+              <a:spcBef>
+                <a:spcPts val="280"/>
+              </a:spcBef>
+              <a:spcAft>
+                <a:spcPts val="0"/>
+              </a:spcAft>
+              <a:buClr>
+                <a:srgbClr val="666666"/>
+              </a:buClr>
+              <a:buSzPts val="1400"/>
+              <a:buFont typeface="Dosis"/>
+              <a:buNone/>
+              <a:defRPr sz="1400"/>
+            </a:lvl8pPr>
+            <a:lvl9pPr marL="4114800" lvl="8" indent="-228600" algn="l">
+              <a:spcBef>
+                <a:spcPts val="280"/>
+              </a:spcBef>
+              <a:spcAft>
+                <a:spcPts val="0"/>
+              </a:spcAft>
+              <a:buClr>
+                <a:srgbClr val="666666"/>
+              </a:buClr>
+              <a:buSzPts val="1400"/>
+              <a:buFont typeface="Dosis"/>
+              <a:buNone/>
+              <a:defRPr sz="1400"/>
+            </a:lvl9pPr>
+          </a:lstStyle>
+          <a:p>
+            <a:endParaRPr/>
+          </a:p>
+        </p:txBody>
+      </p:sp>
+    </p:spTree>
+    <p:extLst>
+      <p:ext uri="{BB962C8B-B14F-4D97-AF65-F5344CB8AC3E}">
+        <p14:creationId xmlns:p14="http://schemas.microsoft.com/office/powerpoint/2010/main" val="1340388704"/>
+      </p:ext>
+    </p:extLst>
+  </p:cSld>
+  <p:clrMapOvr>
+    <a:masterClrMapping/>
+  </p:clrMapOvr>
+</p:sldLayout>
+</file>
+
+<file path=ppt/slideLayouts/slideLayout26.xml><?xml version="1.0" encoding="utf-8"?>
+<p:sldLayout xmlns:a="http://schemas.openxmlformats.org/drawingml/2006/main" xmlns:r="http://schemas.openxmlformats.org/officeDocument/2006/relationships" xmlns:p="http://schemas.openxmlformats.org/presentationml/2006/main" matchingName="Два объекта" type="twoObj">
+  <p:cSld name="Два объекта">
+    <p:spTree>
+      <p:nvGrpSpPr>
+        <p:cNvPr id="1" name="Shape 17"/>
+        <p:cNvGrpSpPr/>
+        <p:nvPr/>
+      </p:nvGrpSpPr>
+      <p:grpSpPr>
+        <a:xfrm>
+          <a:off x="0" y="0"/>
+          <a:ext cx="0" cy="0"/>
+          <a:chOff x="0" y="0"/>
+          <a:chExt cx="0" cy="0"/>
+        </a:xfrm>
+      </p:grpSpPr>
+      <p:sp>
+        <p:nvSpPr>
+          <p:cNvPr id="18" name="Google Shape;18;p5"/>
+          <p:cNvSpPr txBox="1">
+            <a:spLocks noGrp="1"/>
+          </p:cNvSpPr>
+          <p:nvPr>
+            <p:ph type="title"/>
+          </p:nvPr>
+        </p:nvSpPr>
+        <p:spPr>
+          <a:xfrm>
+            <a:off x="611188" y="260351"/>
+            <a:ext cx="8137500" cy="868400"/>
+          </a:xfrm>
+          <a:prstGeom prst="rect">
+            <a:avLst/>
+          </a:prstGeom>
+          <a:noFill/>
+          <a:ln>
+            <a:noFill/>
+          </a:ln>
+        </p:spPr>
+        <p:txBody>
+          <a:bodyPr spcFirstLastPara="1" wrap="square" lIns="91425" tIns="45700" rIns="91425" bIns="45700" anchor="ctr" anchorCtr="0">
+            <a:noAutofit/>
+          </a:bodyPr>
+          <a:lstStyle>
+            <a:lvl1pPr lvl="0" algn="l">
+              <a:spcBef>
+                <a:spcPts val="0"/>
+              </a:spcBef>
+              <a:spcAft>
+                <a:spcPts val="0"/>
+              </a:spcAft>
+              <a:buSzPts val="1400"/>
+              <a:buNone/>
+              <a:defRPr/>
+            </a:lvl1pPr>
+            <a:lvl2pPr lvl="1" algn="l">
+              <a:spcBef>
+                <a:spcPts val="0"/>
+              </a:spcBef>
+              <a:spcAft>
+                <a:spcPts val="0"/>
+              </a:spcAft>
+              <a:buSzPts val="1400"/>
+              <a:buNone/>
+              <a:defRPr/>
+            </a:lvl2pPr>
+            <a:lvl3pPr lvl="2" algn="l">
+              <a:spcBef>
+                <a:spcPts val="0"/>
+              </a:spcBef>
+              <a:spcAft>
+                <a:spcPts val="0"/>
+              </a:spcAft>
+              <a:buSzPts val="1400"/>
+              <a:buNone/>
+              <a:defRPr/>
+            </a:lvl3pPr>
+            <a:lvl4pPr lvl="3" algn="l">
+              <a:spcBef>
+                <a:spcPts val="0"/>
+              </a:spcBef>
+              <a:spcAft>
+                <a:spcPts val="0"/>
+              </a:spcAft>
+              <a:buSzPts val="1400"/>
+              <a:buNone/>
+              <a:defRPr/>
+            </a:lvl4pPr>
+            <a:lvl5pPr lvl="4" algn="l">
+              <a:spcBef>
+                <a:spcPts val="0"/>
+              </a:spcBef>
+              <a:spcAft>
+                <a:spcPts val="0"/>
+              </a:spcAft>
+              <a:buSzPts val="1400"/>
+              <a:buNone/>
+              <a:defRPr/>
+            </a:lvl5pPr>
+            <a:lvl6pPr lvl="5" algn="l">
+              <a:spcBef>
+                <a:spcPts val="0"/>
+              </a:spcBef>
+              <a:spcAft>
+                <a:spcPts val="0"/>
+              </a:spcAft>
+              <a:buSzPts val="1400"/>
+              <a:buNone/>
+              <a:defRPr/>
+            </a:lvl6pPr>
+            <a:lvl7pPr lvl="6" algn="l">
+              <a:spcBef>
+                <a:spcPts val="0"/>
+              </a:spcBef>
+              <a:spcAft>
+                <a:spcPts val="0"/>
+              </a:spcAft>
+              <a:buSzPts val="1400"/>
+              <a:buNone/>
+              <a:defRPr/>
+            </a:lvl7pPr>
+            <a:lvl8pPr lvl="7" algn="l">
+              <a:spcBef>
+                <a:spcPts val="0"/>
+              </a:spcBef>
+              <a:spcAft>
+                <a:spcPts val="0"/>
+              </a:spcAft>
+              <a:buSzPts val="1400"/>
+              <a:buNone/>
+              <a:defRPr/>
+            </a:lvl8pPr>
+            <a:lvl9pPr lvl="8" algn="l">
+              <a:spcBef>
+                <a:spcPts val="0"/>
+              </a:spcBef>
+              <a:spcAft>
+                <a:spcPts val="0"/>
+              </a:spcAft>
+              <a:buSzPts val="1400"/>
+              <a:buNone/>
+              <a:defRPr/>
+            </a:lvl9pPr>
+          </a:lstStyle>
+          <a:p>
+            <a:endParaRPr/>
+          </a:p>
+        </p:txBody>
+      </p:sp>
+      <p:sp>
+        <p:nvSpPr>
+          <p:cNvPr id="19" name="Google Shape;19;p5"/>
+          <p:cNvSpPr txBox="1">
+            <a:spLocks noGrp="1"/>
+          </p:cNvSpPr>
+          <p:nvPr>
+            <p:ph type="body" idx="1"/>
+          </p:nvPr>
+        </p:nvSpPr>
+        <p:spPr>
+          <a:xfrm>
+            <a:off x="611188" y="1339851"/>
+            <a:ext cx="3992700" cy="5184800"/>
+          </a:xfrm>
+          <a:prstGeom prst="rect">
+            <a:avLst/>
+          </a:prstGeom>
+          <a:noFill/>
+          <a:ln>
+            <a:noFill/>
+          </a:ln>
+        </p:spPr>
+        <p:txBody>
+          <a:bodyPr spcFirstLastPara="1" wrap="square" lIns="91425" tIns="45700" rIns="91425" bIns="45700" anchor="t" anchorCtr="0">
+            <a:noAutofit/>
+          </a:bodyPr>
+          <a:lstStyle>
+            <a:lvl1pPr marL="457200" lvl="0" indent="-406400" algn="l">
+              <a:spcBef>
+                <a:spcPts val="560"/>
+              </a:spcBef>
+              <a:spcAft>
+                <a:spcPts val="0"/>
+              </a:spcAft>
+              <a:buClr>
+                <a:srgbClr val="666666"/>
+              </a:buClr>
+              <a:buSzPts val="2800"/>
+              <a:buFont typeface="Dosis"/>
+              <a:buChar char="•"/>
+              <a:defRPr sz="2800"/>
+            </a:lvl1pPr>
+            <a:lvl2pPr marL="914400" lvl="1" indent="-381000" algn="l">
+              <a:spcBef>
+                <a:spcPts val="480"/>
+              </a:spcBef>
+              <a:spcAft>
+                <a:spcPts val="0"/>
+              </a:spcAft>
+              <a:buClr>
+                <a:srgbClr val="666666"/>
+              </a:buClr>
+              <a:buSzPts val="2400"/>
+              <a:buFont typeface="Dosis"/>
+              <a:buChar char="–"/>
+              <a:defRPr sz="2400"/>
+            </a:lvl2pPr>
+            <a:lvl3pPr marL="1371600" lvl="2" indent="-355600" algn="l">
+              <a:spcBef>
+                <a:spcPts val="400"/>
+              </a:spcBef>
+              <a:spcAft>
+                <a:spcPts val="0"/>
+              </a:spcAft>
+              <a:buClr>
+                <a:srgbClr val="666666"/>
+              </a:buClr>
+              <a:buSzPts val="2000"/>
+              <a:buFont typeface="Dosis"/>
+              <a:buChar char="•"/>
+              <a:defRPr sz="2000"/>
+            </a:lvl3pPr>
+            <a:lvl4pPr marL="1828800" lvl="3" indent="-342900" algn="l">
+              <a:spcBef>
+                <a:spcPts val="360"/>
+              </a:spcBef>
+              <a:spcAft>
+                <a:spcPts val="0"/>
+              </a:spcAft>
+              <a:buClr>
+                <a:srgbClr val="666666"/>
+              </a:buClr>
+              <a:buSzPts val="1800"/>
+              <a:buFont typeface="Dosis"/>
+              <a:buChar char="–"/>
+              <a:defRPr sz="1800"/>
+            </a:lvl4pPr>
+            <a:lvl5pPr marL="2286000" lvl="4" indent="-342900" algn="l">
+              <a:spcBef>
+                <a:spcPts val="360"/>
+              </a:spcBef>
+              <a:spcAft>
+                <a:spcPts val="0"/>
+              </a:spcAft>
+              <a:buClr>
+                <a:srgbClr val="666666"/>
+              </a:buClr>
+              <a:buSzPts val="1800"/>
+              <a:buFont typeface="Dosis"/>
+              <a:buChar char="»"/>
+              <a:defRPr sz="1800"/>
+            </a:lvl5pPr>
+            <a:lvl6pPr marL="2743200" lvl="5" indent="-342900" algn="l">
+              <a:spcBef>
+                <a:spcPts val="360"/>
+              </a:spcBef>
+              <a:spcAft>
+                <a:spcPts val="0"/>
+              </a:spcAft>
+              <a:buClr>
+                <a:srgbClr val="666666"/>
+              </a:buClr>
+              <a:buSzPts val="1800"/>
+              <a:buFont typeface="Dosis"/>
+              <a:buChar char="»"/>
+              <a:defRPr sz="1800"/>
+            </a:lvl6pPr>
+            <a:lvl7pPr marL="3200400" lvl="6" indent="-342900" algn="l">
+              <a:spcBef>
+                <a:spcPts val="360"/>
+              </a:spcBef>
+              <a:spcAft>
+                <a:spcPts val="0"/>
+              </a:spcAft>
+              <a:buClr>
+                <a:srgbClr val="666666"/>
+              </a:buClr>
+              <a:buSzPts val="1800"/>
+              <a:buFont typeface="Dosis"/>
+              <a:buChar char="»"/>
+              <a:defRPr sz="1800"/>
+            </a:lvl7pPr>
+            <a:lvl8pPr marL="3657600" lvl="7" indent="-342900" algn="l">
+              <a:spcBef>
+                <a:spcPts val="360"/>
+              </a:spcBef>
+              <a:spcAft>
+                <a:spcPts val="0"/>
+              </a:spcAft>
+              <a:buClr>
+                <a:srgbClr val="666666"/>
+              </a:buClr>
+              <a:buSzPts val="1800"/>
+              <a:buFont typeface="Dosis"/>
+              <a:buChar char="»"/>
+              <a:defRPr sz="1800"/>
+            </a:lvl8pPr>
+            <a:lvl9pPr marL="4114800" lvl="8" indent="-342900" algn="l">
+              <a:spcBef>
+                <a:spcPts val="360"/>
+              </a:spcBef>
+              <a:spcAft>
+                <a:spcPts val="0"/>
+              </a:spcAft>
+              <a:buClr>
+                <a:srgbClr val="666666"/>
+              </a:buClr>
+              <a:buSzPts val="1800"/>
+              <a:buFont typeface="Dosis"/>
+              <a:buChar char="»"/>
+              <a:defRPr sz="1800"/>
+            </a:lvl9pPr>
+          </a:lstStyle>
+          <a:p>
+            <a:endParaRPr/>
+          </a:p>
+        </p:txBody>
+      </p:sp>
+      <p:sp>
+        <p:nvSpPr>
+          <p:cNvPr id="20" name="Google Shape;20;p5"/>
+          <p:cNvSpPr txBox="1">
+            <a:spLocks noGrp="1"/>
+          </p:cNvSpPr>
+          <p:nvPr>
+            <p:ph type="body" idx="2"/>
+          </p:nvPr>
+        </p:nvSpPr>
+        <p:spPr>
+          <a:xfrm>
+            <a:off x="4756150" y="1339851"/>
+            <a:ext cx="3992700" cy="5184800"/>
+          </a:xfrm>
+          <a:prstGeom prst="rect">
+            <a:avLst/>
+          </a:prstGeom>
+          <a:noFill/>
+          <a:ln>
+            <a:noFill/>
+          </a:ln>
+        </p:spPr>
+        <p:txBody>
+          <a:bodyPr spcFirstLastPara="1" wrap="square" lIns="91425" tIns="45700" rIns="91425" bIns="45700" anchor="t" anchorCtr="0">
+            <a:noAutofit/>
+          </a:bodyPr>
+          <a:lstStyle>
+            <a:lvl1pPr marL="457200" lvl="0" indent="-406400" algn="l">
+              <a:spcBef>
+                <a:spcPts val="560"/>
+              </a:spcBef>
+              <a:spcAft>
+                <a:spcPts val="0"/>
+              </a:spcAft>
+              <a:buClr>
+                <a:srgbClr val="666666"/>
+              </a:buClr>
+              <a:buSzPts val="2800"/>
+              <a:buFont typeface="Dosis"/>
+              <a:buChar char="•"/>
+              <a:defRPr sz="2800"/>
+            </a:lvl1pPr>
+            <a:lvl2pPr marL="914400" lvl="1" indent="-381000" algn="l">
+              <a:spcBef>
+                <a:spcPts val="480"/>
+              </a:spcBef>
+              <a:spcAft>
+                <a:spcPts val="0"/>
+              </a:spcAft>
+              <a:buClr>
+                <a:srgbClr val="666666"/>
+              </a:buClr>
+              <a:buSzPts val="2400"/>
+              <a:buFont typeface="Dosis"/>
+              <a:buChar char="–"/>
+              <a:defRPr sz="2400"/>
+            </a:lvl2pPr>
+            <a:lvl3pPr marL="1371600" lvl="2" indent="-355600" algn="l">
+              <a:spcBef>
+                <a:spcPts val="400"/>
+              </a:spcBef>
+              <a:spcAft>
+                <a:spcPts val="0"/>
+              </a:spcAft>
+              <a:buClr>
+                <a:srgbClr val="666666"/>
+              </a:buClr>
+              <a:buSzPts val="2000"/>
+              <a:buFont typeface="Dosis"/>
+              <a:buChar char="•"/>
+              <a:defRPr sz="2000"/>
+            </a:lvl3pPr>
+            <a:lvl4pPr marL="1828800" lvl="3" indent="-342900" algn="l">
+              <a:spcBef>
+                <a:spcPts val="360"/>
+              </a:spcBef>
+              <a:spcAft>
+                <a:spcPts val="0"/>
+              </a:spcAft>
+              <a:buClr>
+                <a:srgbClr val="666666"/>
+              </a:buClr>
+              <a:buSzPts val="1800"/>
+              <a:buFont typeface="Dosis"/>
+              <a:buChar char="–"/>
+              <a:defRPr sz="1800"/>
+            </a:lvl4pPr>
+            <a:lvl5pPr marL="2286000" lvl="4" indent="-342900" algn="l">
+              <a:spcBef>
+                <a:spcPts val="360"/>
+              </a:spcBef>
+              <a:spcAft>
+                <a:spcPts val="0"/>
+              </a:spcAft>
+              <a:buClr>
+                <a:srgbClr val="666666"/>
+              </a:buClr>
+              <a:buSzPts val="1800"/>
+              <a:buFont typeface="Dosis"/>
+              <a:buChar char="»"/>
+              <a:defRPr sz="1800"/>
+            </a:lvl5pPr>
+            <a:lvl6pPr marL="2743200" lvl="5" indent="-342900" algn="l">
+              <a:spcBef>
+                <a:spcPts val="360"/>
+              </a:spcBef>
+              <a:spcAft>
+                <a:spcPts val="0"/>
+              </a:spcAft>
+              <a:buClr>
+                <a:srgbClr val="666666"/>
+              </a:buClr>
+              <a:buSzPts val="1800"/>
+              <a:buFont typeface="Dosis"/>
+              <a:buChar char="»"/>
+              <a:defRPr sz="1800"/>
+            </a:lvl6pPr>
+            <a:lvl7pPr marL="3200400" lvl="6" indent="-342900" algn="l">
+              <a:spcBef>
+                <a:spcPts val="360"/>
+              </a:spcBef>
+              <a:spcAft>
+                <a:spcPts val="0"/>
+              </a:spcAft>
+              <a:buClr>
+                <a:srgbClr val="666666"/>
+              </a:buClr>
+              <a:buSzPts val="1800"/>
+              <a:buFont typeface="Dosis"/>
+              <a:buChar char="»"/>
+              <a:defRPr sz="1800"/>
+            </a:lvl7pPr>
+            <a:lvl8pPr marL="3657600" lvl="7" indent="-342900" algn="l">
+              <a:spcBef>
+                <a:spcPts val="360"/>
+              </a:spcBef>
+              <a:spcAft>
+                <a:spcPts val="0"/>
+              </a:spcAft>
+              <a:buClr>
+                <a:srgbClr val="666666"/>
+              </a:buClr>
+              <a:buSzPts val="1800"/>
+              <a:buFont typeface="Dosis"/>
+              <a:buChar char="»"/>
+              <a:defRPr sz="1800"/>
+            </a:lvl8pPr>
+            <a:lvl9pPr marL="4114800" lvl="8" indent="-342900" algn="l">
+              <a:spcBef>
+                <a:spcPts val="360"/>
+              </a:spcBef>
+              <a:spcAft>
+                <a:spcPts val="0"/>
+              </a:spcAft>
+              <a:buClr>
+                <a:srgbClr val="666666"/>
+              </a:buClr>
+              <a:buSzPts val="1800"/>
+              <a:buFont typeface="Dosis"/>
+              <a:buChar char="»"/>
+              <a:defRPr sz="1800"/>
+            </a:lvl9pPr>
+          </a:lstStyle>
+          <a:p>
+            <a:endParaRPr/>
+          </a:p>
+        </p:txBody>
+      </p:sp>
+    </p:spTree>
+    <p:extLst>
+      <p:ext uri="{BB962C8B-B14F-4D97-AF65-F5344CB8AC3E}">
+        <p14:creationId xmlns:p14="http://schemas.microsoft.com/office/powerpoint/2010/main" val="3287223516"/>
+      </p:ext>
+    </p:extLst>
+  </p:cSld>
+  <p:clrMapOvr>
+    <a:masterClrMapping/>
+  </p:clrMapOvr>
+</p:sldLayout>
+</file>
+
+<file path=ppt/slideLayouts/slideLayout27.xml><?xml version="1.0" encoding="utf-8"?>
+<p:sldLayout xmlns:a="http://schemas.openxmlformats.org/drawingml/2006/main" xmlns:r="http://schemas.openxmlformats.org/officeDocument/2006/relationships" xmlns:p="http://schemas.openxmlformats.org/presentationml/2006/main" matchingName="Сравнение" type="twoTxTwoObj">
+  <p:cSld name="Сравнение">
+    <p:spTree>
+      <p:nvGrpSpPr>
+        <p:cNvPr id="1" name="Shape 21"/>
+        <p:cNvGrpSpPr/>
+        <p:nvPr/>
+      </p:nvGrpSpPr>
+      <p:grpSpPr>
+        <a:xfrm>
+          <a:off x="0" y="0"/>
+          <a:ext cx="0" cy="0"/>
+          <a:chOff x="0" y="0"/>
+          <a:chExt cx="0" cy="0"/>
+        </a:xfrm>
+      </p:grpSpPr>
+      <p:sp>
+        <p:nvSpPr>
+          <p:cNvPr id="22" name="Google Shape;22;p6"/>
+          <p:cNvSpPr txBox="1">
+            <a:spLocks noGrp="1"/>
+          </p:cNvSpPr>
+          <p:nvPr>
+            <p:ph type="title"/>
+          </p:nvPr>
+        </p:nvSpPr>
+        <p:spPr>
+          <a:xfrm>
+            <a:off x="457200" y="274637"/>
+            <a:ext cx="8229600" cy="1143200"/>
+          </a:xfrm>
+          <a:prstGeom prst="rect">
+            <a:avLst/>
+          </a:prstGeom>
+          <a:noFill/>
+          <a:ln>
+            <a:noFill/>
+          </a:ln>
+        </p:spPr>
+        <p:txBody>
+          <a:bodyPr spcFirstLastPara="1" wrap="square" lIns="91425" tIns="45700" rIns="91425" bIns="45700" anchor="ctr" anchorCtr="0">
+            <a:noAutofit/>
+          </a:bodyPr>
+          <a:lstStyle>
+            <a:lvl1pPr lvl="0" algn="l">
+              <a:spcBef>
+                <a:spcPts val="0"/>
+              </a:spcBef>
+              <a:spcAft>
+                <a:spcPts val="0"/>
+              </a:spcAft>
+              <a:buSzPts val="1400"/>
+              <a:buNone/>
+              <a:defRPr/>
+            </a:lvl1pPr>
+            <a:lvl2pPr lvl="1" algn="l">
+              <a:spcBef>
+                <a:spcPts val="0"/>
+              </a:spcBef>
+              <a:spcAft>
+                <a:spcPts val="0"/>
+              </a:spcAft>
+              <a:buSzPts val="1400"/>
+              <a:buNone/>
+              <a:defRPr/>
+            </a:lvl2pPr>
+            <a:lvl3pPr lvl="2" algn="l">
+              <a:spcBef>
+                <a:spcPts val="0"/>
+              </a:spcBef>
+              <a:spcAft>
+                <a:spcPts val="0"/>
+              </a:spcAft>
+              <a:buSzPts val="1400"/>
+              <a:buNone/>
+              <a:defRPr/>
+            </a:lvl3pPr>
+            <a:lvl4pPr lvl="3" algn="l">
+              <a:spcBef>
+                <a:spcPts val="0"/>
+              </a:spcBef>
+              <a:spcAft>
+                <a:spcPts val="0"/>
+              </a:spcAft>
+              <a:buSzPts val="1400"/>
+              <a:buNone/>
+              <a:defRPr/>
+            </a:lvl4pPr>
+            <a:lvl5pPr lvl="4" algn="l">
+              <a:spcBef>
+                <a:spcPts val="0"/>
+              </a:spcBef>
+              <a:spcAft>
+                <a:spcPts val="0"/>
+              </a:spcAft>
+              <a:buSzPts val="1400"/>
+              <a:buNone/>
+              <a:defRPr/>
+            </a:lvl5pPr>
+            <a:lvl6pPr lvl="5" algn="l">
+              <a:spcBef>
+                <a:spcPts val="0"/>
+              </a:spcBef>
+              <a:spcAft>
+                <a:spcPts val="0"/>
+              </a:spcAft>
+              <a:buSzPts val="1400"/>
+              <a:buNone/>
+              <a:defRPr/>
+            </a:lvl6pPr>
+            <a:lvl7pPr lvl="6" algn="l">
+              <a:spcBef>
+                <a:spcPts val="0"/>
+              </a:spcBef>
+              <a:spcAft>
+                <a:spcPts val="0"/>
+              </a:spcAft>
+              <a:buSzPts val="1400"/>
+              <a:buNone/>
+              <a:defRPr/>
+            </a:lvl7pPr>
+            <a:lvl8pPr lvl="7" algn="l">
+              <a:spcBef>
+                <a:spcPts val="0"/>
+              </a:spcBef>
+              <a:spcAft>
+                <a:spcPts val="0"/>
+              </a:spcAft>
+              <a:buSzPts val="1400"/>
+              <a:buNone/>
+              <a:defRPr/>
+            </a:lvl8pPr>
+            <a:lvl9pPr lvl="8" algn="l">
+              <a:spcBef>
+                <a:spcPts val="0"/>
+              </a:spcBef>
+              <a:spcAft>
+                <a:spcPts val="0"/>
+              </a:spcAft>
+              <a:buSzPts val="1400"/>
+              <a:buNone/>
+              <a:defRPr/>
+            </a:lvl9pPr>
+          </a:lstStyle>
+          <a:p>
+            <a:endParaRPr/>
+          </a:p>
+        </p:txBody>
+      </p:sp>
+      <p:sp>
+        <p:nvSpPr>
+          <p:cNvPr id="23" name="Google Shape;23;p6"/>
+          <p:cNvSpPr txBox="1">
+            <a:spLocks noGrp="1"/>
+          </p:cNvSpPr>
+          <p:nvPr>
+            <p:ph type="body" idx="1"/>
+          </p:nvPr>
+        </p:nvSpPr>
+        <p:spPr>
+          <a:xfrm>
+            <a:off x="457200" y="1535113"/>
+            <a:ext cx="4040100" cy="639600"/>
+          </a:xfrm>
+          <a:prstGeom prst="rect">
+            <a:avLst/>
+          </a:prstGeom>
+          <a:noFill/>
+          <a:ln>
+            <a:noFill/>
+          </a:ln>
+        </p:spPr>
+        <p:txBody>
+          <a:bodyPr spcFirstLastPara="1" wrap="square" lIns="91425" tIns="45700" rIns="91425" bIns="45700" anchor="b" anchorCtr="0">
+            <a:noAutofit/>
+          </a:bodyPr>
+          <a:lstStyle>
+            <a:lvl1pPr marL="457200" lvl="0" indent="-228600" algn="l">
+              <a:spcBef>
+                <a:spcPts val="480"/>
+              </a:spcBef>
+              <a:spcAft>
+                <a:spcPts val="0"/>
+              </a:spcAft>
+              <a:buClr>
+                <a:srgbClr val="666666"/>
+              </a:buClr>
+              <a:buSzPts val="2400"/>
+              <a:buFont typeface="Dosis"/>
+              <a:buNone/>
+              <a:defRPr sz="2400" b="1"/>
+            </a:lvl1pPr>
+            <a:lvl2pPr marL="914400" lvl="1" indent="-228600" algn="l">
+              <a:spcBef>
+                <a:spcPts val="400"/>
+              </a:spcBef>
+              <a:spcAft>
+                <a:spcPts val="0"/>
+              </a:spcAft>
+              <a:buClr>
+                <a:srgbClr val="666666"/>
+              </a:buClr>
+              <a:buSzPts val="2000"/>
+              <a:buFont typeface="Dosis"/>
+              <a:buNone/>
+              <a:defRPr sz="2000" b="1"/>
+            </a:lvl2pPr>
+            <a:lvl3pPr marL="1371600" lvl="2" indent="-228600" algn="l">
+              <a:spcBef>
+                <a:spcPts val="360"/>
+              </a:spcBef>
+              <a:spcAft>
+                <a:spcPts val="0"/>
+              </a:spcAft>
+              <a:buClr>
+                <a:srgbClr val="666666"/>
+              </a:buClr>
+              <a:buSzPts val="1800"/>
+              <a:buFont typeface="Dosis"/>
+              <a:buNone/>
+              <a:defRPr sz="1800" b="1"/>
+            </a:lvl3pPr>
+            <a:lvl4pPr marL="1828800" lvl="3" indent="-228600" algn="l">
+              <a:spcBef>
+                <a:spcPts val="320"/>
+              </a:spcBef>
+              <a:spcAft>
+                <a:spcPts val="0"/>
+              </a:spcAft>
+              <a:buClr>
+                <a:srgbClr val="666666"/>
+              </a:buClr>
+              <a:buSzPts val="1600"/>
+              <a:buFont typeface="Dosis"/>
+              <a:buNone/>
+              <a:defRPr sz="1600" b="1"/>
+            </a:lvl4pPr>
+            <a:lvl5pPr marL="2286000" lvl="4" indent="-228600" algn="l">
+              <a:spcBef>
+                <a:spcPts val="320"/>
+              </a:spcBef>
+              <a:spcAft>
+                <a:spcPts val="0"/>
+              </a:spcAft>
+              <a:buClr>
+                <a:srgbClr val="666666"/>
+              </a:buClr>
+              <a:buSzPts val="1600"/>
+              <a:buFont typeface="Dosis"/>
+              <a:buNone/>
+              <a:defRPr sz="1600" b="1"/>
+            </a:lvl5pPr>
+            <a:lvl6pPr marL="2743200" lvl="5" indent="-228600" algn="l">
+              <a:spcBef>
+                <a:spcPts val="320"/>
+              </a:spcBef>
+              <a:spcAft>
+                <a:spcPts val="0"/>
+              </a:spcAft>
+              <a:buClr>
+                <a:srgbClr val="666666"/>
+              </a:buClr>
+              <a:buSzPts val="1600"/>
+              <a:buFont typeface="Dosis"/>
+              <a:buNone/>
+              <a:defRPr sz="1600" b="1"/>
+            </a:lvl6pPr>
+            <a:lvl7pPr marL="3200400" lvl="6" indent="-228600" algn="l">
+              <a:spcBef>
+                <a:spcPts val="320"/>
+              </a:spcBef>
+              <a:spcAft>
+                <a:spcPts val="0"/>
+              </a:spcAft>
+              <a:buClr>
+                <a:srgbClr val="666666"/>
+              </a:buClr>
+              <a:buSzPts val="1600"/>
+              <a:buFont typeface="Dosis"/>
+              <a:buNone/>
+              <a:defRPr sz="1600" b="1"/>
+            </a:lvl7pPr>
+            <a:lvl8pPr marL="3657600" lvl="7" indent="-228600" algn="l">
+              <a:spcBef>
+                <a:spcPts val="320"/>
+              </a:spcBef>
+              <a:spcAft>
+                <a:spcPts val="0"/>
+              </a:spcAft>
+              <a:buClr>
+                <a:srgbClr val="666666"/>
+              </a:buClr>
+              <a:buSzPts val="1600"/>
+              <a:buFont typeface="Dosis"/>
+              <a:buNone/>
+              <a:defRPr sz="1600" b="1"/>
+            </a:lvl8pPr>
+            <a:lvl9pPr marL="4114800" lvl="8" indent="-228600" algn="l">
+              <a:spcBef>
+                <a:spcPts val="320"/>
+              </a:spcBef>
+              <a:spcAft>
+                <a:spcPts val="0"/>
+              </a:spcAft>
+              <a:buClr>
+                <a:srgbClr val="666666"/>
+              </a:buClr>
+              <a:buSzPts val="1600"/>
+              <a:buFont typeface="Dosis"/>
+              <a:buNone/>
+              <a:defRPr sz="1600" b="1"/>
+            </a:lvl9pPr>
+          </a:lstStyle>
+          <a:p>
+            <a:endParaRPr/>
+          </a:p>
+        </p:txBody>
+      </p:sp>
+      <p:sp>
+        <p:nvSpPr>
+          <p:cNvPr id="24" name="Google Shape;24;p6"/>
+          <p:cNvSpPr txBox="1">
+            <a:spLocks noGrp="1"/>
+          </p:cNvSpPr>
+          <p:nvPr>
+            <p:ph type="body" idx="2"/>
+          </p:nvPr>
+        </p:nvSpPr>
+        <p:spPr>
+          <a:xfrm>
+            <a:off x="457200" y="2174875"/>
+            <a:ext cx="4040100" cy="3951200"/>
+          </a:xfrm>
+          <a:prstGeom prst="rect">
+            <a:avLst/>
+          </a:prstGeom>
+          <a:noFill/>
+          <a:ln>
+            <a:noFill/>
+          </a:ln>
+        </p:spPr>
+        <p:txBody>
+          <a:bodyPr spcFirstLastPara="1" wrap="square" lIns="91425" tIns="45700" rIns="91425" bIns="45700" anchor="t" anchorCtr="0">
+            <a:noAutofit/>
+          </a:bodyPr>
+          <a:lstStyle>
+            <a:lvl1pPr marL="457200" lvl="0" indent="-381000" algn="l">
+              <a:spcBef>
+                <a:spcPts val="480"/>
+              </a:spcBef>
+              <a:spcAft>
+                <a:spcPts val="0"/>
+              </a:spcAft>
+              <a:buClr>
+                <a:srgbClr val="666666"/>
+              </a:buClr>
+              <a:buSzPts val="2400"/>
+              <a:buFont typeface="Dosis"/>
+              <a:buChar char="•"/>
+              <a:defRPr sz="2400"/>
+            </a:lvl1pPr>
+            <a:lvl2pPr marL="914400" lvl="1" indent="-355600" algn="l">
+              <a:spcBef>
+                <a:spcPts val="400"/>
+              </a:spcBef>
+              <a:spcAft>
+                <a:spcPts val="0"/>
+              </a:spcAft>
+              <a:buClr>
+                <a:srgbClr val="666666"/>
+              </a:buClr>
+              <a:buSzPts val="2000"/>
+              <a:buFont typeface="Dosis"/>
+              <a:buChar char="–"/>
+              <a:defRPr sz="2000"/>
+            </a:lvl2pPr>
+            <a:lvl3pPr marL="1371600" lvl="2" indent="-342900" algn="l">
+              <a:spcBef>
+                <a:spcPts val="360"/>
+              </a:spcBef>
+              <a:spcAft>
+                <a:spcPts val="0"/>
+              </a:spcAft>
+              <a:buClr>
+                <a:srgbClr val="666666"/>
+              </a:buClr>
+              <a:buSzPts val="1800"/>
+              <a:buFont typeface="Dosis"/>
+              <a:buChar char="•"/>
+              <a:defRPr sz="1800"/>
+            </a:lvl3pPr>
+            <a:lvl4pPr marL="1828800" lvl="3" indent="-330200" algn="l">
+              <a:spcBef>
+                <a:spcPts val="320"/>
+              </a:spcBef>
+              <a:spcAft>
+                <a:spcPts val="0"/>
+              </a:spcAft>
+              <a:buClr>
+                <a:srgbClr val="666666"/>
+              </a:buClr>
+              <a:buSzPts val="1600"/>
+              <a:buFont typeface="Dosis"/>
+              <a:buChar char="–"/>
+              <a:defRPr sz="1600"/>
+            </a:lvl4pPr>
+            <a:lvl5pPr marL="2286000" lvl="4" indent="-330200" algn="l">
+              <a:spcBef>
+                <a:spcPts val="320"/>
+              </a:spcBef>
+              <a:spcAft>
+                <a:spcPts val="0"/>
+              </a:spcAft>
+              <a:buClr>
+                <a:srgbClr val="666666"/>
+              </a:buClr>
+              <a:buSzPts val="1600"/>
+              <a:buFont typeface="Dosis"/>
+              <a:buChar char="»"/>
+              <a:defRPr sz="1600"/>
+            </a:lvl5pPr>
+            <a:lvl6pPr marL="2743200" lvl="5" indent="-330200" algn="l">
+              <a:spcBef>
+                <a:spcPts val="320"/>
+              </a:spcBef>
+              <a:spcAft>
+                <a:spcPts val="0"/>
+              </a:spcAft>
+              <a:buClr>
+                <a:srgbClr val="666666"/>
+              </a:buClr>
+              <a:buSzPts val="1600"/>
+              <a:buFont typeface="Dosis"/>
+              <a:buChar char="»"/>
+              <a:defRPr sz="1600"/>
+            </a:lvl6pPr>
+            <a:lvl7pPr marL="3200400" lvl="6" indent="-330200" algn="l">
+              <a:spcBef>
+                <a:spcPts val="320"/>
+              </a:spcBef>
+              <a:spcAft>
+                <a:spcPts val="0"/>
+              </a:spcAft>
+              <a:buClr>
+                <a:srgbClr val="666666"/>
+              </a:buClr>
+              <a:buSzPts val="1600"/>
+              <a:buFont typeface="Dosis"/>
+              <a:buChar char="»"/>
+              <a:defRPr sz="1600"/>
+            </a:lvl7pPr>
+            <a:lvl8pPr marL="3657600" lvl="7" indent="-330200" algn="l">
+              <a:spcBef>
+                <a:spcPts val="320"/>
+              </a:spcBef>
+              <a:spcAft>
+                <a:spcPts val="0"/>
+              </a:spcAft>
+              <a:buClr>
+                <a:srgbClr val="666666"/>
+              </a:buClr>
+              <a:buSzPts val="1600"/>
+              <a:buFont typeface="Dosis"/>
+              <a:buChar char="»"/>
+              <a:defRPr sz="1600"/>
+            </a:lvl8pPr>
+            <a:lvl9pPr marL="4114800" lvl="8" indent="-330200" algn="l">
+              <a:spcBef>
+                <a:spcPts val="320"/>
+              </a:spcBef>
+              <a:spcAft>
+                <a:spcPts val="0"/>
+              </a:spcAft>
+              <a:buClr>
+                <a:srgbClr val="666666"/>
+              </a:buClr>
+              <a:buSzPts val="1600"/>
+              <a:buFont typeface="Dosis"/>
+              <a:buChar char="»"/>
+              <a:defRPr sz="1600"/>
+            </a:lvl9pPr>
+          </a:lstStyle>
+          <a:p>
+            <a:endParaRPr/>
+          </a:p>
+        </p:txBody>
+      </p:sp>
+      <p:sp>
+        <p:nvSpPr>
+          <p:cNvPr id="25" name="Google Shape;25;p6"/>
+          <p:cNvSpPr txBox="1">
+            <a:spLocks noGrp="1"/>
+          </p:cNvSpPr>
+          <p:nvPr>
+            <p:ph type="body" idx="3"/>
+          </p:nvPr>
+        </p:nvSpPr>
+        <p:spPr>
+          <a:xfrm>
+            <a:off x="4645025" y="1535113"/>
+            <a:ext cx="4041900" cy="639600"/>
+          </a:xfrm>
+          <a:prstGeom prst="rect">
+            <a:avLst/>
+          </a:prstGeom>
+          <a:noFill/>
+          <a:ln>
+            <a:noFill/>
+          </a:ln>
+        </p:spPr>
+        <p:txBody>
+          <a:bodyPr spcFirstLastPara="1" wrap="square" lIns="91425" tIns="45700" rIns="91425" bIns="45700" anchor="b" anchorCtr="0">
+            <a:noAutofit/>
+          </a:bodyPr>
+          <a:lstStyle>
+            <a:lvl1pPr marL="457200" lvl="0" indent="-228600" algn="l">
+              <a:spcBef>
+                <a:spcPts val="480"/>
+              </a:spcBef>
+              <a:spcAft>
+                <a:spcPts val="0"/>
+              </a:spcAft>
+              <a:buClr>
+                <a:srgbClr val="666666"/>
+              </a:buClr>
+              <a:buSzPts val="2400"/>
+              <a:buFont typeface="Dosis"/>
+              <a:buNone/>
+              <a:defRPr sz="2400" b="1"/>
+            </a:lvl1pPr>
+            <a:lvl2pPr marL="914400" lvl="1" indent="-228600" algn="l">
+              <a:spcBef>
+                <a:spcPts val="400"/>
+              </a:spcBef>
+              <a:spcAft>
+                <a:spcPts val="0"/>
+              </a:spcAft>
+              <a:buClr>
+                <a:srgbClr val="666666"/>
+              </a:buClr>
+              <a:buSzPts val="2000"/>
+              <a:buFont typeface="Dosis"/>
+              <a:buNone/>
+              <a:defRPr sz="2000" b="1"/>
+            </a:lvl2pPr>
+            <a:lvl3pPr marL="1371600" lvl="2" indent="-228600" algn="l">
+              <a:spcBef>
+                <a:spcPts val="360"/>
+              </a:spcBef>
+              <a:spcAft>
+                <a:spcPts val="0"/>
+              </a:spcAft>
+              <a:buClr>
+                <a:srgbClr val="666666"/>
+              </a:buClr>
+              <a:buSzPts val="1800"/>
+              <a:buFont typeface="Dosis"/>
+              <a:buNone/>
+              <a:defRPr sz="1800" b="1"/>
+            </a:lvl3pPr>
+            <a:lvl4pPr marL="1828800" lvl="3" indent="-228600" algn="l">
+              <a:spcBef>
+                <a:spcPts val="320"/>
+              </a:spcBef>
+              <a:spcAft>
+                <a:spcPts val="0"/>
+              </a:spcAft>
+              <a:buClr>
+                <a:srgbClr val="666666"/>
+              </a:buClr>
+              <a:buSzPts val="1600"/>
+              <a:buFont typeface="Dosis"/>
+              <a:buNone/>
+              <a:defRPr sz="1600" b="1"/>
+            </a:lvl4pPr>
+            <a:lvl5pPr marL="2286000" lvl="4" indent="-228600" algn="l">
+              <a:spcBef>
+                <a:spcPts val="320"/>
+              </a:spcBef>
+              <a:spcAft>
+                <a:spcPts val="0"/>
+              </a:spcAft>
+              <a:buClr>
+                <a:srgbClr val="666666"/>
+              </a:buClr>
+              <a:buSzPts val="1600"/>
+              <a:buFont typeface="Dosis"/>
+              <a:buNone/>
+              <a:defRPr sz="1600" b="1"/>
+            </a:lvl5pPr>
+            <a:lvl6pPr marL="2743200" lvl="5" indent="-228600" algn="l">
+              <a:spcBef>
+                <a:spcPts val="320"/>
+              </a:spcBef>
+              <a:spcAft>
+                <a:spcPts val="0"/>
+              </a:spcAft>
+              <a:buClr>
+                <a:srgbClr val="666666"/>
+              </a:buClr>
+              <a:buSzPts val="1600"/>
+              <a:buFont typeface="Dosis"/>
+              <a:buNone/>
+              <a:defRPr sz="1600" b="1"/>
+            </a:lvl6pPr>
+            <a:lvl7pPr marL="3200400" lvl="6" indent="-228600" algn="l">
+              <a:spcBef>
+                <a:spcPts val="320"/>
+              </a:spcBef>
+              <a:spcAft>
+                <a:spcPts val="0"/>
+              </a:spcAft>
+              <a:buClr>
+                <a:srgbClr val="666666"/>
+              </a:buClr>
+              <a:buSzPts val="1600"/>
+              <a:buFont typeface="Dosis"/>
+              <a:buNone/>
+              <a:defRPr sz="1600" b="1"/>
+            </a:lvl7pPr>
+            <a:lvl8pPr marL="3657600" lvl="7" indent="-228600" algn="l">
+              <a:spcBef>
+                <a:spcPts val="320"/>
+              </a:spcBef>
+              <a:spcAft>
+                <a:spcPts val="0"/>
+              </a:spcAft>
+              <a:buClr>
+                <a:srgbClr val="666666"/>
+              </a:buClr>
+              <a:buSzPts val="1600"/>
+              <a:buFont typeface="Dosis"/>
+              <a:buNone/>
+              <a:defRPr sz="1600" b="1"/>
+            </a:lvl8pPr>
+            <a:lvl9pPr marL="4114800" lvl="8" indent="-228600" algn="l">
+              <a:spcBef>
+                <a:spcPts val="320"/>
+              </a:spcBef>
+              <a:spcAft>
+                <a:spcPts val="0"/>
+              </a:spcAft>
+              <a:buClr>
+                <a:srgbClr val="666666"/>
+              </a:buClr>
+              <a:buSzPts val="1600"/>
+              <a:buFont typeface="Dosis"/>
+              <a:buNone/>
+              <a:defRPr sz="1600" b="1"/>
+            </a:lvl9pPr>
+          </a:lstStyle>
+          <a:p>
+            <a:endParaRPr/>
+          </a:p>
+        </p:txBody>
+      </p:sp>
+      <p:sp>
+        <p:nvSpPr>
+          <p:cNvPr id="26" name="Google Shape;26;p6"/>
+          <p:cNvSpPr txBox="1">
+            <a:spLocks noGrp="1"/>
+          </p:cNvSpPr>
+          <p:nvPr>
+            <p:ph type="body" idx="4"/>
+          </p:nvPr>
+        </p:nvSpPr>
+        <p:spPr>
+          <a:xfrm>
+            <a:off x="4645025" y="2174875"/>
+            <a:ext cx="4041900" cy="3951200"/>
+          </a:xfrm>
+          <a:prstGeom prst="rect">
+            <a:avLst/>
+          </a:prstGeom>
+          <a:noFill/>
+          <a:ln>
+            <a:noFill/>
+          </a:ln>
+        </p:spPr>
+        <p:txBody>
+          <a:bodyPr spcFirstLastPara="1" wrap="square" lIns="91425" tIns="45700" rIns="91425" bIns="45700" anchor="t" anchorCtr="0">
+            <a:noAutofit/>
+          </a:bodyPr>
+          <a:lstStyle>
+            <a:lvl1pPr marL="457200" lvl="0" indent="-381000" algn="l">
+              <a:spcBef>
+                <a:spcPts val="480"/>
+              </a:spcBef>
+              <a:spcAft>
+                <a:spcPts val="0"/>
+              </a:spcAft>
+              <a:buClr>
+                <a:srgbClr val="666666"/>
+              </a:buClr>
+              <a:buSzPts val="2400"/>
+              <a:buFont typeface="Dosis"/>
+              <a:buChar char="•"/>
+              <a:defRPr sz="2400"/>
+            </a:lvl1pPr>
+            <a:lvl2pPr marL="914400" lvl="1" indent="-355600" algn="l">
+              <a:spcBef>
+                <a:spcPts val="400"/>
+              </a:spcBef>
+              <a:spcAft>
+                <a:spcPts val="0"/>
+              </a:spcAft>
+              <a:buClr>
+                <a:srgbClr val="666666"/>
+              </a:buClr>
+              <a:buSzPts val="2000"/>
+              <a:buFont typeface="Dosis"/>
+              <a:buChar char="–"/>
+              <a:defRPr sz="2000"/>
+            </a:lvl2pPr>
+            <a:lvl3pPr marL="1371600" lvl="2" indent="-342900" algn="l">
+              <a:spcBef>
+                <a:spcPts val="360"/>
+              </a:spcBef>
+              <a:spcAft>
+                <a:spcPts val="0"/>
+              </a:spcAft>
+              <a:buClr>
+                <a:srgbClr val="666666"/>
+              </a:buClr>
+              <a:buSzPts val="1800"/>
+              <a:buFont typeface="Dosis"/>
+              <a:buChar char="•"/>
+              <a:defRPr sz="1800"/>
+            </a:lvl3pPr>
+            <a:lvl4pPr marL="1828800" lvl="3" indent="-330200" algn="l">
+              <a:spcBef>
+                <a:spcPts val="320"/>
+              </a:spcBef>
+              <a:spcAft>
+                <a:spcPts val="0"/>
+              </a:spcAft>
+              <a:buClr>
+                <a:srgbClr val="666666"/>
+              </a:buClr>
+              <a:buSzPts val="1600"/>
+              <a:buFont typeface="Dosis"/>
+              <a:buChar char="–"/>
+              <a:defRPr sz="1600"/>
+            </a:lvl4pPr>
+            <a:lvl5pPr marL="2286000" lvl="4" indent="-330200" algn="l">
+              <a:spcBef>
+                <a:spcPts val="320"/>
+              </a:spcBef>
+              <a:spcAft>
+                <a:spcPts val="0"/>
+              </a:spcAft>
+              <a:buClr>
+                <a:srgbClr val="666666"/>
+              </a:buClr>
+              <a:buSzPts val="1600"/>
+              <a:buFont typeface="Dosis"/>
+              <a:buChar char="»"/>
+              <a:defRPr sz="1600"/>
+            </a:lvl5pPr>
+            <a:lvl6pPr marL="2743200" lvl="5" indent="-330200" algn="l">
+              <a:spcBef>
+                <a:spcPts val="320"/>
+              </a:spcBef>
+              <a:spcAft>
+                <a:spcPts val="0"/>
+              </a:spcAft>
+              <a:buClr>
+                <a:srgbClr val="666666"/>
+              </a:buClr>
+              <a:buSzPts val="1600"/>
+              <a:buFont typeface="Dosis"/>
+              <a:buChar char="»"/>
+              <a:defRPr sz="1600"/>
+            </a:lvl6pPr>
+            <a:lvl7pPr marL="3200400" lvl="6" indent="-330200" algn="l">
+              <a:spcBef>
+                <a:spcPts val="320"/>
+              </a:spcBef>
+              <a:spcAft>
+                <a:spcPts val="0"/>
+              </a:spcAft>
+              <a:buClr>
+                <a:srgbClr val="666666"/>
+              </a:buClr>
+              <a:buSzPts val="1600"/>
+              <a:buFont typeface="Dosis"/>
+              <a:buChar char="»"/>
+              <a:defRPr sz="1600"/>
+            </a:lvl7pPr>
+            <a:lvl8pPr marL="3657600" lvl="7" indent="-330200" algn="l">
+              <a:spcBef>
+                <a:spcPts val="320"/>
+              </a:spcBef>
+              <a:spcAft>
+                <a:spcPts val="0"/>
+              </a:spcAft>
+              <a:buClr>
+                <a:srgbClr val="666666"/>
+              </a:buClr>
+              <a:buSzPts val="1600"/>
+              <a:buFont typeface="Dosis"/>
+              <a:buChar char="»"/>
+              <a:defRPr sz="1600"/>
+            </a:lvl8pPr>
+            <a:lvl9pPr marL="4114800" lvl="8" indent="-330200" algn="l">
+              <a:spcBef>
+                <a:spcPts val="320"/>
+              </a:spcBef>
+              <a:spcAft>
+                <a:spcPts val="0"/>
+              </a:spcAft>
+              <a:buClr>
+                <a:srgbClr val="666666"/>
+              </a:buClr>
+              <a:buSzPts val="1600"/>
+              <a:buFont typeface="Dosis"/>
+              <a:buChar char="»"/>
+              <a:defRPr sz="1600"/>
+            </a:lvl9pPr>
+          </a:lstStyle>
+          <a:p>
+            <a:endParaRPr/>
+          </a:p>
+        </p:txBody>
+      </p:sp>
+    </p:spTree>
+    <p:extLst>
+      <p:ext uri="{BB962C8B-B14F-4D97-AF65-F5344CB8AC3E}">
+        <p14:creationId xmlns:p14="http://schemas.microsoft.com/office/powerpoint/2010/main" val="3600690877"/>
+      </p:ext>
+    </p:extLst>
+  </p:cSld>
+  <p:clrMapOvr>
+    <a:masterClrMapping/>
+  </p:clrMapOvr>
+</p:sldLayout>
+</file>
+
+<file path=ppt/slideLayouts/slideLayout28.xml><?xml version="1.0" encoding="utf-8"?>
+<p:sldLayout xmlns:a="http://schemas.openxmlformats.org/drawingml/2006/main" xmlns:r="http://schemas.openxmlformats.org/officeDocument/2006/relationships" xmlns:p="http://schemas.openxmlformats.org/presentationml/2006/main" matchingName="Только заголовок" type="titleOnly">
+  <p:cSld name="Только заголовок">
+    <p:spTree>
+      <p:nvGrpSpPr>
+        <p:cNvPr id="1" name="Shape 27"/>
+        <p:cNvGrpSpPr/>
+        <p:nvPr/>
+      </p:nvGrpSpPr>
+      <p:grpSpPr>
+        <a:xfrm>
+          <a:off x="0" y="0"/>
+          <a:ext cx="0" cy="0"/>
+          <a:chOff x="0" y="0"/>
+          <a:chExt cx="0" cy="0"/>
+        </a:xfrm>
+      </p:grpSpPr>
+      <p:sp>
+        <p:nvSpPr>
+          <p:cNvPr id="28" name="Google Shape;28;p7"/>
+          <p:cNvSpPr txBox="1">
+            <a:spLocks noGrp="1"/>
+          </p:cNvSpPr>
+          <p:nvPr>
+            <p:ph type="title"/>
+          </p:nvPr>
+        </p:nvSpPr>
+        <p:spPr>
+          <a:xfrm>
+            <a:off x="611188" y="260351"/>
+            <a:ext cx="8137500" cy="868400"/>
+          </a:xfrm>
+          <a:prstGeom prst="rect">
+            <a:avLst/>
+          </a:prstGeom>
+          <a:noFill/>
+          <a:ln>
+            <a:noFill/>
+          </a:ln>
+        </p:spPr>
+        <p:txBody>
+          <a:bodyPr spcFirstLastPara="1" wrap="square" lIns="91425" tIns="45700" rIns="91425" bIns="45700" anchor="ctr" anchorCtr="0">
+            <a:noAutofit/>
+          </a:bodyPr>
+          <a:lstStyle>
+            <a:lvl1pPr lvl="0" algn="l">
+              <a:spcBef>
+                <a:spcPts val="0"/>
+              </a:spcBef>
+              <a:spcAft>
+                <a:spcPts val="0"/>
+              </a:spcAft>
+              <a:buSzPts val="1400"/>
+              <a:buNone/>
+              <a:defRPr/>
+            </a:lvl1pPr>
+            <a:lvl2pPr lvl="1" algn="l">
+              <a:spcBef>
+                <a:spcPts val="0"/>
+              </a:spcBef>
+              <a:spcAft>
+                <a:spcPts val="0"/>
+              </a:spcAft>
+              <a:buSzPts val="1400"/>
+              <a:buNone/>
+              <a:defRPr/>
+            </a:lvl2pPr>
+            <a:lvl3pPr lvl="2" algn="l">
+              <a:spcBef>
+                <a:spcPts val="0"/>
+              </a:spcBef>
+              <a:spcAft>
+                <a:spcPts val="0"/>
+              </a:spcAft>
+              <a:buSzPts val="1400"/>
+              <a:buNone/>
+              <a:defRPr/>
+            </a:lvl3pPr>
+            <a:lvl4pPr lvl="3" algn="l">
+              <a:spcBef>
+                <a:spcPts val="0"/>
+              </a:spcBef>
+              <a:spcAft>
+                <a:spcPts val="0"/>
+              </a:spcAft>
+              <a:buSzPts val="1400"/>
+              <a:buNone/>
+              <a:defRPr/>
+            </a:lvl4pPr>
+            <a:lvl5pPr lvl="4" algn="l">
+              <a:spcBef>
+                <a:spcPts val="0"/>
+              </a:spcBef>
+              <a:spcAft>
+                <a:spcPts val="0"/>
+              </a:spcAft>
+              <a:buSzPts val="1400"/>
+              <a:buNone/>
+              <a:defRPr/>
+            </a:lvl5pPr>
+            <a:lvl6pPr lvl="5" algn="l">
+              <a:spcBef>
+                <a:spcPts val="0"/>
+              </a:spcBef>
+              <a:spcAft>
+                <a:spcPts val="0"/>
+              </a:spcAft>
+              <a:buSzPts val="1400"/>
+              <a:buNone/>
+              <a:defRPr/>
+            </a:lvl6pPr>
+            <a:lvl7pPr lvl="6" algn="l">
+              <a:spcBef>
+                <a:spcPts val="0"/>
+              </a:spcBef>
+              <a:spcAft>
+                <a:spcPts val="0"/>
+              </a:spcAft>
+              <a:buSzPts val="1400"/>
+              <a:buNone/>
+              <a:defRPr/>
+            </a:lvl7pPr>
+            <a:lvl8pPr lvl="7" algn="l">
+              <a:spcBef>
+                <a:spcPts val="0"/>
+              </a:spcBef>
+              <a:spcAft>
+                <a:spcPts val="0"/>
+              </a:spcAft>
+              <a:buSzPts val="1400"/>
+              <a:buNone/>
+              <a:defRPr/>
+            </a:lvl8pPr>
+            <a:lvl9pPr lvl="8" algn="l">
+              <a:spcBef>
+                <a:spcPts val="0"/>
+              </a:spcBef>
+              <a:spcAft>
+                <a:spcPts val="0"/>
+              </a:spcAft>
+              <a:buSzPts val="1400"/>
+              <a:buNone/>
+              <a:defRPr/>
+            </a:lvl9pPr>
+          </a:lstStyle>
+          <a:p>
+            <a:endParaRPr/>
+          </a:p>
+        </p:txBody>
+      </p:sp>
+    </p:spTree>
+    <p:extLst>
+      <p:ext uri="{BB962C8B-B14F-4D97-AF65-F5344CB8AC3E}">
+        <p14:creationId xmlns:p14="http://schemas.microsoft.com/office/powerpoint/2010/main" val="496784308"/>
+      </p:ext>
+    </p:extLst>
+  </p:cSld>
+  <p:clrMapOvr>
+    <a:masterClrMapping/>
+  </p:clrMapOvr>
+</p:sldLayout>
+</file>
+
+<file path=ppt/slideLayouts/slideLayout29.xml><?xml version="1.0" encoding="utf-8"?>
+<p:sldLayout xmlns:a="http://schemas.openxmlformats.org/drawingml/2006/main" xmlns:r="http://schemas.openxmlformats.org/officeDocument/2006/relationships" xmlns:p="http://schemas.openxmlformats.org/presentationml/2006/main" matchingName="Пустой слайд" type="blank">
+  <p:cSld name="Пустой слайд">
+    <p:spTree>
+      <p:nvGrpSpPr>
+        <p:cNvPr id="1" name="Shape 29"/>
+        <p:cNvGrpSpPr/>
+        <p:nvPr/>
+      </p:nvGrpSpPr>
+      <p:grpSpPr>
+        <a:xfrm>
+          <a:off x="0" y="0"/>
+          <a:ext cx="0" cy="0"/>
+          <a:chOff x="0" y="0"/>
+          <a:chExt cx="0" cy="0"/>
+        </a:xfrm>
+      </p:grpSpPr>
+    </p:spTree>
+    <p:extLst>
+      <p:ext uri="{BB962C8B-B14F-4D97-AF65-F5344CB8AC3E}">
+        <p14:creationId xmlns:p14="http://schemas.microsoft.com/office/powerpoint/2010/main" val="3045652408"/>
       </p:ext>
     </p:extLst>
   </p:cSld>
@@ -4055,10 +6780,9 @@
           </a:lstStyle>
           <a:p>
             <a:r>
-              <a:rPr lang="ru-RU" smtClean="0"/>
+              <a:rPr lang="ru-RU"/>
               <a:t>Образец заголовка</a:t>
             </a:r>
-            <a:endParaRPr lang="ru-RU"/>
           </a:p>
         </p:txBody>
       </p:sp>
@@ -4121,7 +6845,7 @@
           <a:p>
             <a:pPr lvl="0"/>
             <a:r>
-              <a:rPr lang="ru-RU" smtClean="0"/>
+              <a:rPr lang="ru-RU"/>
               <a:t>Образец текста</a:t>
             </a:r>
           </a:p>
@@ -4131,6 +6855,2130 @@
     <p:extLst>
       <p:ext uri="{BB962C8B-B14F-4D97-AF65-F5344CB8AC3E}">
         <p14:creationId xmlns:p14="http://schemas.microsoft.com/office/powerpoint/2010/main" val="3562175897"/>
+      </p:ext>
+    </p:extLst>
+  </p:cSld>
+  <p:clrMapOvr>
+    <a:masterClrMapping/>
+  </p:clrMapOvr>
+</p:sldLayout>
+</file>
+
+<file path=ppt/slideLayouts/slideLayout30.xml><?xml version="1.0" encoding="utf-8"?>
+<p:sldLayout xmlns:a="http://schemas.openxmlformats.org/drawingml/2006/main" xmlns:r="http://schemas.openxmlformats.org/officeDocument/2006/relationships" xmlns:p="http://schemas.openxmlformats.org/presentationml/2006/main" matchingName="Объект с подписью" type="objTx">
+  <p:cSld name="Объект с подписью">
+    <p:spTree>
+      <p:nvGrpSpPr>
+        <p:cNvPr id="1" name="Shape 30"/>
+        <p:cNvGrpSpPr/>
+        <p:nvPr/>
+      </p:nvGrpSpPr>
+      <p:grpSpPr>
+        <a:xfrm>
+          <a:off x="0" y="0"/>
+          <a:ext cx="0" cy="0"/>
+          <a:chOff x="0" y="0"/>
+          <a:chExt cx="0" cy="0"/>
+        </a:xfrm>
+      </p:grpSpPr>
+      <p:sp>
+        <p:nvSpPr>
+          <p:cNvPr id="31" name="Google Shape;31;p9"/>
+          <p:cNvSpPr txBox="1">
+            <a:spLocks noGrp="1"/>
+          </p:cNvSpPr>
+          <p:nvPr>
+            <p:ph type="title"/>
+          </p:nvPr>
+        </p:nvSpPr>
+        <p:spPr>
+          <a:xfrm>
+            <a:off x="457200" y="273051"/>
+            <a:ext cx="3008400" cy="1162000"/>
+          </a:xfrm>
+          <a:prstGeom prst="rect">
+            <a:avLst/>
+          </a:prstGeom>
+          <a:noFill/>
+          <a:ln>
+            <a:noFill/>
+          </a:ln>
+        </p:spPr>
+        <p:txBody>
+          <a:bodyPr spcFirstLastPara="1" wrap="square" lIns="91425" tIns="45700" rIns="91425" bIns="45700" anchor="b" anchorCtr="0">
+            <a:noAutofit/>
+          </a:bodyPr>
+          <a:lstStyle>
+            <a:lvl1pPr lvl="0" algn="l">
+              <a:spcBef>
+                <a:spcPts val="0"/>
+              </a:spcBef>
+              <a:spcAft>
+                <a:spcPts val="0"/>
+              </a:spcAft>
+              <a:buSzPts val="1400"/>
+              <a:buNone/>
+              <a:defRPr sz="2000" b="1"/>
+            </a:lvl1pPr>
+            <a:lvl2pPr lvl="1" algn="l">
+              <a:spcBef>
+                <a:spcPts val="0"/>
+              </a:spcBef>
+              <a:spcAft>
+                <a:spcPts val="0"/>
+              </a:spcAft>
+              <a:buSzPts val="1400"/>
+              <a:buNone/>
+              <a:defRPr/>
+            </a:lvl2pPr>
+            <a:lvl3pPr lvl="2" algn="l">
+              <a:spcBef>
+                <a:spcPts val="0"/>
+              </a:spcBef>
+              <a:spcAft>
+                <a:spcPts val="0"/>
+              </a:spcAft>
+              <a:buSzPts val="1400"/>
+              <a:buNone/>
+              <a:defRPr/>
+            </a:lvl3pPr>
+            <a:lvl4pPr lvl="3" algn="l">
+              <a:spcBef>
+                <a:spcPts val="0"/>
+              </a:spcBef>
+              <a:spcAft>
+                <a:spcPts val="0"/>
+              </a:spcAft>
+              <a:buSzPts val="1400"/>
+              <a:buNone/>
+              <a:defRPr/>
+            </a:lvl4pPr>
+            <a:lvl5pPr lvl="4" algn="l">
+              <a:spcBef>
+                <a:spcPts val="0"/>
+              </a:spcBef>
+              <a:spcAft>
+                <a:spcPts val="0"/>
+              </a:spcAft>
+              <a:buSzPts val="1400"/>
+              <a:buNone/>
+              <a:defRPr/>
+            </a:lvl5pPr>
+            <a:lvl6pPr lvl="5" algn="l">
+              <a:spcBef>
+                <a:spcPts val="0"/>
+              </a:spcBef>
+              <a:spcAft>
+                <a:spcPts val="0"/>
+              </a:spcAft>
+              <a:buSzPts val="1400"/>
+              <a:buNone/>
+              <a:defRPr/>
+            </a:lvl6pPr>
+            <a:lvl7pPr lvl="6" algn="l">
+              <a:spcBef>
+                <a:spcPts val="0"/>
+              </a:spcBef>
+              <a:spcAft>
+                <a:spcPts val="0"/>
+              </a:spcAft>
+              <a:buSzPts val="1400"/>
+              <a:buNone/>
+              <a:defRPr/>
+            </a:lvl7pPr>
+            <a:lvl8pPr lvl="7" algn="l">
+              <a:spcBef>
+                <a:spcPts val="0"/>
+              </a:spcBef>
+              <a:spcAft>
+                <a:spcPts val="0"/>
+              </a:spcAft>
+              <a:buSzPts val="1400"/>
+              <a:buNone/>
+              <a:defRPr/>
+            </a:lvl8pPr>
+            <a:lvl9pPr lvl="8" algn="l">
+              <a:spcBef>
+                <a:spcPts val="0"/>
+              </a:spcBef>
+              <a:spcAft>
+                <a:spcPts val="0"/>
+              </a:spcAft>
+              <a:buSzPts val="1400"/>
+              <a:buNone/>
+              <a:defRPr/>
+            </a:lvl9pPr>
+          </a:lstStyle>
+          <a:p>
+            <a:endParaRPr/>
+          </a:p>
+        </p:txBody>
+      </p:sp>
+      <p:sp>
+        <p:nvSpPr>
+          <p:cNvPr id="32" name="Google Shape;32;p9"/>
+          <p:cNvSpPr txBox="1">
+            <a:spLocks noGrp="1"/>
+          </p:cNvSpPr>
+          <p:nvPr>
+            <p:ph type="body" idx="1"/>
+          </p:nvPr>
+        </p:nvSpPr>
+        <p:spPr>
+          <a:xfrm>
+            <a:off x="3575050" y="273051"/>
+            <a:ext cx="5111700" cy="5853200"/>
+          </a:xfrm>
+          <a:prstGeom prst="rect">
+            <a:avLst/>
+          </a:prstGeom>
+          <a:noFill/>
+          <a:ln>
+            <a:noFill/>
+          </a:ln>
+        </p:spPr>
+        <p:txBody>
+          <a:bodyPr spcFirstLastPara="1" wrap="square" lIns="91425" tIns="45700" rIns="91425" bIns="45700" anchor="t" anchorCtr="0">
+            <a:noAutofit/>
+          </a:bodyPr>
+          <a:lstStyle>
+            <a:lvl1pPr marL="457200" lvl="0" indent="-431800" algn="l">
+              <a:spcBef>
+                <a:spcPts val="640"/>
+              </a:spcBef>
+              <a:spcAft>
+                <a:spcPts val="0"/>
+              </a:spcAft>
+              <a:buClr>
+                <a:srgbClr val="666666"/>
+              </a:buClr>
+              <a:buSzPts val="3200"/>
+              <a:buFont typeface="Dosis"/>
+              <a:buChar char="•"/>
+              <a:defRPr sz="3200"/>
+            </a:lvl1pPr>
+            <a:lvl2pPr marL="914400" lvl="1" indent="-406400" algn="l">
+              <a:spcBef>
+                <a:spcPts val="560"/>
+              </a:spcBef>
+              <a:spcAft>
+                <a:spcPts val="0"/>
+              </a:spcAft>
+              <a:buClr>
+                <a:srgbClr val="666666"/>
+              </a:buClr>
+              <a:buSzPts val="2800"/>
+              <a:buFont typeface="Dosis"/>
+              <a:buChar char="–"/>
+              <a:defRPr sz="2800"/>
+            </a:lvl2pPr>
+            <a:lvl3pPr marL="1371600" lvl="2" indent="-381000" algn="l">
+              <a:spcBef>
+                <a:spcPts val="480"/>
+              </a:spcBef>
+              <a:spcAft>
+                <a:spcPts val="0"/>
+              </a:spcAft>
+              <a:buClr>
+                <a:srgbClr val="666666"/>
+              </a:buClr>
+              <a:buSzPts val="2400"/>
+              <a:buFont typeface="Dosis"/>
+              <a:buChar char="•"/>
+              <a:defRPr sz="2400"/>
+            </a:lvl3pPr>
+            <a:lvl4pPr marL="1828800" lvl="3" indent="-355600" algn="l">
+              <a:spcBef>
+                <a:spcPts val="400"/>
+              </a:spcBef>
+              <a:spcAft>
+                <a:spcPts val="0"/>
+              </a:spcAft>
+              <a:buClr>
+                <a:srgbClr val="666666"/>
+              </a:buClr>
+              <a:buSzPts val="2000"/>
+              <a:buFont typeface="Dosis"/>
+              <a:buChar char="–"/>
+              <a:defRPr sz="2000"/>
+            </a:lvl4pPr>
+            <a:lvl5pPr marL="2286000" lvl="4" indent="-355600" algn="l">
+              <a:spcBef>
+                <a:spcPts val="400"/>
+              </a:spcBef>
+              <a:spcAft>
+                <a:spcPts val="0"/>
+              </a:spcAft>
+              <a:buClr>
+                <a:srgbClr val="666666"/>
+              </a:buClr>
+              <a:buSzPts val="2000"/>
+              <a:buFont typeface="Dosis"/>
+              <a:buChar char="»"/>
+              <a:defRPr sz="2000"/>
+            </a:lvl5pPr>
+            <a:lvl6pPr marL="2743200" lvl="5" indent="-355600" algn="l">
+              <a:spcBef>
+                <a:spcPts val="400"/>
+              </a:spcBef>
+              <a:spcAft>
+                <a:spcPts val="0"/>
+              </a:spcAft>
+              <a:buClr>
+                <a:srgbClr val="666666"/>
+              </a:buClr>
+              <a:buSzPts val="2000"/>
+              <a:buFont typeface="Dosis"/>
+              <a:buChar char="»"/>
+              <a:defRPr sz="2000"/>
+            </a:lvl6pPr>
+            <a:lvl7pPr marL="3200400" lvl="6" indent="-355600" algn="l">
+              <a:spcBef>
+                <a:spcPts val="400"/>
+              </a:spcBef>
+              <a:spcAft>
+                <a:spcPts val="0"/>
+              </a:spcAft>
+              <a:buClr>
+                <a:srgbClr val="666666"/>
+              </a:buClr>
+              <a:buSzPts val="2000"/>
+              <a:buFont typeface="Dosis"/>
+              <a:buChar char="»"/>
+              <a:defRPr sz="2000"/>
+            </a:lvl7pPr>
+            <a:lvl8pPr marL="3657600" lvl="7" indent="-355600" algn="l">
+              <a:spcBef>
+                <a:spcPts val="400"/>
+              </a:spcBef>
+              <a:spcAft>
+                <a:spcPts val="0"/>
+              </a:spcAft>
+              <a:buClr>
+                <a:srgbClr val="666666"/>
+              </a:buClr>
+              <a:buSzPts val="2000"/>
+              <a:buFont typeface="Dosis"/>
+              <a:buChar char="»"/>
+              <a:defRPr sz="2000"/>
+            </a:lvl8pPr>
+            <a:lvl9pPr marL="4114800" lvl="8" indent="-355600" algn="l">
+              <a:spcBef>
+                <a:spcPts val="400"/>
+              </a:spcBef>
+              <a:spcAft>
+                <a:spcPts val="0"/>
+              </a:spcAft>
+              <a:buClr>
+                <a:srgbClr val="666666"/>
+              </a:buClr>
+              <a:buSzPts val="2000"/>
+              <a:buFont typeface="Dosis"/>
+              <a:buChar char="»"/>
+              <a:defRPr sz="2000"/>
+            </a:lvl9pPr>
+          </a:lstStyle>
+          <a:p>
+            <a:endParaRPr/>
+          </a:p>
+        </p:txBody>
+      </p:sp>
+      <p:sp>
+        <p:nvSpPr>
+          <p:cNvPr id="33" name="Google Shape;33;p9"/>
+          <p:cNvSpPr txBox="1">
+            <a:spLocks noGrp="1"/>
+          </p:cNvSpPr>
+          <p:nvPr>
+            <p:ph type="body" idx="2"/>
+          </p:nvPr>
+        </p:nvSpPr>
+        <p:spPr>
+          <a:xfrm>
+            <a:off x="457200" y="1435100"/>
+            <a:ext cx="3008400" cy="4691200"/>
+          </a:xfrm>
+          <a:prstGeom prst="rect">
+            <a:avLst/>
+          </a:prstGeom>
+          <a:noFill/>
+          <a:ln>
+            <a:noFill/>
+          </a:ln>
+        </p:spPr>
+        <p:txBody>
+          <a:bodyPr spcFirstLastPara="1" wrap="square" lIns="91425" tIns="45700" rIns="91425" bIns="45700" anchor="t" anchorCtr="0">
+            <a:noAutofit/>
+          </a:bodyPr>
+          <a:lstStyle>
+            <a:lvl1pPr marL="457200" lvl="0" indent="-228600" algn="l">
+              <a:spcBef>
+                <a:spcPts val="280"/>
+              </a:spcBef>
+              <a:spcAft>
+                <a:spcPts val="0"/>
+              </a:spcAft>
+              <a:buClr>
+                <a:srgbClr val="666666"/>
+              </a:buClr>
+              <a:buSzPts val="1400"/>
+              <a:buFont typeface="Dosis"/>
+              <a:buNone/>
+              <a:defRPr sz="1400"/>
+            </a:lvl1pPr>
+            <a:lvl2pPr marL="914400" lvl="1" indent="-228600" algn="l">
+              <a:spcBef>
+                <a:spcPts val="240"/>
+              </a:spcBef>
+              <a:spcAft>
+                <a:spcPts val="0"/>
+              </a:spcAft>
+              <a:buClr>
+                <a:srgbClr val="666666"/>
+              </a:buClr>
+              <a:buSzPts val="1200"/>
+              <a:buFont typeface="Dosis"/>
+              <a:buNone/>
+              <a:defRPr sz="1200"/>
+            </a:lvl2pPr>
+            <a:lvl3pPr marL="1371600" lvl="2" indent="-228600" algn="l">
+              <a:spcBef>
+                <a:spcPts val="200"/>
+              </a:spcBef>
+              <a:spcAft>
+                <a:spcPts val="0"/>
+              </a:spcAft>
+              <a:buClr>
+                <a:srgbClr val="666666"/>
+              </a:buClr>
+              <a:buSzPts val="1000"/>
+              <a:buFont typeface="Dosis"/>
+              <a:buNone/>
+              <a:defRPr sz="1000"/>
+            </a:lvl3pPr>
+            <a:lvl4pPr marL="1828800" lvl="3" indent="-228600" algn="l">
+              <a:spcBef>
+                <a:spcPts val="180"/>
+              </a:spcBef>
+              <a:spcAft>
+                <a:spcPts val="0"/>
+              </a:spcAft>
+              <a:buClr>
+                <a:srgbClr val="666666"/>
+              </a:buClr>
+              <a:buSzPts val="900"/>
+              <a:buFont typeface="Dosis"/>
+              <a:buNone/>
+              <a:defRPr sz="900"/>
+            </a:lvl4pPr>
+            <a:lvl5pPr marL="2286000" lvl="4" indent="-228600" algn="l">
+              <a:spcBef>
+                <a:spcPts val="180"/>
+              </a:spcBef>
+              <a:spcAft>
+                <a:spcPts val="0"/>
+              </a:spcAft>
+              <a:buClr>
+                <a:srgbClr val="666666"/>
+              </a:buClr>
+              <a:buSzPts val="900"/>
+              <a:buFont typeface="Dosis"/>
+              <a:buNone/>
+              <a:defRPr sz="900"/>
+            </a:lvl5pPr>
+            <a:lvl6pPr marL="2743200" lvl="5" indent="-228600" algn="l">
+              <a:spcBef>
+                <a:spcPts val="180"/>
+              </a:spcBef>
+              <a:spcAft>
+                <a:spcPts val="0"/>
+              </a:spcAft>
+              <a:buClr>
+                <a:srgbClr val="666666"/>
+              </a:buClr>
+              <a:buSzPts val="900"/>
+              <a:buFont typeface="Dosis"/>
+              <a:buNone/>
+              <a:defRPr sz="900"/>
+            </a:lvl6pPr>
+            <a:lvl7pPr marL="3200400" lvl="6" indent="-228600" algn="l">
+              <a:spcBef>
+                <a:spcPts val="180"/>
+              </a:spcBef>
+              <a:spcAft>
+                <a:spcPts val="0"/>
+              </a:spcAft>
+              <a:buClr>
+                <a:srgbClr val="666666"/>
+              </a:buClr>
+              <a:buSzPts val="900"/>
+              <a:buFont typeface="Dosis"/>
+              <a:buNone/>
+              <a:defRPr sz="900"/>
+            </a:lvl7pPr>
+            <a:lvl8pPr marL="3657600" lvl="7" indent="-228600" algn="l">
+              <a:spcBef>
+                <a:spcPts val="180"/>
+              </a:spcBef>
+              <a:spcAft>
+                <a:spcPts val="0"/>
+              </a:spcAft>
+              <a:buClr>
+                <a:srgbClr val="666666"/>
+              </a:buClr>
+              <a:buSzPts val="900"/>
+              <a:buFont typeface="Dosis"/>
+              <a:buNone/>
+              <a:defRPr sz="900"/>
+            </a:lvl8pPr>
+            <a:lvl9pPr marL="4114800" lvl="8" indent="-228600" algn="l">
+              <a:spcBef>
+                <a:spcPts val="180"/>
+              </a:spcBef>
+              <a:spcAft>
+                <a:spcPts val="0"/>
+              </a:spcAft>
+              <a:buClr>
+                <a:srgbClr val="666666"/>
+              </a:buClr>
+              <a:buSzPts val="900"/>
+              <a:buFont typeface="Dosis"/>
+              <a:buNone/>
+              <a:defRPr sz="900"/>
+            </a:lvl9pPr>
+          </a:lstStyle>
+          <a:p>
+            <a:endParaRPr/>
+          </a:p>
+        </p:txBody>
+      </p:sp>
+    </p:spTree>
+    <p:extLst>
+      <p:ext uri="{BB962C8B-B14F-4D97-AF65-F5344CB8AC3E}">
+        <p14:creationId xmlns:p14="http://schemas.microsoft.com/office/powerpoint/2010/main" val="1334533508"/>
+      </p:ext>
+    </p:extLst>
+  </p:cSld>
+  <p:clrMapOvr>
+    <a:masterClrMapping/>
+  </p:clrMapOvr>
+</p:sldLayout>
+</file>
+
+<file path=ppt/slideLayouts/slideLayout31.xml><?xml version="1.0" encoding="utf-8"?>
+<p:sldLayout xmlns:a="http://schemas.openxmlformats.org/drawingml/2006/main" xmlns:r="http://schemas.openxmlformats.org/officeDocument/2006/relationships" xmlns:p="http://schemas.openxmlformats.org/presentationml/2006/main" matchingName="Рисунок с подписью" type="picTx">
+  <p:cSld name="Рисунок с подписью">
+    <p:spTree>
+      <p:nvGrpSpPr>
+        <p:cNvPr id="1" name="Shape 34"/>
+        <p:cNvGrpSpPr/>
+        <p:nvPr/>
+      </p:nvGrpSpPr>
+      <p:grpSpPr>
+        <a:xfrm>
+          <a:off x="0" y="0"/>
+          <a:ext cx="0" cy="0"/>
+          <a:chOff x="0" y="0"/>
+          <a:chExt cx="0" cy="0"/>
+        </a:xfrm>
+      </p:grpSpPr>
+      <p:sp>
+        <p:nvSpPr>
+          <p:cNvPr id="35" name="Google Shape;35;p10"/>
+          <p:cNvSpPr txBox="1">
+            <a:spLocks noGrp="1"/>
+          </p:cNvSpPr>
+          <p:nvPr>
+            <p:ph type="title"/>
+          </p:nvPr>
+        </p:nvSpPr>
+        <p:spPr>
+          <a:xfrm>
+            <a:off x="1792288" y="4800600"/>
+            <a:ext cx="5486400" cy="566800"/>
+          </a:xfrm>
+          <a:prstGeom prst="rect">
+            <a:avLst/>
+          </a:prstGeom>
+          <a:noFill/>
+          <a:ln>
+            <a:noFill/>
+          </a:ln>
+        </p:spPr>
+        <p:txBody>
+          <a:bodyPr spcFirstLastPara="1" wrap="square" lIns="91425" tIns="45700" rIns="91425" bIns="45700" anchor="b" anchorCtr="0">
+            <a:noAutofit/>
+          </a:bodyPr>
+          <a:lstStyle>
+            <a:lvl1pPr lvl="0" algn="l">
+              <a:spcBef>
+                <a:spcPts val="0"/>
+              </a:spcBef>
+              <a:spcAft>
+                <a:spcPts val="0"/>
+              </a:spcAft>
+              <a:buSzPts val="1400"/>
+              <a:buNone/>
+              <a:defRPr sz="2000" b="1"/>
+            </a:lvl1pPr>
+            <a:lvl2pPr lvl="1" algn="l">
+              <a:spcBef>
+                <a:spcPts val="0"/>
+              </a:spcBef>
+              <a:spcAft>
+                <a:spcPts val="0"/>
+              </a:spcAft>
+              <a:buSzPts val="1400"/>
+              <a:buNone/>
+              <a:defRPr/>
+            </a:lvl2pPr>
+            <a:lvl3pPr lvl="2" algn="l">
+              <a:spcBef>
+                <a:spcPts val="0"/>
+              </a:spcBef>
+              <a:spcAft>
+                <a:spcPts val="0"/>
+              </a:spcAft>
+              <a:buSzPts val="1400"/>
+              <a:buNone/>
+              <a:defRPr/>
+            </a:lvl3pPr>
+            <a:lvl4pPr lvl="3" algn="l">
+              <a:spcBef>
+                <a:spcPts val="0"/>
+              </a:spcBef>
+              <a:spcAft>
+                <a:spcPts val="0"/>
+              </a:spcAft>
+              <a:buSzPts val="1400"/>
+              <a:buNone/>
+              <a:defRPr/>
+            </a:lvl4pPr>
+            <a:lvl5pPr lvl="4" algn="l">
+              <a:spcBef>
+                <a:spcPts val="0"/>
+              </a:spcBef>
+              <a:spcAft>
+                <a:spcPts val="0"/>
+              </a:spcAft>
+              <a:buSzPts val="1400"/>
+              <a:buNone/>
+              <a:defRPr/>
+            </a:lvl5pPr>
+            <a:lvl6pPr lvl="5" algn="l">
+              <a:spcBef>
+                <a:spcPts val="0"/>
+              </a:spcBef>
+              <a:spcAft>
+                <a:spcPts val="0"/>
+              </a:spcAft>
+              <a:buSzPts val="1400"/>
+              <a:buNone/>
+              <a:defRPr/>
+            </a:lvl6pPr>
+            <a:lvl7pPr lvl="6" algn="l">
+              <a:spcBef>
+                <a:spcPts val="0"/>
+              </a:spcBef>
+              <a:spcAft>
+                <a:spcPts val="0"/>
+              </a:spcAft>
+              <a:buSzPts val="1400"/>
+              <a:buNone/>
+              <a:defRPr/>
+            </a:lvl7pPr>
+            <a:lvl8pPr lvl="7" algn="l">
+              <a:spcBef>
+                <a:spcPts val="0"/>
+              </a:spcBef>
+              <a:spcAft>
+                <a:spcPts val="0"/>
+              </a:spcAft>
+              <a:buSzPts val="1400"/>
+              <a:buNone/>
+              <a:defRPr/>
+            </a:lvl8pPr>
+            <a:lvl9pPr lvl="8" algn="l">
+              <a:spcBef>
+                <a:spcPts val="0"/>
+              </a:spcBef>
+              <a:spcAft>
+                <a:spcPts val="0"/>
+              </a:spcAft>
+              <a:buSzPts val="1400"/>
+              <a:buNone/>
+              <a:defRPr/>
+            </a:lvl9pPr>
+          </a:lstStyle>
+          <a:p>
+            <a:endParaRPr/>
+          </a:p>
+        </p:txBody>
+      </p:sp>
+      <p:sp>
+        <p:nvSpPr>
+          <p:cNvPr id="36" name="Google Shape;36;p10"/>
+          <p:cNvSpPr>
+            <a:spLocks noGrp="1"/>
+          </p:cNvSpPr>
+          <p:nvPr>
+            <p:ph type="pic" idx="2"/>
+          </p:nvPr>
+        </p:nvSpPr>
+        <p:spPr>
+          <a:xfrm>
+            <a:off x="1792288" y="612775"/>
+            <a:ext cx="5486400" cy="4114800"/>
+          </a:xfrm>
+          <a:prstGeom prst="rect">
+            <a:avLst/>
+          </a:prstGeom>
+          <a:noFill/>
+          <a:ln>
+            <a:noFill/>
+          </a:ln>
+        </p:spPr>
+        <p:txBody>
+          <a:bodyPr spcFirstLastPara="1" wrap="square" lIns="91425" tIns="45700" rIns="91425" bIns="45700" anchor="t" anchorCtr="0">
+            <a:noAutofit/>
+          </a:bodyPr>
+          <a:lstStyle>
+            <a:lvl1pPr marR="0" lvl="0" algn="l" rtl="0">
+              <a:spcBef>
+                <a:spcPts val="640"/>
+              </a:spcBef>
+              <a:spcAft>
+                <a:spcPts val="0"/>
+              </a:spcAft>
+              <a:buClr>
+                <a:srgbClr val="666666"/>
+              </a:buClr>
+              <a:buSzPts val="3200"/>
+              <a:buFont typeface="Dosis"/>
+              <a:buNone/>
+              <a:defRPr sz="3200" b="0" i="0" u="none" strike="noStrike" cap="none">
+                <a:solidFill>
+                  <a:srgbClr val="666666"/>
+                </a:solidFill>
+                <a:latin typeface="Dosis"/>
+                <a:ea typeface="Dosis"/>
+                <a:cs typeface="Dosis"/>
+                <a:sym typeface="Dosis"/>
+              </a:defRPr>
+            </a:lvl1pPr>
+            <a:lvl2pPr marR="0" lvl="1" algn="l" rtl="0">
+              <a:spcBef>
+                <a:spcPts val="560"/>
+              </a:spcBef>
+              <a:spcAft>
+                <a:spcPts val="0"/>
+              </a:spcAft>
+              <a:buClr>
+                <a:srgbClr val="666666"/>
+              </a:buClr>
+              <a:buSzPts val="2800"/>
+              <a:buFont typeface="Dosis"/>
+              <a:buNone/>
+              <a:defRPr sz="2800" b="0" i="0" u="none" strike="noStrike" cap="none">
+                <a:solidFill>
+                  <a:srgbClr val="666666"/>
+                </a:solidFill>
+                <a:latin typeface="Dosis"/>
+                <a:ea typeface="Dosis"/>
+                <a:cs typeface="Dosis"/>
+                <a:sym typeface="Dosis"/>
+              </a:defRPr>
+            </a:lvl2pPr>
+            <a:lvl3pPr marR="0" lvl="2" algn="l" rtl="0">
+              <a:spcBef>
+                <a:spcPts val="480"/>
+              </a:spcBef>
+              <a:spcAft>
+                <a:spcPts val="0"/>
+              </a:spcAft>
+              <a:buClr>
+                <a:srgbClr val="666666"/>
+              </a:buClr>
+              <a:buSzPts val="2400"/>
+              <a:buFont typeface="Dosis"/>
+              <a:buNone/>
+              <a:defRPr sz="2400" b="0" i="0" u="none" strike="noStrike" cap="none">
+                <a:solidFill>
+                  <a:srgbClr val="666666"/>
+                </a:solidFill>
+                <a:latin typeface="Dosis"/>
+                <a:ea typeface="Dosis"/>
+                <a:cs typeface="Dosis"/>
+                <a:sym typeface="Dosis"/>
+              </a:defRPr>
+            </a:lvl3pPr>
+            <a:lvl4pPr marR="0" lvl="3" algn="l" rtl="0">
+              <a:spcBef>
+                <a:spcPts val="400"/>
+              </a:spcBef>
+              <a:spcAft>
+                <a:spcPts val="0"/>
+              </a:spcAft>
+              <a:buClr>
+                <a:srgbClr val="666666"/>
+              </a:buClr>
+              <a:buSzPts val="2000"/>
+              <a:buFont typeface="Dosis"/>
+              <a:buNone/>
+              <a:defRPr sz="2000" b="0" i="0" u="none" strike="noStrike" cap="none">
+                <a:solidFill>
+                  <a:srgbClr val="666666"/>
+                </a:solidFill>
+                <a:latin typeface="Dosis"/>
+                <a:ea typeface="Dosis"/>
+                <a:cs typeface="Dosis"/>
+                <a:sym typeface="Dosis"/>
+              </a:defRPr>
+            </a:lvl4pPr>
+            <a:lvl5pPr marR="0" lvl="4" algn="l" rtl="0">
+              <a:spcBef>
+                <a:spcPts val="400"/>
+              </a:spcBef>
+              <a:spcAft>
+                <a:spcPts val="0"/>
+              </a:spcAft>
+              <a:buClr>
+                <a:srgbClr val="666666"/>
+              </a:buClr>
+              <a:buSzPts val="2000"/>
+              <a:buFont typeface="Dosis"/>
+              <a:buNone/>
+              <a:defRPr sz="2000" b="0" i="0" u="none" strike="noStrike" cap="none">
+                <a:solidFill>
+                  <a:srgbClr val="666666"/>
+                </a:solidFill>
+                <a:latin typeface="Dosis"/>
+                <a:ea typeface="Dosis"/>
+                <a:cs typeface="Dosis"/>
+                <a:sym typeface="Dosis"/>
+              </a:defRPr>
+            </a:lvl5pPr>
+            <a:lvl6pPr marR="0" lvl="5" algn="l" rtl="0">
+              <a:spcBef>
+                <a:spcPts val="400"/>
+              </a:spcBef>
+              <a:spcAft>
+                <a:spcPts val="0"/>
+              </a:spcAft>
+              <a:buClr>
+                <a:srgbClr val="666666"/>
+              </a:buClr>
+              <a:buSzPts val="2000"/>
+              <a:buFont typeface="Dosis"/>
+              <a:buNone/>
+              <a:defRPr sz="2000" b="0" i="0" u="none" strike="noStrike" cap="none">
+                <a:solidFill>
+                  <a:srgbClr val="666666"/>
+                </a:solidFill>
+                <a:latin typeface="Dosis"/>
+                <a:ea typeface="Dosis"/>
+                <a:cs typeface="Dosis"/>
+                <a:sym typeface="Dosis"/>
+              </a:defRPr>
+            </a:lvl6pPr>
+            <a:lvl7pPr marR="0" lvl="6" algn="l" rtl="0">
+              <a:spcBef>
+                <a:spcPts val="400"/>
+              </a:spcBef>
+              <a:spcAft>
+                <a:spcPts val="0"/>
+              </a:spcAft>
+              <a:buClr>
+                <a:srgbClr val="666666"/>
+              </a:buClr>
+              <a:buSzPts val="2000"/>
+              <a:buFont typeface="Dosis"/>
+              <a:buNone/>
+              <a:defRPr sz="2000" b="0" i="0" u="none" strike="noStrike" cap="none">
+                <a:solidFill>
+                  <a:srgbClr val="666666"/>
+                </a:solidFill>
+                <a:latin typeface="Dosis"/>
+                <a:ea typeface="Dosis"/>
+                <a:cs typeface="Dosis"/>
+                <a:sym typeface="Dosis"/>
+              </a:defRPr>
+            </a:lvl7pPr>
+            <a:lvl8pPr marR="0" lvl="7" algn="l" rtl="0">
+              <a:spcBef>
+                <a:spcPts val="400"/>
+              </a:spcBef>
+              <a:spcAft>
+                <a:spcPts val="0"/>
+              </a:spcAft>
+              <a:buClr>
+                <a:srgbClr val="666666"/>
+              </a:buClr>
+              <a:buSzPts val="2000"/>
+              <a:buFont typeface="Dosis"/>
+              <a:buNone/>
+              <a:defRPr sz="2000" b="0" i="0" u="none" strike="noStrike" cap="none">
+                <a:solidFill>
+                  <a:srgbClr val="666666"/>
+                </a:solidFill>
+                <a:latin typeface="Dosis"/>
+                <a:ea typeface="Dosis"/>
+                <a:cs typeface="Dosis"/>
+                <a:sym typeface="Dosis"/>
+              </a:defRPr>
+            </a:lvl8pPr>
+            <a:lvl9pPr marR="0" lvl="8" algn="l" rtl="0">
+              <a:spcBef>
+                <a:spcPts val="400"/>
+              </a:spcBef>
+              <a:spcAft>
+                <a:spcPts val="0"/>
+              </a:spcAft>
+              <a:buClr>
+                <a:srgbClr val="666666"/>
+              </a:buClr>
+              <a:buSzPts val="2000"/>
+              <a:buFont typeface="Dosis"/>
+              <a:buNone/>
+              <a:defRPr sz="2000" b="0" i="0" u="none" strike="noStrike" cap="none">
+                <a:solidFill>
+                  <a:srgbClr val="666666"/>
+                </a:solidFill>
+                <a:latin typeface="Dosis"/>
+                <a:ea typeface="Dosis"/>
+                <a:cs typeface="Dosis"/>
+                <a:sym typeface="Dosis"/>
+              </a:defRPr>
+            </a:lvl9pPr>
+          </a:lstStyle>
+          <a:p>
+            <a:endParaRPr/>
+          </a:p>
+        </p:txBody>
+      </p:sp>
+      <p:sp>
+        <p:nvSpPr>
+          <p:cNvPr id="37" name="Google Shape;37;p10"/>
+          <p:cNvSpPr txBox="1">
+            <a:spLocks noGrp="1"/>
+          </p:cNvSpPr>
+          <p:nvPr>
+            <p:ph type="body" idx="1"/>
+          </p:nvPr>
+        </p:nvSpPr>
+        <p:spPr>
+          <a:xfrm>
+            <a:off x="1792288" y="5367337"/>
+            <a:ext cx="5486400" cy="804800"/>
+          </a:xfrm>
+          <a:prstGeom prst="rect">
+            <a:avLst/>
+          </a:prstGeom>
+          <a:noFill/>
+          <a:ln>
+            <a:noFill/>
+          </a:ln>
+        </p:spPr>
+        <p:txBody>
+          <a:bodyPr spcFirstLastPara="1" wrap="square" lIns="91425" tIns="45700" rIns="91425" bIns="45700" anchor="t" anchorCtr="0">
+            <a:noAutofit/>
+          </a:bodyPr>
+          <a:lstStyle>
+            <a:lvl1pPr marL="457200" lvl="0" indent="-228600" algn="l">
+              <a:spcBef>
+                <a:spcPts val="280"/>
+              </a:spcBef>
+              <a:spcAft>
+                <a:spcPts val="0"/>
+              </a:spcAft>
+              <a:buClr>
+                <a:srgbClr val="666666"/>
+              </a:buClr>
+              <a:buSzPts val="1400"/>
+              <a:buFont typeface="Dosis"/>
+              <a:buNone/>
+              <a:defRPr sz="1400"/>
+            </a:lvl1pPr>
+            <a:lvl2pPr marL="914400" lvl="1" indent="-228600" algn="l">
+              <a:spcBef>
+                <a:spcPts val="240"/>
+              </a:spcBef>
+              <a:spcAft>
+                <a:spcPts val="0"/>
+              </a:spcAft>
+              <a:buClr>
+                <a:srgbClr val="666666"/>
+              </a:buClr>
+              <a:buSzPts val="1200"/>
+              <a:buFont typeface="Dosis"/>
+              <a:buNone/>
+              <a:defRPr sz="1200"/>
+            </a:lvl2pPr>
+            <a:lvl3pPr marL="1371600" lvl="2" indent="-228600" algn="l">
+              <a:spcBef>
+                <a:spcPts val="200"/>
+              </a:spcBef>
+              <a:spcAft>
+                <a:spcPts val="0"/>
+              </a:spcAft>
+              <a:buClr>
+                <a:srgbClr val="666666"/>
+              </a:buClr>
+              <a:buSzPts val="1000"/>
+              <a:buFont typeface="Dosis"/>
+              <a:buNone/>
+              <a:defRPr sz="1000"/>
+            </a:lvl3pPr>
+            <a:lvl4pPr marL="1828800" lvl="3" indent="-228600" algn="l">
+              <a:spcBef>
+                <a:spcPts val="180"/>
+              </a:spcBef>
+              <a:spcAft>
+                <a:spcPts val="0"/>
+              </a:spcAft>
+              <a:buClr>
+                <a:srgbClr val="666666"/>
+              </a:buClr>
+              <a:buSzPts val="900"/>
+              <a:buFont typeface="Dosis"/>
+              <a:buNone/>
+              <a:defRPr sz="900"/>
+            </a:lvl4pPr>
+            <a:lvl5pPr marL="2286000" lvl="4" indent="-228600" algn="l">
+              <a:spcBef>
+                <a:spcPts val="180"/>
+              </a:spcBef>
+              <a:spcAft>
+                <a:spcPts val="0"/>
+              </a:spcAft>
+              <a:buClr>
+                <a:srgbClr val="666666"/>
+              </a:buClr>
+              <a:buSzPts val="900"/>
+              <a:buFont typeface="Dosis"/>
+              <a:buNone/>
+              <a:defRPr sz="900"/>
+            </a:lvl5pPr>
+            <a:lvl6pPr marL="2743200" lvl="5" indent="-228600" algn="l">
+              <a:spcBef>
+                <a:spcPts val="180"/>
+              </a:spcBef>
+              <a:spcAft>
+                <a:spcPts val="0"/>
+              </a:spcAft>
+              <a:buClr>
+                <a:srgbClr val="666666"/>
+              </a:buClr>
+              <a:buSzPts val="900"/>
+              <a:buFont typeface="Dosis"/>
+              <a:buNone/>
+              <a:defRPr sz="900"/>
+            </a:lvl6pPr>
+            <a:lvl7pPr marL="3200400" lvl="6" indent="-228600" algn="l">
+              <a:spcBef>
+                <a:spcPts val="180"/>
+              </a:spcBef>
+              <a:spcAft>
+                <a:spcPts val="0"/>
+              </a:spcAft>
+              <a:buClr>
+                <a:srgbClr val="666666"/>
+              </a:buClr>
+              <a:buSzPts val="900"/>
+              <a:buFont typeface="Dosis"/>
+              <a:buNone/>
+              <a:defRPr sz="900"/>
+            </a:lvl7pPr>
+            <a:lvl8pPr marL="3657600" lvl="7" indent="-228600" algn="l">
+              <a:spcBef>
+                <a:spcPts val="180"/>
+              </a:spcBef>
+              <a:spcAft>
+                <a:spcPts val="0"/>
+              </a:spcAft>
+              <a:buClr>
+                <a:srgbClr val="666666"/>
+              </a:buClr>
+              <a:buSzPts val="900"/>
+              <a:buFont typeface="Dosis"/>
+              <a:buNone/>
+              <a:defRPr sz="900"/>
+            </a:lvl8pPr>
+            <a:lvl9pPr marL="4114800" lvl="8" indent="-228600" algn="l">
+              <a:spcBef>
+                <a:spcPts val="180"/>
+              </a:spcBef>
+              <a:spcAft>
+                <a:spcPts val="0"/>
+              </a:spcAft>
+              <a:buClr>
+                <a:srgbClr val="666666"/>
+              </a:buClr>
+              <a:buSzPts val="900"/>
+              <a:buFont typeface="Dosis"/>
+              <a:buNone/>
+              <a:defRPr sz="900"/>
+            </a:lvl9pPr>
+          </a:lstStyle>
+          <a:p>
+            <a:endParaRPr/>
+          </a:p>
+        </p:txBody>
+      </p:sp>
+    </p:spTree>
+    <p:extLst>
+      <p:ext uri="{BB962C8B-B14F-4D97-AF65-F5344CB8AC3E}">
+        <p14:creationId xmlns:p14="http://schemas.microsoft.com/office/powerpoint/2010/main" val="358114346"/>
+      </p:ext>
+    </p:extLst>
+  </p:cSld>
+  <p:clrMapOvr>
+    <a:masterClrMapping/>
+  </p:clrMapOvr>
+</p:sldLayout>
+</file>
+
+<file path=ppt/slideLayouts/slideLayout32.xml><?xml version="1.0" encoding="utf-8"?>
+<p:sldLayout xmlns:a="http://schemas.openxmlformats.org/drawingml/2006/main" xmlns:r="http://schemas.openxmlformats.org/officeDocument/2006/relationships" xmlns:p="http://schemas.openxmlformats.org/presentationml/2006/main" matchingName="Заголовок и вертикальный текст" type="vertTx">
+  <p:cSld name="Заголовок и вертикальный текст">
+    <p:spTree>
+      <p:nvGrpSpPr>
+        <p:cNvPr id="1" name="Shape 38"/>
+        <p:cNvGrpSpPr/>
+        <p:nvPr/>
+      </p:nvGrpSpPr>
+      <p:grpSpPr>
+        <a:xfrm>
+          <a:off x="0" y="0"/>
+          <a:ext cx="0" cy="0"/>
+          <a:chOff x="0" y="0"/>
+          <a:chExt cx="0" cy="0"/>
+        </a:xfrm>
+      </p:grpSpPr>
+      <p:sp>
+        <p:nvSpPr>
+          <p:cNvPr id="39" name="Google Shape;39;p11"/>
+          <p:cNvSpPr txBox="1">
+            <a:spLocks noGrp="1"/>
+          </p:cNvSpPr>
+          <p:nvPr>
+            <p:ph type="title"/>
+          </p:nvPr>
+        </p:nvSpPr>
+        <p:spPr>
+          <a:xfrm>
+            <a:off x="611188" y="260351"/>
+            <a:ext cx="8137500" cy="868400"/>
+          </a:xfrm>
+          <a:prstGeom prst="rect">
+            <a:avLst/>
+          </a:prstGeom>
+          <a:noFill/>
+          <a:ln>
+            <a:noFill/>
+          </a:ln>
+        </p:spPr>
+        <p:txBody>
+          <a:bodyPr spcFirstLastPara="1" wrap="square" lIns="91425" tIns="45700" rIns="91425" bIns="45700" anchor="ctr" anchorCtr="0">
+            <a:noAutofit/>
+          </a:bodyPr>
+          <a:lstStyle>
+            <a:lvl1pPr lvl="0" algn="l">
+              <a:spcBef>
+                <a:spcPts val="0"/>
+              </a:spcBef>
+              <a:spcAft>
+                <a:spcPts val="0"/>
+              </a:spcAft>
+              <a:buSzPts val="1400"/>
+              <a:buNone/>
+              <a:defRPr/>
+            </a:lvl1pPr>
+            <a:lvl2pPr lvl="1" algn="l">
+              <a:spcBef>
+                <a:spcPts val="0"/>
+              </a:spcBef>
+              <a:spcAft>
+                <a:spcPts val="0"/>
+              </a:spcAft>
+              <a:buSzPts val="1400"/>
+              <a:buNone/>
+              <a:defRPr/>
+            </a:lvl2pPr>
+            <a:lvl3pPr lvl="2" algn="l">
+              <a:spcBef>
+                <a:spcPts val="0"/>
+              </a:spcBef>
+              <a:spcAft>
+                <a:spcPts val="0"/>
+              </a:spcAft>
+              <a:buSzPts val="1400"/>
+              <a:buNone/>
+              <a:defRPr/>
+            </a:lvl3pPr>
+            <a:lvl4pPr lvl="3" algn="l">
+              <a:spcBef>
+                <a:spcPts val="0"/>
+              </a:spcBef>
+              <a:spcAft>
+                <a:spcPts val="0"/>
+              </a:spcAft>
+              <a:buSzPts val="1400"/>
+              <a:buNone/>
+              <a:defRPr/>
+            </a:lvl4pPr>
+            <a:lvl5pPr lvl="4" algn="l">
+              <a:spcBef>
+                <a:spcPts val="0"/>
+              </a:spcBef>
+              <a:spcAft>
+                <a:spcPts val="0"/>
+              </a:spcAft>
+              <a:buSzPts val="1400"/>
+              <a:buNone/>
+              <a:defRPr/>
+            </a:lvl5pPr>
+            <a:lvl6pPr lvl="5" algn="l">
+              <a:spcBef>
+                <a:spcPts val="0"/>
+              </a:spcBef>
+              <a:spcAft>
+                <a:spcPts val="0"/>
+              </a:spcAft>
+              <a:buSzPts val="1400"/>
+              <a:buNone/>
+              <a:defRPr/>
+            </a:lvl6pPr>
+            <a:lvl7pPr lvl="6" algn="l">
+              <a:spcBef>
+                <a:spcPts val="0"/>
+              </a:spcBef>
+              <a:spcAft>
+                <a:spcPts val="0"/>
+              </a:spcAft>
+              <a:buSzPts val="1400"/>
+              <a:buNone/>
+              <a:defRPr/>
+            </a:lvl7pPr>
+            <a:lvl8pPr lvl="7" algn="l">
+              <a:spcBef>
+                <a:spcPts val="0"/>
+              </a:spcBef>
+              <a:spcAft>
+                <a:spcPts val="0"/>
+              </a:spcAft>
+              <a:buSzPts val="1400"/>
+              <a:buNone/>
+              <a:defRPr/>
+            </a:lvl8pPr>
+            <a:lvl9pPr lvl="8" algn="l">
+              <a:spcBef>
+                <a:spcPts val="0"/>
+              </a:spcBef>
+              <a:spcAft>
+                <a:spcPts val="0"/>
+              </a:spcAft>
+              <a:buSzPts val="1400"/>
+              <a:buNone/>
+              <a:defRPr/>
+            </a:lvl9pPr>
+          </a:lstStyle>
+          <a:p>
+            <a:endParaRPr/>
+          </a:p>
+        </p:txBody>
+      </p:sp>
+      <p:sp>
+        <p:nvSpPr>
+          <p:cNvPr id="40" name="Google Shape;40;p11"/>
+          <p:cNvSpPr txBox="1">
+            <a:spLocks noGrp="1"/>
+          </p:cNvSpPr>
+          <p:nvPr>
+            <p:ph type="body" idx="1"/>
+          </p:nvPr>
+        </p:nvSpPr>
+        <p:spPr>
+          <a:xfrm rot="5400000">
+            <a:off x="2087563" y="-136499"/>
+            <a:ext cx="5184800" cy="8137500"/>
+          </a:xfrm>
+          <a:prstGeom prst="rect">
+            <a:avLst/>
+          </a:prstGeom>
+          <a:noFill/>
+          <a:ln>
+            <a:noFill/>
+          </a:ln>
+        </p:spPr>
+        <p:txBody>
+          <a:bodyPr spcFirstLastPara="1" wrap="square" lIns="91425" tIns="45700" rIns="91425" bIns="45700" anchor="t" anchorCtr="0">
+            <a:noAutofit/>
+          </a:bodyPr>
+          <a:lstStyle>
+            <a:lvl1pPr marL="457200" lvl="0" indent="-342900" algn="l">
+              <a:spcBef>
+                <a:spcPts val="360"/>
+              </a:spcBef>
+              <a:spcAft>
+                <a:spcPts val="0"/>
+              </a:spcAft>
+              <a:buClr>
+                <a:srgbClr val="666666"/>
+              </a:buClr>
+              <a:buSzPts val="1800"/>
+              <a:buChar char="•"/>
+              <a:defRPr/>
+            </a:lvl1pPr>
+            <a:lvl2pPr marL="914400" lvl="1" indent="-342900" algn="l">
+              <a:spcBef>
+                <a:spcPts val="360"/>
+              </a:spcBef>
+              <a:spcAft>
+                <a:spcPts val="0"/>
+              </a:spcAft>
+              <a:buClr>
+                <a:srgbClr val="666666"/>
+              </a:buClr>
+              <a:buSzPts val="1800"/>
+              <a:buChar char="–"/>
+              <a:defRPr/>
+            </a:lvl2pPr>
+            <a:lvl3pPr marL="1371600" lvl="2" indent="-342900" algn="l">
+              <a:spcBef>
+                <a:spcPts val="360"/>
+              </a:spcBef>
+              <a:spcAft>
+                <a:spcPts val="0"/>
+              </a:spcAft>
+              <a:buClr>
+                <a:srgbClr val="666666"/>
+              </a:buClr>
+              <a:buSzPts val="1800"/>
+              <a:buChar char="•"/>
+              <a:defRPr/>
+            </a:lvl3pPr>
+            <a:lvl4pPr marL="1828800" lvl="3" indent="-342900" algn="l">
+              <a:spcBef>
+                <a:spcPts val="360"/>
+              </a:spcBef>
+              <a:spcAft>
+                <a:spcPts val="0"/>
+              </a:spcAft>
+              <a:buClr>
+                <a:srgbClr val="666666"/>
+              </a:buClr>
+              <a:buSzPts val="1800"/>
+              <a:buChar char="–"/>
+              <a:defRPr/>
+            </a:lvl4pPr>
+            <a:lvl5pPr marL="2286000" lvl="4" indent="-342900" algn="l">
+              <a:spcBef>
+                <a:spcPts val="360"/>
+              </a:spcBef>
+              <a:spcAft>
+                <a:spcPts val="0"/>
+              </a:spcAft>
+              <a:buClr>
+                <a:srgbClr val="666666"/>
+              </a:buClr>
+              <a:buSzPts val="1800"/>
+              <a:buChar char="»"/>
+              <a:defRPr/>
+            </a:lvl5pPr>
+            <a:lvl6pPr marL="2743200" lvl="5" indent="-342900" algn="l">
+              <a:spcBef>
+                <a:spcPts val="360"/>
+              </a:spcBef>
+              <a:spcAft>
+                <a:spcPts val="0"/>
+              </a:spcAft>
+              <a:buClr>
+                <a:srgbClr val="666666"/>
+              </a:buClr>
+              <a:buSzPts val="1800"/>
+              <a:buChar char="»"/>
+              <a:defRPr/>
+            </a:lvl6pPr>
+            <a:lvl7pPr marL="3200400" lvl="6" indent="-342900" algn="l">
+              <a:spcBef>
+                <a:spcPts val="360"/>
+              </a:spcBef>
+              <a:spcAft>
+                <a:spcPts val="0"/>
+              </a:spcAft>
+              <a:buClr>
+                <a:srgbClr val="666666"/>
+              </a:buClr>
+              <a:buSzPts val="1800"/>
+              <a:buChar char="»"/>
+              <a:defRPr/>
+            </a:lvl7pPr>
+            <a:lvl8pPr marL="3657600" lvl="7" indent="-342900" algn="l">
+              <a:spcBef>
+                <a:spcPts val="360"/>
+              </a:spcBef>
+              <a:spcAft>
+                <a:spcPts val="0"/>
+              </a:spcAft>
+              <a:buClr>
+                <a:srgbClr val="666666"/>
+              </a:buClr>
+              <a:buSzPts val="1800"/>
+              <a:buChar char="»"/>
+              <a:defRPr/>
+            </a:lvl8pPr>
+            <a:lvl9pPr marL="4114800" lvl="8" indent="-342900" algn="l">
+              <a:spcBef>
+                <a:spcPts val="360"/>
+              </a:spcBef>
+              <a:spcAft>
+                <a:spcPts val="0"/>
+              </a:spcAft>
+              <a:buClr>
+                <a:srgbClr val="666666"/>
+              </a:buClr>
+              <a:buSzPts val="1800"/>
+              <a:buChar char="»"/>
+              <a:defRPr/>
+            </a:lvl9pPr>
+          </a:lstStyle>
+          <a:p>
+            <a:endParaRPr/>
+          </a:p>
+        </p:txBody>
+      </p:sp>
+    </p:spTree>
+    <p:extLst>
+      <p:ext uri="{BB962C8B-B14F-4D97-AF65-F5344CB8AC3E}">
+        <p14:creationId xmlns:p14="http://schemas.microsoft.com/office/powerpoint/2010/main" val="2088642464"/>
+      </p:ext>
+    </p:extLst>
+  </p:cSld>
+  <p:clrMapOvr>
+    <a:masterClrMapping/>
+  </p:clrMapOvr>
+</p:sldLayout>
+</file>
+
+<file path=ppt/slideLayouts/slideLayout33.xml><?xml version="1.0" encoding="utf-8"?>
+<p:sldLayout xmlns:a="http://schemas.openxmlformats.org/drawingml/2006/main" xmlns:r="http://schemas.openxmlformats.org/officeDocument/2006/relationships" xmlns:p="http://schemas.openxmlformats.org/presentationml/2006/main" matchingName="Вертикальный заголовок и текст" type="vertTitleAndTx">
+  <p:cSld name="Вертикальный заголовок и текст">
+    <p:spTree>
+      <p:nvGrpSpPr>
+        <p:cNvPr id="1" name="Shape 41"/>
+        <p:cNvGrpSpPr/>
+        <p:nvPr/>
+      </p:nvGrpSpPr>
+      <p:grpSpPr>
+        <a:xfrm>
+          <a:off x="0" y="0"/>
+          <a:ext cx="0" cy="0"/>
+          <a:chOff x="0" y="0"/>
+          <a:chExt cx="0" cy="0"/>
+        </a:xfrm>
+      </p:grpSpPr>
+      <p:sp>
+        <p:nvSpPr>
+          <p:cNvPr id="42" name="Google Shape;42;p12"/>
+          <p:cNvSpPr txBox="1">
+            <a:spLocks noGrp="1"/>
+          </p:cNvSpPr>
+          <p:nvPr>
+            <p:ph type="title"/>
+          </p:nvPr>
+        </p:nvSpPr>
+        <p:spPr>
+          <a:xfrm rot="5400000">
+            <a:off x="4599663" y="2375701"/>
+            <a:ext cx="6264400" cy="2033700"/>
+          </a:xfrm>
+          <a:prstGeom prst="rect">
+            <a:avLst/>
+          </a:prstGeom>
+          <a:noFill/>
+          <a:ln>
+            <a:noFill/>
+          </a:ln>
+        </p:spPr>
+        <p:txBody>
+          <a:bodyPr spcFirstLastPara="1" wrap="square" lIns="91425" tIns="45700" rIns="91425" bIns="45700" anchor="ctr" anchorCtr="0">
+            <a:noAutofit/>
+          </a:bodyPr>
+          <a:lstStyle>
+            <a:lvl1pPr lvl="0" algn="l">
+              <a:spcBef>
+                <a:spcPts val="0"/>
+              </a:spcBef>
+              <a:spcAft>
+                <a:spcPts val="0"/>
+              </a:spcAft>
+              <a:buSzPts val="1400"/>
+              <a:buNone/>
+              <a:defRPr/>
+            </a:lvl1pPr>
+            <a:lvl2pPr lvl="1" algn="l">
+              <a:spcBef>
+                <a:spcPts val="0"/>
+              </a:spcBef>
+              <a:spcAft>
+                <a:spcPts val="0"/>
+              </a:spcAft>
+              <a:buSzPts val="1400"/>
+              <a:buNone/>
+              <a:defRPr/>
+            </a:lvl2pPr>
+            <a:lvl3pPr lvl="2" algn="l">
+              <a:spcBef>
+                <a:spcPts val="0"/>
+              </a:spcBef>
+              <a:spcAft>
+                <a:spcPts val="0"/>
+              </a:spcAft>
+              <a:buSzPts val="1400"/>
+              <a:buNone/>
+              <a:defRPr/>
+            </a:lvl3pPr>
+            <a:lvl4pPr lvl="3" algn="l">
+              <a:spcBef>
+                <a:spcPts val="0"/>
+              </a:spcBef>
+              <a:spcAft>
+                <a:spcPts val="0"/>
+              </a:spcAft>
+              <a:buSzPts val="1400"/>
+              <a:buNone/>
+              <a:defRPr/>
+            </a:lvl4pPr>
+            <a:lvl5pPr lvl="4" algn="l">
+              <a:spcBef>
+                <a:spcPts val="0"/>
+              </a:spcBef>
+              <a:spcAft>
+                <a:spcPts val="0"/>
+              </a:spcAft>
+              <a:buSzPts val="1400"/>
+              <a:buNone/>
+              <a:defRPr/>
+            </a:lvl5pPr>
+            <a:lvl6pPr lvl="5" algn="l">
+              <a:spcBef>
+                <a:spcPts val="0"/>
+              </a:spcBef>
+              <a:spcAft>
+                <a:spcPts val="0"/>
+              </a:spcAft>
+              <a:buSzPts val="1400"/>
+              <a:buNone/>
+              <a:defRPr/>
+            </a:lvl6pPr>
+            <a:lvl7pPr lvl="6" algn="l">
+              <a:spcBef>
+                <a:spcPts val="0"/>
+              </a:spcBef>
+              <a:spcAft>
+                <a:spcPts val="0"/>
+              </a:spcAft>
+              <a:buSzPts val="1400"/>
+              <a:buNone/>
+              <a:defRPr/>
+            </a:lvl7pPr>
+            <a:lvl8pPr lvl="7" algn="l">
+              <a:spcBef>
+                <a:spcPts val="0"/>
+              </a:spcBef>
+              <a:spcAft>
+                <a:spcPts val="0"/>
+              </a:spcAft>
+              <a:buSzPts val="1400"/>
+              <a:buNone/>
+              <a:defRPr/>
+            </a:lvl8pPr>
+            <a:lvl9pPr lvl="8" algn="l">
+              <a:spcBef>
+                <a:spcPts val="0"/>
+              </a:spcBef>
+              <a:spcAft>
+                <a:spcPts val="0"/>
+              </a:spcAft>
+              <a:buSzPts val="1400"/>
+              <a:buNone/>
+              <a:defRPr/>
+            </a:lvl9pPr>
+          </a:lstStyle>
+          <a:p>
+            <a:endParaRPr/>
+          </a:p>
+        </p:txBody>
+      </p:sp>
+      <p:sp>
+        <p:nvSpPr>
+          <p:cNvPr id="43" name="Google Shape;43;p12"/>
+          <p:cNvSpPr txBox="1">
+            <a:spLocks noGrp="1"/>
+          </p:cNvSpPr>
+          <p:nvPr>
+            <p:ph type="body" idx="1"/>
+          </p:nvPr>
+        </p:nvSpPr>
+        <p:spPr>
+          <a:xfrm rot="5400000">
+            <a:off x="454825" y="416851"/>
+            <a:ext cx="6264400" cy="5951400"/>
+          </a:xfrm>
+          <a:prstGeom prst="rect">
+            <a:avLst/>
+          </a:prstGeom>
+          <a:noFill/>
+          <a:ln>
+            <a:noFill/>
+          </a:ln>
+        </p:spPr>
+        <p:txBody>
+          <a:bodyPr spcFirstLastPara="1" wrap="square" lIns="91425" tIns="45700" rIns="91425" bIns="45700" anchor="t" anchorCtr="0">
+            <a:noAutofit/>
+          </a:bodyPr>
+          <a:lstStyle>
+            <a:lvl1pPr marL="457200" lvl="0" indent="-342900" algn="l">
+              <a:spcBef>
+                <a:spcPts val="360"/>
+              </a:spcBef>
+              <a:spcAft>
+                <a:spcPts val="0"/>
+              </a:spcAft>
+              <a:buClr>
+                <a:srgbClr val="666666"/>
+              </a:buClr>
+              <a:buSzPts val="1800"/>
+              <a:buChar char="•"/>
+              <a:defRPr/>
+            </a:lvl1pPr>
+            <a:lvl2pPr marL="914400" lvl="1" indent="-342900" algn="l">
+              <a:spcBef>
+                <a:spcPts val="360"/>
+              </a:spcBef>
+              <a:spcAft>
+                <a:spcPts val="0"/>
+              </a:spcAft>
+              <a:buClr>
+                <a:srgbClr val="666666"/>
+              </a:buClr>
+              <a:buSzPts val="1800"/>
+              <a:buChar char="–"/>
+              <a:defRPr/>
+            </a:lvl2pPr>
+            <a:lvl3pPr marL="1371600" lvl="2" indent="-342900" algn="l">
+              <a:spcBef>
+                <a:spcPts val="360"/>
+              </a:spcBef>
+              <a:spcAft>
+                <a:spcPts val="0"/>
+              </a:spcAft>
+              <a:buClr>
+                <a:srgbClr val="666666"/>
+              </a:buClr>
+              <a:buSzPts val="1800"/>
+              <a:buChar char="•"/>
+              <a:defRPr/>
+            </a:lvl3pPr>
+            <a:lvl4pPr marL="1828800" lvl="3" indent="-342900" algn="l">
+              <a:spcBef>
+                <a:spcPts val="360"/>
+              </a:spcBef>
+              <a:spcAft>
+                <a:spcPts val="0"/>
+              </a:spcAft>
+              <a:buClr>
+                <a:srgbClr val="666666"/>
+              </a:buClr>
+              <a:buSzPts val="1800"/>
+              <a:buChar char="–"/>
+              <a:defRPr/>
+            </a:lvl4pPr>
+            <a:lvl5pPr marL="2286000" lvl="4" indent="-342900" algn="l">
+              <a:spcBef>
+                <a:spcPts val="360"/>
+              </a:spcBef>
+              <a:spcAft>
+                <a:spcPts val="0"/>
+              </a:spcAft>
+              <a:buClr>
+                <a:srgbClr val="666666"/>
+              </a:buClr>
+              <a:buSzPts val="1800"/>
+              <a:buChar char="»"/>
+              <a:defRPr/>
+            </a:lvl5pPr>
+            <a:lvl6pPr marL="2743200" lvl="5" indent="-342900" algn="l">
+              <a:spcBef>
+                <a:spcPts val="360"/>
+              </a:spcBef>
+              <a:spcAft>
+                <a:spcPts val="0"/>
+              </a:spcAft>
+              <a:buClr>
+                <a:srgbClr val="666666"/>
+              </a:buClr>
+              <a:buSzPts val="1800"/>
+              <a:buChar char="»"/>
+              <a:defRPr/>
+            </a:lvl6pPr>
+            <a:lvl7pPr marL="3200400" lvl="6" indent="-342900" algn="l">
+              <a:spcBef>
+                <a:spcPts val="360"/>
+              </a:spcBef>
+              <a:spcAft>
+                <a:spcPts val="0"/>
+              </a:spcAft>
+              <a:buClr>
+                <a:srgbClr val="666666"/>
+              </a:buClr>
+              <a:buSzPts val="1800"/>
+              <a:buChar char="»"/>
+              <a:defRPr/>
+            </a:lvl7pPr>
+            <a:lvl8pPr marL="3657600" lvl="7" indent="-342900" algn="l">
+              <a:spcBef>
+                <a:spcPts val="360"/>
+              </a:spcBef>
+              <a:spcAft>
+                <a:spcPts val="0"/>
+              </a:spcAft>
+              <a:buClr>
+                <a:srgbClr val="666666"/>
+              </a:buClr>
+              <a:buSzPts val="1800"/>
+              <a:buChar char="»"/>
+              <a:defRPr/>
+            </a:lvl8pPr>
+            <a:lvl9pPr marL="4114800" lvl="8" indent="-342900" algn="l">
+              <a:spcBef>
+                <a:spcPts val="360"/>
+              </a:spcBef>
+              <a:spcAft>
+                <a:spcPts val="0"/>
+              </a:spcAft>
+              <a:buClr>
+                <a:srgbClr val="666666"/>
+              </a:buClr>
+              <a:buSzPts val="1800"/>
+              <a:buChar char="»"/>
+              <a:defRPr/>
+            </a:lvl9pPr>
+          </a:lstStyle>
+          <a:p>
+            <a:endParaRPr/>
+          </a:p>
+        </p:txBody>
+      </p:sp>
+    </p:spTree>
+    <p:extLst>
+      <p:ext uri="{BB962C8B-B14F-4D97-AF65-F5344CB8AC3E}">
+        <p14:creationId xmlns:p14="http://schemas.microsoft.com/office/powerpoint/2010/main" val="2224657228"/>
+      </p:ext>
+    </p:extLst>
+  </p:cSld>
+  <p:clrMapOvr>
+    <a:masterClrMapping/>
+  </p:clrMapOvr>
+</p:sldLayout>
+</file>
+
+<file path=ppt/slideLayouts/slideLayout34.xml><?xml version="1.0" encoding="utf-8"?>
+<p:sldLayout xmlns:a="http://schemas.openxmlformats.org/drawingml/2006/main" xmlns:r="http://schemas.openxmlformats.org/officeDocument/2006/relationships" xmlns:p="http://schemas.openxmlformats.org/presentationml/2006/main" matchingName="Title and body" type="tx">
+  <p:cSld name="Title and body">
+    <p:spTree>
+      <p:nvGrpSpPr>
+        <p:cNvPr id="1" name="Shape 44"/>
+        <p:cNvGrpSpPr/>
+        <p:nvPr/>
+      </p:nvGrpSpPr>
+      <p:grpSpPr>
+        <a:xfrm>
+          <a:off x="0" y="0"/>
+          <a:ext cx="0" cy="0"/>
+          <a:chOff x="0" y="0"/>
+          <a:chExt cx="0" cy="0"/>
+        </a:xfrm>
+      </p:grpSpPr>
+      <p:cxnSp>
+        <p:nvCxnSpPr>
+          <p:cNvPr id="45" name="Google Shape;45;p13"/>
+          <p:cNvCxnSpPr/>
+          <p:nvPr/>
+        </p:nvCxnSpPr>
+        <p:spPr>
+          <a:xfrm>
+            <a:off x="492563" y="1680379"/>
+            <a:ext cx="424800" cy="0"/>
+          </a:xfrm>
+          <a:prstGeom prst="straightConnector1">
+            <a:avLst/>
+          </a:prstGeom>
+          <a:noFill/>
+          <a:ln w="38100" cap="flat" cmpd="sng">
+            <a:solidFill>
+              <a:schemeClr val="accent4"/>
+            </a:solidFill>
+            <a:prstDash val="solid"/>
+            <a:round/>
+            <a:headEnd type="none" w="sm" len="sm"/>
+            <a:tailEnd type="none" w="sm" len="sm"/>
+          </a:ln>
+        </p:spPr>
+      </p:cxnSp>
+      <p:sp>
+        <p:nvSpPr>
+          <p:cNvPr id="46" name="Google Shape;46;p13"/>
+          <p:cNvSpPr txBox="1">
+            <a:spLocks noGrp="1"/>
+          </p:cNvSpPr>
+          <p:nvPr>
+            <p:ph type="title"/>
+          </p:nvPr>
+        </p:nvSpPr>
+        <p:spPr>
+          <a:xfrm>
+            <a:off x="387900" y="610700"/>
+            <a:ext cx="8368200" cy="914800"/>
+          </a:xfrm>
+          <a:prstGeom prst="rect">
+            <a:avLst/>
+          </a:prstGeom>
+        </p:spPr>
+        <p:txBody>
+          <a:bodyPr spcFirstLastPara="1" wrap="square" lIns="91425" tIns="45700" rIns="91425" bIns="45700" anchor="ctr" anchorCtr="0">
+            <a:noAutofit/>
+          </a:bodyPr>
+          <a:lstStyle>
+            <a:lvl1pPr lvl="0" rtl="0">
+              <a:spcBef>
+                <a:spcPts val="0"/>
+              </a:spcBef>
+              <a:spcAft>
+                <a:spcPts val="0"/>
+              </a:spcAft>
+              <a:buSzPts val="1400"/>
+              <a:buNone/>
+              <a:defRPr/>
+            </a:lvl1pPr>
+            <a:lvl2pPr lvl="1" rtl="0">
+              <a:spcBef>
+                <a:spcPts val="0"/>
+              </a:spcBef>
+              <a:spcAft>
+                <a:spcPts val="0"/>
+              </a:spcAft>
+              <a:buSzPts val="1400"/>
+              <a:buNone/>
+              <a:defRPr/>
+            </a:lvl2pPr>
+            <a:lvl3pPr lvl="2" rtl="0">
+              <a:spcBef>
+                <a:spcPts val="0"/>
+              </a:spcBef>
+              <a:spcAft>
+                <a:spcPts val="0"/>
+              </a:spcAft>
+              <a:buSzPts val="1400"/>
+              <a:buNone/>
+              <a:defRPr/>
+            </a:lvl3pPr>
+            <a:lvl4pPr lvl="3" rtl="0">
+              <a:spcBef>
+                <a:spcPts val="0"/>
+              </a:spcBef>
+              <a:spcAft>
+                <a:spcPts val="0"/>
+              </a:spcAft>
+              <a:buSzPts val="1400"/>
+              <a:buNone/>
+              <a:defRPr/>
+            </a:lvl4pPr>
+            <a:lvl5pPr lvl="4" rtl="0">
+              <a:spcBef>
+                <a:spcPts val="0"/>
+              </a:spcBef>
+              <a:spcAft>
+                <a:spcPts val="0"/>
+              </a:spcAft>
+              <a:buSzPts val="1400"/>
+              <a:buNone/>
+              <a:defRPr/>
+            </a:lvl5pPr>
+            <a:lvl6pPr lvl="5" rtl="0">
+              <a:spcBef>
+                <a:spcPts val="0"/>
+              </a:spcBef>
+              <a:spcAft>
+                <a:spcPts val="0"/>
+              </a:spcAft>
+              <a:buSzPts val="1400"/>
+              <a:buNone/>
+              <a:defRPr/>
+            </a:lvl6pPr>
+            <a:lvl7pPr lvl="6" rtl="0">
+              <a:spcBef>
+                <a:spcPts val="0"/>
+              </a:spcBef>
+              <a:spcAft>
+                <a:spcPts val="0"/>
+              </a:spcAft>
+              <a:buSzPts val="1400"/>
+              <a:buNone/>
+              <a:defRPr/>
+            </a:lvl7pPr>
+            <a:lvl8pPr lvl="7" rtl="0">
+              <a:spcBef>
+                <a:spcPts val="0"/>
+              </a:spcBef>
+              <a:spcAft>
+                <a:spcPts val="0"/>
+              </a:spcAft>
+              <a:buSzPts val="1400"/>
+              <a:buNone/>
+              <a:defRPr/>
+            </a:lvl8pPr>
+            <a:lvl9pPr lvl="8" rtl="0">
+              <a:spcBef>
+                <a:spcPts val="0"/>
+              </a:spcBef>
+              <a:spcAft>
+                <a:spcPts val="0"/>
+              </a:spcAft>
+              <a:buSzPts val="1400"/>
+              <a:buNone/>
+              <a:defRPr/>
+            </a:lvl9pPr>
+          </a:lstStyle>
+          <a:p>
+            <a:endParaRPr/>
+          </a:p>
+        </p:txBody>
+      </p:sp>
+      <p:sp>
+        <p:nvSpPr>
+          <p:cNvPr id="47" name="Google Shape;47;p13"/>
+          <p:cNvSpPr txBox="1">
+            <a:spLocks noGrp="1"/>
+          </p:cNvSpPr>
+          <p:nvPr>
+            <p:ph type="body" idx="1"/>
+          </p:nvPr>
+        </p:nvSpPr>
+        <p:spPr>
+          <a:xfrm>
+            <a:off x="387900" y="1986432"/>
+            <a:ext cx="8368200" cy="4105200"/>
+          </a:xfrm>
+          <a:prstGeom prst="rect">
+            <a:avLst/>
+          </a:prstGeom>
+        </p:spPr>
+        <p:txBody>
+          <a:bodyPr spcFirstLastPara="1" wrap="square" lIns="91425" tIns="45700" rIns="91425" bIns="45700" anchor="t" anchorCtr="0">
+            <a:noAutofit/>
+          </a:bodyPr>
+          <a:lstStyle>
+            <a:lvl1pPr marL="457200" lvl="0" indent="-355600" rtl="0">
+              <a:spcBef>
+                <a:spcPts val="400"/>
+              </a:spcBef>
+              <a:spcAft>
+                <a:spcPts val="0"/>
+              </a:spcAft>
+              <a:buSzPts val="2000"/>
+              <a:buChar char="•"/>
+              <a:defRPr/>
+            </a:lvl1pPr>
+            <a:lvl2pPr marL="914400" lvl="1" indent="-355600" rtl="0">
+              <a:spcBef>
+                <a:spcPts val="400"/>
+              </a:spcBef>
+              <a:spcAft>
+                <a:spcPts val="0"/>
+              </a:spcAft>
+              <a:buSzPts val="2000"/>
+              <a:buChar char="–"/>
+              <a:defRPr/>
+            </a:lvl2pPr>
+            <a:lvl3pPr marL="1371600" lvl="2" indent="-355600" rtl="0">
+              <a:spcBef>
+                <a:spcPts val="400"/>
+              </a:spcBef>
+              <a:spcAft>
+                <a:spcPts val="0"/>
+              </a:spcAft>
+              <a:buSzPts val="2000"/>
+              <a:buChar char="•"/>
+              <a:defRPr/>
+            </a:lvl3pPr>
+            <a:lvl4pPr marL="1828800" lvl="3" indent="-355600" rtl="0">
+              <a:spcBef>
+                <a:spcPts val="400"/>
+              </a:spcBef>
+              <a:spcAft>
+                <a:spcPts val="0"/>
+              </a:spcAft>
+              <a:buSzPts val="2000"/>
+              <a:buChar char="–"/>
+              <a:defRPr/>
+            </a:lvl4pPr>
+            <a:lvl5pPr marL="2286000" lvl="4" indent="-355600" rtl="0">
+              <a:spcBef>
+                <a:spcPts val="400"/>
+              </a:spcBef>
+              <a:spcAft>
+                <a:spcPts val="0"/>
+              </a:spcAft>
+              <a:buSzPts val="2000"/>
+              <a:buChar char="»"/>
+              <a:defRPr/>
+            </a:lvl5pPr>
+            <a:lvl6pPr marL="2743200" lvl="5" indent="-355600" rtl="0">
+              <a:spcBef>
+                <a:spcPts val="400"/>
+              </a:spcBef>
+              <a:spcAft>
+                <a:spcPts val="0"/>
+              </a:spcAft>
+              <a:buSzPts val="2000"/>
+              <a:buChar char="»"/>
+              <a:defRPr/>
+            </a:lvl6pPr>
+            <a:lvl7pPr marL="3200400" lvl="6" indent="-355600" rtl="0">
+              <a:spcBef>
+                <a:spcPts val="400"/>
+              </a:spcBef>
+              <a:spcAft>
+                <a:spcPts val="0"/>
+              </a:spcAft>
+              <a:buSzPts val="2000"/>
+              <a:buChar char="»"/>
+              <a:defRPr/>
+            </a:lvl7pPr>
+            <a:lvl8pPr marL="3657600" lvl="7" indent="-355600" rtl="0">
+              <a:spcBef>
+                <a:spcPts val="400"/>
+              </a:spcBef>
+              <a:spcAft>
+                <a:spcPts val="0"/>
+              </a:spcAft>
+              <a:buSzPts val="2000"/>
+              <a:buChar char="»"/>
+              <a:defRPr/>
+            </a:lvl8pPr>
+            <a:lvl9pPr marL="4114800" lvl="8" indent="-355600" rtl="0">
+              <a:spcBef>
+                <a:spcPts val="400"/>
+              </a:spcBef>
+              <a:spcAft>
+                <a:spcPts val="0"/>
+              </a:spcAft>
+              <a:buSzPts val="2000"/>
+              <a:buChar char="»"/>
+              <a:defRPr/>
+            </a:lvl9pPr>
+          </a:lstStyle>
+          <a:p>
+            <a:endParaRPr/>
+          </a:p>
+        </p:txBody>
+      </p:sp>
+      <p:sp>
+        <p:nvSpPr>
+          <p:cNvPr id="48" name="Google Shape;48;p13"/>
+          <p:cNvSpPr txBox="1">
+            <a:spLocks noGrp="1"/>
+          </p:cNvSpPr>
+          <p:nvPr>
+            <p:ph type="sldNum" idx="12"/>
+          </p:nvPr>
+        </p:nvSpPr>
+        <p:spPr>
+          <a:xfrm>
+            <a:off x="8472458" y="6217623"/>
+            <a:ext cx="548700" cy="524800"/>
+          </a:xfrm>
+          <a:prstGeom prst="rect">
+            <a:avLst/>
+          </a:prstGeom>
+          <a:noFill/>
+          <a:ln>
+            <a:noFill/>
+          </a:ln>
+        </p:spPr>
+        <p:txBody>
+          <a:bodyPr spcFirstLastPara="1" wrap="square" lIns="91425" tIns="91425" rIns="91425" bIns="91425" anchor="ctr" anchorCtr="0">
+            <a:noAutofit/>
+          </a:bodyPr>
+          <a:lstStyle>
+            <a:lvl1pPr lvl="0" rtl="0">
+              <a:buNone/>
+              <a:defRPr/>
+            </a:lvl1pPr>
+            <a:lvl2pPr lvl="1" rtl="0">
+              <a:buNone/>
+              <a:defRPr/>
+            </a:lvl2pPr>
+            <a:lvl3pPr lvl="2" rtl="0">
+              <a:buNone/>
+              <a:defRPr/>
+            </a:lvl3pPr>
+            <a:lvl4pPr lvl="3" rtl="0">
+              <a:buNone/>
+              <a:defRPr/>
+            </a:lvl4pPr>
+            <a:lvl5pPr lvl="4" rtl="0">
+              <a:buNone/>
+              <a:defRPr/>
+            </a:lvl5pPr>
+            <a:lvl6pPr lvl="5" rtl="0">
+              <a:buNone/>
+              <a:defRPr/>
+            </a:lvl6pPr>
+            <a:lvl7pPr lvl="6" rtl="0">
+              <a:buNone/>
+              <a:defRPr/>
+            </a:lvl7pPr>
+            <a:lvl8pPr lvl="7" rtl="0">
+              <a:buNone/>
+              <a:defRPr/>
+            </a:lvl8pPr>
+            <a:lvl9pPr lvl="8" rtl="0">
+              <a:buNone/>
+              <a:defRPr/>
+            </a:lvl9pPr>
+          </a:lstStyle>
+          <a:p>
+            <a:pPr>
+              <a:spcBef>
+                <a:spcPts val="0"/>
+              </a:spcBef>
+              <a:spcAft>
+                <a:spcPts val="0"/>
+              </a:spcAft>
+            </a:pPr>
+            <a:fld id="{00000000-1234-1234-1234-123412341234}" type="slidenum">
+              <a:rPr lang="es" smtClean="0"/>
+              <a:pPr>
+                <a:spcBef>
+                  <a:spcPts val="0"/>
+                </a:spcBef>
+                <a:spcAft>
+                  <a:spcPts val="0"/>
+                </a:spcAft>
+              </a:pPr>
+              <a:t>‹#›</a:t>
+            </a:fld>
+            <a:endParaRPr lang="es"/>
+          </a:p>
+        </p:txBody>
+      </p:sp>
+    </p:spTree>
+    <p:extLst>
+      <p:ext uri="{BB962C8B-B14F-4D97-AF65-F5344CB8AC3E}">
+        <p14:creationId xmlns:p14="http://schemas.microsoft.com/office/powerpoint/2010/main" val="3931424881"/>
       </p:ext>
     </p:extLst>
   </p:cSld>
@@ -4173,10 +9021,9 @@
           <a:lstStyle/>
           <a:p>
             <a:r>
-              <a:rPr lang="ru-RU" smtClean="0"/>
+              <a:rPr lang="ru-RU"/>
               <a:t>Образец заголовка</a:t>
             </a:r>
-            <a:endParaRPr lang="ru-RU"/>
           </a:p>
         </p:txBody>
       </p:sp>
@@ -4230,38 +9077,37 @@
           <a:p>
             <a:pPr lvl="0"/>
             <a:r>
-              <a:rPr lang="ru-RU" smtClean="0"/>
+              <a:rPr lang="ru-RU"/>
               <a:t>Образец текста</a:t>
             </a:r>
           </a:p>
           <a:p>
             <a:pPr lvl="1"/>
             <a:r>
-              <a:rPr lang="ru-RU" smtClean="0"/>
+              <a:rPr lang="ru-RU"/>
               <a:t>Второй уровень</a:t>
             </a:r>
           </a:p>
           <a:p>
             <a:pPr lvl="2"/>
             <a:r>
-              <a:rPr lang="ru-RU" smtClean="0"/>
+              <a:rPr lang="ru-RU"/>
               <a:t>Третий уровень</a:t>
             </a:r>
           </a:p>
           <a:p>
             <a:pPr lvl="3"/>
             <a:r>
-              <a:rPr lang="ru-RU" smtClean="0"/>
+              <a:rPr lang="ru-RU"/>
               <a:t>Четвертый уровень</a:t>
             </a:r>
           </a:p>
           <a:p>
             <a:pPr lvl="4"/>
             <a:r>
-              <a:rPr lang="ru-RU" smtClean="0"/>
+              <a:rPr lang="ru-RU"/>
               <a:t>Пятый уровень</a:t>
             </a:r>
-            <a:endParaRPr lang="ru-RU"/>
           </a:p>
         </p:txBody>
       </p:sp>
@@ -4315,38 +9161,37 @@
           <a:p>
             <a:pPr lvl="0"/>
             <a:r>
-              <a:rPr lang="ru-RU" smtClean="0"/>
+              <a:rPr lang="ru-RU"/>
               <a:t>Образец текста</a:t>
             </a:r>
           </a:p>
           <a:p>
             <a:pPr lvl="1"/>
             <a:r>
-              <a:rPr lang="ru-RU" smtClean="0"/>
+              <a:rPr lang="ru-RU"/>
               <a:t>Второй уровень</a:t>
             </a:r>
           </a:p>
           <a:p>
             <a:pPr lvl="2"/>
             <a:r>
-              <a:rPr lang="ru-RU" smtClean="0"/>
+              <a:rPr lang="ru-RU"/>
               <a:t>Третий уровень</a:t>
             </a:r>
           </a:p>
           <a:p>
             <a:pPr lvl="3"/>
             <a:r>
-              <a:rPr lang="ru-RU" smtClean="0"/>
+              <a:rPr lang="ru-RU"/>
               <a:t>Четвертый уровень</a:t>
             </a:r>
           </a:p>
           <a:p>
             <a:pPr lvl="4"/>
             <a:r>
-              <a:rPr lang="ru-RU" smtClean="0"/>
+              <a:rPr lang="ru-RU"/>
               <a:t>Пятый уровень</a:t>
             </a:r>
-            <a:endParaRPr lang="ru-RU"/>
           </a:p>
         </p:txBody>
       </p:sp>
@@ -4405,10 +9250,9 @@
           </a:lstStyle>
           <a:p>
             <a:r>
-              <a:rPr lang="ru-RU" smtClean="0"/>
+              <a:rPr lang="ru-RU"/>
               <a:t>Образец заголовка</a:t>
             </a:r>
-            <a:endParaRPr lang="ru-RU"/>
           </a:p>
         </p:txBody>
       </p:sp>
@@ -4471,7 +9315,7 @@
           <a:p>
             <a:pPr lvl="0"/>
             <a:r>
-              <a:rPr lang="ru-RU" smtClean="0"/>
+              <a:rPr lang="ru-RU"/>
               <a:t>Образец текста</a:t>
             </a:r>
           </a:p>
@@ -4527,38 +9371,37 @@
           <a:p>
             <a:pPr lvl="0"/>
             <a:r>
-              <a:rPr lang="ru-RU" smtClean="0"/>
+              <a:rPr lang="ru-RU"/>
               <a:t>Образец текста</a:t>
             </a:r>
           </a:p>
           <a:p>
             <a:pPr lvl="1"/>
             <a:r>
-              <a:rPr lang="ru-RU" smtClean="0"/>
+              <a:rPr lang="ru-RU"/>
               <a:t>Второй уровень</a:t>
             </a:r>
           </a:p>
           <a:p>
             <a:pPr lvl="2"/>
             <a:r>
-              <a:rPr lang="ru-RU" smtClean="0"/>
+              <a:rPr lang="ru-RU"/>
               <a:t>Третий уровень</a:t>
             </a:r>
           </a:p>
           <a:p>
             <a:pPr lvl="3"/>
             <a:r>
-              <a:rPr lang="ru-RU" smtClean="0"/>
+              <a:rPr lang="ru-RU"/>
               <a:t>Четвертый уровень</a:t>
             </a:r>
           </a:p>
           <a:p>
             <a:pPr lvl="4"/>
             <a:r>
-              <a:rPr lang="ru-RU" smtClean="0"/>
+              <a:rPr lang="ru-RU"/>
               <a:t>Пятый уровень</a:t>
             </a:r>
-            <a:endParaRPr lang="ru-RU"/>
           </a:p>
         </p:txBody>
       </p:sp>
@@ -4621,7 +9464,7 @@
           <a:p>
             <a:pPr lvl="0"/>
             <a:r>
-              <a:rPr lang="ru-RU" smtClean="0"/>
+              <a:rPr lang="ru-RU"/>
               <a:t>Образец текста</a:t>
             </a:r>
           </a:p>
@@ -4677,38 +9520,37 @@
           <a:p>
             <a:pPr lvl="0"/>
             <a:r>
-              <a:rPr lang="ru-RU" smtClean="0"/>
+              <a:rPr lang="ru-RU"/>
               <a:t>Образец текста</a:t>
             </a:r>
           </a:p>
           <a:p>
             <a:pPr lvl="1"/>
             <a:r>
-              <a:rPr lang="ru-RU" smtClean="0"/>
+              <a:rPr lang="ru-RU"/>
               <a:t>Второй уровень</a:t>
             </a:r>
           </a:p>
           <a:p>
             <a:pPr lvl="2"/>
             <a:r>
-              <a:rPr lang="ru-RU" smtClean="0"/>
+              <a:rPr lang="ru-RU"/>
               <a:t>Третий уровень</a:t>
             </a:r>
           </a:p>
           <a:p>
             <a:pPr lvl="3"/>
             <a:r>
-              <a:rPr lang="ru-RU" smtClean="0"/>
+              <a:rPr lang="ru-RU"/>
               <a:t>Четвертый уровень</a:t>
             </a:r>
           </a:p>
           <a:p>
             <a:pPr lvl="4"/>
             <a:r>
-              <a:rPr lang="ru-RU" smtClean="0"/>
+              <a:rPr lang="ru-RU"/>
               <a:t>Пятый уровень</a:t>
             </a:r>
-            <a:endParaRPr lang="ru-RU"/>
           </a:p>
         </p:txBody>
       </p:sp>
@@ -4758,10 +9600,9 @@
           <a:lstStyle/>
           <a:p>
             <a:r>
-              <a:rPr lang="ru-RU" smtClean="0"/>
+              <a:rPr lang="ru-RU"/>
               <a:t>Образец заголовка</a:t>
             </a:r>
-            <a:endParaRPr lang="ru-RU"/>
           </a:p>
         </p:txBody>
       </p:sp>
@@ -4850,10 +9691,9 @@
           </a:lstStyle>
           <a:p>
             <a:r>
-              <a:rPr lang="ru-RU" smtClean="0"/>
+              <a:rPr lang="ru-RU"/>
               <a:t>Образец заголовка</a:t>
             </a:r>
-            <a:endParaRPr lang="ru-RU"/>
           </a:p>
         </p:txBody>
       </p:sp>
@@ -4907,38 +9747,37 @@
           <a:p>
             <a:pPr lvl="0"/>
             <a:r>
-              <a:rPr lang="ru-RU" smtClean="0"/>
+              <a:rPr lang="ru-RU"/>
               <a:t>Образец текста</a:t>
             </a:r>
           </a:p>
           <a:p>
             <a:pPr lvl="1"/>
             <a:r>
-              <a:rPr lang="ru-RU" smtClean="0"/>
+              <a:rPr lang="ru-RU"/>
               <a:t>Второй уровень</a:t>
             </a:r>
           </a:p>
           <a:p>
             <a:pPr lvl="2"/>
             <a:r>
-              <a:rPr lang="ru-RU" smtClean="0"/>
+              <a:rPr lang="ru-RU"/>
               <a:t>Третий уровень</a:t>
             </a:r>
           </a:p>
           <a:p>
             <a:pPr lvl="3"/>
             <a:r>
-              <a:rPr lang="ru-RU" smtClean="0"/>
+              <a:rPr lang="ru-RU"/>
               <a:t>Четвертый уровень</a:t>
             </a:r>
           </a:p>
           <a:p>
             <a:pPr lvl="4"/>
             <a:r>
-              <a:rPr lang="ru-RU" smtClean="0"/>
+              <a:rPr lang="ru-RU"/>
               <a:t>Пятый уровень</a:t>
             </a:r>
-            <a:endParaRPr lang="ru-RU"/>
           </a:p>
         </p:txBody>
       </p:sp>
@@ -5001,7 +9840,7 @@
           <a:p>
             <a:pPr lvl="0"/>
             <a:r>
-              <a:rPr lang="ru-RU" smtClean="0"/>
+              <a:rPr lang="ru-RU"/>
               <a:t>Образец текста</a:t>
             </a:r>
           </a:p>
@@ -5062,10 +9901,9 @@
           </a:lstStyle>
           <a:p>
             <a:r>
-              <a:rPr lang="ru-RU" smtClean="0"/>
+              <a:rPr lang="ru-RU"/>
               <a:t>Образец заголовка</a:t>
             </a:r>
-            <a:endParaRPr lang="ru-RU"/>
           </a:p>
         </p:txBody>
       </p:sp>
@@ -5127,10 +9965,9 @@
           </a:lstStyle>
           <a:p>
             <a:r>
-              <a:rPr lang="ru-RU" smtClean="0"/>
+              <a:rPr lang="ru-RU"/>
               <a:t>Вставка рисунка</a:t>
             </a:r>
-            <a:endParaRPr lang="ru-RU"/>
           </a:p>
         </p:txBody>
       </p:sp>
@@ -5193,7 +10030,7 @@
           <a:p>
             <a:pPr lvl="0"/>
             <a:r>
-              <a:rPr lang="ru-RU" smtClean="0"/>
+              <a:rPr lang="ru-RU"/>
               <a:t>Образец текста</a:t>
             </a:r>
           </a:p>
@@ -5303,7 +10140,7 @@
           <a:p>
             <a:pPr lvl="0"/>
             <a:r>
-              <a:rPr lang="ru-RU" smtClean="0"/>
+              <a:rPr lang="ru-RU"/>
               <a:t>Образец заголовка</a:t>
             </a:r>
           </a:p>
@@ -5371,35 +10208,35 @@
           <a:p>
             <a:pPr lvl="0"/>
             <a:r>
-              <a:rPr lang="ru-RU" smtClean="0"/>
+              <a:rPr lang="ru-RU"/>
               <a:t>Образец текста</a:t>
             </a:r>
           </a:p>
           <a:p>
             <a:pPr lvl="1"/>
             <a:r>
-              <a:rPr lang="ru-RU" smtClean="0"/>
+              <a:rPr lang="ru-RU"/>
               <a:t>Второй уровень</a:t>
             </a:r>
           </a:p>
           <a:p>
             <a:pPr lvl="2"/>
             <a:r>
-              <a:rPr lang="ru-RU" smtClean="0"/>
+              <a:rPr lang="ru-RU"/>
               <a:t>Третий уровень</a:t>
             </a:r>
           </a:p>
           <a:p>
             <a:pPr lvl="3"/>
             <a:r>
-              <a:rPr lang="ru-RU" smtClean="0"/>
+              <a:rPr lang="ru-RU"/>
               <a:t>Четвертый уровень</a:t>
             </a:r>
           </a:p>
           <a:p>
             <a:pPr lvl="4"/>
             <a:r>
-              <a:rPr lang="ru-RU" smtClean="0"/>
+              <a:rPr lang="ru-RU"/>
               <a:t>Пятый уровень</a:t>
             </a:r>
           </a:p>
@@ -5881,7 +10718,7 @@
           <a:p>
             <a:pPr lvl="0"/>
             <a:r>
-              <a:rPr lang="ru-RU" smtClean="0"/>
+              <a:rPr lang="ru-RU"/>
               <a:t>Click to edit Master title style</a:t>
             </a:r>
           </a:p>
@@ -5949,35 +10786,35 @@
           <a:p>
             <a:pPr lvl="0"/>
             <a:r>
-              <a:rPr lang="ru-RU" smtClean="0"/>
+              <a:rPr lang="ru-RU"/>
               <a:t>Click to edit Master text styles</a:t>
             </a:r>
           </a:p>
           <a:p>
             <a:pPr lvl="1"/>
             <a:r>
-              <a:rPr lang="ru-RU" smtClean="0"/>
+              <a:rPr lang="ru-RU"/>
               <a:t>Second level</a:t>
             </a:r>
           </a:p>
           <a:p>
             <a:pPr lvl="2"/>
             <a:r>
-              <a:rPr lang="ru-RU" smtClean="0"/>
+              <a:rPr lang="ru-RU"/>
               <a:t>Third level</a:t>
             </a:r>
           </a:p>
           <a:p>
             <a:pPr lvl="3"/>
             <a:r>
-              <a:rPr lang="ru-RU" smtClean="0"/>
+              <a:rPr lang="ru-RU"/>
               <a:t>Fourth level</a:t>
             </a:r>
           </a:p>
           <a:p>
             <a:pPr lvl="4"/>
             <a:r>
-              <a:rPr lang="ru-RU" smtClean="0"/>
+              <a:rPr lang="ru-RU"/>
               <a:t>Fifth level</a:t>
             </a:r>
           </a:p>
@@ -6186,7 +11023,7 @@
             <a:fld id="{C70EB21F-1B73-4F8E-87FB-3359FC403A60}" type="slidenum">
               <a:rPr lang="ru-RU"/>
               <a:pPr/>
-              <a:t>‹Nº›</a:t>
+              <a:t>‹#›</a:t>
             </a:fld>
             <a:endParaRPr lang="ru-RU"/>
           </a:p>
@@ -6577,6 +11414,1197 @@
 </p:sldMaster>
 </file>
 
+<file path=ppt/slideMasters/slideMaster3.xml><?xml version="1.0" encoding="utf-8"?>
+<p:sldMaster xmlns:a="http://schemas.openxmlformats.org/drawingml/2006/main" xmlns:r="http://schemas.openxmlformats.org/officeDocument/2006/relationships" xmlns:p="http://schemas.openxmlformats.org/presentationml/2006/main">
+  <p:cSld>
+    <p:bg>
+      <p:bgPr>
+        <a:blipFill>
+          <a:blip r:embed="rId14">
+            <a:alphaModFix/>
+          </a:blip>
+          <a:stretch>
+            <a:fillRect/>
+          </a:stretch>
+        </a:blipFill>
+        <a:effectLst/>
+      </p:bgPr>
+    </p:bg>
+    <p:spTree>
+      <p:nvGrpSpPr>
+        <p:cNvPr id="1" name="Shape 5"/>
+        <p:cNvGrpSpPr/>
+        <p:nvPr/>
+      </p:nvGrpSpPr>
+      <p:grpSpPr>
+        <a:xfrm>
+          <a:off x="0" y="0"/>
+          <a:ext cx="0" cy="0"/>
+          <a:chOff x="0" y="0"/>
+          <a:chExt cx="0" cy="0"/>
+        </a:xfrm>
+      </p:grpSpPr>
+      <p:sp>
+        <p:nvSpPr>
+          <p:cNvPr id="6" name="Google Shape;6;p1"/>
+          <p:cNvSpPr txBox="1">
+            <a:spLocks noGrp="1"/>
+          </p:cNvSpPr>
+          <p:nvPr>
+            <p:ph type="title"/>
+          </p:nvPr>
+        </p:nvSpPr>
+        <p:spPr>
+          <a:xfrm>
+            <a:off x="611188" y="260351"/>
+            <a:ext cx="8137500" cy="868400"/>
+          </a:xfrm>
+          <a:prstGeom prst="rect">
+            <a:avLst/>
+          </a:prstGeom>
+          <a:noFill/>
+          <a:ln>
+            <a:noFill/>
+          </a:ln>
+        </p:spPr>
+        <p:txBody>
+          <a:bodyPr spcFirstLastPara="1" wrap="square" lIns="91425" tIns="45700" rIns="91425" bIns="45700" anchor="ctr" anchorCtr="0">
+            <a:noAutofit/>
+          </a:bodyPr>
+          <a:lstStyle>
+            <a:lvl1pPr marR="0" lvl="0" algn="l" rtl="0">
+              <a:spcBef>
+                <a:spcPts val="0"/>
+              </a:spcBef>
+              <a:spcAft>
+                <a:spcPts val="0"/>
+              </a:spcAft>
+              <a:buSzPts val="1400"/>
+              <a:buNone/>
+              <a:defRPr sz="3600" b="0" i="0" u="none" strike="noStrike" cap="none">
+                <a:solidFill>
+                  <a:srgbClr val="0CA3D7"/>
+                </a:solidFill>
+                <a:latin typeface="Dosis"/>
+                <a:ea typeface="Dosis"/>
+                <a:cs typeface="Dosis"/>
+                <a:sym typeface="Dosis"/>
+              </a:defRPr>
+            </a:lvl1pPr>
+            <a:lvl2pPr marR="0" lvl="1" algn="l" rtl="0">
+              <a:spcBef>
+                <a:spcPts val="0"/>
+              </a:spcBef>
+              <a:spcAft>
+                <a:spcPts val="0"/>
+              </a:spcAft>
+              <a:buSzPts val="1400"/>
+              <a:buNone/>
+              <a:defRPr sz="3600" b="0" i="0" u="none" strike="noStrike" cap="none">
+                <a:solidFill>
+                  <a:srgbClr val="0CA3D7"/>
+                </a:solidFill>
+                <a:latin typeface="Dosis"/>
+                <a:ea typeface="Dosis"/>
+                <a:cs typeface="Dosis"/>
+                <a:sym typeface="Dosis"/>
+              </a:defRPr>
+            </a:lvl2pPr>
+            <a:lvl3pPr marR="0" lvl="2" algn="l" rtl="0">
+              <a:spcBef>
+                <a:spcPts val="0"/>
+              </a:spcBef>
+              <a:spcAft>
+                <a:spcPts val="0"/>
+              </a:spcAft>
+              <a:buSzPts val="1400"/>
+              <a:buNone/>
+              <a:defRPr sz="3600" b="0" i="0" u="none" strike="noStrike" cap="none">
+                <a:solidFill>
+                  <a:srgbClr val="0CA3D7"/>
+                </a:solidFill>
+                <a:latin typeface="Dosis"/>
+                <a:ea typeface="Dosis"/>
+                <a:cs typeface="Dosis"/>
+                <a:sym typeface="Dosis"/>
+              </a:defRPr>
+            </a:lvl3pPr>
+            <a:lvl4pPr marR="0" lvl="3" algn="l" rtl="0">
+              <a:spcBef>
+                <a:spcPts val="0"/>
+              </a:spcBef>
+              <a:spcAft>
+                <a:spcPts val="0"/>
+              </a:spcAft>
+              <a:buSzPts val="1400"/>
+              <a:buNone/>
+              <a:defRPr sz="3600" b="0" i="0" u="none" strike="noStrike" cap="none">
+                <a:solidFill>
+                  <a:srgbClr val="0CA3D7"/>
+                </a:solidFill>
+                <a:latin typeface="Dosis"/>
+                <a:ea typeface="Dosis"/>
+                <a:cs typeface="Dosis"/>
+                <a:sym typeface="Dosis"/>
+              </a:defRPr>
+            </a:lvl4pPr>
+            <a:lvl5pPr marR="0" lvl="4" algn="l" rtl="0">
+              <a:spcBef>
+                <a:spcPts val="0"/>
+              </a:spcBef>
+              <a:spcAft>
+                <a:spcPts val="0"/>
+              </a:spcAft>
+              <a:buSzPts val="1400"/>
+              <a:buNone/>
+              <a:defRPr sz="3600" b="0" i="0" u="none" strike="noStrike" cap="none">
+                <a:solidFill>
+                  <a:srgbClr val="0CA3D7"/>
+                </a:solidFill>
+                <a:latin typeface="Dosis"/>
+                <a:ea typeface="Dosis"/>
+                <a:cs typeface="Dosis"/>
+                <a:sym typeface="Dosis"/>
+              </a:defRPr>
+            </a:lvl5pPr>
+            <a:lvl6pPr marR="0" lvl="5" algn="l" rtl="0">
+              <a:spcBef>
+                <a:spcPts val="0"/>
+              </a:spcBef>
+              <a:spcAft>
+                <a:spcPts val="0"/>
+              </a:spcAft>
+              <a:buSzPts val="1400"/>
+              <a:buNone/>
+              <a:defRPr sz="3600" b="0" i="0" u="none" strike="noStrike" cap="none">
+                <a:solidFill>
+                  <a:srgbClr val="0CA3D7"/>
+                </a:solidFill>
+                <a:latin typeface="Dosis"/>
+                <a:ea typeface="Dosis"/>
+                <a:cs typeface="Dosis"/>
+                <a:sym typeface="Dosis"/>
+              </a:defRPr>
+            </a:lvl6pPr>
+            <a:lvl7pPr marR="0" lvl="6" algn="l" rtl="0">
+              <a:spcBef>
+                <a:spcPts val="0"/>
+              </a:spcBef>
+              <a:spcAft>
+                <a:spcPts val="0"/>
+              </a:spcAft>
+              <a:buSzPts val="1400"/>
+              <a:buNone/>
+              <a:defRPr sz="3600" b="0" i="0" u="none" strike="noStrike" cap="none">
+                <a:solidFill>
+                  <a:srgbClr val="0CA3D7"/>
+                </a:solidFill>
+                <a:latin typeface="Dosis"/>
+                <a:ea typeface="Dosis"/>
+                <a:cs typeface="Dosis"/>
+                <a:sym typeface="Dosis"/>
+              </a:defRPr>
+            </a:lvl7pPr>
+            <a:lvl8pPr marR="0" lvl="7" algn="l" rtl="0">
+              <a:spcBef>
+                <a:spcPts val="0"/>
+              </a:spcBef>
+              <a:spcAft>
+                <a:spcPts val="0"/>
+              </a:spcAft>
+              <a:buSzPts val="1400"/>
+              <a:buNone/>
+              <a:defRPr sz="3600" b="0" i="0" u="none" strike="noStrike" cap="none">
+                <a:solidFill>
+                  <a:srgbClr val="0CA3D7"/>
+                </a:solidFill>
+                <a:latin typeface="Dosis"/>
+                <a:ea typeface="Dosis"/>
+                <a:cs typeface="Dosis"/>
+                <a:sym typeface="Dosis"/>
+              </a:defRPr>
+            </a:lvl8pPr>
+            <a:lvl9pPr marR="0" lvl="8" algn="l" rtl="0">
+              <a:spcBef>
+                <a:spcPts val="0"/>
+              </a:spcBef>
+              <a:spcAft>
+                <a:spcPts val="0"/>
+              </a:spcAft>
+              <a:buSzPts val="1400"/>
+              <a:buNone/>
+              <a:defRPr sz="3600" b="0" i="0" u="none" strike="noStrike" cap="none">
+                <a:solidFill>
+                  <a:srgbClr val="0CA3D7"/>
+                </a:solidFill>
+                <a:latin typeface="Dosis"/>
+                <a:ea typeface="Dosis"/>
+                <a:cs typeface="Dosis"/>
+                <a:sym typeface="Dosis"/>
+              </a:defRPr>
+            </a:lvl9pPr>
+          </a:lstStyle>
+          <a:p>
+            <a:endParaRPr/>
+          </a:p>
+        </p:txBody>
+      </p:sp>
+      <p:sp>
+        <p:nvSpPr>
+          <p:cNvPr id="7" name="Google Shape;7;p1"/>
+          <p:cNvSpPr txBox="1">
+            <a:spLocks noGrp="1"/>
+          </p:cNvSpPr>
+          <p:nvPr>
+            <p:ph type="body" idx="1"/>
+          </p:nvPr>
+        </p:nvSpPr>
+        <p:spPr>
+          <a:xfrm>
+            <a:off x="611188" y="1339851"/>
+            <a:ext cx="8137500" cy="5184800"/>
+          </a:xfrm>
+          <a:prstGeom prst="rect">
+            <a:avLst/>
+          </a:prstGeom>
+          <a:noFill/>
+          <a:ln>
+            <a:noFill/>
+          </a:ln>
+        </p:spPr>
+        <p:txBody>
+          <a:bodyPr spcFirstLastPara="1" wrap="square" lIns="91425" tIns="45700" rIns="91425" bIns="45700" anchor="t" anchorCtr="0">
+            <a:noAutofit/>
+          </a:bodyPr>
+          <a:lstStyle>
+            <a:lvl1pPr marL="457200" marR="0" lvl="0" indent="-355600" algn="l" rtl="0">
+              <a:spcBef>
+                <a:spcPts val="400"/>
+              </a:spcBef>
+              <a:spcAft>
+                <a:spcPts val="0"/>
+              </a:spcAft>
+              <a:buClr>
+                <a:srgbClr val="666666"/>
+              </a:buClr>
+              <a:buSzPts val="2000"/>
+              <a:buFont typeface="Dosis"/>
+              <a:buChar char="•"/>
+              <a:defRPr sz="2000" b="0" i="0" u="none" strike="noStrike" cap="none">
+                <a:solidFill>
+                  <a:srgbClr val="666666"/>
+                </a:solidFill>
+                <a:latin typeface="Dosis"/>
+                <a:ea typeface="Dosis"/>
+                <a:cs typeface="Dosis"/>
+                <a:sym typeface="Dosis"/>
+              </a:defRPr>
+            </a:lvl1pPr>
+            <a:lvl2pPr marL="914400" marR="0" lvl="1" indent="-355600" algn="l" rtl="0">
+              <a:spcBef>
+                <a:spcPts val="400"/>
+              </a:spcBef>
+              <a:spcAft>
+                <a:spcPts val="0"/>
+              </a:spcAft>
+              <a:buClr>
+                <a:srgbClr val="666666"/>
+              </a:buClr>
+              <a:buSzPts val="2000"/>
+              <a:buFont typeface="Dosis"/>
+              <a:buChar char="–"/>
+              <a:defRPr sz="2000" b="0" i="0" u="none" strike="noStrike" cap="none">
+                <a:solidFill>
+                  <a:srgbClr val="666666"/>
+                </a:solidFill>
+                <a:latin typeface="Dosis"/>
+                <a:ea typeface="Dosis"/>
+                <a:cs typeface="Dosis"/>
+                <a:sym typeface="Dosis"/>
+              </a:defRPr>
+            </a:lvl2pPr>
+            <a:lvl3pPr marL="1371600" marR="0" lvl="2" indent="-355600" algn="l" rtl="0">
+              <a:spcBef>
+                <a:spcPts val="400"/>
+              </a:spcBef>
+              <a:spcAft>
+                <a:spcPts val="0"/>
+              </a:spcAft>
+              <a:buClr>
+                <a:srgbClr val="666666"/>
+              </a:buClr>
+              <a:buSzPts val="2000"/>
+              <a:buFont typeface="Dosis"/>
+              <a:buChar char="•"/>
+              <a:defRPr sz="2000" b="0" i="0" u="none" strike="noStrike" cap="none">
+                <a:solidFill>
+                  <a:srgbClr val="666666"/>
+                </a:solidFill>
+                <a:latin typeface="Dosis"/>
+                <a:ea typeface="Dosis"/>
+                <a:cs typeface="Dosis"/>
+                <a:sym typeface="Dosis"/>
+              </a:defRPr>
+            </a:lvl3pPr>
+            <a:lvl4pPr marL="1828800" marR="0" lvl="3" indent="-355600" algn="l" rtl="0">
+              <a:spcBef>
+                <a:spcPts val="400"/>
+              </a:spcBef>
+              <a:spcAft>
+                <a:spcPts val="0"/>
+              </a:spcAft>
+              <a:buClr>
+                <a:srgbClr val="666666"/>
+              </a:buClr>
+              <a:buSzPts val="2000"/>
+              <a:buFont typeface="Dosis"/>
+              <a:buChar char="–"/>
+              <a:defRPr sz="2000" b="0" i="0" u="none" strike="noStrike" cap="none">
+                <a:solidFill>
+                  <a:srgbClr val="666666"/>
+                </a:solidFill>
+                <a:latin typeface="Dosis"/>
+                <a:ea typeface="Dosis"/>
+                <a:cs typeface="Dosis"/>
+                <a:sym typeface="Dosis"/>
+              </a:defRPr>
+            </a:lvl4pPr>
+            <a:lvl5pPr marL="2286000" marR="0" lvl="4" indent="-355600" algn="l" rtl="0">
+              <a:spcBef>
+                <a:spcPts val="400"/>
+              </a:spcBef>
+              <a:spcAft>
+                <a:spcPts val="0"/>
+              </a:spcAft>
+              <a:buClr>
+                <a:srgbClr val="666666"/>
+              </a:buClr>
+              <a:buSzPts val="2000"/>
+              <a:buFont typeface="Dosis"/>
+              <a:buChar char="»"/>
+              <a:defRPr sz="2000" b="0" i="0" u="none" strike="noStrike" cap="none">
+                <a:solidFill>
+                  <a:srgbClr val="666666"/>
+                </a:solidFill>
+                <a:latin typeface="Dosis"/>
+                <a:ea typeface="Dosis"/>
+                <a:cs typeface="Dosis"/>
+                <a:sym typeface="Dosis"/>
+              </a:defRPr>
+            </a:lvl5pPr>
+            <a:lvl6pPr marL="2743200" marR="0" lvl="5" indent="-355600" algn="l" rtl="0">
+              <a:spcBef>
+                <a:spcPts val="400"/>
+              </a:spcBef>
+              <a:spcAft>
+                <a:spcPts val="0"/>
+              </a:spcAft>
+              <a:buClr>
+                <a:srgbClr val="666666"/>
+              </a:buClr>
+              <a:buSzPts val="2000"/>
+              <a:buFont typeface="Dosis"/>
+              <a:buChar char="»"/>
+              <a:defRPr sz="2000" b="0" i="0" u="none" strike="noStrike" cap="none">
+                <a:solidFill>
+                  <a:srgbClr val="666666"/>
+                </a:solidFill>
+                <a:latin typeface="Dosis"/>
+                <a:ea typeface="Dosis"/>
+                <a:cs typeface="Dosis"/>
+                <a:sym typeface="Dosis"/>
+              </a:defRPr>
+            </a:lvl6pPr>
+            <a:lvl7pPr marL="3200400" marR="0" lvl="6" indent="-355600" algn="l" rtl="0">
+              <a:spcBef>
+                <a:spcPts val="400"/>
+              </a:spcBef>
+              <a:spcAft>
+                <a:spcPts val="0"/>
+              </a:spcAft>
+              <a:buClr>
+                <a:srgbClr val="666666"/>
+              </a:buClr>
+              <a:buSzPts val="2000"/>
+              <a:buFont typeface="Dosis"/>
+              <a:buChar char="»"/>
+              <a:defRPr sz="2000" b="0" i="0" u="none" strike="noStrike" cap="none">
+                <a:solidFill>
+                  <a:srgbClr val="666666"/>
+                </a:solidFill>
+                <a:latin typeface="Dosis"/>
+                <a:ea typeface="Dosis"/>
+                <a:cs typeface="Dosis"/>
+                <a:sym typeface="Dosis"/>
+              </a:defRPr>
+            </a:lvl7pPr>
+            <a:lvl8pPr marL="3657600" marR="0" lvl="7" indent="-355600" algn="l" rtl="0">
+              <a:spcBef>
+                <a:spcPts val="400"/>
+              </a:spcBef>
+              <a:spcAft>
+                <a:spcPts val="0"/>
+              </a:spcAft>
+              <a:buClr>
+                <a:srgbClr val="666666"/>
+              </a:buClr>
+              <a:buSzPts val="2000"/>
+              <a:buFont typeface="Dosis"/>
+              <a:buChar char="»"/>
+              <a:defRPr sz="2000" b="0" i="0" u="none" strike="noStrike" cap="none">
+                <a:solidFill>
+                  <a:srgbClr val="666666"/>
+                </a:solidFill>
+                <a:latin typeface="Dosis"/>
+                <a:ea typeface="Dosis"/>
+                <a:cs typeface="Dosis"/>
+                <a:sym typeface="Dosis"/>
+              </a:defRPr>
+            </a:lvl8pPr>
+            <a:lvl9pPr marL="4114800" marR="0" lvl="8" indent="-355600" algn="l" rtl="0">
+              <a:spcBef>
+                <a:spcPts val="400"/>
+              </a:spcBef>
+              <a:spcAft>
+                <a:spcPts val="0"/>
+              </a:spcAft>
+              <a:buClr>
+                <a:srgbClr val="666666"/>
+              </a:buClr>
+              <a:buSzPts val="2000"/>
+              <a:buFont typeface="Dosis"/>
+              <a:buChar char="»"/>
+              <a:defRPr sz="2000" b="0" i="0" u="none" strike="noStrike" cap="none">
+                <a:solidFill>
+                  <a:srgbClr val="666666"/>
+                </a:solidFill>
+                <a:latin typeface="Dosis"/>
+                <a:ea typeface="Dosis"/>
+                <a:cs typeface="Dosis"/>
+                <a:sym typeface="Dosis"/>
+              </a:defRPr>
+            </a:lvl9pPr>
+          </a:lstStyle>
+          <a:p>
+            <a:endParaRPr/>
+          </a:p>
+        </p:txBody>
+      </p:sp>
+    </p:spTree>
+    <p:extLst>
+      <p:ext uri="{BB962C8B-B14F-4D97-AF65-F5344CB8AC3E}">
+        <p14:creationId xmlns:p14="http://schemas.microsoft.com/office/powerpoint/2010/main" val="2835847142"/>
+      </p:ext>
+    </p:extLst>
+  </p:cSld>
+  <p:clrMap bg1="lt1" tx1="dk1" bg2="dk2" tx2="lt2" accent1="accent1" accent2="accent2" accent3="accent3" accent4="accent4" accent5="accent5" accent6="accent6" hlink="hlink" folHlink="folHlink"/>
+  <p:sldLayoutIdLst>
+    <p:sldLayoutId id="2147483673" r:id="rId1"/>
+    <p:sldLayoutId id="2147483674" r:id="rId2"/>
+    <p:sldLayoutId id="2147483675" r:id="rId3"/>
+    <p:sldLayoutId id="2147483676" r:id="rId4"/>
+    <p:sldLayoutId id="2147483677" r:id="rId5"/>
+    <p:sldLayoutId id="2147483678" r:id="rId6"/>
+    <p:sldLayoutId id="2147483679" r:id="rId7"/>
+    <p:sldLayoutId id="2147483680" r:id="rId8"/>
+    <p:sldLayoutId id="2147483681" r:id="rId9"/>
+    <p:sldLayoutId id="2147483682" r:id="rId10"/>
+    <p:sldLayoutId id="2147483683" r:id="rId11"/>
+    <p:sldLayoutId id="2147483684" r:id="rId12"/>
+  </p:sldLayoutIdLst>
+  <p:hf sldNum="0" hdr="0" ftr="0" dt="0"/>
+  <p:txStyles>
+    <p:titleStyle>
+      <a:defPPr marR="0" lvl="0" algn="l" rtl="0">
+        <a:lnSpc>
+          <a:spcPct val="100000"/>
+        </a:lnSpc>
+        <a:spcBef>
+          <a:spcPts val="0"/>
+        </a:spcBef>
+        <a:spcAft>
+          <a:spcPts val="0"/>
+        </a:spcAft>
+      </a:defPPr>
+      <a:lvl1pPr marR="0" lvl="0" algn="l" rtl="0">
+        <a:lnSpc>
+          <a:spcPct val="100000"/>
+        </a:lnSpc>
+        <a:spcBef>
+          <a:spcPts val="0"/>
+        </a:spcBef>
+        <a:spcAft>
+          <a:spcPts val="0"/>
+        </a:spcAft>
+        <a:buClr>
+          <a:srgbClr val="000000"/>
+        </a:buClr>
+        <a:buFont typeface="Arial"/>
+        <a:defRPr sz="1400" b="0" i="0" u="none" strike="noStrike" cap="none">
+          <a:solidFill>
+            <a:srgbClr val="000000"/>
+          </a:solidFill>
+          <a:latin typeface="Arial"/>
+          <a:ea typeface="Arial"/>
+          <a:cs typeface="Arial"/>
+          <a:sym typeface="Arial"/>
+        </a:defRPr>
+      </a:lvl1pPr>
+      <a:lvl2pPr marR="0" lvl="1" algn="l" rtl="0">
+        <a:lnSpc>
+          <a:spcPct val="100000"/>
+        </a:lnSpc>
+        <a:spcBef>
+          <a:spcPts val="0"/>
+        </a:spcBef>
+        <a:spcAft>
+          <a:spcPts val="0"/>
+        </a:spcAft>
+        <a:buClr>
+          <a:srgbClr val="000000"/>
+        </a:buClr>
+        <a:buFont typeface="Arial"/>
+        <a:defRPr sz="1400" b="0" i="0" u="none" strike="noStrike" cap="none">
+          <a:solidFill>
+            <a:srgbClr val="000000"/>
+          </a:solidFill>
+          <a:latin typeface="Arial"/>
+          <a:ea typeface="Arial"/>
+          <a:cs typeface="Arial"/>
+          <a:sym typeface="Arial"/>
+        </a:defRPr>
+      </a:lvl2pPr>
+      <a:lvl3pPr marR="0" lvl="2" algn="l" rtl="0">
+        <a:lnSpc>
+          <a:spcPct val="100000"/>
+        </a:lnSpc>
+        <a:spcBef>
+          <a:spcPts val="0"/>
+        </a:spcBef>
+        <a:spcAft>
+          <a:spcPts val="0"/>
+        </a:spcAft>
+        <a:buClr>
+          <a:srgbClr val="000000"/>
+        </a:buClr>
+        <a:buFont typeface="Arial"/>
+        <a:defRPr sz="1400" b="0" i="0" u="none" strike="noStrike" cap="none">
+          <a:solidFill>
+            <a:srgbClr val="000000"/>
+          </a:solidFill>
+          <a:latin typeface="Arial"/>
+          <a:ea typeface="Arial"/>
+          <a:cs typeface="Arial"/>
+          <a:sym typeface="Arial"/>
+        </a:defRPr>
+      </a:lvl3pPr>
+      <a:lvl4pPr marR="0" lvl="3" algn="l" rtl="0">
+        <a:lnSpc>
+          <a:spcPct val="100000"/>
+        </a:lnSpc>
+        <a:spcBef>
+          <a:spcPts val="0"/>
+        </a:spcBef>
+        <a:spcAft>
+          <a:spcPts val="0"/>
+        </a:spcAft>
+        <a:buClr>
+          <a:srgbClr val="000000"/>
+        </a:buClr>
+        <a:buFont typeface="Arial"/>
+        <a:defRPr sz="1400" b="0" i="0" u="none" strike="noStrike" cap="none">
+          <a:solidFill>
+            <a:srgbClr val="000000"/>
+          </a:solidFill>
+          <a:latin typeface="Arial"/>
+          <a:ea typeface="Arial"/>
+          <a:cs typeface="Arial"/>
+          <a:sym typeface="Arial"/>
+        </a:defRPr>
+      </a:lvl4pPr>
+      <a:lvl5pPr marR="0" lvl="4" algn="l" rtl="0">
+        <a:lnSpc>
+          <a:spcPct val="100000"/>
+        </a:lnSpc>
+        <a:spcBef>
+          <a:spcPts val="0"/>
+        </a:spcBef>
+        <a:spcAft>
+          <a:spcPts val="0"/>
+        </a:spcAft>
+        <a:buClr>
+          <a:srgbClr val="000000"/>
+        </a:buClr>
+        <a:buFont typeface="Arial"/>
+        <a:defRPr sz="1400" b="0" i="0" u="none" strike="noStrike" cap="none">
+          <a:solidFill>
+            <a:srgbClr val="000000"/>
+          </a:solidFill>
+          <a:latin typeface="Arial"/>
+          <a:ea typeface="Arial"/>
+          <a:cs typeface="Arial"/>
+          <a:sym typeface="Arial"/>
+        </a:defRPr>
+      </a:lvl5pPr>
+      <a:lvl6pPr marR="0" lvl="5" algn="l" rtl="0">
+        <a:lnSpc>
+          <a:spcPct val="100000"/>
+        </a:lnSpc>
+        <a:spcBef>
+          <a:spcPts val="0"/>
+        </a:spcBef>
+        <a:spcAft>
+          <a:spcPts val="0"/>
+        </a:spcAft>
+        <a:buClr>
+          <a:srgbClr val="000000"/>
+        </a:buClr>
+        <a:buFont typeface="Arial"/>
+        <a:defRPr sz="1400" b="0" i="0" u="none" strike="noStrike" cap="none">
+          <a:solidFill>
+            <a:srgbClr val="000000"/>
+          </a:solidFill>
+          <a:latin typeface="Arial"/>
+          <a:ea typeface="Arial"/>
+          <a:cs typeface="Arial"/>
+          <a:sym typeface="Arial"/>
+        </a:defRPr>
+      </a:lvl6pPr>
+      <a:lvl7pPr marR="0" lvl="6" algn="l" rtl="0">
+        <a:lnSpc>
+          <a:spcPct val="100000"/>
+        </a:lnSpc>
+        <a:spcBef>
+          <a:spcPts val="0"/>
+        </a:spcBef>
+        <a:spcAft>
+          <a:spcPts val="0"/>
+        </a:spcAft>
+        <a:buClr>
+          <a:srgbClr val="000000"/>
+        </a:buClr>
+        <a:buFont typeface="Arial"/>
+        <a:defRPr sz="1400" b="0" i="0" u="none" strike="noStrike" cap="none">
+          <a:solidFill>
+            <a:srgbClr val="000000"/>
+          </a:solidFill>
+          <a:latin typeface="Arial"/>
+          <a:ea typeface="Arial"/>
+          <a:cs typeface="Arial"/>
+          <a:sym typeface="Arial"/>
+        </a:defRPr>
+      </a:lvl7pPr>
+      <a:lvl8pPr marR="0" lvl="7" algn="l" rtl="0">
+        <a:lnSpc>
+          <a:spcPct val="100000"/>
+        </a:lnSpc>
+        <a:spcBef>
+          <a:spcPts val="0"/>
+        </a:spcBef>
+        <a:spcAft>
+          <a:spcPts val="0"/>
+        </a:spcAft>
+        <a:buClr>
+          <a:srgbClr val="000000"/>
+        </a:buClr>
+        <a:buFont typeface="Arial"/>
+        <a:defRPr sz="1400" b="0" i="0" u="none" strike="noStrike" cap="none">
+          <a:solidFill>
+            <a:srgbClr val="000000"/>
+          </a:solidFill>
+          <a:latin typeface="Arial"/>
+          <a:ea typeface="Arial"/>
+          <a:cs typeface="Arial"/>
+          <a:sym typeface="Arial"/>
+        </a:defRPr>
+      </a:lvl8pPr>
+      <a:lvl9pPr marR="0" lvl="8" algn="l" rtl="0">
+        <a:lnSpc>
+          <a:spcPct val="100000"/>
+        </a:lnSpc>
+        <a:spcBef>
+          <a:spcPts val="0"/>
+        </a:spcBef>
+        <a:spcAft>
+          <a:spcPts val="0"/>
+        </a:spcAft>
+        <a:buClr>
+          <a:srgbClr val="000000"/>
+        </a:buClr>
+        <a:buFont typeface="Arial"/>
+        <a:defRPr sz="1400" b="0" i="0" u="none" strike="noStrike" cap="none">
+          <a:solidFill>
+            <a:srgbClr val="000000"/>
+          </a:solidFill>
+          <a:latin typeface="Arial"/>
+          <a:ea typeface="Arial"/>
+          <a:cs typeface="Arial"/>
+          <a:sym typeface="Arial"/>
+        </a:defRPr>
+      </a:lvl9pPr>
+    </p:titleStyle>
+    <p:bodyStyle>
+      <a:defPPr marR="0" lvl="0" algn="l" rtl="0">
+        <a:lnSpc>
+          <a:spcPct val="100000"/>
+        </a:lnSpc>
+        <a:spcBef>
+          <a:spcPts val="0"/>
+        </a:spcBef>
+        <a:spcAft>
+          <a:spcPts val="0"/>
+        </a:spcAft>
+      </a:defPPr>
+      <a:lvl1pPr marR="0" lvl="0" algn="l" rtl="0">
+        <a:lnSpc>
+          <a:spcPct val="100000"/>
+        </a:lnSpc>
+        <a:spcBef>
+          <a:spcPts val="0"/>
+        </a:spcBef>
+        <a:spcAft>
+          <a:spcPts val="0"/>
+        </a:spcAft>
+        <a:buClr>
+          <a:srgbClr val="000000"/>
+        </a:buClr>
+        <a:buFont typeface="Arial"/>
+        <a:defRPr sz="1400" b="0" i="0" u="none" strike="noStrike" cap="none">
+          <a:solidFill>
+            <a:srgbClr val="000000"/>
+          </a:solidFill>
+          <a:latin typeface="Arial"/>
+          <a:ea typeface="Arial"/>
+          <a:cs typeface="Arial"/>
+          <a:sym typeface="Arial"/>
+        </a:defRPr>
+      </a:lvl1pPr>
+      <a:lvl2pPr marR="0" lvl="1" algn="l" rtl="0">
+        <a:lnSpc>
+          <a:spcPct val="100000"/>
+        </a:lnSpc>
+        <a:spcBef>
+          <a:spcPts val="0"/>
+        </a:spcBef>
+        <a:spcAft>
+          <a:spcPts val="0"/>
+        </a:spcAft>
+        <a:buClr>
+          <a:srgbClr val="000000"/>
+        </a:buClr>
+        <a:buFont typeface="Arial"/>
+        <a:defRPr sz="1400" b="0" i="0" u="none" strike="noStrike" cap="none">
+          <a:solidFill>
+            <a:srgbClr val="000000"/>
+          </a:solidFill>
+          <a:latin typeface="Arial"/>
+          <a:ea typeface="Arial"/>
+          <a:cs typeface="Arial"/>
+          <a:sym typeface="Arial"/>
+        </a:defRPr>
+      </a:lvl2pPr>
+      <a:lvl3pPr marR="0" lvl="2" algn="l" rtl="0">
+        <a:lnSpc>
+          <a:spcPct val="100000"/>
+        </a:lnSpc>
+        <a:spcBef>
+          <a:spcPts val="0"/>
+        </a:spcBef>
+        <a:spcAft>
+          <a:spcPts val="0"/>
+        </a:spcAft>
+        <a:buClr>
+          <a:srgbClr val="000000"/>
+        </a:buClr>
+        <a:buFont typeface="Arial"/>
+        <a:defRPr sz="1400" b="0" i="0" u="none" strike="noStrike" cap="none">
+          <a:solidFill>
+            <a:srgbClr val="000000"/>
+          </a:solidFill>
+          <a:latin typeface="Arial"/>
+          <a:ea typeface="Arial"/>
+          <a:cs typeface="Arial"/>
+          <a:sym typeface="Arial"/>
+        </a:defRPr>
+      </a:lvl3pPr>
+      <a:lvl4pPr marR="0" lvl="3" algn="l" rtl="0">
+        <a:lnSpc>
+          <a:spcPct val="100000"/>
+        </a:lnSpc>
+        <a:spcBef>
+          <a:spcPts val="0"/>
+        </a:spcBef>
+        <a:spcAft>
+          <a:spcPts val="0"/>
+        </a:spcAft>
+        <a:buClr>
+          <a:srgbClr val="000000"/>
+        </a:buClr>
+        <a:buFont typeface="Arial"/>
+        <a:defRPr sz="1400" b="0" i="0" u="none" strike="noStrike" cap="none">
+          <a:solidFill>
+            <a:srgbClr val="000000"/>
+          </a:solidFill>
+          <a:latin typeface="Arial"/>
+          <a:ea typeface="Arial"/>
+          <a:cs typeface="Arial"/>
+          <a:sym typeface="Arial"/>
+        </a:defRPr>
+      </a:lvl4pPr>
+      <a:lvl5pPr marR="0" lvl="4" algn="l" rtl="0">
+        <a:lnSpc>
+          <a:spcPct val="100000"/>
+        </a:lnSpc>
+        <a:spcBef>
+          <a:spcPts val="0"/>
+        </a:spcBef>
+        <a:spcAft>
+          <a:spcPts val="0"/>
+        </a:spcAft>
+        <a:buClr>
+          <a:srgbClr val="000000"/>
+        </a:buClr>
+        <a:buFont typeface="Arial"/>
+        <a:defRPr sz="1400" b="0" i="0" u="none" strike="noStrike" cap="none">
+          <a:solidFill>
+            <a:srgbClr val="000000"/>
+          </a:solidFill>
+          <a:latin typeface="Arial"/>
+          <a:ea typeface="Arial"/>
+          <a:cs typeface="Arial"/>
+          <a:sym typeface="Arial"/>
+        </a:defRPr>
+      </a:lvl5pPr>
+      <a:lvl6pPr marR="0" lvl="5" algn="l" rtl="0">
+        <a:lnSpc>
+          <a:spcPct val="100000"/>
+        </a:lnSpc>
+        <a:spcBef>
+          <a:spcPts val="0"/>
+        </a:spcBef>
+        <a:spcAft>
+          <a:spcPts val="0"/>
+        </a:spcAft>
+        <a:buClr>
+          <a:srgbClr val="000000"/>
+        </a:buClr>
+        <a:buFont typeface="Arial"/>
+        <a:defRPr sz="1400" b="0" i="0" u="none" strike="noStrike" cap="none">
+          <a:solidFill>
+            <a:srgbClr val="000000"/>
+          </a:solidFill>
+          <a:latin typeface="Arial"/>
+          <a:ea typeface="Arial"/>
+          <a:cs typeface="Arial"/>
+          <a:sym typeface="Arial"/>
+        </a:defRPr>
+      </a:lvl6pPr>
+      <a:lvl7pPr marR="0" lvl="6" algn="l" rtl="0">
+        <a:lnSpc>
+          <a:spcPct val="100000"/>
+        </a:lnSpc>
+        <a:spcBef>
+          <a:spcPts val="0"/>
+        </a:spcBef>
+        <a:spcAft>
+          <a:spcPts val="0"/>
+        </a:spcAft>
+        <a:buClr>
+          <a:srgbClr val="000000"/>
+        </a:buClr>
+        <a:buFont typeface="Arial"/>
+        <a:defRPr sz="1400" b="0" i="0" u="none" strike="noStrike" cap="none">
+          <a:solidFill>
+            <a:srgbClr val="000000"/>
+          </a:solidFill>
+          <a:latin typeface="Arial"/>
+          <a:ea typeface="Arial"/>
+          <a:cs typeface="Arial"/>
+          <a:sym typeface="Arial"/>
+        </a:defRPr>
+      </a:lvl7pPr>
+      <a:lvl8pPr marR="0" lvl="7" algn="l" rtl="0">
+        <a:lnSpc>
+          <a:spcPct val="100000"/>
+        </a:lnSpc>
+        <a:spcBef>
+          <a:spcPts val="0"/>
+        </a:spcBef>
+        <a:spcAft>
+          <a:spcPts val="0"/>
+        </a:spcAft>
+        <a:buClr>
+          <a:srgbClr val="000000"/>
+        </a:buClr>
+        <a:buFont typeface="Arial"/>
+        <a:defRPr sz="1400" b="0" i="0" u="none" strike="noStrike" cap="none">
+          <a:solidFill>
+            <a:srgbClr val="000000"/>
+          </a:solidFill>
+          <a:latin typeface="Arial"/>
+          <a:ea typeface="Arial"/>
+          <a:cs typeface="Arial"/>
+          <a:sym typeface="Arial"/>
+        </a:defRPr>
+      </a:lvl8pPr>
+      <a:lvl9pPr marR="0" lvl="8" algn="l" rtl="0">
+        <a:lnSpc>
+          <a:spcPct val="100000"/>
+        </a:lnSpc>
+        <a:spcBef>
+          <a:spcPts val="0"/>
+        </a:spcBef>
+        <a:spcAft>
+          <a:spcPts val="0"/>
+        </a:spcAft>
+        <a:buClr>
+          <a:srgbClr val="000000"/>
+        </a:buClr>
+        <a:buFont typeface="Arial"/>
+        <a:defRPr sz="1400" b="0" i="0" u="none" strike="noStrike" cap="none">
+          <a:solidFill>
+            <a:srgbClr val="000000"/>
+          </a:solidFill>
+          <a:latin typeface="Arial"/>
+          <a:ea typeface="Arial"/>
+          <a:cs typeface="Arial"/>
+          <a:sym typeface="Arial"/>
+        </a:defRPr>
+      </a:lvl9pPr>
+    </p:bodyStyle>
+    <p:otherStyle>
+      <a:defPPr marR="0" lvl="0" algn="l" rtl="0">
+        <a:lnSpc>
+          <a:spcPct val="100000"/>
+        </a:lnSpc>
+        <a:spcBef>
+          <a:spcPts val="0"/>
+        </a:spcBef>
+        <a:spcAft>
+          <a:spcPts val="0"/>
+        </a:spcAft>
+      </a:defPPr>
+      <a:lvl1pPr marR="0" lvl="0" algn="l" rtl="0">
+        <a:lnSpc>
+          <a:spcPct val="100000"/>
+        </a:lnSpc>
+        <a:spcBef>
+          <a:spcPts val="0"/>
+        </a:spcBef>
+        <a:spcAft>
+          <a:spcPts val="0"/>
+        </a:spcAft>
+        <a:buClr>
+          <a:srgbClr val="000000"/>
+        </a:buClr>
+        <a:buFont typeface="Arial"/>
+        <a:defRPr sz="1400" b="0" i="0" u="none" strike="noStrike" cap="none">
+          <a:solidFill>
+            <a:srgbClr val="000000"/>
+          </a:solidFill>
+          <a:latin typeface="Arial"/>
+          <a:ea typeface="Arial"/>
+          <a:cs typeface="Arial"/>
+          <a:sym typeface="Arial"/>
+        </a:defRPr>
+      </a:lvl1pPr>
+      <a:lvl2pPr marR="0" lvl="1" algn="l" rtl="0">
+        <a:lnSpc>
+          <a:spcPct val="100000"/>
+        </a:lnSpc>
+        <a:spcBef>
+          <a:spcPts val="0"/>
+        </a:spcBef>
+        <a:spcAft>
+          <a:spcPts val="0"/>
+        </a:spcAft>
+        <a:buClr>
+          <a:srgbClr val="000000"/>
+        </a:buClr>
+        <a:buFont typeface="Arial"/>
+        <a:defRPr sz="1400" b="0" i="0" u="none" strike="noStrike" cap="none">
+          <a:solidFill>
+            <a:srgbClr val="000000"/>
+          </a:solidFill>
+          <a:latin typeface="Arial"/>
+          <a:ea typeface="Arial"/>
+          <a:cs typeface="Arial"/>
+          <a:sym typeface="Arial"/>
+        </a:defRPr>
+      </a:lvl2pPr>
+      <a:lvl3pPr marR="0" lvl="2" algn="l" rtl="0">
+        <a:lnSpc>
+          <a:spcPct val="100000"/>
+        </a:lnSpc>
+        <a:spcBef>
+          <a:spcPts val="0"/>
+        </a:spcBef>
+        <a:spcAft>
+          <a:spcPts val="0"/>
+        </a:spcAft>
+        <a:buClr>
+          <a:srgbClr val="000000"/>
+        </a:buClr>
+        <a:buFont typeface="Arial"/>
+        <a:defRPr sz="1400" b="0" i="0" u="none" strike="noStrike" cap="none">
+          <a:solidFill>
+            <a:srgbClr val="000000"/>
+          </a:solidFill>
+          <a:latin typeface="Arial"/>
+          <a:ea typeface="Arial"/>
+          <a:cs typeface="Arial"/>
+          <a:sym typeface="Arial"/>
+        </a:defRPr>
+      </a:lvl3pPr>
+      <a:lvl4pPr marR="0" lvl="3" algn="l" rtl="0">
+        <a:lnSpc>
+          <a:spcPct val="100000"/>
+        </a:lnSpc>
+        <a:spcBef>
+          <a:spcPts val="0"/>
+        </a:spcBef>
+        <a:spcAft>
+          <a:spcPts val="0"/>
+        </a:spcAft>
+        <a:buClr>
+          <a:srgbClr val="000000"/>
+        </a:buClr>
+        <a:buFont typeface="Arial"/>
+        <a:defRPr sz="1400" b="0" i="0" u="none" strike="noStrike" cap="none">
+          <a:solidFill>
+            <a:srgbClr val="000000"/>
+          </a:solidFill>
+          <a:latin typeface="Arial"/>
+          <a:ea typeface="Arial"/>
+          <a:cs typeface="Arial"/>
+          <a:sym typeface="Arial"/>
+        </a:defRPr>
+      </a:lvl4pPr>
+      <a:lvl5pPr marR="0" lvl="4" algn="l" rtl="0">
+        <a:lnSpc>
+          <a:spcPct val="100000"/>
+        </a:lnSpc>
+        <a:spcBef>
+          <a:spcPts val="0"/>
+        </a:spcBef>
+        <a:spcAft>
+          <a:spcPts val="0"/>
+        </a:spcAft>
+        <a:buClr>
+          <a:srgbClr val="000000"/>
+        </a:buClr>
+        <a:buFont typeface="Arial"/>
+        <a:defRPr sz="1400" b="0" i="0" u="none" strike="noStrike" cap="none">
+          <a:solidFill>
+            <a:srgbClr val="000000"/>
+          </a:solidFill>
+          <a:latin typeface="Arial"/>
+          <a:ea typeface="Arial"/>
+          <a:cs typeface="Arial"/>
+          <a:sym typeface="Arial"/>
+        </a:defRPr>
+      </a:lvl5pPr>
+      <a:lvl6pPr marR="0" lvl="5" algn="l" rtl="0">
+        <a:lnSpc>
+          <a:spcPct val="100000"/>
+        </a:lnSpc>
+        <a:spcBef>
+          <a:spcPts val="0"/>
+        </a:spcBef>
+        <a:spcAft>
+          <a:spcPts val="0"/>
+        </a:spcAft>
+        <a:buClr>
+          <a:srgbClr val="000000"/>
+        </a:buClr>
+        <a:buFont typeface="Arial"/>
+        <a:defRPr sz="1400" b="0" i="0" u="none" strike="noStrike" cap="none">
+          <a:solidFill>
+            <a:srgbClr val="000000"/>
+          </a:solidFill>
+          <a:latin typeface="Arial"/>
+          <a:ea typeface="Arial"/>
+          <a:cs typeface="Arial"/>
+          <a:sym typeface="Arial"/>
+        </a:defRPr>
+      </a:lvl6pPr>
+      <a:lvl7pPr marR="0" lvl="6" algn="l" rtl="0">
+        <a:lnSpc>
+          <a:spcPct val="100000"/>
+        </a:lnSpc>
+        <a:spcBef>
+          <a:spcPts val="0"/>
+        </a:spcBef>
+        <a:spcAft>
+          <a:spcPts val="0"/>
+        </a:spcAft>
+        <a:buClr>
+          <a:srgbClr val="000000"/>
+        </a:buClr>
+        <a:buFont typeface="Arial"/>
+        <a:defRPr sz="1400" b="0" i="0" u="none" strike="noStrike" cap="none">
+          <a:solidFill>
+            <a:srgbClr val="000000"/>
+          </a:solidFill>
+          <a:latin typeface="Arial"/>
+          <a:ea typeface="Arial"/>
+          <a:cs typeface="Arial"/>
+          <a:sym typeface="Arial"/>
+        </a:defRPr>
+      </a:lvl7pPr>
+      <a:lvl8pPr marR="0" lvl="7" algn="l" rtl="0">
+        <a:lnSpc>
+          <a:spcPct val="100000"/>
+        </a:lnSpc>
+        <a:spcBef>
+          <a:spcPts val="0"/>
+        </a:spcBef>
+        <a:spcAft>
+          <a:spcPts val="0"/>
+        </a:spcAft>
+        <a:buClr>
+          <a:srgbClr val="000000"/>
+        </a:buClr>
+        <a:buFont typeface="Arial"/>
+        <a:defRPr sz="1400" b="0" i="0" u="none" strike="noStrike" cap="none">
+          <a:solidFill>
+            <a:srgbClr val="000000"/>
+          </a:solidFill>
+          <a:latin typeface="Arial"/>
+          <a:ea typeface="Arial"/>
+          <a:cs typeface="Arial"/>
+          <a:sym typeface="Arial"/>
+        </a:defRPr>
+      </a:lvl8pPr>
+      <a:lvl9pPr marR="0" lvl="8" algn="l" rtl="0">
+        <a:lnSpc>
+          <a:spcPct val="100000"/>
+        </a:lnSpc>
+        <a:spcBef>
+          <a:spcPts val="0"/>
+        </a:spcBef>
+        <a:spcAft>
+          <a:spcPts val="0"/>
+        </a:spcAft>
+        <a:buClr>
+          <a:srgbClr val="000000"/>
+        </a:buClr>
+        <a:buFont typeface="Arial"/>
+        <a:defRPr sz="1400" b="0" i="0" u="none" strike="noStrike" cap="none">
+          <a:solidFill>
+            <a:srgbClr val="000000"/>
+          </a:solidFill>
+          <a:latin typeface="Arial"/>
+          <a:ea typeface="Arial"/>
+          <a:cs typeface="Arial"/>
+          <a:sym typeface="Arial"/>
+        </a:defRPr>
+      </a:lvl9pPr>
+    </p:otherStyle>
+  </p:txStyles>
+</p:sldMaster>
+</file>
+
 <file path=ppt/slides/slide1.xml><?xml version="1.0" encoding="utf-8"?>
 <p:sld xmlns:a="http://schemas.openxmlformats.org/drawingml/2006/main" xmlns:r="http://schemas.openxmlformats.org/officeDocument/2006/relationships" xmlns:p="http://schemas.openxmlformats.org/presentationml/2006/main">
   <p:cSld>
@@ -7231,6 +13259,322 @@
         <p14:creationId xmlns:p14="http://schemas.microsoft.com/office/powerpoint/2010/main" val="2708500122"/>
       </p:ext>
     </p:extLst>
+  </p:cSld>
+  <p:clrMapOvr>
+    <a:masterClrMapping/>
+  </p:clrMapOvr>
+</p:sld>
+</file>
+
+<file path=ppt/slides/slide4.xml><?xml version="1.0" encoding="utf-8"?>
+<p:sld xmlns:a="http://schemas.openxmlformats.org/drawingml/2006/main" xmlns:r="http://schemas.openxmlformats.org/officeDocument/2006/relationships" xmlns:p="http://schemas.openxmlformats.org/presentationml/2006/main">
+  <p:cSld>
+    <p:spTree>
+      <p:nvGrpSpPr>
+        <p:cNvPr id="1" name="Shape 68"/>
+        <p:cNvGrpSpPr/>
+        <p:nvPr/>
+      </p:nvGrpSpPr>
+      <p:grpSpPr>
+        <a:xfrm>
+          <a:off x="0" y="0"/>
+          <a:ext cx="0" cy="0"/>
+          <a:chOff x="0" y="0"/>
+          <a:chExt cx="0" cy="0"/>
+        </a:xfrm>
+      </p:grpSpPr>
+      <p:sp>
+        <p:nvSpPr>
+          <p:cNvPr id="69" name="Google Shape;69;p17"/>
+          <p:cNvSpPr txBox="1">
+            <a:spLocks noGrp="1"/>
+          </p:cNvSpPr>
+          <p:nvPr>
+            <p:ph type="body" idx="4294967295"/>
+          </p:nvPr>
+        </p:nvSpPr>
+        <p:spPr>
+          <a:xfrm>
+            <a:off x="408000" y="1041100"/>
+            <a:ext cx="6664200" cy="4065600"/>
+          </a:xfrm>
+          <a:prstGeom prst="rect">
+            <a:avLst/>
+          </a:prstGeom>
+        </p:spPr>
+        <p:txBody>
+          <a:bodyPr spcFirstLastPara="1" wrap="square" lIns="91425" tIns="45700" rIns="91425" bIns="45700" anchor="t" anchorCtr="0">
+            <a:noAutofit/>
+          </a:bodyPr>
+          <a:lstStyle/>
+          <a:p>
+            <a:pPr marL="0" indent="0">
+              <a:lnSpc>
+                <a:spcPct val="150000"/>
+              </a:lnSpc>
+              <a:spcBef>
+                <a:spcPts val="0"/>
+              </a:spcBef>
+              <a:buNone/>
+            </a:pPr>
+            <a:endParaRPr sz="2050">
+              <a:solidFill>
+                <a:schemeClr val="dk2"/>
+              </a:solidFill>
+            </a:endParaRPr>
+          </a:p>
+          <a:p>
+            <a:pPr marL="0" indent="0">
+              <a:lnSpc>
+                <a:spcPct val="150000"/>
+              </a:lnSpc>
+              <a:spcBef>
+                <a:spcPts val="0"/>
+              </a:spcBef>
+              <a:buClr>
+                <a:schemeClr val="dk2"/>
+              </a:buClr>
+              <a:buSzPts val="1100"/>
+              <a:buNone/>
+            </a:pPr>
+            <a:r>
+              <a:rPr lang="es" sz="2050">
+                <a:solidFill>
+                  <a:schemeClr val="dk2"/>
+                </a:solidFill>
+              </a:rPr>
+              <a:t>Al incumplir este principio a la hora de crear código, hace el código más difícil, tanto de modificar así como de darle mantenimiento. Ya que si no se cumple este principio, a la hora de hacer un cambio en alguna parte del código puede que afecte directa o indirectamente a otra parte del mismo código que no necesariamente tenga alguna relación con el cambio anterior.</a:t>
+            </a:r>
+            <a:endParaRPr sz="2050">
+              <a:solidFill>
+                <a:schemeClr val="dk2"/>
+              </a:solidFill>
+            </a:endParaRPr>
+          </a:p>
+          <a:p>
+            <a:pPr marL="0" indent="0">
+              <a:lnSpc>
+                <a:spcPct val="150000"/>
+              </a:lnSpc>
+              <a:spcBef>
+                <a:spcPts val="0"/>
+              </a:spcBef>
+              <a:buClr>
+                <a:schemeClr val="dk2"/>
+              </a:buClr>
+              <a:buSzPts val="1100"/>
+              <a:buNone/>
+            </a:pPr>
+            <a:r>
+              <a:rPr lang="es" sz="2050">
+                <a:solidFill>
+                  <a:schemeClr val="dk2"/>
+                </a:solidFill>
+              </a:rPr>
+              <a:t> Por eso no se debe tener múltiples responsabilidades en una misma clase.</a:t>
+            </a:r>
+            <a:endParaRPr sz="2050">
+              <a:solidFill>
+                <a:schemeClr val="dk2"/>
+              </a:solidFill>
+            </a:endParaRPr>
+          </a:p>
+          <a:p>
+            <a:pPr marL="0" indent="0">
+              <a:lnSpc>
+                <a:spcPct val="150000"/>
+              </a:lnSpc>
+              <a:spcBef>
+                <a:spcPts val="0"/>
+              </a:spcBef>
+              <a:buClr>
+                <a:schemeClr val="dk2"/>
+              </a:buClr>
+              <a:buSzPts val="1100"/>
+              <a:buNone/>
+            </a:pPr>
+            <a:endParaRPr sz="1100">
+              <a:solidFill>
+                <a:schemeClr val="dk2"/>
+              </a:solidFill>
+              <a:latin typeface="Arial"/>
+              <a:ea typeface="Arial"/>
+              <a:cs typeface="Arial"/>
+              <a:sym typeface="Arial"/>
+            </a:endParaRPr>
+          </a:p>
+          <a:p>
+            <a:pPr marL="0" indent="0">
+              <a:lnSpc>
+                <a:spcPct val="150000"/>
+              </a:lnSpc>
+              <a:buNone/>
+            </a:pPr>
+            <a:endParaRPr/>
+          </a:p>
+        </p:txBody>
+      </p:sp>
+    </p:spTree>
+  </p:cSld>
+  <p:clrMapOvr>
+    <a:masterClrMapping/>
+  </p:clrMapOvr>
+</p:sld>
+</file>
+
+<file path=ppt/slides/slide5.xml><?xml version="1.0" encoding="utf-8"?>
+<p:sld xmlns:a="http://schemas.openxmlformats.org/drawingml/2006/main" xmlns:r="http://schemas.openxmlformats.org/officeDocument/2006/relationships" xmlns:p="http://schemas.openxmlformats.org/presentationml/2006/main">
+  <p:cSld>
+    <p:spTree>
+      <p:nvGrpSpPr>
+        <p:cNvPr id="1" name="Shape 73"/>
+        <p:cNvGrpSpPr/>
+        <p:nvPr/>
+      </p:nvGrpSpPr>
+      <p:grpSpPr>
+        <a:xfrm>
+          <a:off x="0" y="0"/>
+          <a:ext cx="0" cy="0"/>
+          <a:chOff x="0" y="0"/>
+          <a:chExt cx="0" cy="0"/>
+        </a:xfrm>
+      </p:grpSpPr>
+      <p:sp>
+        <p:nvSpPr>
+          <p:cNvPr id="74" name="Google Shape;74;p18"/>
+          <p:cNvSpPr txBox="1">
+            <a:spLocks noGrp="1"/>
+          </p:cNvSpPr>
+          <p:nvPr>
+            <p:ph type="body" idx="4294967295"/>
+          </p:nvPr>
+        </p:nvSpPr>
+        <p:spPr>
+          <a:xfrm>
+            <a:off x="227175" y="2417425"/>
+            <a:ext cx="6763200" cy="2558700"/>
+          </a:xfrm>
+          <a:prstGeom prst="rect">
+            <a:avLst/>
+          </a:prstGeom>
+        </p:spPr>
+        <p:txBody>
+          <a:bodyPr spcFirstLastPara="1" wrap="square" lIns="91425" tIns="45700" rIns="91425" bIns="45700" anchor="t" anchorCtr="0">
+            <a:noAutofit/>
+          </a:bodyPr>
+          <a:lstStyle/>
+          <a:p>
+            <a:pPr marL="0" indent="0">
+              <a:lnSpc>
+                <a:spcPct val="150000"/>
+              </a:lnSpc>
+              <a:spcBef>
+                <a:spcPts val="0"/>
+              </a:spcBef>
+              <a:buClr>
+                <a:schemeClr val="dk2"/>
+              </a:buClr>
+              <a:buSzPts val="1100"/>
+              <a:buNone/>
+            </a:pPr>
+            <a:r>
+              <a:rPr lang="es" sz="2050">
+                <a:solidFill>
+                  <a:schemeClr val="dk2"/>
+                </a:solidFill>
+              </a:rPr>
+              <a:t>Una de las ventajas de este principio es que se consigue alta cohesión y un bajo acoplamiento.</a:t>
+            </a:r>
+            <a:endParaRPr sz="2050">
+              <a:solidFill>
+                <a:schemeClr val="dk2"/>
+              </a:solidFill>
+            </a:endParaRPr>
+          </a:p>
+          <a:p>
+            <a:pPr marL="0" indent="0">
+              <a:lnSpc>
+                <a:spcPct val="150000"/>
+              </a:lnSpc>
+              <a:spcBef>
+                <a:spcPts val="0"/>
+              </a:spcBef>
+              <a:buClr>
+                <a:schemeClr val="dk2"/>
+              </a:buClr>
+              <a:buSzPts val="1100"/>
+              <a:buNone/>
+            </a:pPr>
+            <a:r>
+              <a:rPr lang="es" sz="2050">
+                <a:solidFill>
+                  <a:schemeClr val="dk2"/>
+                </a:solidFill>
+              </a:rPr>
+              <a:t>Hay que evitar crear clase muy grandes con más de una responsabilidad porque la clase será más sensible al cambio.</a:t>
+            </a:r>
+            <a:endParaRPr sz="2050">
+              <a:solidFill>
+                <a:schemeClr val="dk2"/>
+              </a:solidFill>
+            </a:endParaRPr>
+          </a:p>
+          <a:p>
+            <a:pPr marL="0" indent="0">
+              <a:lnSpc>
+                <a:spcPct val="150000"/>
+              </a:lnSpc>
+              <a:spcBef>
+                <a:spcPts val="0"/>
+              </a:spcBef>
+              <a:buClr>
+                <a:schemeClr val="dk2"/>
+              </a:buClr>
+              <a:buSzPts val="1100"/>
+              <a:buNone/>
+            </a:pPr>
+            <a:endParaRPr sz="2050">
+              <a:solidFill>
+                <a:schemeClr val="dk2"/>
+              </a:solidFill>
+            </a:endParaRPr>
+          </a:p>
+          <a:p>
+            <a:pPr marL="0" indent="0">
+              <a:lnSpc>
+                <a:spcPct val="150000"/>
+              </a:lnSpc>
+              <a:spcBef>
+                <a:spcPts val="0"/>
+              </a:spcBef>
+              <a:buClr>
+                <a:schemeClr val="dk2"/>
+              </a:buClr>
+              <a:buSzPts val="1100"/>
+              <a:buNone/>
+            </a:pPr>
+            <a:endParaRPr sz="1100">
+              <a:solidFill>
+                <a:schemeClr val="dk2"/>
+              </a:solidFill>
+              <a:latin typeface="Arial"/>
+              <a:ea typeface="Arial"/>
+              <a:cs typeface="Arial"/>
+              <a:sym typeface="Arial"/>
+            </a:endParaRPr>
+          </a:p>
+          <a:p>
+            <a:pPr marL="0" indent="0">
+              <a:lnSpc>
+                <a:spcPct val="150000"/>
+              </a:lnSpc>
+              <a:buNone/>
+            </a:pPr>
+            <a:endParaRPr/>
+          </a:p>
+        </p:txBody>
+      </p:sp>
+    </p:spTree>
   </p:cSld>
   <p:clrMapOvr>
     <a:masterClrMapping/>
@@ -8928,11 +15272,11 @@
 </file>
 
 <file path=ppt/theme/theme3.xml><?xml version="1.0" encoding="utf-8"?>
-<a:theme xmlns:a="http://schemas.openxmlformats.org/drawingml/2006/main" name="Тема Office">
+<a:theme xmlns:a="http://schemas.openxmlformats.org/drawingml/2006/main" name="1_template">
   <a:themeElements>
-    <a:clrScheme name="">
+    <a:clrScheme name="template 4">
       <a:dk1>
-        <a:srgbClr val="000000"/>
+        <a:srgbClr val="4D4D4D"/>
       </a:dk1>
       <a:lt1>
         <a:srgbClr val="FFFFFF"/>
@@ -8941,36 +15285,36 @@
         <a:srgbClr val="000000"/>
       </a:dk2>
       <a:lt2>
-        <a:srgbClr val="808080"/>
+        <a:srgbClr val="9B6902"/>
       </a:lt2>
       <a:accent1>
-        <a:srgbClr val="BBE0E3"/>
+        <a:srgbClr val="C75E00"/>
       </a:accent1>
       <a:accent2>
-        <a:srgbClr val="333399"/>
+        <a:srgbClr val="FED416"/>
       </a:accent2>
       <a:accent3>
         <a:srgbClr val="FFFFFF"/>
       </a:accent3>
       <a:accent4>
-        <a:srgbClr val="000000"/>
+        <a:srgbClr val="404040"/>
       </a:accent4>
       <a:accent5>
-        <a:srgbClr val="DAEDEF"/>
+        <a:srgbClr val="E0B6AA"/>
       </a:accent5>
       <a:accent6>
-        <a:srgbClr val="2D2D8A"/>
+        <a:srgbClr val="E6C013"/>
       </a:accent6>
       <a:hlink>
-        <a:srgbClr val="009999"/>
+        <a:srgbClr val="EE6600"/>
       </a:hlink>
       <a:folHlink>
-        <a:srgbClr val="99CC00"/>
+        <a:srgbClr val="EAEAEA"/>
       </a:folHlink>
     </a:clrScheme>
-    <a:fontScheme name="Стандартная">
+    <a:fontScheme name="Office">
       <a:majorFont>
-        <a:latin typeface="Calibri"/>
+        <a:latin typeface="Arial"/>
         <a:ea typeface=""/>
         <a:cs typeface=""/>
         <a:font script="Jpan" typeface="ＭＳ Ｐゴシック"/>
@@ -9005,7 +15349,7 @@
         <a:font script="Geor" typeface="Sylfaen"/>
       </a:majorFont>
       <a:minorFont>
-        <a:latin typeface="Calibri"/>
+        <a:latin typeface="Arial"/>
         <a:ea typeface=""/>
         <a:cs typeface=""/>
         <a:font script="Jpan" typeface="ＭＳ Ｐゴシック"/>
@@ -9040,7 +15384,7 @@
         <a:font script="Geor" typeface="Sylfaen"/>
       </a:minorFont>
     </a:fontScheme>
-    <a:fmtScheme name="Стандартная">
+    <a:fmtScheme name="Office">
       <a:fillStyleLst>
         <a:solidFill>
           <a:schemeClr val="phClr"/>
@@ -9072,20 +15416,16 @@
           <a:gsLst>
             <a:gs pos="0">
               <a:schemeClr val="phClr">
-                <a:shade val="51000"/>
-                <a:satMod val="130000"/>
-              </a:schemeClr>
-            </a:gs>
-            <a:gs pos="80000">
-              <a:schemeClr val="phClr">
-                <a:shade val="93000"/>
+                <a:tint val="100000"/>
+                <a:shade val="100000"/>
                 <a:satMod val="130000"/>
               </a:schemeClr>
             </a:gs>
             <a:gs pos="100000">
               <a:schemeClr val="phClr">
-                <a:shade val="94000"/>
-                <a:satMod val="135000"/>
+                <a:tint val="50000"/>
+                <a:shade val="100000"/>
+                <a:satMod val="350000"/>
               </a:schemeClr>
             </a:gs>
           </a:gsLst>
@@ -9495,4 +15835,289 @@
   <a:objectDefaults/>
   <a:extraClrSchemeLst/>
 </a:theme>
+</file>
+
+<file path=ppt/theme/theme5.xml><?xml version="1.0" encoding="utf-8"?>
+<a:theme xmlns:a="http://schemas.openxmlformats.org/drawingml/2006/main" name="Тема Office">
+  <a:themeElements>
+    <a:clrScheme name="">
+      <a:dk1>
+        <a:srgbClr val="000000"/>
+      </a:dk1>
+      <a:lt1>
+        <a:srgbClr val="FFFFFF"/>
+      </a:lt1>
+      <a:dk2>
+        <a:srgbClr val="000000"/>
+      </a:dk2>
+      <a:lt2>
+        <a:srgbClr val="808080"/>
+      </a:lt2>
+      <a:accent1>
+        <a:srgbClr val="BBE0E3"/>
+      </a:accent1>
+      <a:accent2>
+        <a:srgbClr val="333399"/>
+      </a:accent2>
+      <a:accent3>
+        <a:srgbClr val="FFFFFF"/>
+      </a:accent3>
+      <a:accent4>
+        <a:srgbClr val="000000"/>
+      </a:accent4>
+      <a:accent5>
+        <a:srgbClr val="DAEDEF"/>
+      </a:accent5>
+      <a:accent6>
+        <a:srgbClr val="2D2D8A"/>
+      </a:accent6>
+      <a:hlink>
+        <a:srgbClr val="009999"/>
+      </a:hlink>
+      <a:folHlink>
+        <a:srgbClr val="99CC00"/>
+      </a:folHlink>
+    </a:clrScheme>
+    <a:fontScheme name="Стандартная">
+      <a:majorFont>
+        <a:latin typeface="Calibri"/>
+        <a:ea typeface=""/>
+        <a:cs typeface=""/>
+        <a:font script="Jpan" typeface="ＭＳ Ｐゴシック"/>
+        <a:font script="Hang" typeface="맑은 고딕"/>
+        <a:font script="Hans" typeface="宋体"/>
+        <a:font script="Hant" typeface="新細明體"/>
+        <a:font script="Arab" typeface="Times New Roman"/>
+        <a:font script="Hebr" typeface="Times New Roman"/>
+        <a:font script="Thai" typeface="Angsana New"/>
+        <a:font script="Ethi" typeface="Nyala"/>
+        <a:font script="Beng" typeface="Vrinda"/>
+        <a:font script="Gujr" typeface="Shruti"/>
+        <a:font script="Khmr" typeface="MoolBoran"/>
+        <a:font script="Knda" typeface="Tunga"/>
+        <a:font script="Guru" typeface="Raavi"/>
+        <a:font script="Cans" typeface="Euphemia"/>
+        <a:font script="Cher" typeface="Plantagenet Cherokee"/>
+        <a:font script="Yiii" typeface="Microsoft Yi Baiti"/>
+        <a:font script="Tibt" typeface="Microsoft Himalaya"/>
+        <a:font script="Thaa" typeface="MV Boli"/>
+        <a:font script="Deva" typeface="Mangal"/>
+        <a:font script="Telu" typeface="Gautami"/>
+        <a:font script="Taml" typeface="Latha"/>
+        <a:font script="Syrc" typeface="Estrangelo Edessa"/>
+        <a:font script="Orya" typeface="Kalinga"/>
+        <a:font script="Mlym" typeface="Kartika"/>
+        <a:font script="Laoo" typeface="DokChampa"/>
+        <a:font script="Sinh" typeface="Iskoola Pota"/>
+        <a:font script="Mong" typeface="Mongolian Baiti"/>
+        <a:font script="Viet" typeface="Times New Roman"/>
+        <a:font script="Uigh" typeface="Microsoft Uighur"/>
+        <a:font script="Geor" typeface="Sylfaen"/>
+      </a:majorFont>
+      <a:minorFont>
+        <a:latin typeface="Calibri"/>
+        <a:ea typeface=""/>
+        <a:cs typeface=""/>
+        <a:font script="Jpan" typeface="ＭＳ Ｐゴシック"/>
+        <a:font script="Hang" typeface="맑은 고딕"/>
+        <a:font script="Hans" typeface="宋体"/>
+        <a:font script="Hant" typeface="新細明體"/>
+        <a:font script="Arab" typeface="Arial"/>
+        <a:font script="Hebr" typeface="Arial"/>
+        <a:font script="Thai" typeface="Cordia New"/>
+        <a:font script="Ethi" typeface="Nyala"/>
+        <a:font script="Beng" typeface="Vrinda"/>
+        <a:font script="Gujr" typeface="Shruti"/>
+        <a:font script="Khmr" typeface="DaunPenh"/>
+        <a:font script="Knda" typeface="Tunga"/>
+        <a:font script="Guru" typeface="Raavi"/>
+        <a:font script="Cans" typeface="Euphemia"/>
+        <a:font script="Cher" typeface="Plantagenet Cherokee"/>
+        <a:font script="Yiii" typeface="Microsoft Yi Baiti"/>
+        <a:font script="Tibt" typeface="Microsoft Himalaya"/>
+        <a:font script="Thaa" typeface="MV Boli"/>
+        <a:font script="Deva" typeface="Mangal"/>
+        <a:font script="Telu" typeface="Gautami"/>
+        <a:font script="Taml" typeface="Latha"/>
+        <a:font script="Syrc" typeface="Estrangelo Edessa"/>
+        <a:font script="Orya" typeface="Kalinga"/>
+        <a:font script="Mlym" typeface="Kartika"/>
+        <a:font script="Laoo" typeface="DokChampa"/>
+        <a:font script="Sinh" typeface="Iskoola Pota"/>
+        <a:font script="Mong" typeface="Mongolian Baiti"/>
+        <a:font script="Viet" typeface="Arial"/>
+        <a:font script="Uigh" typeface="Microsoft Uighur"/>
+        <a:font script="Geor" typeface="Sylfaen"/>
+      </a:minorFont>
+    </a:fontScheme>
+    <a:fmtScheme name="Стандартная">
+      <a:fillStyleLst>
+        <a:solidFill>
+          <a:schemeClr val="phClr"/>
+        </a:solidFill>
+        <a:gradFill rotWithShape="1">
+          <a:gsLst>
+            <a:gs pos="0">
+              <a:schemeClr val="phClr">
+                <a:tint val="50000"/>
+                <a:satMod val="300000"/>
+              </a:schemeClr>
+            </a:gs>
+            <a:gs pos="35000">
+              <a:schemeClr val="phClr">
+                <a:tint val="37000"/>
+                <a:satMod val="300000"/>
+              </a:schemeClr>
+            </a:gs>
+            <a:gs pos="100000">
+              <a:schemeClr val="phClr">
+                <a:tint val="15000"/>
+                <a:satMod val="350000"/>
+              </a:schemeClr>
+            </a:gs>
+          </a:gsLst>
+          <a:lin ang="16200000" scaled="1"/>
+        </a:gradFill>
+        <a:gradFill rotWithShape="1">
+          <a:gsLst>
+            <a:gs pos="0">
+              <a:schemeClr val="phClr">
+                <a:shade val="51000"/>
+                <a:satMod val="130000"/>
+              </a:schemeClr>
+            </a:gs>
+            <a:gs pos="80000">
+              <a:schemeClr val="phClr">
+                <a:shade val="93000"/>
+                <a:satMod val="130000"/>
+              </a:schemeClr>
+            </a:gs>
+            <a:gs pos="100000">
+              <a:schemeClr val="phClr">
+                <a:shade val="94000"/>
+                <a:satMod val="135000"/>
+              </a:schemeClr>
+            </a:gs>
+          </a:gsLst>
+          <a:lin ang="16200000" scaled="0"/>
+        </a:gradFill>
+      </a:fillStyleLst>
+      <a:lnStyleLst>
+        <a:ln w="9525" cap="flat" cmpd="sng" algn="ctr">
+          <a:solidFill>
+            <a:schemeClr val="phClr">
+              <a:shade val="95000"/>
+              <a:satMod val="105000"/>
+            </a:schemeClr>
+          </a:solidFill>
+          <a:prstDash val="solid"/>
+        </a:ln>
+        <a:ln w="25400" cap="flat" cmpd="sng" algn="ctr">
+          <a:solidFill>
+            <a:schemeClr val="phClr"/>
+          </a:solidFill>
+          <a:prstDash val="solid"/>
+        </a:ln>
+        <a:ln w="38100" cap="flat" cmpd="sng" algn="ctr">
+          <a:solidFill>
+            <a:schemeClr val="phClr"/>
+          </a:solidFill>
+          <a:prstDash val="solid"/>
+        </a:ln>
+      </a:lnStyleLst>
+      <a:effectStyleLst>
+        <a:effectStyle>
+          <a:effectLst>
+            <a:outerShdw blurRad="40000" dist="20000" dir="5400000" rotWithShape="0">
+              <a:srgbClr val="000000">
+                <a:alpha val="38000"/>
+              </a:srgbClr>
+            </a:outerShdw>
+          </a:effectLst>
+        </a:effectStyle>
+        <a:effectStyle>
+          <a:effectLst>
+            <a:outerShdw blurRad="40000" dist="23000" dir="5400000" rotWithShape="0">
+              <a:srgbClr val="000000">
+                <a:alpha val="35000"/>
+              </a:srgbClr>
+            </a:outerShdw>
+          </a:effectLst>
+        </a:effectStyle>
+        <a:effectStyle>
+          <a:effectLst>
+            <a:outerShdw blurRad="40000" dist="23000" dir="5400000" rotWithShape="0">
+              <a:srgbClr val="000000">
+                <a:alpha val="35000"/>
+              </a:srgbClr>
+            </a:outerShdw>
+          </a:effectLst>
+          <a:scene3d>
+            <a:camera prst="orthographicFront">
+              <a:rot lat="0" lon="0" rev="0"/>
+            </a:camera>
+            <a:lightRig rig="threePt" dir="t">
+              <a:rot lat="0" lon="0" rev="1200000"/>
+            </a:lightRig>
+          </a:scene3d>
+          <a:sp3d>
+            <a:bevelT w="63500" h="25400"/>
+          </a:sp3d>
+        </a:effectStyle>
+      </a:effectStyleLst>
+      <a:bgFillStyleLst>
+        <a:solidFill>
+          <a:schemeClr val="phClr"/>
+        </a:solidFill>
+        <a:gradFill rotWithShape="1">
+          <a:gsLst>
+            <a:gs pos="0">
+              <a:schemeClr val="phClr">
+                <a:tint val="40000"/>
+                <a:satMod val="350000"/>
+              </a:schemeClr>
+            </a:gs>
+            <a:gs pos="40000">
+              <a:schemeClr val="phClr">
+                <a:tint val="45000"/>
+                <a:shade val="99000"/>
+                <a:satMod val="350000"/>
+              </a:schemeClr>
+            </a:gs>
+            <a:gs pos="100000">
+              <a:schemeClr val="phClr">
+                <a:shade val="20000"/>
+                <a:satMod val="255000"/>
+              </a:schemeClr>
+            </a:gs>
+          </a:gsLst>
+          <a:path path="circle">
+            <a:fillToRect l="50000" t="-80000" r="50000" b="180000"/>
+          </a:path>
+        </a:gradFill>
+        <a:gradFill rotWithShape="1">
+          <a:gsLst>
+            <a:gs pos="0">
+              <a:schemeClr val="phClr">
+                <a:tint val="80000"/>
+                <a:satMod val="300000"/>
+              </a:schemeClr>
+            </a:gs>
+            <a:gs pos="100000">
+              <a:schemeClr val="phClr">
+                <a:shade val="30000"/>
+                <a:satMod val="200000"/>
+              </a:schemeClr>
+            </a:gs>
+          </a:gsLst>
+          <a:path path="circle">
+            <a:fillToRect l="50000" t="50000" r="50000" b="50000"/>
+          </a:path>
+        </a:gradFill>
+      </a:bgFillStyleLst>
+    </a:fmtScheme>
+  </a:themeElements>
+  <a:objectDefaults/>
+  <a:extraClrSchemeLst/>
+</a:theme>
 </file>
--- a/Documents/Presentacion Responsabilidad Unica Grupo Bravo.pptx
+++ b/Documents/Presentacion Responsabilidad Unica Grupo Bravo.pptx
@@ -1,23 +1,23 @@
 
 <file path=ppt/presentation.xml><?xml version="1.0" encoding="utf-8"?>
-<p:presentation xmlns:a="http://schemas.openxmlformats.org/drawingml/2006/main" xmlns:r="http://schemas.openxmlformats.org/officeDocument/2006/relationships" xmlns:p="http://schemas.openxmlformats.org/presentationml/2006/main" xmlns:m="http://schemas.openxmlformats.org/officeDocument/2006/math" xmlns:a14="http://schemas.microsoft.com/office/drawing/2010/main">
+<p:presentation xmlns:a="http://schemas.openxmlformats.org/drawingml/2006/main" xmlns:r="http://schemas.openxmlformats.org/officeDocument/2006/relationships" xmlns:p="http://schemas.openxmlformats.org/presentationml/2006/main">
   <p:sldMasterIdLst>
-    <p:sldMasterId id="2147483648" r:id="rId5"/>
+    <p:sldMasterId id="2147483648" r:id="rId1"/>
   </p:sldMasterIdLst>
   <p:notesMasterIdLst>
-    <p:notesMasterId r:id="rId7"/>
+    <p:notesMasterId r:id="rId10"/>
   </p:notesMasterIdLst>
   <p:sldIdLst>
-    <p:sldId id="256" r:id="rId8"/>
-    <p:sldId id="257" r:id="rId9"/>
-    <p:sldId id="258" r:id="rId10"/>
-    <p:sldId id="259" r:id="rId11"/>
-    <p:sldId id="260" r:id="rId12"/>
-    <p:sldId id="261" r:id="rId13"/>
-    <p:sldId id="262" r:id="rId14"/>
-    <p:sldId id="263" r:id="rId15"/>
+    <p:sldId id="256" r:id="rId2"/>
+    <p:sldId id="257" r:id="rId3"/>
+    <p:sldId id="258" r:id="rId4"/>
+    <p:sldId id="259" r:id="rId5"/>
+    <p:sldId id="260" r:id="rId6"/>
+    <p:sldId id="261" r:id="rId7"/>
+    <p:sldId id="262" r:id="rId8"/>
+    <p:sldId id="263" r:id="rId9"/>
   </p:sldIdLst>
-  <p:sldSz cx="9144000" cy="6858000"/>
+  <p:sldSz cx="9144000" cy="6858000" type="screen4x3"/>
   <p:notesSz cx="6858000" cy="9144000"/>
   <p:defaultTextStyle>
     <a:defPPr marL="0" marR="0" indent="0" algn="l" defTabSz="914400" rtl="0" fontAlgn="auto" latinLnBrk="1" hangingPunct="0">
@@ -35,7 +35,7 @@
       <a:buFontTx/>
       <a:buNone/>
       <a:tabLst/>
-      <a:defRPr b="0" baseline="0" cap="none" i="0" spc="0" strike="noStrike" sz="1800" u="none" kumimoji="0" normalizeH="0">
+      <a:defRPr kumimoji="0" sz="1800" b="0" i="0" u="none" strike="noStrike" cap="none" spc="0" normalizeH="0" baseline="0">
         <a:ln>
           <a:noFill/>
         </a:ln>
@@ -61,7 +61,7 @@
       <a:buFontTx/>
       <a:buNone/>
       <a:tabLst/>
-      <a:defRPr b="1" baseline="0" cap="none" i="0" spc="0" strike="noStrike" sz="1800" u="none" kumimoji="0" normalizeH="0">
+      <a:defRPr kumimoji="0" sz="1800" b="1" i="0" u="none" strike="noStrike" cap="none" spc="0" normalizeH="0" baseline="0">
         <a:ln>
           <a:noFill/>
         </a:ln>
@@ -91,7 +91,7 @@
       <a:buFontTx/>
       <a:buNone/>
       <a:tabLst/>
-      <a:defRPr b="1" baseline="0" cap="none" i="0" spc="0" strike="noStrike" sz="1800" u="none" kumimoji="0" normalizeH="0">
+      <a:defRPr kumimoji="0" sz="1800" b="1" i="0" u="none" strike="noStrike" cap="none" spc="0" normalizeH="0" baseline="0">
         <a:ln>
           <a:noFill/>
         </a:ln>
@@ -121,7 +121,7 @@
       <a:buFontTx/>
       <a:buNone/>
       <a:tabLst/>
-      <a:defRPr b="1" baseline="0" cap="none" i="0" spc="0" strike="noStrike" sz="1800" u="none" kumimoji="0" normalizeH="0">
+      <a:defRPr kumimoji="0" sz="1800" b="1" i="0" u="none" strike="noStrike" cap="none" spc="0" normalizeH="0" baseline="0">
         <a:ln>
           <a:noFill/>
         </a:ln>
@@ -151,7 +151,7 @@
       <a:buFontTx/>
       <a:buNone/>
       <a:tabLst/>
-      <a:defRPr b="1" baseline="0" cap="none" i="0" spc="0" strike="noStrike" sz="1800" u="none" kumimoji="0" normalizeH="0">
+      <a:defRPr kumimoji="0" sz="1800" b="1" i="0" u="none" strike="noStrike" cap="none" spc="0" normalizeH="0" baseline="0">
         <a:ln>
           <a:noFill/>
         </a:ln>
@@ -181,7 +181,7 @@
       <a:buFontTx/>
       <a:buNone/>
       <a:tabLst/>
-      <a:defRPr b="1" baseline="0" cap="none" i="0" spc="0" strike="noStrike" sz="1800" u="none" kumimoji="0" normalizeH="0">
+      <a:defRPr kumimoji="0" sz="1800" b="1" i="0" u="none" strike="noStrike" cap="none" spc="0" normalizeH="0" baseline="0">
         <a:ln>
           <a:noFill/>
         </a:ln>
@@ -211,7 +211,7 @@
       <a:buFontTx/>
       <a:buNone/>
       <a:tabLst/>
-      <a:defRPr b="1" baseline="0" cap="none" i="0" spc="0" strike="noStrike" sz="1800" u="none" kumimoji="0" normalizeH="0">
+      <a:defRPr kumimoji="0" sz="1800" b="1" i="0" u="none" strike="noStrike" cap="none" spc="0" normalizeH="0" baseline="0">
         <a:ln>
           <a:noFill/>
         </a:ln>
@@ -241,7 +241,7 @@
       <a:buFontTx/>
       <a:buNone/>
       <a:tabLst/>
-      <a:defRPr b="1" baseline="0" cap="none" i="0" spc="0" strike="noStrike" sz="1800" u="none" kumimoji="0" normalizeH="0">
+      <a:defRPr kumimoji="0" sz="1800" b="1" i="0" u="none" strike="noStrike" cap="none" spc="0" normalizeH="0" baseline="0">
         <a:ln>
           <a:noFill/>
         </a:ln>
@@ -271,7 +271,7 @@
       <a:buFontTx/>
       <a:buNone/>
       <a:tabLst/>
-      <a:defRPr b="1" baseline="0" cap="none" i="0" spc="0" strike="noStrike" sz="1800" u="none" kumimoji="0" normalizeH="0">
+      <a:defRPr kumimoji="0" sz="1800" b="1" i="0" u="none" strike="noStrike" cap="none" spc="0" normalizeH="0" baseline="0">
         <a:ln>
           <a:noFill/>
         </a:ln>
@@ -301,7 +301,7 @@
       <a:buFontTx/>
       <a:buNone/>
       <a:tabLst/>
-      <a:defRPr b="1" baseline="0" cap="none" i="0" spc="0" strike="noStrike" sz="1800" u="none" kumimoji="0" normalizeH="0">
+      <a:defRPr kumimoji="0" sz="1800" b="1" i="0" u="none" strike="noStrike" cap="none" spc="0" normalizeH="0" baseline="0">
         <a:ln>
           <a:noFill/>
         </a:ln>
@@ -320,13 +320,14 @@
 </p:presentation>
 </file>
 
-<file path=ppt/commentAuthors.xml><?xml version="1.0" encoding="utf-8"?>
-<p:cmAuthorLst xmlns:a="http://schemas.openxmlformats.org/drawingml/2006/main" xmlns:r="http://schemas.openxmlformats.org/officeDocument/2006/relationships" xmlns:p="http://schemas.openxmlformats.org/presentationml/2006/main" xmlns:m="http://schemas.openxmlformats.org/officeDocument/2006/math" xmlns:a14="http://schemas.microsoft.com/office/drawing/2010/main"/>
-</file>
-
 <file path=ppt/notesMasters/notesMaster1.xml><?xml version="1.0" encoding="utf-8"?>
-<p:notesMaster xmlns:a="http://schemas.openxmlformats.org/drawingml/2006/main" xmlns:r="http://schemas.openxmlformats.org/officeDocument/2006/relationships" xmlns:p="http://schemas.openxmlformats.org/presentationml/2006/main" xmlns:m="http://schemas.openxmlformats.org/officeDocument/2006/math" xmlns:a14="http://schemas.microsoft.com/office/drawing/2010/main">
+<p:notesMaster xmlns:a="http://schemas.openxmlformats.org/drawingml/2006/main" xmlns:r="http://schemas.openxmlformats.org/officeDocument/2006/relationships" xmlns:p="http://schemas.openxmlformats.org/presentationml/2006/main">
   <p:cSld>
+    <p:bg>
+      <p:bgRef idx="1001">
+        <a:schemeClr val="bg1"/>
+      </p:bgRef>
+    </p:bg>
     <p:spTree>
       <p:nvGrpSpPr>
         <p:cNvPr id="1" name=""/>
@@ -344,7 +345,9 @@
       <p:sp>
         <p:nvSpPr>
           <p:cNvPr id="320" name="Shape 320"/>
-          <p:cNvSpPr/>
+          <p:cNvSpPr>
+            <a:spLocks noGrp="1" noRot="1" noChangeAspect="1"/>
+          </p:cNvSpPr>
           <p:nvPr>
             <p:ph type="sldImg"/>
           </p:nvPr>
@@ -362,14 +365,16 @@
           <a:bodyPr/>
           <a:lstStyle/>
           <a:p>
-            <a:pPr/>
+            <a:endParaRPr/>
           </a:p>
         </p:txBody>
       </p:sp>
       <p:sp>
         <p:nvSpPr>
           <p:cNvPr id="321" name="Shape 321"/>
-          <p:cNvSpPr/>
+          <p:cNvSpPr>
+            <a:spLocks noGrp="1"/>
+          </p:cNvSpPr>
           <p:nvPr>
             <p:ph type="body" sz="quarter" idx="1"/>
           </p:nvPr>
@@ -387,7 +392,7 @@
           <a:bodyPr/>
           <a:lstStyle/>
           <a:p>
-            <a:pPr/>
+            <a:endParaRPr/>
           </a:p>
         </p:txBody>
       </p:sp>
@@ -499,17 +504,18 @@
 </file>
 
 <file path=ppt/slideLayouts/slideLayout1.xml><?xml version="1.0" encoding="utf-8"?>
-<p:sldLayout xmlns:a="http://schemas.openxmlformats.org/drawingml/2006/main" xmlns:r="http://schemas.openxmlformats.org/officeDocument/2006/relationships" xmlns:p="http://schemas.openxmlformats.org/presentationml/2006/main" xmlns:m="http://schemas.openxmlformats.org/officeDocument/2006/math" xmlns:a14="http://schemas.microsoft.com/office/drawing/2010/main" type="tx" showMasterSp="1" showMasterPhAnim="1">
+<p:sldLayout xmlns:a="http://schemas.openxmlformats.org/drawingml/2006/main" xmlns:r="http://schemas.openxmlformats.org/officeDocument/2006/relationships" xmlns:p="http://schemas.openxmlformats.org/presentationml/2006/main" type="tx">
   <p:cSld name="Титульный слайд">
     <p:bg>
       <p:bgPr>
         <a:blipFill rotWithShape="1">
           <a:blip r:embed="rId2"/>
-          <a:srcRect l="0" t="0" r="0" b="0"/>
+          <a:srcRect/>
           <a:stretch>
             <a:fillRect/>
           </a:stretch>
         </a:blipFill>
+        <a:effectLst/>
       </p:bgPr>
     </p:bg>
     <p:spTree>
@@ -529,7 +535,9 @@
       <p:sp>
         <p:nvSpPr>
           <p:cNvPr id="11" name="Texto del título"/>
-          <p:cNvSpPr txBox="1"/>
+          <p:cNvSpPr txBox="1">
+            <a:spLocks noGrp="1"/>
+          </p:cNvSpPr>
           <p:nvPr>
             <p:ph type="title"/>
           </p:nvPr>
@@ -543,7 +551,7 @@
             <a:avLst/>
           </a:prstGeom>
           <a:effectLst>
-            <a:outerShdw sx="100000" sy="100000" kx="0" ky="0" algn="b" rotWithShape="0" blurRad="0" dist="17961" dir="2700000">
+            <a:outerShdw dist="17961" dir="2700000" rotWithShape="0">
               <a:srgbClr val="9B6902"/>
             </a:outerShdw>
           </a:effectLst>
@@ -552,7 +560,6 @@
           <a:bodyPr/>
           <a:lstStyle/>
           <a:p>
-            <a:pPr/>
             <a:r>
               <a:t>Texto del título</a:t>
             </a:r>
@@ -562,7 +569,9 @@
       <p:sp>
         <p:nvSpPr>
           <p:cNvPr id="12" name="Nivel de texto 1…"/>
-          <p:cNvSpPr txBox="1"/>
+          <p:cNvSpPr txBox="1">
+            <a:spLocks noGrp="1"/>
+          </p:cNvSpPr>
           <p:nvPr>
             <p:ph type="body" sz="quarter" idx="1"/>
           </p:nvPr>
@@ -576,7 +585,7 @@
             <a:avLst/>
           </a:prstGeom>
           <a:effectLst>
-            <a:outerShdw sx="100000" sy="100000" kx="0" ky="0" algn="b" rotWithShape="0" blurRad="0" dist="17961" dir="2700000">
+            <a:outerShdw dist="17961" dir="2700000" rotWithShape="0">
               <a:srgbClr val="9B6902"/>
             </a:outerShdw>
           </a:effectLst>
@@ -623,7 +632,6 @@
             </a:lvl5pPr>
           </a:lstStyle>
           <a:p>
-            <a:pPr/>
             <a:r>
               <a:t>Nivel de texto 1</a:t>
             </a:r>
@@ -657,7 +665,9 @@
       <p:sp>
         <p:nvSpPr>
           <p:cNvPr id="13" name="Número de diapositiva"/>
-          <p:cNvSpPr txBox="1"/>
+          <p:cNvSpPr txBox="1">
+            <a:spLocks noGrp="1"/>
+          </p:cNvSpPr>
           <p:nvPr>
             <p:ph type="sldNum" sz="quarter" idx="2"/>
           </p:nvPr>
@@ -671,8 +681,10 @@
           <a:bodyPr/>
           <a:lstStyle/>
           <a:p>
-            <a:pPr/>
-            <a:fld id="{86CB4B4D-7CA3-9044-876B-883B54F8677D}" type="slidenum"/>
+            <a:fld id="{86CB4B4D-7CA3-9044-876B-883B54F8677D}" type="slidenum">
+              <a:t>‹Nº›</a:t>
+            </a:fld>
+            <a:endParaRPr/>
           </a:p>
         </p:txBody>
       </p:sp>
@@ -681,12 +693,12 @@
   <p:clrMapOvr>
     <a:masterClrMapping/>
   </p:clrMapOvr>
-  <p:transition xmlns:p14="http://schemas.microsoft.com/office/powerpoint/2010/main" spd="med" advClick="1"/>
+  <p:transition spd="med"/>
 </p:sldLayout>
 </file>
 
 <file path=ppt/slideLayouts/slideLayout10.xml><?xml version="1.0" encoding="utf-8"?>
-<p:sldLayout xmlns:a="http://schemas.openxmlformats.org/drawingml/2006/main" xmlns:r="http://schemas.openxmlformats.org/officeDocument/2006/relationships" xmlns:p="http://schemas.openxmlformats.org/presentationml/2006/main" xmlns:m="http://schemas.openxmlformats.org/officeDocument/2006/math" xmlns:a14="http://schemas.microsoft.com/office/drawing/2010/main" type="tx" showMasterSp="1" showMasterPhAnim="1">
+<p:sldLayout xmlns:a="http://schemas.openxmlformats.org/drawingml/2006/main" xmlns:r="http://schemas.openxmlformats.org/officeDocument/2006/relationships" xmlns:p="http://schemas.openxmlformats.org/presentationml/2006/main" type="tx">
   <p:cSld name="Заголовок и вертикальный текст">
     <p:spTree>
       <p:nvGrpSpPr>
@@ -705,7 +717,9 @@
       <p:sp>
         <p:nvSpPr>
           <p:cNvPr id="92" name="Texto del título"/>
-          <p:cNvSpPr txBox="1"/>
+          <p:cNvSpPr txBox="1">
+            <a:spLocks noGrp="1"/>
+          </p:cNvSpPr>
           <p:nvPr>
             <p:ph type="title"/>
           </p:nvPr>
@@ -719,7 +733,6 @@
           <a:bodyPr/>
           <a:lstStyle/>
           <a:p>
-            <a:pPr/>
             <a:r>
               <a:t>Texto del título</a:t>
             </a:r>
@@ -729,7 +742,9 @@
       <p:sp>
         <p:nvSpPr>
           <p:cNvPr id="93" name="Nivel de texto 1…"/>
-          <p:cNvSpPr txBox="1"/>
+          <p:cNvSpPr txBox="1">
+            <a:spLocks noGrp="1"/>
+          </p:cNvSpPr>
           <p:nvPr>
             <p:ph type="body" idx="1"/>
           </p:nvPr>
@@ -743,7 +758,6 @@
           <a:bodyPr/>
           <a:lstStyle/>
           <a:p>
-            <a:pPr/>
             <a:r>
               <a:t>Nivel de texto 1</a:t>
             </a:r>
@@ -777,7 +791,9 @@
       <p:sp>
         <p:nvSpPr>
           <p:cNvPr id="94" name="Número de diapositiva"/>
-          <p:cNvSpPr txBox="1"/>
+          <p:cNvSpPr txBox="1">
+            <a:spLocks noGrp="1"/>
+          </p:cNvSpPr>
           <p:nvPr>
             <p:ph type="sldNum" sz="quarter" idx="2"/>
           </p:nvPr>
@@ -791,8 +807,10 @@
           <a:bodyPr/>
           <a:lstStyle/>
           <a:p>
-            <a:pPr/>
-            <a:fld id="{86CB4B4D-7CA3-9044-876B-883B54F8677D}" type="slidenum"/>
+            <a:fld id="{86CB4B4D-7CA3-9044-876B-883B54F8677D}" type="slidenum">
+              <a:t>‹Nº›</a:t>
+            </a:fld>
+            <a:endParaRPr/>
           </a:p>
         </p:txBody>
       </p:sp>
@@ -801,12 +819,12 @@
   <p:clrMapOvr>
     <a:masterClrMapping/>
   </p:clrMapOvr>
-  <p:transition xmlns:p14="http://schemas.microsoft.com/office/powerpoint/2010/main" spd="med" advClick="1"/>
+  <p:transition spd="med"/>
 </p:sldLayout>
 </file>
 
 <file path=ppt/slideLayouts/slideLayout11.xml><?xml version="1.0" encoding="utf-8"?>
-<p:sldLayout xmlns:a="http://schemas.openxmlformats.org/drawingml/2006/main" xmlns:r="http://schemas.openxmlformats.org/officeDocument/2006/relationships" xmlns:p="http://schemas.openxmlformats.org/presentationml/2006/main" xmlns:m="http://schemas.openxmlformats.org/officeDocument/2006/math" xmlns:a14="http://schemas.microsoft.com/office/drawing/2010/main" type="tx" showMasterSp="1" showMasterPhAnim="1">
+<p:sldLayout xmlns:a="http://schemas.openxmlformats.org/drawingml/2006/main" xmlns:r="http://schemas.openxmlformats.org/officeDocument/2006/relationships" xmlns:p="http://schemas.openxmlformats.org/presentationml/2006/main" type="tx">
   <p:cSld name="Вертикальный заголовок и текст">
     <p:spTree>
       <p:nvGrpSpPr>
@@ -825,7 +843,9 @@
       <p:sp>
         <p:nvSpPr>
           <p:cNvPr id="101" name="Texto del título"/>
-          <p:cNvSpPr txBox="1"/>
+          <p:cNvSpPr txBox="1">
+            <a:spLocks noGrp="1"/>
+          </p:cNvSpPr>
           <p:nvPr>
             <p:ph type="title"/>
           </p:nvPr>
@@ -843,7 +863,6 @@
           <a:bodyPr/>
           <a:lstStyle/>
           <a:p>
-            <a:pPr/>
             <a:r>
               <a:t>Texto del título</a:t>
             </a:r>
@@ -853,7 +872,9 @@
       <p:sp>
         <p:nvSpPr>
           <p:cNvPr id="102" name="Nivel de texto 1…"/>
-          <p:cNvSpPr txBox="1"/>
+          <p:cNvSpPr txBox="1">
+            <a:spLocks noGrp="1"/>
+          </p:cNvSpPr>
           <p:nvPr>
             <p:ph type="body" idx="1"/>
           </p:nvPr>
@@ -871,7 +892,6 @@
           <a:bodyPr/>
           <a:lstStyle/>
           <a:p>
-            <a:pPr/>
             <a:r>
               <a:t>Nivel de texto 1</a:t>
             </a:r>
@@ -905,7 +925,9 @@
       <p:sp>
         <p:nvSpPr>
           <p:cNvPr id="103" name="Número de diapositiva"/>
-          <p:cNvSpPr txBox="1"/>
+          <p:cNvSpPr txBox="1">
+            <a:spLocks noGrp="1"/>
+          </p:cNvSpPr>
           <p:nvPr>
             <p:ph type="sldNum" sz="quarter" idx="2"/>
           </p:nvPr>
@@ -919,8 +941,10 @@
           <a:bodyPr/>
           <a:lstStyle/>
           <a:p>
-            <a:pPr/>
-            <a:fld id="{86CB4B4D-7CA3-9044-876B-883B54F8677D}" type="slidenum"/>
+            <a:fld id="{86CB4B4D-7CA3-9044-876B-883B54F8677D}" type="slidenum">
+              <a:t>‹Nº›</a:t>
+            </a:fld>
+            <a:endParaRPr/>
           </a:p>
         </p:txBody>
       </p:sp>
@@ -929,22 +953,23 @@
   <p:clrMapOvr>
     <a:masterClrMapping/>
   </p:clrMapOvr>
-  <p:transition xmlns:p14="http://schemas.microsoft.com/office/powerpoint/2010/main" spd="med" advClick="1"/>
+  <p:transition spd="med"/>
 </p:sldLayout>
 </file>
 
 <file path=ppt/slideLayouts/slideLayout12.xml><?xml version="1.0" encoding="utf-8"?>
-<p:sldLayout xmlns:a="http://schemas.openxmlformats.org/drawingml/2006/main" xmlns:r="http://schemas.openxmlformats.org/officeDocument/2006/relationships" xmlns:p="http://schemas.openxmlformats.org/presentationml/2006/main" xmlns:m="http://schemas.openxmlformats.org/officeDocument/2006/math" xmlns:a14="http://schemas.microsoft.com/office/drawing/2010/main" type="tx" showMasterSp="1" showMasterPhAnim="1">
+<p:sldLayout xmlns:a="http://schemas.openxmlformats.org/drawingml/2006/main" xmlns:r="http://schemas.openxmlformats.org/officeDocument/2006/relationships" xmlns:p="http://schemas.openxmlformats.org/presentationml/2006/main" type="tx">
   <p:cSld name="Титульный слайд">
     <p:bg>
       <p:bgPr>
         <a:blipFill rotWithShape="1">
           <a:blip r:embed="rId2"/>
-          <a:srcRect l="0" t="0" r="0" b="0"/>
+          <a:srcRect/>
           <a:stretch>
             <a:fillRect/>
           </a:stretch>
         </a:blipFill>
+        <a:effectLst/>
       </p:bgPr>
     </p:bg>
     <p:spTree>
@@ -964,7 +989,9 @@
       <p:sp>
         <p:nvSpPr>
           <p:cNvPr id="110" name="Texto del título"/>
-          <p:cNvSpPr txBox="1"/>
+          <p:cNvSpPr txBox="1">
+            <a:spLocks noGrp="1"/>
+          </p:cNvSpPr>
           <p:nvPr>
             <p:ph type="title"/>
           </p:nvPr>
@@ -990,7 +1017,6 @@
             </a:lvl1pPr>
           </a:lstStyle>
           <a:p>
-            <a:pPr/>
             <a:r>
               <a:t>Texto del título</a:t>
             </a:r>
@@ -1000,7 +1026,9 @@
       <p:sp>
         <p:nvSpPr>
           <p:cNvPr id="111" name="Nivel de texto 1…"/>
-          <p:cNvSpPr txBox="1"/>
+          <p:cNvSpPr txBox="1">
+            <a:spLocks noGrp="1"/>
+          </p:cNvSpPr>
           <p:nvPr>
             <p:ph type="body" sz="quarter" idx="1"/>
           </p:nvPr>
@@ -1039,7 +1067,6 @@
             </a:lvl5pPr>
           </a:lstStyle>
           <a:p>
-            <a:pPr/>
             <a:r>
               <a:t>Nivel de texto 1</a:t>
             </a:r>
@@ -1073,7 +1100,9 @@
       <p:sp>
         <p:nvSpPr>
           <p:cNvPr id="112" name="Número de diapositiva"/>
-          <p:cNvSpPr txBox="1"/>
+          <p:cNvSpPr txBox="1">
+            <a:spLocks noGrp="1"/>
+          </p:cNvSpPr>
           <p:nvPr>
             <p:ph type="sldNum" sz="quarter" idx="2"/>
           </p:nvPr>
@@ -1091,7 +1120,7 @@
           <a:bodyPr anchor="t"/>
           <a:lstStyle>
             <a:lvl1pPr>
-              <a:defRPr b="0" sz="1400">
+              <a:defRPr sz="1400" b="0">
                 <a:solidFill>
                   <a:srgbClr val="000000"/>
                 </a:solidFill>
@@ -1099,8 +1128,10 @@
             </a:lvl1pPr>
           </a:lstStyle>
           <a:p>
-            <a:pPr/>
-            <a:fld id="{86CB4B4D-7CA3-9044-876B-883B54F8677D}" type="slidenum"/>
+            <a:fld id="{86CB4B4D-7CA3-9044-876B-883B54F8677D}" type="slidenum">
+              <a:t>‹Nº›</a:t>
+            </a:fld>
+            <a:endParaRPr/>
           </a:p>
         </p:txBody>
       </p:sp>
@@ -1109,22 +1140,23 @@
   <p:clrMapOvr>
     <a:masterClrMapping/>
   </p:clrMapOvr>
-  <p:transition xmlns:p14="http://schemas.microsoft.com/office/powerpoint/2010/main" spd="med" advClick="1"/>
+  <p:transition spd="med"/>
 </p:sldLayout>
 </file>
 
 <file path=ppt/slideLayouts/slideLayout13.xml><?xml version="1.0" encoding="utf-8"?>
-<p:sldLayout xmlns:a="http://schemas.openxmlformats.org/drawingml/2006/main" xmlns:r="http://schemas.openxmlformats.org/officeDocument/2006/relationships" xmlns:p="http://schemas.openxmlformats.org/presentationml/2006/main" xmlns:m="http://schemas.openxmlformats.org/officeDocument/2006/math" xmlns:a14="http://schemas.microsoft.com/office/drawing/2010/main" type="tx" showMasterSp="1" showMasterPhAnim="1">
+<p:sldLayout xmlns:a="http://schemas.openxmlformats.org/drawingml/2006/main" xmlns:r="http://schemas.openxmlformats.org/officeDocument/2006/relationships" xmlns:p="http://schemas.openxmlformats.org/presentationml/2006/main" type="tx">
   <p:cSld name="Заголовок и объект">
     <p:bg>
       <p:bgPr>
         <a:blipFill rotWithShape="1">
           <a:blip r:embed="rId2"/>
-          <a:srcRect l="0" t="0" r="0" b="0"/>
+          <a:srcRect/>
           <a:stretch>
             <a:fillRect/>
           </a:stretch>
         </a:blipFill>
+        <a:effectLst/>
       </p:bgPr>
     </p:bg>
     <p:spTree>
@@ -1144,7 +1176,9 @@
       <p:sp>
         <p:nvSpPr>
           <p:cNvPr id="119" name="Texto del título"/>
-          <p:cNvSpPr txBox="1"/>
+          <p:cNvSpPr txBox="1">
+            <a:spLocks noGrp="1"/>
+          </p:cNvSpPr>
           <p:nvPr>
             <p:ph type="title"/>
           </p:nvPr>
@@ -1170,7 +1204,6 @@
             </a:lvl1pPr>
           </a:lstStyle>
           <a:p>
-            <a:pPr/>
             <a:r>
               <a:t>Texto del título</a:t>
             </a:r>
@@ -1180,7 +1213,9 @@
       <p:sp>
         <p:nvSpPr>
           <p:cNvPr id="120" name="Nivel de texto 1…"/>
-          <p:cNvSpPr txBox="1"/>
+          <p:cNvSpPr txBox="1">
+            <a:spLocks noGrp="1"/>
+          </p:cNvSpPr>
           <p:nvPr>
             <p:ph type="body" idx="1"/>
           </p:nvPr>
@@ -1198,7 +1233,6 @@
           <a:bodyPr/>
           <a:lstStyle/>
           <a:p>
-            <a:pPr/>
             <a:r>
               <a:t>Nivel de texto 1</a:t>
             </a:r>
@@ -1232,7 +1266,9 @@
       <p:sp>
         <p:nvSpPr>
           <p:cNvPr id="121" name="Número de diapositiva"/>
-          <p:cNvSpPr txBox="1"/>
+          <p:cNvSpPr txBox="1">
+            <a:spLocks noGrp="1"/>
+          </p:cNvSpPr>
           <p:nvPr>
             <p:ph type="sldNum" sz="quarter" idx="2"/>
           </p:nvPr>
@@ -1250,7 +1286,7 @@
           <a:bodyPr anchor="t"/>
           <a:lstStyle>
             <a:lvl1pPr>
-              <a:defRPr b="0" sz="1400">
+              <a:defRPr sz="1400" b="0">
                 <a:solidFill>
                   <a:srgbClr val="000000"/>
                 </a:solidFill>
@@ -1258,8 +1294,10 @@
             </a:lvl1pPr>
           </a:lstStyle>
           <a:p>
-            <a:pPr/>
-            <a:fld id="{86CB4B4D-7CA3-9044-876B-883B54F8677D}" type="slidenum"/>
+            <a:fld id="{86CB4B4D-7CA3-9044-876B-883B54F8677D}" type="slidenum">
+              <a:t>‹Nº›</a:t>
+            </a:fld>
+            <a:endParaRPr/>
           </a:p>
         </p:txBody>
       </p:sp>
@@ -1268,22 +1306,23 @@
   <p:clrMapOvr>
     <a:masterClrMapping/>
   </p:clrMapOvr>
-  <p:transition xmlns:p14="http://schemas.microsoft.com/office/powerpoint/2010/main" spd="med" advClick="1"/>
+  <p:transition spd="med"/>
 </p:sldLayout>
 </file>
 
 <file path=ppt/slideLayouts/slideLayout14.xml><?xml version="1.0" encoding="utf-8"?>
-<p:sldLayout xmlns:a="http://schemas.openxmlformats.org/drawingml/2006/main" xmlns:r="http://schemas.openxmlformats.org/officeDocument/2006/relationships" xmlns:p="http://schemas.openxmlformats.org/presentationml/2006/main" xmlns:m="http://schemas.openxmlformats.org/officeDocument/2006/math" xmlns:a14="http://schemas.microsoft.com/office/drawing/2010/main" type="tx" showMasterSp="1" showMasterPhAnim="1">
+<p:sldLayout xmlns:a="http://schemas.openxmlformats.org/drawingml/2006/main" xmlns:r="http://schemas.openxmlformats.org/officeDocument/2006/relationships" xmlns:p="http://schemas.openxmlformats.org/presentationml/2006/main" type="tx">
   <p:cSld name="Заголовок раздела">
     <p:bg>
       <p:bgPr>
         <a:blipFill rotWithShape="1">
           <a:blip r:embed="rId2"/>
-          <a:srcRect l="0" t="0" r="0" b="0"/>
+          <a:srcRect/>
           <a:stretch>
             <a:fillRect/>
           </a:stretch>
         </a:blipFill>
+        <a:effectLst/>
       </p:bgPr>
     </p:bg>
     <p:spTree>
@@ -1303,7 +1342,9 @@
       <p:sp>
         <p:nvSpPr>
           <p:cNvPr id="128" name="Texto del título"/>
-          <p:cNvSpPr txBox="1"/>
+          <p:cNvSpPr txBox="1">
+            <a:spLocks noGrp="1"/>
+          </p:cNvSpPr>
           <p:nvPr>
             <p:ph type="title"/>
           </p:nvPr>
@@ -1321,7 +1362,7 @@
           <a:bodyPr anchor="t"/>
           <a:lstStyle>
             <a:lvl1pPr>
-              <a:defRPr b="1" cap="all" sz="4000">
+              <a:defRPr sz="4000" b="1" cap="all">
                 <a:solidFill>
                   <a:srgbClr val="77D21A"/>
                 </a:solidFill>
@@ -1329,7 +1370,6 @@
             </a:lvl1pPr>
           </a:lstStyle>
           <a:p>
-            <a:pPr/>
             <a:r>
               <a:t>Texto del título</a:t>
             </a:r>
@@ -1339,7 +1379,9 @@
       <p:sp>
         <p:nvSpPr>
           <p:cNvPr id="129" name="Nivel de texto 1…"/>
-          <p:cNvSpPr txBox="1"/>
+          <p:cNvSpPr txBox="1">
+            <a:spLocks noGrp="1"/>
+          </p:cNvSpPr>
           <p:nvPr>
             <p:ph type="body" sz="quarter" idx="1"/>
           </p:nvPr>
@@ -1378,7 +1420,6 @@
             </a:lvl5pPr>
           </a:lstStyle>
           <a:p>
-            <a:pPr/>
             <a:r>
               <a:t>Nivel de texto 1</a:t>
             </a:r>
@@ -1412,7 +1453,9 @@
       <p:sp>
         <p:nvSpPr>
           <p:cNvPr id="130" name="Número de diapositiva"/>
-          <p:cNvSpPr txBox="1"/>
+          <p:cNvSpPr txBox="1">
+            <a:spLocks noGrp="1"/>
+          </p:cNvSpPr>
           <p:nvPr>
             <p:ph type="sldNum" sz="quarter" idx="2"/>
           </p:nvPr>
@@ -1430,7 +1473,7 @@
           <a:bodyPr anchor="t"/>
           <a:lstStyle>
             <a:lvl1pPr>
-              <a:defRPr b="0" sz="1400">
+              <a:defRPr sz="1400" b="0">
                 <a:solidFill>
                   <a:srgbClr val="000000"/>
                 </a:solidFill>
@@ -1438,8 +1481,10 @@
             </a:lvl1pPr>
           </a:lstStyle>
           <a:p>
-            <a:pPr/>
-            <a:fld id="{86CB4B4D-7CA3-9044-876B-883B54F8677D}" type="slidenum"/>
+            <a:fld id="{86CB4B4D-7CA3-9044-876B-883B54F8677D}" type="slidenum">
+              <a:t>‹Nº›</a:t>
+            </a:fld>
+            <a:endParaRPr/>
           </a:p>
         </p:txBody>
       </p:sp>
@@ -1448,22 +1493,23 @@
   <p:clrMapOvr>
     <a:masterClrMapping/>
   </p:clrMapOvr>
-  <p:transition xmlns:p14="http://schemas.microsoft.com/office/powerpoint/2010/main" spd="med" advClick="1"/>
+  <p:transition spd="med"/>
 </p:sldLayout>
 </file>
 
 <file path=ppt/slideLayouts/slideLayout15.xml><?xml version="1.0" encoding="utf-8"?>
-<p:sldLayout xmlns:a="http://schemas.openxmlformats.org/drawingml/2006/main" xmlns:r="http://schemas.openxmlformats.org/officeDocument/2006/relationships" xmlns:p="http://schemas.openxmlformats.org/presentationml/2006/main" xmlns:m="http://schemas.openxmlformats.org/officeDocument/2006/math" xmlns:a14="http://schemas.microsoft.com/office/drawing/2010/main" type="tx" showMasterSp="1" showMasterPhAnim="1">
+<p:sldLayout xmlns:a="http://schemas.openxmlformats.org/drawingml/2006/main" xmlns:r="http://schemas.openxmlformats.org/officeDocument/2006/relationships" xmlns:p="http://schemas.openxmlformats.org/presentationml/2006/main" type="tx">
   <p:cSld name="Два объекта">
     <p:bg>
       <p:bgPr>
         <a:blipFill rotWithShape="1">
           <a:blip r:embed="rId2"/>
-          <a:srcRect l="0" t="0" r="0" b="0"/>
+          <a:srcRect/>
           <a:stretch>
             <a:fillRect/>
           </a:stretch>
         </a:blipFill>
+        <a:effectLst/>
       </p:bgPr>
     </p:bg>
     <p:spTree>
@@ -1483,7 +1529,9 @@
       <p:sp>
         <p:nvSpPr>
           <p:cNvPr id="137" name="Texto del título"/>
-          <p:cNvSpPr txBox="1"/>
+          <p:cNvSpPr txBox="1">
+            <a:spLocks noGrp="1"/>
+          </p:cNvSpPr>
           <p:nvPr>
             <p:ph type="title"/>
           </p:nvPr>
@@ -1509,7 +1557,6 @@
             </a:lvl1pPr>
           </a:lstStyle>
           <a:p>
-            <a:pPr/>
             <a:r>
               <a:t>Texto del título</a:t>
             </a:r>
@@ -1519,7 +1566,9 @@
       <p:sp>
         <p:nvSpPr>
           <p:cNvPr id="138" name="Nivel de texto 1…"/>
-          <p:cNvSpPr txBox="1"/>
+          <p:cNvSpPr txBox="1">
+            <a:spLocks noGrp="1"/>
+          </p:cNvSpPr>
           <p:nvPr>
             <p:ph type="body" sz="half" idx="1"/>
           </p:nvPr>
@@ -1568,7 +1617,6 @@
             </a:lvl5pPr>
           </a:lstStyle>
           <a:p>
-            <a:pPr/>
             <a:r>
               <a:t>Nivel de texto 1</a:t>
             </a:r>
@@ -1602,7 +1650,9 @@
       <p:sp>
         <p:nvSpPr>
           <p:cNvPr id="139" name="Número de diapositiva"/>
-          <p:cNvSpPr txBox="1"/>
+          <p:cNvSpPr txBox="1">
+            <a:spLocks noGrp="1"/>
+          </p:cNvSpPr>
           <p:nvPr>
             <p:ph type="sldNum" sz="quarter" idx="2"/>
           </p:nvPr>
@@ -1620,7 +1670,7 @@
           <a:bodyPr anchor="t"/>
           <a:lstStyle>
             <a:lvl1pPr>
-              <a:defRPr b="0" sz="1400">
+              <a:defRPr sz="1400" b="0">
                 <a:solidFill>
                   <a:srgbClr val="000000"/>
                 </a:solidFill>
@@ -1628,8 +1678,10 @@
             </a:lvl1pPr>
           </a:lstStyle>
           <a:p>
-            <a:pPr/>
-            <a:fld id="{86CB4B4D-7CA3-9044-876B-883B54F8677D}" type="slidenum"/>
+            <a:fld id="{86CB4B4D-7CA3-9044-876B-883B54F8677D}" type="slidenum">
+              <a:t>‹Nº›</a:t>
+            </a:fld>
+            <a:endParaRPr/>
           </a:p>
         </p:txBody>
       </p:sp>
@@ -1638,22 +1690,23 @@
   <p:clrMapOvr>
     <a:masterClrMapping/>
   </p:clrMapOvr>
-  <p:transition xmlns:p14="http://schemas.microsoft.com/office/powerpoint/2010/main" spd="med" advClick="1"/>
+  <p:transition spd="med"/>
 </p:sldLayout>
 </file>
 
 <file path=ppt/slideLayouts/slideLayout16.xml><?xml version="1.0" encoding="utf-8"?>
-<p:sldLayout xmlns:a="http://schemas.openxmlformats.org/drawingml/2006/main" xmlns:r="http://schemas.openxmlformats.org/officeDocument/2006/relationships" xmlns:p="http://schemas.openxmlformats.org/presentationml/2006/main" xmlns:m="http://schemas.openxmlformats.org/officeDocument/2006/math" xmlns:a14="http://schemas.microsoft.com/office/drawing/2010/main" type="tx" showMasterSp="1" showMasterPhAnim="1">
+<p:sldLayout xmlns:a="http://schemas.openxmlformats.org/drawingml/2006/main" xmlns:r="http://schemas.openxmlformats.org/officeDocument/2006/relationships" xmlns:p="http://schemas.openxmlformats.org/presentationml/2006/main" type="tx">
   <p:cSld name="Сравнение">
     <p:bg>
       <p:bgPr>
         <a:blipFill rotWithShape="1">
           <a:blip r:embed="rId2"/>
-          <a:srcRect l="0" t="0" r="0" b="0"/>
+          <a:srcRect/>
           <a:stretch>
             <a:fillRect/>
           </a:stretch>
         </a:blipFill>
+        <a:effectLst/>
       </p:bgPr>
     </p:bg>
     <p:spTree>
@@ -1673,7 +1726,9 @@
       <p:sp>
         <p:nvSpPr>
           <p:cNvPr id="146" name="Texto del título"/>
-          <p:cNvSpPr txBox="1"/>
+          <p:cNvSpPr txBox="1">
+            <a:spLocks noGrp="1"/>
+          </p:cNvSpPr>
           <p:nvPr>
             <p:ph type="title"/>
           </p:nvPr>
@@ -1699,7 +1754,6 @@
             </a:lvl1pPr>
           </a:lstStyle>
           <a:p>
-            <a:pPr/>
             <a:r>
               <a:t>Texto del título</a:t>
             </a:r>
@@ -1709,7 +1763,9 @@
       <p:sp>
         <p:nvSpPr>
           <p:cNvPr id="147" name="Nivel de texto 1…"/>
-          <p:cNvSpPr txBox="1"/>
+          <p:cNvSpPr txBox="1">
+            <a:spLocks noGrp="1"/>
+          </p:cNvSpPr>
           <p:nvPr>
             <p:ph type="body" sz="quarter" idx="1"/>
           </p:nvPr>
@@ -1732,7 +1788,7 @@
               </a:spcBef>
               <a:buSzTx/>
               <a:buNone/>
-              <a:defRPr b="1" sz="2400"/>
+              <a:defRPr sz="2400" b="1"/>
             </a:lvl1pPr>
             <a:lvl2pPr marL="0" indent="457200">
               <a:spcBef>
@@ -1740,7 +1796,7 @@
               </a:spcBef>
               <a:buSzTx/>
               <a:buNone/>
-              <a:defRPr b="1" sz="2400"/>
+              <a:defRPr sz="2400" b="1"/>
             </a:lvl2pPr>
             <a:lvl3pPr marL="0" indent="914400">
               <a:spcBef>
@@ -1748,7 +1804,7 @@
               </a:spcBef>
               <a:buSzTx/>
               <a:buNone/>
-              <a:defRPr b="1" sz="2400"/>
+              <a:defRPr sz="2400" b="1"/>
             </a:lvl3pPr>
             <a:lvl4pPr marL="0" indent="1371600">
               <a:spcBef>
@@ -1756,7 +1812,7 @@
               </a:spcBef>
               <a:buSzTx/>
               <a:buNone/>
-              <a:defRPr b="1" sz="2400"/>
+              <a:defRPr sz="2400" b="1"/>
             </a:lvl4pPr>
             <a:lvl5pPr marL="0" indent="1828800">
               <a:spcBef>
@@ -1764,11 +1820,10 @@
               </a:spcBef>
               <a:buSzTx/>
               <a:buNone/>
-              <a:defRPr b="1" sz="2400"/>
+              <a:defRPr sz="2400" b="1"/>
             </a:lvl5pPr>
           </a:lstStyle>
           <a:p>
-            <a:pPr/>
             <a:r>
               <a:t>Nivel de texto 1</a:t>
             </a:r>
@@ -1802,7 +1857,9 @@
       <p:sp>
         <p:nvSpPr>
           <p:cNvPr id="148" name="Текст 4"/>
-          <p:cNvSpPr/>
+          <p:cNvSpPr>
+            <a:spLocks noGrp="1"/>
+          </p:cNvSpPr>
           <p:nvPr>
             <p:ph type="body" sz="quarter" idx="13"/>
           </p:nvPr>
@@ -1826,15 +1883,18 @@
               </a:spcBef>
               <a:buSzTx/>
               <a:buNone/>
-              <a:defRPr b="1" sz="2400"/>
+              <a:defRPr sz="2400" b="1"/>
             </a:pPr>
+            <a:endParaRPr/>
           </a:p>
         </p:txBody>
       </p:sp>
       <p:sp>
         <p:nvSpPr>
           <p:cNvPr id="149" name="Número de diapositiva"/>
-          <p:cNvSpPr txBox="1"/>
+          <p:cNvSpPr txBox="1">
+            <a:spLocks noGrp="1"/>
+          </p:cNvSpPr>
           <p:nvPr>
             <p:ph type="sldNum" sz="quarter" idx="2"/>
           </p:nvPr>
@@ -1852,7 +1912,7 @@
           <a:bodyPr anchor="t"/>
           <a:lstStyle>
             <a:lvl1pPr>
-              <a:defRPr b="0" sz="1400">
+              <a:defRPr sz="1400" b="0">
                 <a:solidFill>
                   <a:srgbClr val="000000"/>
                 </a:solidFill>
@@ -1860,8 +1920,10 @@
             </a:lvl1pPr>
           </a:lstStyle>
           <a:p>
-            <a:pPr/>
-            <a:fld id="{86CB4B4D-7CA3-9044-876B-883B54F8677D}" type="slidenum"/>
+            <a:fld id="{86CB4B4D-7CA3-9044-876B-883B54F8677D}" type="slidenum">
+              <a:t>‹Nº›</a:t>
+            </a:fld>
+            <a:endParaRPr/>
           </a:p>
         </p:txBody>
       </p:sp>
@@ -1870,22 +1932,23 @@
   <p:clrMapOvr>
     <a:masterClrMapping/>
   </p:clrMapOvr>
-  <p:transition xmlns:p14="http://schemas.microsoft.com/office/powerpoint/2010/main" spd="med" advClick="1"/>
+  <p:transition spd="med"/>
 </p:sldLayout>
 </file>
 
 <file path=ppt/slideLayouts/slideLayout17.xml><?xml version="1.0" encoding="utf-8"?>
-<p:sldLayout xmlns:a="http://schemas.openxmlformats.org/drawingml/2006/main" xmlns:r="http://schemas.openxmlformats.org/officeDocument/2006/relationships" xmlns:p="http://schemas.openxmlformats.org/presentationml/2006/main" xmlns:m="http://schemas.openxmlformats.org/officeDocument/2006/math" xmlns:a14="http://schemas.microsoft.com/office/drawing/2010/main" type="tx" showMasterSp="1" showMasterPhAnim="1">
+<p:sldLayout xmlns:a="http://schemas.openxmlformats.org/drawingml/2006/main" xmlns:r="http://schemas.openxmlformats.org/officeDocument/2006/relationships" xmlns:p="http://schemas.openxmlformats.org/presentationml/2006/main" type="tx">
   <p:cSld name="Только заголовок">
     <p:bg>
       <p:bgPr>
         <a:blipFill rotWithShape="1">
           <a:blip r:embed="rId2"/>
-          <a:srcRect l="0" t="0" r="0" b="0"/>
+          <a:srcRect/>
           <a:stretch>
             <a:fillRect/>
           </a:stretch>
         </a:blipFill>
+        <a:effectLst/>
       </p:bgPr>
     </p:bg>
     <p:spTree>
@@ -1905,7 +1968,9 @@
       <p:sp>
         <p:nvSpPr>
           <p:cNvPr id="156" name="Texto del título"/>
-          <p:cNvSpPr txBox="1"/>
+          <p:cNvSpPr txBox="1">
+            <a:spLocks noGrp="1"/>
+          </p:cNvSpPr>
           <p:nvPr>
             <p:ph type="title"/>
           </p:nvPr>
@@ -1931,7 +1996,6 @@
             </a:lvl1pPr>
           </a:lstStyle>
           <a:p>
-            <a:pPr/>
             <a:r>
               <a:t>Texto del título</a:t>
             </a:r>
@@ -1941,7 +2005,9 @@
       <p:sp>
         <p:nvSpPr>
           <p:cNvPr id="157" name="Número de diapositiva"/>
-          <p:cNvSpPr txBox="1"/>
+          <p:cNvSpPr txBox="1">
+            <a:spLocks noGrp="1"/>
+          </p:cNvSpPr>
           <p:nvPr>
             <p:ph type="sldNum" sz="quarter" idx="2"/>
           </p:nvPr>
@@ -1959,7 +2025,7 @@
           <a:bodyPr anchor="t"/>
           <a:lstStyle>
             <a:lvl1pPr>
-              <a:defRPr b="0" sz="1400">
+              <a:defRPr sz="1400" b="0">
                 <a:solidFill>
                   <a:srgbClr val="000000"/>
                 </a:solidFill>
@@ -1967,8 +2033,10 @@
             </a:lvl1pPr>
           </a:lstStyle>
           <a:p>
-            <a:pPr/>
-            <a:fld id="{86CB4B4D-7CA3-9044-876B-883B54F8677D}" type="slidenum"/>
+            <a:fld id="{86CB4B4D-7CA3-9044-876B-883B54F8677D}" type="slidenum">
+              <a:t>‹Nº›</a:t>
+            </a:fld>
+            <a:endParaRPr/>
           </a:p>
         </p:txBody>
       </p:sp>
@@ -1977,22 +2045,23 @@
   <p:clrMapOvr>
     <a:masterClrMapping/>
   </p:clrMapOvr>
-  <p:transition xmlns:p14="http://schemas.microsoft.com/office/powerpoint/2010/main" spd="med" advClick="1"/>
+  <p:transition spd="med"/>
 </p:sldLayout>
 </file>
 
 <file path=ppt/slideLayouts/slideLayout18.xml><?xml version="1.0" encoding="utf-8"?>
-<p:sldLayout xmlns:a="http://schemas.openxmlformats.org/drawingml/2006/main" xmlns:r="http://schemas.openxmlformats.org/officeDocument/2006/relationships" xmlns:p="http://schemas.openxmlformats.org/presentationml/2006/main" xmlns:m="http://schemas.openxmlformats.org/officeDocument/2006/math" xmlns:a14="http://schemas.microsoft.com/office/drawing/2010/main" type="tx" showMasterSp="1" showMasterPhAnim="1">
+<p:sldLayout xmlns:a="http://schemas.openxmlformats.org/drawingml/2006/main" xmlns:r="http://schemas.openxmlformats.org/officeDocument/2006/relationships" xmlns:p="http://schemas.openxmlformats.org/presentationml/2006/main" type="tx">
   <p:cSld name="Пустой слайд">
     <p:bg>
       <p:bgPr>
         <a:blipFill rotWithShape="1">
           <a:blip r:embed="rId2"/>
-          <a:srcRect l="0" t="0" r="0" b="0"/>
+          <a:srcRect/>
           <a:stretch>
             <a:fillRect/>
           </a:stretch>
         </a:blipFill>
+        <a:effectLst/>
       </p:bgPr>
     </p:bg>
     <p:spTree>
@@ -2012,7 +2081,9 @@
       <p:sp>
         <p:nvSpPr>
           <p:cNvPr id="164" name="Número de diapositiva"/>
-          <p:cNvSpPr txBox="1"/>
+          <p:cNvSpPr txBox="1">
+            <a:spLocks noGrp="1"/>
+          </p:cNvSpPr>
           <p:nvPr>
             <p:ph type="sldNum" sz="quarter" idx="2"/>
           </p:nvPr>
@@ -2030,7 +2101,7 @@
           <a:bodyPr anchor="t"/>
           <a:lstStyle>
             <a:lvl1pPr>
-              <a:defRPr b="0" sz="1400">
+              <a:defRPr sz="1400" b="0">
                 <a:solidFill>
                   <a:srgbClr val="000000"/>
                 </a:solidFill>
@@ -2038,8 +2109,10 @@
             </a:lvl1pPr>
           </a:lstStyle>
           <a:p>
-            <a:pPr/>
-            <a:fld id="{86CB4B4D-7CA3-9044-876B-883B54F8677D}" type="slidenum"/>
+            <a:fld id="{86CB4B4D-7CA3-9044-876B-883B54F8677D}" type="slidenum">
+              <a:t>‹Nº›</a:t>
+            </a:fld>
+            <a:endParaRPr/>
           </a:p>
         </p:txBody>
       </p:sp>
@@ -2048,22 +2121,23 @@
   <p:clrMapOvr>
     <a:masterClrMapping/>
   </p:clrMapOvr>
-  <p:transition xmlns:p14="http://schemas.microsoft.com/office/powerpoint/2010/main" spd="med" advClick="1"/>
+  <p:transition spd="med"/>
 </p:sldLayout>
 </file>
 
 <file path=ppt/slideLayouts/slideLayout19.xml><?xml version="1.0" encoding="utf-8"?>
-<p:sldLayout xmlns:a="http://schemas.openxmlformats.org/drawingml/2006/main" xmlns:r="http://schemas.openxmlformats.org/officeDocument/2006/relationships" xmlns:p="http://schemas.openxmlformats.org/presentationml/2006/main" xmlns:m="http://schemas.openxmlformats.org/officeDocument/2006/math" xmlns:a14="http://schemas.microsoft.com/office/drawing/2010/main" type="tx" showMasterSp="1" showMasterPhAnim="1">
+<p:sldLayout xmlns:a="http://schemas.openxmlformats.org/drawingml/2006/main" xmlns:r="http://schemas.openxmlformats.org/officeDocument/2006/relationships" xmlns:p="http://schemas.openxmlformats.org/presentationml/2006/main" type="tx">
   <p:cSld name="Объект с подписью">
     <p:bg>
       <p:bgPr>
         <a:blipFill rotWithShape="1">
           <a:blip r:embed="rId2"/>
-          <a:srcRect l="0" t="0" r="0" b="0"/>
+          <a:srcRect/>
           <a:stretch>
             <a:fillRect/>
           </a:stretch>
         </a:blipFill>
+        <a:effectLst/>
       </p:bgPr>
     </p:bg>
     <p:spTree>
@@ -2083,7 +2157,9 @@
       <p:sp>
         <p:nvSpPr>
           <p:cNvPr id="171" name="Texto del título"/>
-          <p:cNvSpPr txBox="1"/>
+          <p:cNvSpPr txBox="1">
+            <a:spLocks noGrp="1"/>
+          </p:cNvSpPr>
           <p:nvPr>
             <p:ph type="title"/>
           </p:nvPr>
@@ -2101,7 +2177,7 @@
           <a:bodyPr anchor="b"/>
           <a:lstStyle>
             <a:lvl1pPr>
-              <a:defRPr b="1" sz="2000">
+              <a:defRPr sz="2000" b="1">
                 <a:solidFill>
                   <a:srgbClr val="77D21A"/>
                 </a:solidFill>
@@ -2109,7 +2185,6 @@
             </a:lvl1pPr>
           </a:lstStyle>
           <a:p>
-            <a:pPr/>
             <a:r>
               <a:t>Texto del título</a:t>
             </a:r>
@@ -2119,7 +2194,9 @@
       <p:sp>
         <p:nvSpPr>
           <p:cNvPr id="172" name="Nivel de texto 1…"/>
-          <p:cNvSpPr txBox="1"/>
+          <p:cNvSpPr txBox="1">
+            <a:spLocks noGrp="1"/>
+          </p:cNvSpPr>
           <p:nvPr>
             <p:ph type="body" idx="1"/>
           </p:nvPr>
@@ -2168,7 +2245,6 @@
             </a:lvl5pPr>
           </a:lstStyle>
           <a:p>
-            <a:pPr/>
             <a:r>
               <a:t>Nivel de texto 1</a:t>
             </a:r>
@@ -2202,7 +2278,9 @@
       <p:sp>
         <p:nvSpPr>
           <p:cNvPr id="173" name="Текст 3"/>
-          <p:cNvSpPr/>
+          <p:cNvSpPr>
+            <a:spLocks noGrp="1"/>
+          </p:cNvSpPr>
           <p:nvPr>
             <p:ph type="body" sz="half" idx="13"/>
           </p:nvPr>
@@ -2228,13 +2306,16 @@
               <a:buNone/>
               <a:defRPr sz="1400"/>
             </a:pPr>
+            <a:endParaRPr/>
           </a:p>
         </p:txBody>
       </p:sp>
       <p:sp>
         <p:nvSpPr>
           <p:cNvPr id="174" name="Número de diapositiva"/>
-          <p:cNvSpPr txBox="1"/>
+          <p:cNvSpPr txBox="1">
+            <a:spLocks noGrp="1"/>
+          </p:cNvSpPr>
           <p:nvPr>
             <p:ph type="sldNum" sz="quarter" idx="2"/>
           </p:nvPr>
@@ -2252,7 +2333,7 @@
           <a:bodyPr anchor="t"/>
           <a:lstStyle>
             <a:lvl1pPr>
-              <a:defRPr b="0" sz="1400">
+              <a:defRPr sz="1400" b="0">
                 <a:solidFill>
                   <a:srgbClr val="000000"/>
                 </a:solidFill>
@@ -2260,8 +2341,10 @@
             </a:lvl1pPr>
           </a:lstStyle>
           <a:p>
-            <a:pPr/>
-            <a:fld id="{86CB4B4D-7CA3-9044-876B-883B54F8677D}" type="slidenum"/>
+            <a:fld id="{86CB4B4D-7CA3-9044-876B-883B54F8677D}" type="slidenum">
+              <a:t>‹Nº›</a:t>
+            </a:fld>
+            <a:endParaRPr/>
           </a:p>
         </p:txBody>
       </p:sp>
@@ -2270,12 +2353,12 @@
   <p:clrMapOvr>
     <a:masterClrMapping/>
   </p:clrMapOvr>
-  <p:transition xmlns:p14="http://schemas.microsoft.com/office/powerpoint/2010/main" spd="med" advClick="1"/>
+  <p:transition spd="med"/>
 </p:sldLayout>
 </file>
 
 <file path=ppt/slideLayouts/slideLayout2.xml><?xml version="1.0" encoding="utf-8"?>
-<p:sldLayout xmlns:a="http://schemas.openxmlformats.org/drawingml/2006/main" xmlns:r="http://schemas.openxmlformats.org/officeDocument/2006/relationships" xmlns:p="http://schemas.openxmlformats.org/presentationml/2006/main" xmlns:m="http://schemas.openxmlformats.org/officeDocument/2006/math" xmlns:a14="http://schemas.microsoft.com/office/drawing/2010/main" type="tx" showMasterSp="1" showMasterPhAnim="1">
+<p:sldLayout xmlns:a="http://schemas.openxmlformats.org/drawingml/2006/main" xmlns:r="http://schemas.openxmlformats.org/officeDocument/2006/relationships" xmlns:p="http://schemas.openxmlformats.org/presentationml/2006/main" type="tx">
   <p:cSld name="Заголовок и объект">
     <p:spTree>
       <p:nvGrpSpPr>
@@ -2294,7 +2377,9 @@
       <p:sp>
         <p:nvSpPr>
           <p:cNvPr id="20" name="Texto del título"/>
-          <p:cNvSpPr txBox="1"/>
+          <p:cNvSpPr txBox="1">
+            <a:spLocks noGrp="1"/>
+          </p:cNvSpPr>
           <p:nvPr>
             <p:ph type="title"/>
           </p:nvPr>
@@ -2308,7 +2393,6 @@
           <a:bodyPr/>
           <a:lstStyle/>
           <a:p>
-            <a:pPr/>
             <a:r>
               <a:t>Texto del título</a:t>
             </a:r>
@@ -2318,7 +2402,9 @@
       <p:sp>
         <p:nvSpPr>
           <p:cNvPr id="21" name="Nivel de texto 1…"/>
-          <p:cNvSpPr txBox="1"/>
+          <p:cNvSpPr txBox="1">
+            <a:spLocks noGrp="1"/>
+          </p:cNvSpPr>
           <p:nvPr>
             <p:ph type="body" idx="1"/>
           </p:nvPr>
@@ -2332,7 +2418,6 @@
           <a:bodyPr/>
           <a:lstStyle/>
           <a:p>
-            <a:pPr/>
             <a:r>
               <a:t>Nivel de texto 1</a:t>
             </a:r>
@@ -2366,7 +2451,9 @@
       <p:sp>
         <p:nvSpPr>
           <p:cNvPr id="22" name="Número de diapositiva"/>
-          <p:cNvSpPr txBox="1"/>
+          <p:cNvSpPr txBox="1">
+            <a:spLocks noGrp="1"/>
+          </p:cNvSpPr>
           <p:nvPr>
             <p:ph type="sldNum" sz="quarter" idx="2"/>
           </p:nvPr>
@@ -2380,8 +2467,10 @@
           <a:bodyPr/>
           <a:lstStyle/>
           <a:p>
-            <a:pPr/>
-            <a:fld id="{86CB4B4D-7CA3-9044-876B-883B54F8677D}" type="slidenum"/>
+            <a:fld id="{86CB4B4D-7CA3-9044-876B-883B54F8677D}" type="slidenum">
+              <a:t>‹Nº›</a:t>
+            </a:fld>
+            <a:endParaRPr/>
           </a:p>
         </p:txBody>
       </p:sp>
@@ -2390,22 +2479,23 @@
   <p:clrMapOvr>
     <a:masterClrMapping/>
   </p:clrMapOvr>
-  <p:transition xmlns:p14="http://schemas.microsoft.com/office/powerpoint/2010/main" spd="med" advClick="1"/>
+  <p:transition spd="med"/>
 </p:sldLayout>
 </file>
 
 <file path=ppt/slideLayouts/slideLayout20.xml><?xml version="1.0" encoding="utf-8"?>
-<p:sldLayout xmlns:a="http://schemas.openxmlformats.org/drawingml/2006/main" xmlns:r="http://schemas.openxmlformats.org/officeDocument/2006/relationships" xmlns:p="http://schemas.openxmlformats.org/presentationml/2006/main" xmlns:m="http://schemas.openxmlformats.org/officeDocument/2006/math" xmlns:a14="http://schemas.microsoft.com/office/drawing/2010/main" type="tx" showMasterSp="1" showMasterPhAnim="1">
+<p:sldLayout xmlns:a="http://schemas.openxmlformats.org/drawingml/2006/main" xmlns:r="http://schemas.openxmlformats.org/officeDocument/2006/relationships" xmlns:p="http://schemas.openxmlformats.org/presentationml/2006/main" type="tx">
   <p:cSld name="Рисунок с подписью">
     <p:bg>
       <p:bgPr>
         <a:blipFill rotWithShape="1">
           <a:blip r:embed="rId2"/>
-          <a:srcRect l="0" t="0" r="0" b="0"/>
+          <a:srcRect/>
           <a:stretch>
             <a:fillRect/>
           </a:stretch>
         </a:blipFill>
+        <a:effectLst/>
       </p:bgPr>
     </p:bg>
     <p:spTree>
@@ -2425,7 +2515,9 @@
       <p:sp>
         <p:nvSpPr>
           <p:cNvPr id="181" name="Texto del título"/>
-          <p:cNvSpPr txBox="1"/>
+          <p:cNvSpPr txBox="1">
+            <a:spLocks noGrp="1"/>
+          </p:cNvSpPr>
           <p:nvPr>
             <p:ph type="title"/>
           </p:nvPr>
@@ -2443,7 +2535,7 @@
           <a:bodyPr anchor="b"/>
           <a:lstStyle>
             <a:lvl1pPr>
-              <a:defRPr b="1" sz="2000">
+              <a:defRPr sz="2000" b="1">
                 <a:solidFill>
                   <a:srgbClr val="77D21A"/>
                 </a:solidFill>
@@ -2451,7 +2543,6 @@
             </a:lvl1pPr>
           </a:lstStyle>
           <a:p>
-            <a:pPr/>
             <a:r>
               <a:t>Texto del título</a:t>
             </a:r>
@@ -2461,7 +2552,9 @@
       <p:sp>
         <p:nvSpPr>
           <p:cNvPr id="182" name="Рисунок 2"/>
-          <p:cNvSpPr/>
+          <p:cNvSpPr>
+            <a:spLocks noGrp="1"/>
+          </p:cNvSpPr>
           <p:nvPr>
             <p:ph type="pic" sz="half" idx="13"/>
           </p:nvPr>
@@ -2481,14 +2574,16 @@
           </a:bodyPr>
           <a:lstStyle/>
           <a:p>
-            <a:pPr/>
+            <a:endParaRPr/>
           </a:p>
         </p:txBody>
       </p:sp>
       <p:sp>
         <p:nvSpPr>
           <p:cNvPr id="183" name="Nivel de texto 1…"/>
-          <p:cNvSpPr txBox="1"/>
+          <p:cNvSpPr txBox="1">
+            <a:spLocks noGrp="1"/>
+          </p:cNvSpPr>
           <p:nvPr>
             <p:ph type="body" sz="quarter" idx="1"/>
           </p:nvPr>
@@ -2547,7 +2642,6 @@
             </a:lvl5pPr>
           </a:lstStyle>
           <a:p>
-            <a:pPr/>
             <a:r>
               <a:t>Nivel de texto 1</a:t>
             </a:r>
@@ -2581,7 +2675,9 @@
       <p:sp>
         <p:nvSpPr>
           <p:cNvPr id="184" name="Número de diapositiva"/>
-          <p:cNvSpPr txBox="1"/>
+          <p:cNvSpPr txBox="1">
+            <a:spLocks noGrp="1"/>
+          </p:cNvSpPr>
           <p:nvPr>
             <p:ph type="sldNum" sz="quarter" idx="2"/>
           </p:nvPr>
@@ -2599,7 +2695,7 @@
           <a:bodyPr anchor="t"/>
           <a:lstStyle>
             <a:lvl1pPr>
-              <a:defRPr b="0" sz="1400">
+              <a:defRPr sz="1400" b="0">
                 <a:solidFill>
                   <a:srgbClr val="000000"/>
                 </a:solidFill>
@@ -2607,8 +2703,10 @@
             </a:lvl1pPr>
           </a:lstStyle>
           <a:p>
-            <a:pPr/>
-            <a:fld id="{86CB4B4D-7CA3-9044-876B-883B54F8677D}" type="slidenum"/>
+            <a:fld id="{86CB4B4D-7CA3-9044-876B-883B54F8677D}" type="slidenum">
+              <a:t>‹Nº›</a:t>
+            </a:fld>
+            <a:endParaRPr/>
           </a:p>
         </p:txBody>
       </p:sp>
@@ -2617,22 +2715,23 @@
   <p:clrMapOvr>
     <a:masterClrMapping/>
   </p:clrMapOvr>
-  <p:transition xmlns:p14="http://schemas.microsoft.com/office/powerpoint/2010/main" spd="med" advClick="1"/>
+  <p:transition spd="med"/>
 </p:sldLayout>
 </file>
 
 <file path=ppt/slideLayouts/slideLayout21.xml><?xml version="1.0" encoding="utf-8"?>
-<p:sldLayout xmlns:a="http://schemas.openxmlformats.org/drawingml/2006/main" xmlns:r="http://schemas.openxmlformats.org/officeDocument/2006/relationships" xmlns:p="http://schemas.openxmlformats.org/presentationml/2006/main" xmlns:m="http://schemas.openxmlformats.org/officeDocument/2006/math" xmlns:a14="http://schemas.microsoft.com/office/drawing/2010/main" type="tx" showMasterSp="1" showMasterPhAnim="1">
+<p:sldLayout xmlns:a="http://schemas.openxmlformats.org/drawingml/2006/main" xmlns:r="http://schemas.openxmlformats.org/officeDocument/2006/relationships" xmlns:p="http://schemas.openxmlformats.org/presentationml/2006/main" type="tx">
   <p:cSld name="Заголовок и вертикальный текст">
     <p:bg>
       <p:bgPr>
         <a:blipFill rotWithShape="1">
           <a:blip r:embed="rId2"/>
-          <a:srcRect l="0" t="0" r="0" b="0"/>
+          <a:srcRect/>
           <a:stretch>
             <a:fillRect/>
           </a:stretch>
         </a:blipFill>
+        <a:effectLst/>
       </p:bgPr>
     </p:bg>
     <p:spTree>
@@ -2652,7 +2751,9 @@
       <p:sp>
         <p:nvSpPr>
           <p:cNvPr id="191" name="Texto del título"/>
-          <p:cNvSpPr txBox="1"/>
+          <p:cNvSpPr txBox="1">
+            <a:spLocks noGrp="1"/>
+          </p:cNvSpPr>
           <p:nvPr>
             <p:ph type="title"/>
           </p:nvPr>
@@ -2678,7 +2779,6 @@
             </a:lvl1pPr>
           </a:lstStyle>
           <a:p>
-            <a:pPr/>
             <a:r>
               <a:t>Texto del título</a:t>
             </a:r>
@@ -2688,7 +2788,9 @@
       <p:sp>
         <p:nvSpPr>
           <p:cNvPr id="192" name="Nivel de texto 1…"/>
-          <p:cNvSpPr txBox="1"/>
+          <p:cNvSpPr txBox="1">
+            <a:spLocks noGrp="1"/>
+          </p:cNvSpPr>
           <p:nvPr>
             <p:ph type="body" idx="1"/>
           </p:nvPr>
@@ -2706,7 +2808,6 @@
           <a:bodyPr/>
           <a:lstStyle/>
           <a:p>
-            <a:pPr/>
             <a:r>
               <a:t>Nivel de texto 1</a:t>
             </a:r>
@@ -2740,7 +2841,9 @@
       <p:sp>
         <p:nvSpPr>
           <p:cNvPr id="193" name="Número de diapositiva"/>
-          <p:cNvSpPr txBox="1"/>
+          <p:cNvSpPr txBox="1">
+            <a:spLocks noGrp="1"/>
+          </p:cNvSpPr>
           <p:nvPr>
             <p:ph type="sldNum" sz="quarter" idx="2"/>
           </p:nvPr>
@@ -2758,7 +2861,7 @@
           <a:bodyPr anchor="t"/>
           <a:lstStyle>
             <a:lvl1pPr>
-              <a:defRPr b="0" sz="1400">
+              <a:defRPr sz="1400" b="0">
                 <a:solidFill>
                   <a:srgbClr val="000000"/>
                 </a:solidFill>
@@ -2766,8 +2869,10 @@
             </a:lvl1pPr>
           </a:lstStyle>
           <a:p>
-            <a:pPr/>
-            <a:fld id="{86CB4B4D-7CA3-9044-876B-883B54F8677D}" type="slidenum"/>
+            <a:fld id="{86CB4B4D-7CA3-9044-876B-883B54F8677D}" type="slidenum">
+              <a:t>‹Nº›</a:t>
+            </a:fld>
+            <a:endParaRPr/>
           </a:p>
         </p:txBody>
       </p:sp>
@@ -2776,22 +2881,23 @@
   <p:clrMapOvr>
     <a:masterClrMapping/>
   </p:clrMapOvr>
-  <p:transition xmlns:p14="http://schemas.microsoft.com/office/powerpoint/2010/main" spd="med" advClick="1"/>
+  <p:transition spd="med"/>
 </p:sldLayout>
 </file>
 
 <file path=ppt/slideLayouts/slideLayout22.xml><?xml version="1.0" encoding="utf-8"?>
-<p:sldLayout xmlns:a="http://schemas.openxmlformats.org/drawingml/2006/main" xmlns:r="http://schemas.openxmlformats.org/officeDocument/2006/relationships" xmlns:p="http://schemas.openxmlformats.org/presentationml/2006/main" xmlns:m="http://schemas.openxmlformats.org/officeDocument/2006/math" xmlns:a14="http://schemas.microsoft.com/office/drawing/2010/main" type="tx" showMasterSp="1" showMasterPhAnim="1">
+<p:sldLayout xmlns:a="http://schemas.openxmlformats.org/drawingml/2006/main" xmlns:r="http://schemas.openxmlformats.org/officeDocument/2006/relationships" xmlns:p="http://schemas.openxmlformats.org/presentationml/2006/main" type="tx">
   <p:cSld name="Вертикальный заголовок и текст">
     <p:bg>
       <p:bgPr>
         <a:blipFill rotWithShape="1">
           <a:blip r:embed="rId2"/>
-          <a:srcRect l="0" t="0" r="0" b="0"/>
+          <a:srcRect/>
           <a:stretch>
             <a:fillRect/>
           </a:stretch>
         </a:blipFill>
+        <a:effectLst/>
       </p:bgPr>
     </p:bg>
     <p:spTree>
@@ -2811,7 +2917,9 @@
       <p:sp>
         <p:nvSpPr>
           <p:cNvPr id="200" name="Texto del título"/>
-          <p:cNvSpPr txBox="1"/>
+          <p:cNvSpPr txBox="1">
+            <a:spLocks noGrp="1"/>
+          </p:cNvSpPr>
           <p:nvPr>
             <p:ph type="title"/>
           </p:nvPr>
@@ -2837,7 +2945,6 @@
             </a:lvl1pPr>
           </a:lstStyle>
           <a:p>
-            <a:pPr/>
             <a:r>
               <a:t>Texto del título</a:t>
             </a:r>
@@ -2847,7 +2954,9 @@
       <p:sp>
         <p:nvSpPr>
           <p:cNvPr id="201" name="Nivel de texto 1…"/>
-          <p:cNvSpPr txBox="1"/>
+          <p:cNvSpPr txBox="1">
+            <a:spLocks noGrp="1"/>
+          </p:cNvSpPr>
           <p:nvPr>
             <p:ph type="body" idx="1"/>
           </p:nvPr>
@@ -2865,7 +2974,6 @@
           <a:bodyPr/>
           <a:lstStyle/>
           <a:p>
-            <a:pPr/>
             <a:r>
               <a:t>Nivel de texto 1</a:t>
             </a:r>
@@ -2899,7 +3007,9 @@
       <p:sp>
         <p:nvSpPr>
           <p:cNvPr id="202" name="Número de diapositiva"/>
-          <p:cNvSpPr txBox="1"/>
+          <p:cNvSpPr txBox="1">
+            <a:spLocks noGrp="1"/>
+          </p:cNvSpPr>
           <p:nvPr>
             <p:ph type="sldNum" sz="quarter" idx="2"/>
           </p:nvPr>
@@ -2917,7 +3027,7 @@
           <a:bodyPr anchor="t"/>
           <a:lstStyle>
             <a:lvl1pPr>
-              <a:defRPr b="0" sz="1400">
+              <a:defRPr sz="1400" b="0">
                 <a:solidFill>
                   <a:srgbClr val="000000"/>
                 </a:solidFill>
@@ -2925,8 +3035,10 @@
             </a:lvl1pPr>
           </a:lstStyle>
           <a:p>
-            <a:pPr/>
-            <a:fld id="{86CB4B4D-7CA3-9044-876B-883B54F8677D}" type="slidenum"/>
+            <a:fld id="{86CB4B4D-7CA3-9044-876B-883B54F8677D}" type="slidenum">
+              <a:t>‹Nº›</a:t>
+            </a:fld>
+            <a:endParaRPr/>
           </a:p>
         </p:txBody>
       </p:sp>
@@ -2935,22 +3047,23 @@
   <p:clrMapOvr>
     <a:masterClrMapping/>
   </p:clrMapOvr>
-  <p:transition xmlns:p14="http://schemas.microsoft.com/office/powerpoint/2010/main" spd="med" advClick="1"/>
+  <p:transition spd="med"/>
 </p:sldLayout>
 </file>
 
 <file path=ppt/slideLayouts/slideLayout23.xml><?xml version="1.0" encoding="utf-8"?>
-<p:sldLayout xmlns:a="http://schemas.openxmlformats.org/drawingml/2006/main" xmlns:r="http://schemas.openxmlformats.org/officeDocument/2006/relationships" xmlns:p="http://schemas.openxmlformats.org/presentationml/2006/main" xmlns:m="http://schemas.openxmlformats.org/officeDocument/2006/math" xmlns:a14="http://schemas.microsoft.com/office/drawing/2010/main" type="tx" showMasterSp="1" showMasterPhAnim="1">
+<p:sldLayout xmlns:a="http://schemas.openxmlformats.org/drawingml/2006/main" xmlns:r="http://schemas.openxmlformats.org/officeDocument/2006/relationships" xmlns:p="http://schemas.openxmlformats.org/presentationml/2006/main" type="tx">
   <p:cSld name="Титульный слайд">
     <p:bg>
       <p:bgPr>
         <a:blipFill rotWithShape="1">
           <a:blip r:embed="rId2"/>
-          <a:srcRect l="0" t="0" r="0" b="0"/>
+          <a:srcRect/>
           <a:stretch>
             <a:fillRect/>
           </a:stretch>
         </a:blipFill>
+        <a:effectLst/>
       </p:bgPr>
     </p:bg>
     <p:spTree>
@@ -2970,7 +3083,9 @@
       <p:sp>
         <p:nvSpPr>
           <p:cNvPr id="209" name="Texto del título"/>
-          <p:cNvSpPr txBox="1"/>
+          <p:cNvSpPr txBox="1">
+            <a:spLocks noGrp="1"/>
+          </p:cNvSpPr>
           <p:nvPr>
             <p:ph type="title"/>
           </p:nvPr>
@@ -2984,7 +3099,7 @@
             <a:avLst/>
           </a:prstGeom>
           <a:effectLst>
-            <a:outerShdw sx="100000" sy="100000" kx="0" ky="0" algn="b" rotWithShape="0" blurRad="0" dist="17961" dir="2700000">
+            <a:outerShdw dist="17961" dir="2700000" rotWithShape="0">
               <a:srgbClr val="9B6902"/>
             </a:outerShdw>
           </a:effectLst>
@@ -2993,7 +3108,6 @@
           <a:bodyPr lIns="45699" tIns="45699" rIns="45699" bIns="45699"/>
           <a:lstStyle/>
           <a:p>
-            <a:pPr/>
             <a:r>
               <a:t>Texto del título</a:t>
             </a:r>
@@ -3003,7 +3117,9 @@
       <p:sp>
         <p:nvSpPr>
           <p:cNvPr id="210" name="Nivel de texto 1…"/>
-          <p:cNvSpPr txBox="1"/>
+          <p:cNvSpPr txBox="1">
+            <a:spLocks noGrp="1"/>
+          </p:cNvSpPr>
           <p:nvPr>
             <p:ph type="body" sz="quarter" idx="1"/>
           </p:nvPr>
@@ -3017,7 +3133,7 @@
             <a:avLst/>
           </a:prstGeom>
           <a:effectLst>
-            <a:outerShdw sx="100000" sy="100000" kx="0" ky="0" algn="b" rotWithShape="0" blurRad="0" dist="17961" dir="2700000">
+            <a:outerShdw dist="17961" dir="2700000" rotWithShape="0">
               <a:srgbClr val="9B6902"/>
             </a:outerShdw>
           </a:effectLst>
@@ -3068,7 +3184,6 @@
             </a:lvl5pPr>
           </a:lstStyle>
           <a:p>
-            <a:pPr/>
             <a:r>
               <a:t>Nivel de texto 1</a:t>
             </a:r>
@@ -3102,7 +3217,9 @@
       <p:sp>
         <p:nvSpPr>
           <p:cNvPr id="211" name="Número de diapositiva"/>
-          <p:cNvSpPr txBox="1"/>
+          <p:cNvSpPr txBox="1">
+            <a:spLocks noGrp="1"/>
+          </p:cNvSpPr>
           <p:nvPr>
             <p:ph type="sldNum" sz="quarter" idx="2"/>
           </p:nvPr>
@@ -3116,8 +3233,10 @@
           <a:bodyPr/>
           <a:lstStyle/>
           <a:p>
-            <a:pPr/>
-            <a:fld id="{86CB4B4D-7CA3-9044-876B-883B54F8677D}" type="slidenum"/>
+            <a:fld id="{86CB4B4D-7CA3-9044-876B-883B54F8677D}" type="slidenum">
+              <a:t>‹Nº›</a:t>
+            </a:fld>
+            <a:endParaRPr/>
           </a:p>
         </p:txBody>
       </p:sp>
@@ -3126,12 +3245,12 @@
   <p:clrMapOvr>
     <a:masterClrMapping/>
   </p:clrMapOvr>
-  <p:transition xmlns:p14="http://schemas.microsoft.com/office/powerpoint/2010/main" spd="med" advClick="1"/>
+  <p:transition spd="med"/>
 </p:sldLayout>
 </file>
 
 <file path=ppt/slideLayouts/slideLayout24.xml><?xml version="1.0" encoding="utf-8"?>
-<p:sldLayout xmlns:a="http://schemas.openxmlformats.org/drawingml/2006/main" xmlns:r="http://schemas.openxmlformats.org/officeDocument/2006/relationships" xmlns:p="http://schemas.openxmlformats.org/presentationml/2006/main" xmlns:m="http://schemas.openxmlformats.org/officeDocument/2006/math" xmlns:a14="http://schemas.microsoft.com/office/drawing/2010/main" type="tx" showMasterSp="1" showMasterPhAnim="1">
+<p:sldLayout xmlns:a="http://schemas.openxmlformats.org/drawingml/2006/main" xmlns:r="http://schemas.openxmlformats.org/officeDocument/2006/relationships" xmlns:p="http://schemas.openxmlformats.org/presentationml/2006/main" type="tx">
   <p:cSld name="Заголовок и объект">
     <p:spTree>
       <p:nvGrpSpPr>
@@ -3150,7 +3269,9 @@
       <p:sp>
         <p:nvSpPr>
           <p:cNvPr id="218" name="Texto del título"/>
-          <p:cNvSpPr txBox="1"/>
+          <p:cNvSpPr txBox="1">
+            <a:spLocks noGrp="1"/>
+          </p:cNvSpPr>
           <p:nvPr>
             <p:ph type="title"/>
           </p:nvPr>
@@ -3168,7 +3289,6 @@
           <a:bodyPr lIns="45699" tIns="45699" rIns="45699" bIns="45699"/>
           <a:lstStyle/>
           <a:p>
-            <a:pPr/>
             <a:r>
               <a:t>Texto del título</a:t>
             </a:r>
@@ -3178,7 +3298,9 @@
       <p:sp>
         <p:nvSpPr>
           <p:cNvPr id="219" name="Nivel de texto 1…"/>
-          <p:cNvSpPr txBox="1"/>
+          <p:cNvSpPr txBox="1">
+            <a:spLocks noGrp="1"/>
+          </p:cNvSpPr>
           <p:nvPr>
             <p:ph type="body" idx="1"/>
           </p:nvPr>
@@ -3247,7 +3369,6 @@
             </a:lvl5pPr>
           </a:lstStyle>
           <a:p>
-            <a:pPr/>
             <a:r>
               <a:t>Nivel de texto 1</a:t>
             </a:r>
@@ -3281,7 +3402,9 @@
       <p:sp>
         <p:nvSpPr>
           <p:cNvPr id="220" name="Número de diapositiva"/>
-          <p:cNvSpPr txBox="1"/>
+          <p:cNvSpPr txBox="1">
+            <a:spLocks noGrp="1"/>
+          </p:cNvSpPr>
           <p:nvPr>
             <p:ph type="sldNum" sz="quarter" idx="2"/>
           </p:nvPr>
@@ -3295,8 +3418,10 @@
           <a:bodyPr/>
           <a:lstStyle/>
           <a:p>
-            <a:pPr/>
-            <a:fld id="{86CB4B4D-7CA3-9044-876B-883B54F8677D}" type="slidenum"/>
+            <a:fld id="{86CB4B4D-7CA3-9044-876B-883B54F8677D}" type="slidenum">
+              <a:t>‹Nº›</a:t>
+            </a:fld>
+            <a:endParaRPr/>
           </a:p>
         </p:txBody>
       </p:sp>
@@ -3305,12 +3430,12 @@
   <p:clrMapOvr>
     <a:masterClrMapping/>
   </p:clrMapOvr>
-  <p:transition xmlns:p14="http://schemas.microsoft.com/office/powerpoint/2010/main" spd="med" advClick="1"/>
+  <p:transition spd="med"/>
 </p:sldLayout>
 </file>
 
 <file path=ppt/slideLayouts/slideLayout25.xml><?xml version="1.0" encoding="utf-8"?>
-<p:sldLayout xmlns:a="http://schemas.openxmlformats.org/drawingml/2006/main" xmlns:r="http://schemas.openxmlformats.org/officeDocument/2006/relationships" xmlns:p="http://schemas.openxmlformats.org/presentationml/2006/main" xmlns:m="http://schemas.openxmlformats.org/officeDocument/2006/math" xmlns:a14="http://schemas.microsoft.com/office/drawing/2010/main" type="tx" showMasterSp="1" showMasterPhAnim="1">
+<p:sldLayout xmlns:a="http://schemas.openxmlformats.org/drawingml/2006/main" xmlns:r="http://schemas.openxmlformats.org/officeDocument/2006/relationships" xmlns:p="http://schemas.openxmlformats.org/presentationml/2006/main" type="tx">
   <p:cSld name="Заголовок раздела">
     <p:spTree>
       <p:nvGrpSpPr>
@@ -3329,7 +3454,9 @@
       <p:sp>
         <p:nvSpPr>
           <p:cNvPr id="227" name="Texto del título"/>
-          <p:cNvSpPr txBox="1"/>
+          <p:cNvSpPr txBox="1">
+            <a:spLocks noGrp="1"/>
+          </p:cNvSpPr>
           <p:nvPr>
             <p:ph type="title"/>
           </p:nvPr>
@@ -3347,11 +3474,10 @@
           <a:bodyPr lIns="45699" tIns="45699" rIns="45699" bIns="45699" anchor="t"/>
           <a:lstStyle>
             <a:lvl1pPr>
-              <a:defRPr b="1" sz="4000"/>
+              <a:defRPr sz="4000" b="1"/>
             </a:lvl1pPr>
           </a:lstStyle>
           <a:p>
-            <a:pPr/>
             <a:r>
               <a:t>Texto del título</a:t>
             </a:r>
@@ -3361,7 +3487,9 @@
       <p:sp>
         <p:nvSpPr>
           <p:cNvPr id="228" name="Nivel de texto 1…"/>
-          <p:cNvSpPr txBox="1"/>
+          <p:cNvSpPr txBox="1">
+            <a:spLocks noGrp="1"/>
+          </p:cNvSpPr>
           <p:nvPr>
             <p:ph type="body" sz="quarter" idx="1"/>
           </p:nvPr>
@@ -3400,7 +3528,6 @@
             </a:lvl5pPr>
           </a:lstStyle>
           <a:p>
-            <a:pPr/>
             <a:r>
               <a:t>Nivel de texto 1</a:t>
             </a:r>
@@ -3434,7 +3561,9 @@
       <p:sp>
         <p:nvSpPr>
           <p:cNvPr id="229" name="Número de diapositiva"/>
-          <p:cNvSpPr txBox="1"/>
+          <p:cNvSpPr txBox="1">
+            <a:spLocks noGrp="1"/>
+          </p:cNvSpPr>
           <p:nvPr>
             <p:ph type="sldNum" sz="quarter" idx="2"/>
           </p:nvPr>
@@ -3448,8 +3577,10 @@
           <a:bodyPr/>
           <a:lstStyle/>
           <a:p>
-            <a:pPr/>
-            <a:fld id="{86CB4B4D-7CA3-9044-876B-883B54F8677D}" type="slidenum"/>
+            <a:fld id="{86CB4B4D-7CA3-9044-876B-883B54F8677D}" type="slidenum">
+              <a:t>‹Nº›</a:t>
+            </a:fld>
+            <a:endParaRPr/>
           </a:p>
         </p:txBody>
       </p:sp>
@@ -3458,12 +3589,12 @@
   <p:clrMapOvr>
     <a:masterClrMapping/>
   </p:clrMapOvr>
-  <p:transition xmlns:p14="http://schemas.microsoft.com/office/powerpoint/2010/main" spd="med" advClick="1"/>
+  <p:transition spd="med"/>
 </p:sldLayout>
 </file>
 
 <file path=ppt/slideLayouts/slideLayout26.xml><?xml version="1.0" encoding="utf-8"?>
-<p:sldLayout xmlns:a="http://schemas.openxmlformats.org/drawingml/2006/main" xmlns:r="http://schemas.openxmlformats.org/officeDocument/2006/relationships" xmlns:p="http://schemas.openxmlformats.org/presentationml/2006/main" xmlns:m="http://schemas.openxmlformats.org/officeDocument/2006/math" xmlns:a14="http://schemas.microsoft.com/office/drawing/2010/main" type="tx" showMasterSp="1" showMasterPhAnim="1">
+<p:sldLayout xmlns:a="http://schemas.openxmlformats.org/drawingml/2006/main" xmlns:r="http://schemas.openxmlformats.org/officeDocument/2006/relationships" xmlns:p="http://schemas.openxmlformats.org/presentationml/2006/main" type="tx">
   <p:cSld name="Два объекта">
     <p:spTree>
       <p:nvGrpSpPr>
@@ -3482,7 +3613,9 @@
       <p:sp>
         <p:nvSpPr>
           <p:cNvPr id="236" name="Texto del título"/>
-          <p:cNvSpPr txBox="1"/>
+          <p:cNvSpPr txBox="1">
+            <a:spLocks noGrp="1"/>
+          </p:cNvSpPr>
           <p:nvPr>
             <p:ph type="title"/>
           </p:nvPr>
@@ -3500,7 +3633,6 @@
           <a:bodyPr lIns="45699" tIns="45699" rIns="45699" bIns="45699"/>
           <a:lstStyle/>
           <a:p>
-            <a:pPr/>
             <a:r>
               <a:t>Texto del título</a:t>
             </a:r>
@@ -3510,7 +3642,9 @@
       <p:sp>
         <p:nvSpPr>
           <p:cNvPr id="237" name="Nivel de texto 1…"/>
-          <p:cNvSpPr txBox="1"/>
+          <p:cNvSpPr txBox="1">
+            <a:spLocks noGrp="1"/>
+          </p:cNvSpPr>
           <p:nvPr>
             <p:ph type="body" sz="half" idx="1"/>
           </p:nvPr>
@@ -3584,7 +3718,6 @@
             </a:lvl5pPr>
           </a:lstStyle>
           <a:p>
-            <a:pPr/>
             <a:r>
               <a:t>Nivel de texto 1</a:t>
             </a:r>
@@ -3618,7 +3751,9 @@
       <p:sp>
         <p:nvSpPr>
           <p:cNvPr id="238" name="Google Shape;20;p5"/>
-          <p:cNvSpPr txBox="1"/>
+          <p:cNvSpPr txBox="1">
+            <a:spLocks noGrp="1"/>
+          </p:cNvSpPr>
           <p:nvPr>
             <p:ph type="body" sz="half" idx="13"/>
           </p:nvPr>
@@ -3647,13 +3782,16 @@
               <a:buFont typeface="Helvetica"/>
               <a:defRPr sz="2800"/>
             </a:pPr>
+            <a:endParaRPr/>
           </a:p>
         </p:txBody>
       </p:sp>
       <p:sp>
         <p:nvSpPr>
           <p:cNvPr id="239" name="Número de diapositiva"/>
-          <p:cNvSpPr txBox="1"/>
+          <p:cNvSpPr txBox="1">
+            <a:spLocks noGrp="1"/>
+          </p:cNvSpPr>
           <p:nvPr>
             <p:ph type="sldNum" sz="quarter" idx="2"/>
           </p:nvPr>
@@ -3667,8 +3805,10 @@
           <a:bodyPr/>
           <a:lstStyle/>
           <a:p>
-            <a:pPr/>
-            <a:fld id="{86CB4B4D-7CA3-9044-876B-883B54F8677D}" type="slidenum"/>
+            <a:fld id="{86CB4B4D-7CA3-9044-876B-883B54F8677D}" type="slidenum">
+              <a:t>‹Nº›</a:t>
+            </a:fld>
+            <a:endParaRPr/>
           </a:p>
         </p:txBody>
       </p:sp>
@@ -3677,12 +3817,12 @@
   <p:clrMapOvr>
     <a:masterClrMapping/>
   </p:clrMapOvr>
-  <p:transition xmlns:p14="http://schemas.microsoft.com/office/powerpoint/2010/main" spd="med" advClick="1"/>
+  <p:transition spd="med"/>
 </p:sldLayout>
 </file>
 
 <file path=ppt/slideLayouts/slideLayout27.xml><?xml version="1.0" encoding="utf-8"?>
-<p:sldLayout xmlns:a="http://schemas.openxmlformats.org/drawingml/2006/main" xmlns:r="http://schemas.openxmlformats.org/officeDocument/2006/relationships" xmlns:p="http://schemas.openxmlformats.org/presentationml/2006/main" xmlns:m="http://schemas.openxmlformats.org/officeDocument/2006/math" xmlns:a14="http://schemas.microsoft.com/office/drawing/2010/main" type="tx" showMasterSp="1" showMasterPhAnim="1">
+<p:sldLayout xmlns:a="http://schemas.openxmlformats.org/drawingml/2006/main" xmlns:r="http://schemas.openxmlformats.org/officeDocument/2006/relationships" xmlns:p="http://schemas.openxmlformats.org/presentationml/2006/main" type="tx">
   <p:cSld name="Сравнение">
     <p:spTree>
       <p:nvGrpSpPr>
@@ -3701,7 +3841,9 @@
       <p:sp>
         <p:nvSpPr>
           <p:cNvPr id="246" name="Texto del título"/>
-          <p:cNvSpPr txBox="1"/>
+          <p:cNvSpPr txBox="1">
+            <a:spLocks noGrp="1"/>
+          </p:cNvSpPr>
           <p:nvPr>
             <p:ph type="title"/>
           </p:nvPr>
@@ -3719,7 +3861,6 @@
           <a:bodyPr lIns="45699" tIns="45699" rIns="45699" bIns="45699"/>
           <a:lstStyle/>
           <a:p>
-            <a:pPr/>
             <a:r>
               <a:t>Texto del título</a:t>
             </a:r>
@@ -3729,7 +3870,9 @@
       <p:sp>
         <p:nvSpPr>
           <p:cNvPr id="247" name="Nivel de texto 1…"/>
-          <p:cNvSpPr txBox="1"/>
+          <p:cNvSpPr txBox="1">
+            <a:spLocks noGrp="1"/>
+          </p:cNvSpPr>
           <p:nvPr>
             <p:ph type="body" sz="quarter" idx="1"/>
           </p:nvPr>
@@ -3749,31 +3892,30 @@
             <a:lvl1pPr marL="228600" indent="0">
               <a:buSzTx/>
               <a:buNone/>
-              <a:defRPr b="1" sz="2400"/>
+              <a:defRPr sz="2400" b="1"/>
             </a:lvl1pPr>
             <a:lvl2pPr marL="228600" indent="457200">
               <a:buSzTx/>
               <a:buNone/>
-              <a:defRPr b="1" sz="2400"/>
+              <a:defRPr sz="2400" b="1"/>
             </a:lvl2pPr>
             <a:lvl3pPr marL="228600" indent="914400">
               <a:buSzTx/>
               <a:buNone/>
-              <a:defRPr b="1" sz="2400"/>
+              <a:defRPr sz="2400" b="1"/>
             </a:lvl3pPr>
             <a:lvl4pPr marL="228600" indent="1371600">
               <a:buSzTx/>
               <a:buNone/>
-              <a:defRPr b="1" sz="2400"/>
+              <a:defRPr sz="2400" b="1"/>
             </a:lvl4pPr>
             <a:lvl5pPr marL="228600" indent="1828800">
               <a:buSzTx/>
               <a:buNone/>
-              <a:defRPr b="1" sz="2400"/>
+              <a:defRPr sz="2400" b="1"/>
             </a:lvl5pPr>
           </a:lstStyle>
           <a:p>
-            <a:pPr/>
             <a:r>
               <a:t>Nivel de texto 1</a:t>
             </a:r>
@@ -3807,7 +3949,9 @@
       <p:sp>
         <p:nvSpPr>
           <p:cNvPr id="248" name="Google Shape;24;p6"/>
-          <p:cNvSpPr txBox="1"/>
+          <p:cNvSpPr txBox="1">
+            <a:spLocks noGrp="1"/>
+          </p:cNvSpPr>
           <p:nvPr>
             <p:ph type="body" sz="half" idx="13"/>
           </p:nvPr>
@@ -3833,13 +3977,16 @@
               <a:buFont typeface="Helvetica"/>
               <a:defRPr sz="2400"/>
             </a:pPr>
+            <a:endParaRPr/>
           </a:p>
         </p:txBody>
       </p:sp>
       <p:sp>
         <p:nvSpPr>
           <p:cNvPr id="249" name="Google Shape;25;p6"/>
-          <p:cNvSpPr txBox="1"/>
+          <p:cNvSpPr txBox="1">
+            <a:spLocks noGrp="1"/>
+          </p:cNvSpPr>
           <p:nvPr>
             <p:ph type="body" sz="quarter" idx="14"/>
           </p:nvPr>
@@ -3860,15 +4007,18 @@
             <a:pPr marL="228600" indent="0">
               <a:buSzTx/>
               <a:buNone/>
-              <a:defRPr b="1" sz="2400"/>
+              <a:defRPr sz="2400" b="1"/>
             </a:pPr>
+            <a:endParaRPr/>
           </a:p>
         </p:txBody>
       </p:sp>
       <p:sp>
         <p:nvSpPr>
           <p:cNvPr id="250" name="Google Shape;26;p6"/>
-          <p:cNvSpPr txBox="1"/>
+          <p:cNvSpPr txBox="1">
+            <a:spLocks noGrp="1"/>
+          </p:cNvSpPr>
           <p:nvPr>
             <p:ph type="body" sz="half" idx="15"/>
           </p:nvPr>
@@ -3894,13 +4044,16 @@
               <a:buFont typeface="Helvetica"/>
               <a:defRPr sz="2400"/>
             </a:pPr>
+            <a:endParaRPr/>
           </a:p>
         </p:txBody>
       </p:sp>
       <p:sp>
         <p:nvSpPr>
           <p:cNvPr id="251" name="Número de diapositiva"/>
-          <p:cNvSpPr txBox="1"/>
+          <p:cNvSpPr txBox="1">
+            <a:spLocks noGrp="1"/>
+          </p:cNvSpPr>
           <p:nvPr>
             <p:ph type="sldNum" sz="quarter" idx="2"/>
           </p:nvPr>
@@ -3914,8 +4067,10 @@
           <a:bodyPr/>
           <a:lstStyle/>
           <a:p>
-            <a:pPr/>
-            <a:fld id="{86CB4B4D-7CA3-9044-876B-883B54F8677D}" type="slidenum"/>
+            <a:fld id="{86CB4B4D-7CA3-9044-876B-883B54F8677D}" type="slidenum">
+              <a:t>‹Nº›</a:t>
+            </a:fld>
+            <a:endParaRPr/>
           </a:p>
         </p:txBody>
       </p:sp>
@@ -3924,12 +4079,12 @@
   <p:clrMapOvr>
     <a:masterClrMapping/>
   </p:clrMapOvr>
-  <p:transition xmlns:p14="http://schemas.microsoft.com/office/powerpoint/2010/main" spd="med" advClick="1"/>
+  <p:transition spd="med"/>
 </p:sldLayout>
 </file>
 
 <file path=ppt/slideLayouts/slideLayout28.xml><?xml version="1.0" encoding="utf-8"?>
-<p:sldLayout xmlns:a="http://schemas.openxmlformats.org/drawingml/2006/main" xmlns:r="http://schemas.openxmlformats.org/officeDocument/2006/relationships" xmlns:p="http://schemas.openxmlformats.org/presentationml/2006/main" xmlns:m="http://schemas.openxmlformats.org/officeDocument/2006/math" xmlns:a14="http://schemas.microsoft.com/office/drawing/2010/main" type="tx" showMasterSp="1" showMasterPhAnim="1">
+<p:sldLayout xmlns:a="http://schemas.openxmlformats.org/drawingml/2006/main" xmlns:r="http://schemas.openxmlformats.org/officeDocument/2006/relationships" xmlns:p="http://schemas.openxmlformats.org/presentationml/2006/main" type="tx">
   <p:cSld name="Только заголовок">
     <p:spTree>
       <p:nvGrpSpPr>
@@ -3948,7 +4103,9 @@
       <p:sp>
         <p:nvSpPr>
           <p:cNvPr id="258" name="Texto del título"/>
-          <p:cNvSpPr txBox="1"/>
+          <p:cNvSpPr txBox="1">
+            <a:spLocks noGrp="1"/>
+          </p:cNvSpPr>
           <p:nvPr>
             <p:ph type="title"/>
           </p:nvPr>
@@ -3966,7 +4123,6 @@
           <a:bodyPr lIns="45699" tIns="45699" rIns="45699" bIns="45699"/>
           <a:lstStyle/>
           <a:p>
-            <a:pPr/>
             <a:r>
               <a:t>Texto del título</a:t>
             </a:r>
@@ -3976,7 +4132,9 @@
       <p:sp>
         <p:nvSpPr>
           <p:cNvPr id="259" name="Número de diapositiva"/>
-          <p:cNvSpPr txBox="1"/>
+          <p:cNvSpPr txBox="1">
+            <a:spLocks noGrp="1"/>
+          </p:cNvSpPr>
           <p:nvPr>
             <p:ph type="sldNum" sz="quarter" idx="2"/>
           </p:nvPr>
@@ -3990,8 +4148,10 @@
           <a:bodyPr/>
           <a:lstStyle/>
           <a:p>
-            <a:pPr/>
-            <a:fld id="{86CB4B4D-7CA3-9044-876B-883B54F8677D}" type="slidenum"/>
+            <a:fld id="{86CB4B4D-7CA3-9044-876B-883B54F8677D}" type="slidenum">
+              <a:t>‹Nº›</a:t>
+            </a:fld>
+            <a:endParaRPr/>
           </a:p>
         </p:txBody>
       </p:sp>
@@ -4000,12 +4160,12 @@
   <p:clrMapOvr>
     <a:masterClrMapping/>
   </p:clrMapOvr>
-  <p:transition xmlns:p14="http://schemas.microsoft.com/office/powerpoint/2010/main" spd="med" advClick="1"/>
+  <p:transition spd="med"/>
 </p:sldLayout>
 </file>
 
 <file path=ppt/slideLayouts/slideLayout29.xml><?xml version="1.0" encoding="utf-8"?>
-<p:sldLayout xmlns:a="http://schemas.openxmlformats.org/drawingml/2006/main" xmlns:r="http://schemas.openxmlformats.org/officeDocument/2006/relationships" xmlns:p="http://schemas.openxmlformats.org/presentationml/2006/main" xmlns:m="http://schemas.openxmlformats.org/officeDocument/2006/math" xmlns:a14="http://schemas.microsoft.com/office/drawing/2010/main" type="tx" showMasterSp="1" showMasterPhAnim="1">
+<p:sldLayout xmlns:a="http://schemas.openxmlformats.org/drawingml/2006/main" xmlns:r="http://schemas.openxmlformats.org/officeDocument/2006/relationships" xmlns:p="http://schemas.openxmlformats.org/presentationml/2006/main" type="tx">
   <p:cSld name="Пустой слайд">
     <p:spTree>
       <p:nvGrpSpPr>
@@ -4024,7 +4184,9 @@
       <p:sp>
         <p:nvSpPr>
           <p:cNvPr id="266" name="Número de diapositiva"/>
-          <p:cNvSpPr txBox="1"/>
+          <p:cNvSpPr txBox="1">
+            <a:spLocks noGrp="1"/>
+          </p:cNvSpPr>
           <p:nvPr>
             <p:ph type="sldNum" sz="quarter" idx="2"/>
           </p:nvPr>
@@ -4038,8 +4200,10 @@
           <a:bodyPr/>
           <a:lstStyle/>
           <a:p>
-            <a:pPr/>
-            <a:fld id="{86CB4B4D-7CA3-9044-876B-883B54F8677D}" type="slidenum"/>
+            <a:fld id="{86CB4B4D-7CA3-9044-876B-883B54F8677D}" type="slidenum">
+              <a:t>‹Nº›</a:t>
+            </a:fld>
+            <a:endParaRPr/>
           </a:p>
         </p:txBody>
       </p:sp>
@@ -4048,12 +4212,12 @@
   <p:clrMapOvr>
     <a:masterClrMapping/>
   </p:clrMapOvr>
-  <p:transition xmlns:p14="http://schemas.microsoft.com/office/powerpoint/2010/main" spd="med" advClick="1"/>
+  <p:transition spd="med"/>
 </p:sldLayout>
 </file>
 
 <file path=ppt/slideLayouts/slideLayout3.xml><?xml version="1.0" encoding="utf-8"?>
-<p:sldLayout xmlns:a="http://schemas.openxmlformats.org/drawingml/2006/main" xmlns:r="http://schemas.openxmlformats.org/officeDocument/2006/relationships" xmlns:p="http://schemas.openxmlformats.org/presentationml/2006/main" xmlns:m="http://schemas.openxmlformats.org/officeDocument/2006/math" xmlns:a14="http://schemas.microsoft.com/office/drawing/2010/main" type="tx" showMasterSp="1" showMasterPhAnim="1">
+<p:sldLayout xmlns:a="http://schemas.openxmlformats.org/drawingml/2006/main" xmlns:r="http://schemas.openxmlformats.org/officeDocument/2006/relationships" xmlns:p="http://schemas.openxmlformats.org/presentationml/2006/main" type="tx">
   <p:cSld name="Заголовок раздела">
     <p:spTree>
       <p:nvGrpSpPr>
@@ -4072,7 +4236,9 @@
       <p:sp>
         <p:nvSpPr>
           <p:cNvPr id="29" name="Texto del título"/>
-          <p:cNvSpPr txBox="1"/>
+          <p:cNvSpPr txBox="1">
+            <a:spLocks noGrp="1"/>
+          </p:cNvSpPr>
           <p:nvPr>
             <p:ph type="title"/>
           </p:nvPr>
@@ -4090,11 +4256,10 @@
           <a:bodyPr anchor="t"/>
           <a:lstStyle>
             <a:lvl1pPr>
-              <a:defRPr b="1" cap="all" sz="4000"/>
+              <a:defRPr sz="4000" b="1" cap="all"/>
             </a:lvl1pPr>
           </a:lstStyle>
           <a:p>
-            <a:pPr/>
             <a:r>
               <a:t>Texto del título</a:t>
             </a:r>
@@ -4104,7 +4269,9 @@
       <p:sp>
         <p:nvSpPr>
           <p:cNvPr id="30" name="Nivel de texto 1…"/>
-          <p:cNvSpPr txBox="1"/>
+          <p:cNvSpPr txBox="1">
+            <a:spLocks noGrp="1"/>
+          </p:cNvSpPr>
           <p:nvPr>
             <p:ph type="body" sz="quarter" idx="1"/>
           </p:nvPr>
@@ -4143,7 +4310,6 @@
             </a:lvl5pPr>
           </a:lstStyle>
           <a:p>
-            <a:pPr/>
             <a:r>
               <a:t>Nivel de texto 1</a:t>
             </a:r>
@@ -4177,7 +4343,9 @@
       <p:sp>
         <p:nvSpPr>
           <p:cNvPr id="31" name="Número de diapositiva"/>
-          <p:cNvSpPr txBox="1"/>
+          <p:cNvSpPr txBox="1">
+            <a:spLocks noGrp="1"/>
+          </p:cNvSpPr>
           <p:nvPr>
             <p:ph type="sldNum" sz="quarter" idx="2"/>
           </p:nvPr>
@@ -4191,8 +4359,10 @@
           <a:bodyPr/>
           <a:lstStyle/>
           <a:p>
-            <a:pPr/>
-            <a:fld id="{86CB4B4D-7CA3-9044-876B-883B54F8677D}" type="slidenum"/>
+            <a:fld id="{86CB4B4D-7CA3-9044-876B-883B54F8677D}" type="slidenum">
+              <a:t>‹Nº›</a:t>
+            </a:fld>
+            <a:endParaRPr/>
           </a:p>
         </p:txBody>
       </p:sp>
@@ -4201,12 +4371,12 @@
   <p:clrMapOvr>
     <a:masterClrMapping/>
   </p:clrMapOvr>
-  <p:transition xmlns:p14="http://schemas.microsoft.com/office/powerpoint/2010/main" spd="med" advClick="1"/>
+  <p:transition spd="med"/>
 </p:sldLayout>
 </file>
 
 <file path=ppt/slideLayouts/slideLayout30.xml><?xml version="1.0" encoding="utf-8"?>
-<p:sldLayout xmlns:a="http://schemas.openxmlformats.org/drawingml/2006/main" xmlns:r="http://schemas.openxmlformats.org/officeDocument/2006/relationships" xmlns:p="http://schemas.openxmlformats.org/presentationml/2006/main" xmlns:m="http://schemas.openxmlformats.org/officeDocument/2006/math" xmlns:a14="http://schemas.microsoft.com/office/drawing/2010/main" type="tx" showMasterSp="1" showMasterPhAnim="1">
+<p:sldLayout xmlns:a="http://schemas.openxmlformats.org/drawingml/2006/main" xmlns:r="http://schemas.openxmlformats.org/officeDocument/2006/relationships" xmlns:p="http://schemas.openxmlformats.org/presentationml/2006/main" type="tx">
   <p:cSld name="Объект с подписью">
     <p:spTree>
       <p:nvGrpSpPr>
@@ -4225,7 +4395,9 @@
       <p:sp>
         <p:nvSpPr>
           <p:cNvPr id="273" name="Texto del título"/>
-          <p:cNvSpPr txBox="1"/>
+          <p:cNvSpPr txBox="1">
+            <a:spLocks noGrp="1"/>
+          </p:cNvSpPr>
           <p:nvPr>
             <p:ph type="title"/>
           </p:nvPr>
@@ -4243,11 +4415,10 @@
           <a:bodyPr lIns="45699" tIns="45699" rIns="45699" bIns="45699" anchor="b"/>
           <a:lstStyle>
             <a:lvl1pPr>
-              <a:defRPr b="1" sz="2000"/>
+              <a:defRPr sz="2000" b="1"/>
             </a:lvl1pPr>
           </a:lstStyle>
           <a:p>
-            <a:pPr/>
             <a:r>
               <a:t>Texto del título</a:t>
             </a:r>
@@ -4257,7 +4428,9 @@
       <p:sp>
         <p:nvSpPr>
           <p:cNvPr id="274" name="Nivel de texto 1…"/>
-          <p:cNvSpPr txBox="1"/>
+          <p:cNvSpPr txBox="1">
+            <a:spLocks noGrp="1"/>
+          </p:cNvSpPr>
           <p:nvPr>
             <p:ph type="body" idx="1"/>
           </p:nvPr>
@@ -4331,7 +4504,6 @@
             </a:lvl5pPr>
           </a:lstStyle>
           <a:p>
-            <a:pPr/>
             <a:r>
               <a:t>Nivel de texto 1</a:t>
             </a:r>
@@ -4365,7 +4537,9 @@
       <p:sp>
         <p:nvSpPr>
           <p:cNvPr id="275" name="Google Shape;33;p9"/>
-          <p:cNvSpPr txBox="1"/>
+          <p:cNvSpPr txBox="1">
+            <a:spLocks noGrp="1"/>
+          </p:cNvSpPr>
           <p:nvPr>
             <p:ph type="body" sz="half" idx="13"/>
           </p:nvPr>
@@ -4391,13 +4565,16 @@
               <a:buNone/>
               <a:defRPr sz="1400"/>
             </a:pPr>
+            <a:endParaRPr/>
           </a:p>
         </p:txBody>
       </p:sp>
       <p:sp>
         <p:nvSpPr>
           <p:cNvPr id="276" name="Número de diapositiva"/>
-          <p:cNvSpPr txBox="1"/>
+          <p:cNvSpPr txBox="1">
+            <a:spLocks noGrp="1"/>
+          </p:cNvSpPr>
           <p:nvPr>
             <p:ph type="sldNum" sz="quarter" idx="2"/>
           </p:nvPr>
@@ -4411,8 +4588,10 @@
           <a:bodyPr/>
           <a:lstStyle/>
           <a:p>
-            <a:pPr/>
-            <a:fld id="{86CB4B4D-7CA3-9044-876B-883B54F8677D}" type="slidenum"/>
+            <a:fld id="{86CB4B4D-7CA3-9044-876B-883B54F8677D}" type="slidenum">
+              <a:t>‹Nº›</a:t>
+            </a:fld>
+            <a:endParaRPr/>
           </a:p>
         </p:txBody>
       </p:sp>
@@ -4421,12 +4600,12 @@
   <p:clrMapOvr>
     <a:masterClrMapping/>
   </p:clrMapOvr>
-  <p:transition xmlns:p14="http://schemas.microsoft.com/office/powerpoint/2010/main" spd="med" advClick="1"/>
+  <p:transition spd="med"/>
 </p:sldLayout>
 </file>
 
 <file path=ppt/slideLayouts/slideLayout31.xml><?xml version="1.0" encoding="utf-8"?>
-<p:sldLayout xmlns:a="http://schemas.openxmlformats.org/drawingml/2006/main" xmlns:r="http://schemas.openxmlformats.org/officeDocument/2006/relationships" xmlns:p="http://schemas.openxmlformats.org/presentationml/2006/main" xmlns:m="http://schemas.openxmlformats.org/officeDocument/2006/math" xmlns:a14="http://schemas.microsoft.com/office/drawing/2010/main" type="tx" showMasterSp="1" showMasterPhAnim="1">
+<p:sldLayout xmlns:a="http://schemas.openxmlformats.org/drawingml/2006/main" xmlns:r="http://schemas.openxmlformats.org/officeDocument/2006/relationships" xmlns:p="http://schemas.openxmlformats.org/presentationml/2006/main" type="tx">
   <p:cSld name="Рисунок с подписью">
     <p:spTree>
       <p:nvGrpSpPr>
@@ -4445,7 +4624,9 @@
       <p:sp>
         <p:nvSpPr>
           <p:cNvPr id="283" name="Texto del título"/>
-          <p:cNvSpPr txBox="1"/>
+          <p:cNvSpPr txBox="1">
+            <a:spLocks noGrp="1"/>
+          </p:cNvSpPr>
           <p:nvPr>
             <p:ph type="title"/>
           </p:nvPr>
@@ -4463,11 +4644,10 @@
           <a:bodyPr lIns="45699" tIns="45699" rIns="45699" bIns="45699" anchor="b"/>
           <a:lstStyle>
             <a:lvl1pPr>
-              <a:defRPr b="1" sz="2000"/>
+              <a:defRPr sz="2000" b="1"/>
             </a:lvl1pPr>
           </a:lstStyle>
           <a:p>
-            <a:pPr/>
             <a:r>
               <a:t>Texto del título</a:t>
             </a:r>
@@ -4477,7 +4657,9 @@
       <p:sp>
         <p:nvSpPr>
           <p:cNvPr id="284" name="Google Shape;36;p10"/>
-          <p:cNvSpPr/>
+          <p:cNvSpPr>
+            <a:spLocks noGrp="1"/>
+          </p:cNvSpPr>
           <p:nvPr>
             <p:ph type="pic" sz="half" idx="13"/>
           </p:nvPr>
@@ -4497,14 +4679,16 @@
           </a:bodyPr>
           <a:lstStyle/>
           <a:p>
-            <a:pPr/>
+            <a:endParaRPr/>
           </a:p>
         </p:txBody>
       </p:sp>
       <p:sp>
         <p:nvSpPr>
           <p:cNvPr id="285" name="Nivel de texto 1…"/>
-          <p:cNvSpPr txBox="1"/>
+          <p:cNvSpPr txBox="1">
+            <a:spLocks noGrp="1"/>
+          </p:cNvSpPr>
           <p:nvPr>
             <p:ph type="body" sz="quarter" idx="1"/>
           </p:nvPr>
@@ -4563,7 +4747,6 @@
             </a:lvl5pPr>
           </a:lstStyle>
           <a:p>
-            <a:pPr/>
             <a:r>
               <a:t>Nivel de texto 1</a:t>
             </a:r>
@@ -4597,7 +4780,9 @@
       <p:sp>
         <p:nvSpPr>
           <p:cNvPr id="286" name="Número de diapositiva"/>
-          <p:cNvSpPr txBox="1"/>
+          <p:cNvSpPr txBox="1">
+            <a:spLocks noGrp="1"/>
+          </p:cNvSpPr>
           <p:nvPr>
             <p:ph type="sldNum" sz="quarter" idx="2"/>
           </p:nvPr>
@@ -4611,8 +4796,10 @@
           <a:bodyPr/>
           <a:lstStyle/>
           <a:p>
-            <a:pPr/>
-            <a:fld id="{86CB4B4D-7CA3-9044-876B-883B54F8677D}" type="slidenum"/>
+            <a:fld id="{86CB4B4D-7CA3-9044-876B-883B54F8677D}" type="slidenum">
+              <a:t>‹Nº›</a:t>
+            </a:fld>
+            <a:endParaRPr/>
           </a:p>
         </p:txBody>
       </p:sp>
@@ -4621,12 +4808,12 @@
   <p:clrMapOvr>
     <a:masterClrMapping/>
   </p:clrMapOvr>
-  <p:transition xmlns:p14="http://schemas.microsoft.com/office/powerpoint/2010/main" spd="med" advClick="1"/>
+  <p:transition spd="med"/>
 </p:sldLayout>
 </file>
 
 <file path=ppt/slideLayouts/slideLayout32.xml><?xml version="1.0" encoding="utf-8"?>
-<p:sldLayout xmlns:a="http://schemas.openxmlformats.org/drawingml/2006/main" xmlns:r="http://schemas.openxmlformats.org/officeDocument/2006/relationships" xmlns:p="http://schemas.openxmlformats.org/presentationml/2006/main" xmlns:m="http://schemas.openxmlformats.org/officeDocument/2006/math" xmlns:a14="http://schemas.microsoft.com/office/drawing/2010/main" type="tx" showMasterSp="1" showMasterPhAnim="1">
+<p:sldLayout xmlns:a="http://schemas.openxmlformats.org/drawingml/2006/main" xmlns:r="http://schemas.openxmlformats.org/officeDocument/2006/relationships" xmlns:p="http://schemas.openxmlformats.org/presentationml/2006/main" type="tx">
   <p:cSld name="Заголовок и вертикальный текст">
     <p:spTree>
       <p:nvGrpSpPr>
@@ -4645,7 +4832,9 @@
       <p:sp>
         <p:nvSpPr>
           <p:cNvPr id="293" name="Texto del título"/>
-          <p:cNvSpPr txBox="1"/>
+          <p:cNvSpPr txBox="1">
+            <a:spLocks noGrp="1"/>
+          </p:cNvSpPr>
           <p:nvPr>
             <p:ph type="title"/>
           </p:nvPr>
@@ -4663,7 +4852,6 @@
           <a:bodyPr lIns="45699" tIns="45699" rIns="45699" bIns="45699"/>
           <a:lstStyle/>
           <a:p>
-            <a:pPr/>
             <a:r>
               <a:t>Texto del título</a:t>
             </a:r>
@@ -4673,7 +4861,9 @@
       <p:sp>
         <p:nvSpPr>
           <p:cNvPr id="294" name="Nivel de texto 1…"/>
-          <p:cNvSpPr txBox="1"/>
+          <p:cNvSpPr txBox="1">
+            <a:spLocks noGrp="1"/>
+          </p:cNvSpPr>
           <p:nvPr>
             <p:ph type="body" idx="1"/>
           </p:nvPr>
@@ -4742,7 +4932,6 @@
             </a:lvl5pPr>
           </a:lstStyle>
           <a:p>
-            <a:pPr/>
             <a:r>
               <a:t>Nivel de texto 1</a:t>
             </a:r>
@@ -4776,7 +4965,9 @@
       <p:sp>
         <p:nvSpPr>
           <p:cNvPr id="295" name="Número de diapositiva"/>
-          <p:cNvSpPr txBox="1"/>
+          <p:cNvSpPr txBox="1">
+            <a:spLocks noGrp="1"/>
+          </p:cNvSpPr>
           <p:nvPr>
             <p:ph type="sldNum" sz="quarter" idx="2"/>
           </p:nvPr>
@@ -4790,8 +4981,10 @@
           <a:bodyPr/>
           <a:lstStyle/>
           <a:p>
-            <a:pPr/>
-            <a:fld id="{86CB4B4D-7CA3-9044-876B-883B54F8677D}" type="slidenum"/>
+            <a:fld id="{86CB4B4D-7CA3-9044-876B-883B54F8677D}" type="slidenum">
+              <a:t>‹Nº›</a:t>
+            </a:fld>
+            <a:endParaRPr/>
           </a:p>
         </p:txBody>
       </p:sp>
@@ -4800,12 +4993,12 @@
   <p:clrMapOvr>
     <a:masterClrMapping/>
   </p:clrMapOvr>
-  <p:transition xmlns:p14="http://schemas.microsoft.com/office/powerpoint/2010/main" spd="med" advClick="1"/>
+  <p:transition spd="med"/>
 </p:sldLayout>
 </file>
 
 <file path=ppt/slideLayouts/slideLayout33.xml><?xml version="1.0" encoding="utf-8"?>
-<p:sldLayout xmlns:a="http://schemas.openxmlformats.org/drawingml/2006/main" xmlns:r="http://schemas.openxmlformats.org/officeDocument/2006/relationships" xmlns:p="http://schemas.openxmlformats.org/presentationml/2006/main" xmlns:m="http://schemas.openxmlformats.org/officeDocument/2006/math" xmlns:a14="http://schemas.microsoft.com/office/drawing/2010/main" type="tx" showMasterSp="1" showMasterPhAnim="1">
+<p:sldLayout xmlns:a="http://schemas.openxmlformats.org/drawingml/2006/main" xmlns:r="http://schemas.openxmlformats.org/officeDocument/2006/relationships" xmlns:p="http://schemas.openxmlformats.org/presentationml/2006/main" type="tx">
   <p:cSld name="Вертикальный заголовок и текст">
     <p:spTree>
       <p:nvGrpSpPr>
@@ -4824,7 +5017,9 @@
       <p:sp>
         <p:nvSpPr>
           <p:cNvPr id="302" name="Texto del título"/>
-          <p:cNvSpPr txBox="1"/>
+          <p:cNvSpPr txBox="1">
+            <a:spLocks noGrp="1"/>
+          </p:cNvSpPr>
           <p:nvPr>
             <p:ph type="title"/>
           </p:nvPr>
@@ -4842,7 +5037,6 @@
           <a:bodyPr lIns="45699" tIns="45699" rIns="45699" bIns="45699"/>
           <a:lstStyle/>
           <a:p>
-            <a:pPr/>
             <a:r>
               <a:t>Texto del título</a:t>
             </a:r>
@@ -4852,7 +5046,9 @@
       <p:sp>
         <p:nvSpPr>
           <p:cNvPr id="303" name="Nivel de texto 1…"/>
-          <p:cNvSpPr txBox="1"/>
+          <p:cNvSpPr txBox="1">
+            <a:spLocks noGrp="1"/>
+          </p:cNvSpPr>
           <p:nvPr>
             <p:ph type="body" idx="1"/>
           </p:nvPr>
@@ -4921,7 +5117,6 @@
             </a:lvl5pPr>
           </a:lstStyle>
           <a:p>
-            <a:pPr/>
             <a:r>
               <a:t>Nivel de texto 1</a:t>
             </a:r>
@@ -4955,7 +5150,9 @@
       <p:sp>
         <p:nvSpPr>
           <p:cNvPr id="304" name="Número de diapositiva"/>
-          <p:cNvSpPr txBox="1"/>
+          <p:cNvSpPr txBox="1">
+            <a:spLocks noGrp="1"/>
+          </p:cNvSpPr>
           <p:nvPr>
             <p:ph type="sldNum" sz="quarter" idx="2"/>
           </p:nvPr>
@@ -4969,8 +5166,10 @@
           <a:bodyPr/>
           <a:lstStyle/>
           <a:p>
-            <a:pPr/>
-            <a:fld id="{86CB4B4D-7CA3-9044-876B-883B54F8677D}" type="slidenum"/>
+            <a:fld id="{86CB4B4D-7CA3-9044-876B-883B54F8677D}" type="slidenum">
+              <a:t>‹Nº›</a:t>
+            </a:fld>
+            <a:endParaRPr/>
           </a:p>
         </p:txBody>
       </p:sp>
@@ -4979,12 +5178,12 @@
   <p:clrMapOvr>
     <a:masterClrMapping/>
   </p:clrMapOvr>
-  <p:transition xmlns:p14="http://schemas.microsoft.com/office/powerpoint/2010/main" spd="med" advClick="1"/>
+  <p:transition spd="med"/>
 </p:sldLayout>
 </file>
 
 <file path=ppt/slideLayouts/slideLayout34.xml><?xml version="1.0" encoding="utf-8"?>
-<p:sldLayout xmlns:a="http://schemas.openxmlformats.org/drawingml/2006/main" xmlns:r="http://schemas.openxmlformats.org/officeDocument/2006/relationships" xmlns:p="http://schemas.openxmlformats.org/presentationml/2006/main" xmlns:m="http://schemas.openxmlformats.org/officeDocument/2006/math" xmlns:a14="http://schemas.microsoft.com/office/drawing/2010/main" type="tx" showMasterSp="1" showMasterPhAnim="1">
+<p:sldLayout xmlns:a="http://schemas.openxmlformats.org/drawingml/2006/main" xmlns:r="http://schemas.openxmlformats.org/officeDocument/2006/relationships" xmlns:p="http://schemas.openxmlformats.org/presentationml/2006/main" type="tx">
   <p:cSld name="Title and body">
     <p:spTree>
       <p:nvGrpSpPr>
@@ -5024,14 +5223,16 @@
           <a:bodyPr lIns="45719" rIns="45719"/>
           <a:lstStyle/>
           <a:p>
-            <a:pPr/>
+            <a:endParaRPr/>
           </a:p>
         </p:txBody>
       </p:sp>
       <p:sp>
         <p:nvSpPr>
           <p:cNvPr id="312" name="Texto del título"/>
-          <p:cNvSpPr txBox="1"/>
+          <p:cNvSpPr txBox="1">
+            <a:spLocks noGrp="1"/>
+          </p:cNvSpPr>
           <p:nvPr>
             <p:ph type="title"/>
           </p:nvPr>
@@ -5049,7 +5250,6 @@
           <a:bodyPr lIns="45699" tIns="45699" rIns="45699" bIns="45699"/>
           <a:lstStyle/>
           <a:p>
-            <a:pPr/>
             <a:r>
               <a:t>Texto del título</a:t>
             </a:r>
@@ -5059,7 +5259,9 @@
       <p:sp>
         <p:nvSpPr>
           <p:cNvPr id="313" name="Nivel de texto 1…"/>
-          <p:cNvSpPr txBox="1"/>
+          <p:cNvSpPr txBox="1">
+            <a:spLocks noGrp="1"/>
+          </p:cNvSpPr>
           <p:nvPr>
             <p:ph type="body" idx="1"/>
           </p:nvPr>
@@ -5113,7 +5315,6 @@
             </a:lvl5pPr>
           </a:lstStyle>
           <a:p>
-            <a:pPr/>
             <a:r>
               <a:t>Nivel de texto 1</a:t>
             </a:r>
@@ -5147,7 +5348,9 @@
       <p:sp>
         <p:nvSpPr>
           <p:cNvPr id="314" name="Número de diapositiva"/>
-          <p:cNvSpPr txBox="1"/>
+          <p:cNvSpPr txBox="1">
+            <a:spLocks noGrp="1"/>
+          </p:cNvSpPr>
           <p:nvPr>
             <p:ph type="sldNum" sz="quarter" idx="2"/>
           </p:nvPr>
@@ -5169,8 +5372,10 @@
             </a:lvl1pPr>
           </a:lstStyle>
           <a:p>
-            <a:pPr/>
-            <a:fld id="{86CB4B4D-7CA3-9044-876B-883B54F8677D}" type="slidenum"/>
+            <a:fld id="{86CB4B4D-7CA3-9044-876B-883B54F8677D}" type="slidenum">
+              <a:t>‹Nº›</a:t>
+            </a:fld>
+            <a:endParaRPr/>
           </a:p>
         </p:txBody>
       </p:sp>
@@ -5179,12 +5384,12 @@
   <p:clrMapOvr>
     <a:masterClrMapping/>
   </p:clrMapOvr>
-  <p:transition xmlns:p14="http://schemas.microsoft.com/office/powerpoint/2010/main" spd="med" advClick="1"/>
+  <p:transition spd="med"/>
 </p:sldLayout>
 </file>
 
 <file path=ppt/slideLayouts/slideLayout4.xml><?xml version="1.0" encoding="utf-8"?>
-<p:sldLayout xmlns:a="http://schemas.openxmlformats.org/drawingml/2006/main" xmlns:r="http://schemas.openxmlformats.org/officeDocument/2006/relationships" xmlns:p="http://schemas.openxmlformats.org/presentationml/2006/main" xmlns:m="http://schemas.openxmlformats.org/officeDocument/2006/math" xmlns:a14="http://schemas.microsoft.com/office/drawing/2010/main" type="tx" showMasterSp="1" showMasterPhAnim="1">
+<p:sldLayout xmlns:a="http://schemas.openxmlformats.org/drawingml/2006/main" xmlns:r="http://schemas.openxmlformats.org/officeDocument/2006/relationships" xmlns:p="http://schemas.openxmlformats.org/presentationml/2006/main" type="tx">
   <p:cSld name="Два объекта">
     <p:spTree>
       <p:nvGrpSpPr>
@@ -5203,7 +5408,9 @@
       <p:sp>
         <p:nvSpPr>
           <p:cNvPr id="38" name="Texto del título"/>
-          <p:cNvSpPr txBox="1"/>
+          <p:cNvSpPr txBox="1">
+            <a:spLocks noGrp="1"/>
+          </p:cNvSpPr>
           <p:nvPr>
             <p:ph type="title"/>
           </p:nvPr>
@@ -5217,7 +5424,6 @@
           <a:bodyPr/>
           <a:lstStyle/>
           <a:p>
-            <a:pPr/>
             <a:r>
               <a:t>Texto del título</a:t>
             </a:r>
@@ -5227,7 +5433,9 @@
       <p:sp>
         <p:nvSpPr>
           <p:cNvPr id="39" name="Nivel de texto 1…"/>
-          <p:cNvSpPr txBox="1"/>
+          <p:cNvSpPr txBox="1">
+            <a:spLocks noGrp="1"/>
+          </p:cNvSpPr>
           <p:nvPr>
             <p:ph type="body" sz="half" idx="1"/>
           </p:nvPr>
@@ -5276,7 +5484,6 @@
             </a:lvl5pPr>
           </a:lstStyle>
           <a:p>
-            <a:pPr/>
             <a:r>
               <a:t>Nivel de texto 1</a:t>
             </a:r>
@@ -5310,7 +5517,9 @@
       <p:sp>
         <p:nvSpPr>
           <p:cNvPr id="40" name="Número de diapositiva"/>
-          <p:cNvSpPr txBox="1"/>
+          <p:cNvSpPr txBox="1">
+            <a:spLocks noGrp="1"/>
+          </p:cNvSpPr>
           <p:nvPr>
             <p:ph type="sldNum" sz="quarter" idx="2"/>
           </p:nvPr>
@@ -5324,8 +5533,10 @@
           <a:bodyPr/>
           <a:lstStyle/>
           <a:p>
-            <a:pPr/>
-            <a:fld id="{86CB4B4D-7CA3-9044-876B-883B54F8677D}" type="slidenum"/>
+            <a:fld id="{86CB4B4D-7CA3-9044-876B-883B54F8677D}" type="slidenum">
+              <a:t>‹Nº›</a:t>
+            </a:fld>
+            <a:endParaRPr/>
           </a:p>
         </p:txBody>
       </p:sp>
@@ -5334,12 +5545,12 @@
   <p:clrMapOvr>
     <a:masterClrMapping/>
   </p:clrMapOvr>
-  <p:transition xmlns:p14="http://schemas.microsoft.com/office/powerpoint/2010/main" spd="med" advClick="1"/>
+  <p:transition spd="med"/>
 </p:sldLayout>
 </file>
 
 <file path=ppt/slideLayouts/slideLayout5.xml><?xml version="1.0" encoding="utf-8"?>
-<p:sldLayout xmlns:a="http://schemas.openxmlformats.org/drawingml/2006/main" xmlns:r="http://schemas.openxmlformats.org/officeDocument/2006/relationships" xmlns:p="http://schemas.openxmlformats.org/presentationml/2006/main" xmlns:m="http://schemas.openxmlformats.org/officeDocument/2006/math" xmlns:a14="http://schemas.microsoft.com/office/drawing/2010/main" type="tx" showMasterSp="1" showMasterPhAnim="1">
+<p:sldLayout xmlns:a="http://schemas.openxmlformats.org/drawingml/2006/main" xmlns:r="http://schemas.openxmlformats.org/officeDocument/2006/relationships" xmlns:p="http://schemas.openxmlformats.org/presentationml/2006/main" type="tx">
   <p:cSld name="Сравнение">
     <p:spTree>
       <p:nvGrpSpPr>
@@ -5358,7 +5569,9 @@
       <p:sp>
         <p:nvSpPr>
           <p:cNvPr id="47" name="Texto del título"/>
-          <p:cNvSpPr txBox="1"/>
+          <p:cNvSpPr txBox="1">
+            <a:spLocks noGrp="1"/>
+          </p:cNvSpPr>
           <p:nvPr>
             <p:ph type="title"/>
           </p:nvPr>
@@ -5376,7 +5589,6 @@
           <a:bodyPr/>
           <a:lstStyle/>
           <a:p>
-            <a:pPr/>
             <a:r>
               <a:t>Texto del título</a:t>
             </a:r>
@@ -5386,7 +5598,9 @@
       <p:sp>
         <p:nvSpPr>
           <p:cNvPr id="48" name="Nivel de texto 1…"/>
-          <p:cNvSpPr txBox="1"/>
+          <p:cNvSpPr txBox="1">
+            <a:spLocks noGrp="1"/>
+          </p:cNvSpPr>
           <p:nvPr>
             <p:ph type="body" sz="quarter" idx="1"/>
           </p:nvPr>
@@ -5409,7 +5623,7 @@
               </a:spcBef>
               <a:buSzTx/>
               <a:buNone/>
-              <a:defRPr b="1" sz="2400"/>
+              <a:defRPr sz="2400" b="1"/>
             </a:lvl1pPr>
             <a:lvl2pPr marL="0" indent="457200">
               <a:spcBef>
@@ -5417,7 +5631,7 @@
               </a:spcBef>
               <a:buSzTx/>
               <a:buNone/>
-              <a:defRPr b="1" sz="2400"/>
+              <a:defRPr sz="2400" b="1"/>
             </a:lvl2pPr>
             <a:lvl3pPr marL="0" indent="914400">
               <a:spcBef>
@@ -5425,7 +5639,7 @@
               </a:spcBef>
               <a:buSzTx/>
               <a:buNone/>
-              <a:defRPr b="1" sz="2400"/>
+              <a:defRPr sz="2400" b="1"/>
             </a:lvl3pPr>
             <a:lvl4pPr marL="0" indent="1371600">
               <a:spcBef>
@@ -5433,7 +5647,7 @@
               </a:spcBef>
               <a:buSzTx/>
               <a:buNone/>
-              <a:defRPr b="1" sz="2400"/>
+              <a:defRPr sz="2400" b="1"/>
             </a:lvl4pPr>
             <a:lvl5pPr marL="0" indent="1828800">
               <a:spcBef>
@@ -5441,11 +5655,10 @@
               </a:spcBef>
               <a:buSzTx/>
               <a:buNone/>
-              <a:defRPr b="1" sz="2400"/>
+              <a:defRPr sz="2400" b="1"/>
             </a:lvl5pPr>
           </a:lstStyle>
           <a:p>
-            <a:pPr/>
             <a:r>
               <a:t>Nivel de texto 1</a:t>
             </a:r>
@@ -5479,7 +5692,9 @@
       <p:sp>
         <p:nvSpPr>
           <p:cNvPr id="49" name="Текст 4"/>
-          <p:cNvSpPr/>
+          <p:cNvSpPr>
+            <a:spLocks noGrp="1"/>
+          </p:cNvSpPr>
           <p:nvPr>
             <p:ph type="body" sz="quarter" idx="13"/>
           </p:nvPr>
@@ -5503,15 +5718,18 @@
               </a:spcBef>
               <a:buSzTx/>
               <a:buNone/>
-              <a:defRPr b="1" sz="2400"/>
+              <a:defRPr sz="2400" b="1"/>
             </a:pPr>
+            <a:endParaRPr/>
           </a:p>
         </p:txBody>
       </p:sp>
       <p:sp>
         <p:nvSpPr>
           <p:cNvPr id="50" name="Número de diapositiva"/>
-          <p:cNvSpPr txBox="1"/>
+          <p:cNvSpPr txBox="1">
+            <a:spLocks noGrp="1"/>
+          </p:cNvSpPr>
           <p:nvPr>
             <p:ph type="sldNum" sz="quarter" idx="2"/>
           </p:nvPr>
@@ -5525,8 +5743,10 @@
           <a:bodyPr/>
           <a:lstStyle/>
           <a:p>
-            <a:pPr/>
-            <a:fld id="{86CB4B4D-7CA3-9044-876B-883B54F8677D}" type="slidenum"/>
+            <a:fld id="{86CB4B4D-7CA3-9044-876B-883B54F8677D}" type="slidenum">
+              <a:t>‹Nº›</a:t>
+            </a:fld>
+            <a:endParaRPr/>
           </a:p>
         </p:txBody>
       </p:sp>
@@ -5535,12 +5755,12 @@
   <p:clrMapOvr>
     <a:masterClrMapping/>
   </p:clrMapOvr>
-  <p:transition xmlns:p14="http://schemas.microsoft.com/office/powerpoint/2010/main" spd="med" advClick="1"/>
+  <p:transition spd="med"/>
 </p:sldLayout>
 </file>
 
 <file path=ppt/slideLayouts/slideLayout6.xml><?xml version="1.0" encoding="utf-8"?>
-<p:sldLayout xmlns:a="http://schemas.openxmlformats.org/drawingml/2006/main" xmlns:r="http://schemas.openxmlformats.org/officeDocument/2006/relationships" xmlns:p="http://schemas.openxmlformats.org/presentationml/2006/main" xmlns:m="http://schemas.openxmlformats.org/officeDocument/2006/math" xmlns:a14="http://schemas.microsoft.com/office/drawing/2010/main" type="tx" showMasterSp="1" showMasterPhAnim="1">
+<p:sldLayout xmlns:a="http://schemas.openxmlformats.org/drawingml/2006/main" xmlns:r="http://schemas.openxmlformats.org/officeDocument/2006/relationships" xmlns:p="http://schemas.openxmlformats.org/presentationml/2006/main" type="tx">
   <p:cSld name="Только заголовок">
     <p:spTree>
       <p:nvGrpSpPr>
@@ -5559,7 +5779,9 @@
       <p:sp>
         <p:nvSpPr>
           <p:cNvPr id="57" name="Texto del título"/>
-          <p:cNvSpPr txBox="1"/>
+          <p:cNvSpPr txBox="1">
+            <a:spLocks noGrp="1"/>
+          </p:cNvSpPr>
           <p:nvPr>
             <p:ph type="title"/>
           </p:nvPr>
@@ -5573,7 +5795,6 @@
           <a:bodyPr/>
           <a:lstStyle/>
           <a:p>
-            <a:pPr/>
             <a:r>
               <a:t>Texto del título</a:t>
             </a:r>
@@ -5583,7 +5804,9 @@
       <p:sp>
         <p:nvSpPr>
           <p:cNvPr id="58" name="Número de diapositiva"/>
-          <p:cNvSpPr txBox="1"/>
+          <p:cNvSpPr txBox="1">
+            <a:spLocks noGrp="1"/>
+          </p:cNvSpPr>
           <p:nvPr>
             <p:ph type="sldNum" sz="quarter" idx="2"/>
           </p:nvPr>
@@ -5597,8 +5820,10 @@
           <a:bodyPr/>
           <a:lstStyle/>
           <a:p>
-            <a:pPr/>
-            <a:fld id="{86CB4B4D-7CA3-9044-876B-883B54F8677D}" type="slidenum"/>
+            <a:fld id="{86CB4B4D-7CA3-9044-876B-883B54F8677D}" type="slidenum">
+              <a:t>‹Nº›</a:t>
+            </a:fld>
+            <a:endParaRPr/>
           </a:p>
         </p:txBody>
       </p:sp>
@@ -5607,12 +5832,12 @@
   <p:clrMapOvr>
     <a:masterClrMapping/>
   </p:clrMapOvr>
-  <p:transition xmlns:p14="http://schemas.microsoft.com/office/powerpoint/2010/main" spd="med" advClick="1"/>
+  <p:transition spd="med"/>
 </p:sldLayout>
 </file>
 
 <file path=ppt/slideLayouts/slideLayout7.xml><?xml version="1.0" encoding="utf-8"?>
-<p:sldLayout xmlns:a="http://schemas.openxmlformats.org/drawingml/2006/main" xmlns:r="http://schemas.openxmlformats.org/officeDocument/2006/relationships" xmlns:p="http://schemas.openxmlformats.org/presentationml/2006/main" xmlns:m="http://schemas.openxmlformats.org/officeDocument/2006/math" xmlns:a14="http://schemas.microsoft.com/office/drawing/2010/main" type="tx" showMasterSp="1" showMasterPhAnim="1">
+<p:sldLayout xmlns:a="http://schemas.openxmlformats.org/drawingml/2006/main" xmlns:r="http://schemas.openxmlformats.org/officeDocument/2006/relationships" xmlns:p="http://schemas.openxmlformats.org/presentationml/2006/main" type="tx">
   <p:cSld name="Пустой слайд">
     <p:spTree>
       <p:nvGrpSpPr>
@@ -5631,7 +5856,9 @@
       <p:sp>
         <p:nvSpPr>
           <p:cNvPr id="65" name="Número de diapositiva"/>
-          <p:cNvSpPr txBox="1"/>
+          <p:cNvSpPr txBox="1">
+            <a:spLocks noGrp="1"/>
+          </p:cNvSpPr>
           <p:nvPr>
             <p:ph type="sldNum" sz="quarter" idx="2"/>
           </p:nvPr>
@@ -5645,8 +5872,10 @@
           <a:bodyPr/>
           <a:lstStyle/>
           <a:p>
-            <a:pPr/>
-            <a:fld id="{86CB4B4D-7CA3-9044-876B-883B54F8677D}" type="slidenum"/>
+            <a:fld id="{86CB4B4D-7CA3-9044-876B-883B54F8677D}" type="slidenum">
+              <a:t>‹Nº›</a:t>
+            </a:fld>
+            <a:endParaRPr/>
           </a:p>
         </p:txBody>
       </p:sp>
@@ -5655,12 +5884,12 @@
   <p:clrMapOvr>
     <a:masterClrMapping/>
   </p:clrMapOvr>
-  <p:transition xmlns:p14="http://schemas.microsoft.com/office/powerpoint/2010/main" spd="med" advClick="1"/>
+  <p:transition spd="med"/>
 </p:sldLayout>
 </file>
 
 <file path=ppt/slideLayouts/slideLayout8.xml><?xml version="1.0" encoding="utf-8"?>
-<p:sldLayout xmlns:a="http://schemas.openxmlformats.org/drawingml/2006/main" xmlns:r="http://schemas.openxmlformats.org/officeDocument/2006/relationships" xmlns:p="http://schemas.openxmlformats.org/presentationml/2006/main" xmlns:m="http://schemas.openxmlformats.org/officeDocument/2006/math" xmlns:a14="http://schemas.microsoft.com/office/drawing/2010/main" type="tx" showMasterSp="1" showMasterPhAnim="1">
+<p:sldLayout xmlns:a="http://schemas.openxmlformats.org/drawingml/2006/main" xmlns:r="http://schemas.openxmlformats.org/officeDocument/2006/relationships" xmlns:p="http://schemas.openxmlformats.org/presentationml/2006/main" type="tx">
   <p:cSld name="Объект с подписью">
     <p:spTree>
       <p:nvGrpSpPr>
@@ -5679,7 +5908,9 @@
       <p:sp>
         <p:nvSpPr>
           <p:cNvPr id="72" name="Texto del título"/>
-          <p:cNvSpPr txBox="1"/>
+          <p:cNvSpPr txBox="1">
+            <a:spLocks noGrp="1"/>
+          </p:cNvSpPr>
           <p:nvPr>
             <p:ph type="title"/>
           </p:nvPr>
@@ -5697,11 +5928,10 @@
           <a:bodyPr anchor="b"/>
           <a:lstStyle>
             <a:lvl1pPr>
-              <a:defRPr b="1" sz="2000"/>
+              <a:defRPr sz="2000" b="1"/>
             </a:lvl1pPr>
           </a:lstStyle>
           <a:p>
-            <a:pPr/>
             <a:r>
               <a:t>Texto del título</a:t>
             </a:r>
@@ -5711,7 +5941,9 @@
       <p:sp>
         <p:nvSpPr>
           <p:cNvPr id="73" name="Nivel de texto 1…"/>
-          <p:cNvSpPr txBox="1"/>
+          <p:cNvSpPr txBox="1">
+            <a:spLocks noGrp="1"/>
+          </p:cNvSpPr>
           <p:nvPr>
             <p:ph type="body" idx="1"/>
           </p:nvPr>
@@ -5760,7 +5992,6 @@
             </a:lvl5pPr>
           </a:lstStyle>
           <a:p>
-            <a:pPr/>
             <a:r>
               <a:t>Nivel de texto 1</a:t>
             </a:r>
@@ -5794,7 +6025,9 @@
       <p:sp>
         <p:nvSpPr>
           <p:cNvPr id="74" name="Текст 3"/>
-          <p:cNvSpPr/>
+          <p:cNvSpPr>
+            <a:spLocks noGrp="1"/>
+          </p:cNvSpPr>
           <p:nvPr>
             <p:ph type="body" sz="half" idx="13"/>
           </p:nvPr>
@@ -5820,13 +6053,16 @@
               <a:buNone/>
               <a:defRPr sz="1400"/>
             </a:pPr>
+            <a:endParaRPr/>
           </a:p>
         </p:txBody>
       </p:sp>
       <p:sp>
         <p:nvSpPr>
           <p:cNvPr id="75" name="Número de diapositiva"/>
-          <p:cNvSpPr txBox="1"/>
+          <p:cNvSpPr txBox="1">
+            <a:spLocks noGrp="1"/>
+          </p:cNvSpPr>
           <p:nvPr>
             <p:ph type="sldNum" sz="quarter" idx="2"/>
           </p:nvPr>
@@ -5840,8 +6076,10 @@
           <a:bodyPr/>
           <a:lstStyle/>
           <a:p>
-            <a:pPr/>
-            <a:fld id="{86CB4B4D-7CA3-9044-876B-883B54F8677D}" type="slidenum"/>
+            <a:fld id="{86CB4B4D-7CA3-9044-876B-883B54F8677D}" type="slidenum">
+              <a:t>‹Nº›</a:t>
+            </a:fld>
+            <a:endParaRPr/>
           </a:p>
         </p:txBody>
       </p:sp>
@@ -5850,12 +6088,12 @@
   <p:clrMapOvr>
     <a:masterClrMapping/>
   </p:clrMapOvr>
-  <p:transition xmlns:p14="http://schemas.microsoft.com/office/powerpoint/2010/main" spd="med" advClick="1"/>
+  <p:transition spd="med"/>
 </p:sldLayout>
 </file>
 
 <file path=ppt/slideLayouts/slideLayout9.xml><?xml version="1.0" encoding="utf-8"?>
-<p:sldLayout xmlns:a="http://schemas.openxmlformats.org/drawingml/2006/main" xmlns:r="http://schemas.openxmlformats.org/officeDocument/2006/relationships" xmlns:p="http://schemas.openxmlformats.org/presentationml/2006/main" xmlns:m="http://schemas.openxmlformats.org/officeDocument/2006/math" xmlns:a14="http://schemas.microsoft.com/office/drawing/2010/main" type="tx" showMasterSp="1" showMasterPhAnim="1">
+<p:sldLayout xmlns:a="http://schemas.openxmlformats.org/drawingml/2006/main" xmlns:r="http://schemas.openxmlformats.org/officeDocument/2006/relationships" xmlns:p="http://schemas.openxmlformats.org/presentationml/2006/main" type="tx">
   <p:cSld name="Рисунок с подписью">
     <p:spTree>
       <p:nvGrpSpPr>
@@ -5874,7 +6112,9 @@
       <p:sp>
         <p:nvSpPr>
           <p:cNvPr id="82" name="Texto del título"/>
-          <p:cNvSpPr txBox="1"/>
+          <p:cNvSpPr txBox="1">
+            <a:spLocks noGrp="1"/>
+          </p:cNvSpPr>
           <p:nvPr>
             <p:ph type="title"/>
           </p:nvPr>
@@ -5892,11 +6132,10 @@
           <a:bodyPr anchor="b"/>
           <a:lstStyle>
             <a:lvl1pPr>
-              <a:defRPr b="1" sz="2000"/>
+              <a:defRPr sz="2000" b="1"/>
             </a:lvl1pPr>
           </a:lstStyle>
           <a:p>
-            <a:pPr/>
             <a:r>
               <a:t>Texto del título</a:t>
             </a:r>
@@ -5906,7 +6145,9 @@
       <p:sp>
         <p:nvSpPr>
           <p:cNvPr id="83" name="Рисунок 2"/>
-          <p:cNvSpPr/>
+          <p:cNvSpPr>
+            <a:spLocks noGrp="1"/>
+          </p:cNvSpPr>
           <p:nvPr>
             <p:ph type="pic" sz="half" idx="13"/>
           </p:nvPr>
@@ -5926,14 +6167,16 @@
           </a:bodyPr>
           <a:lstStyle/>
           <a:p>
-            <a:pPr/>
+            <a:endParaRPr/>
           </a:p>
         </p:txBody>
       </p:sp>
       <p:sp>
         <p:nvSpPr>
           <p:cNvPr id="84" name="Nivel de texto 1…"/>
-          <p:cNvSpPr txBox="1"/>
+          <p:cNvSpPr txBox="1">
+            <a:spLocks noGrp="1"/>
+          </p:cNvSpPr>
           <p:nvPr>
             <p:ph type="body" sz="quarter" idx="1"/>
           </p:nvPr>
@@ -5992,7 +6235,6 @@
             </a:lvl5pPr>
           </a:lstStyle>
           <a:p>
-            <a:pPr/>
             <a:r>
               <a:t>Nivel de texto 1</a:t>
             </a:r>
@@ -6026,7 +6268,9 @@
       <p:sp>
         <p:nvSpPr>
           <p:cNvPr id="85" name="Número de diapositiva"/>
-          <p:cNvSpPr txBox="1"/>
+          <p:cNvSpPr txBox="1">
+            <a:spLocks noGrp="1"/>
+          </p:cNvSpPr>
           <p:nvPr>
             <p:ph type="sldNum" sz="quarter" idx="2"/>
           </p:nvPr>
@@ -6040,8 +6284,10 @@
           <a:bodyPr/>
           <a:lstStyle/>
           <a:p>
-            <a:pPr/>
-            <a:fld id="{86CB4B4D-7CA3-9044-876B-883B54F8677D}" type="slidenum"/>
+            <a:fld id="{86CB4B4D-7CA3-9044-876B-883B54F8677D}" type="slidenum">
+              <a:t>‹Nº›</a:t>
+            </a:fld>
+            <a:endParaRPr/>
           </a:p>
         </p:txBody>
       </p:sp>
@@ -6050,22 +6296,23 @@
   <p:clrMapOvr>
     <a:masterClrMapping/>
   </p:clrMapOvr>
-  <p:transition xmlns:p14="http://schemas.microsoft.com/office/powerpoint/2010/main" spd="med" advClick="1"/>
+  <p:transition spd="med"/>
 </p:sldLayout>
 </file>
 
 <file path=ppt/slideMasters/slideMaster1.xml><?xml version="1.0" encoding="utf-8"?>
-<p:sldMaster xmlns:a="http://schemas.openxmlformats.org/drawingml/2006/main" xmlns:r="http://schemas.openxmlformats.org/officeDocument/2006/relationships" xmlns:p="http://schemas.openxmlformats.org/presentationml/2006/main" xmlns:m="http://schemas.openxmlformats.org/officeDocument/2006/math" xmlns:a14="http://schemas.microsoft.com/office/drawing/2010/main">
+<p:sldMaster xmlns:a="http://schemas.openxmlformats.org/drawingml/2006/main" xmlns:r="http://schemas.openxmlformats.org/officeDocument/2006/relationships" xmlns:p="http://schemas.openxmlformats.org/presentationml/2006/main">
   <p:cSld>
     <p:bg>
       <p:bgPr>
         <a:blipFill rotWithShape="1">
-          <a:blip r:embed="rId2"/>
-          <a:srcRect l="0" t="0" r="0" b="0"/>
+          <a:blip r:embed="rId36"/>
+          <a:srcRect/>
           <a:stretch>
             <a:fillRect/>
           </a:stretch>
         </a:blipFill>
+        <a:effectLst/>
       </p:bgPr>
     </p:bg>
     <p:spTree>
@@ -6085,7 +6332,9 @@
       <p:sp>
         <p:nvSpPr>
           <p:cNvPr id="2" name="Texto del título"/>
-          <p:cNvSpPr txBox="1"/>
+          <p:cNvSpPr txBox="1">
+            <a:spLocks noGrp="1"/>
+          </p:cNvSpPr>
           <p:nvPr>
             <p:ph type="title"/>
           </p:nvPr>
@@ -6103,17 +6352,16 @@
           </a:ln>
           <a:extLst>
             <a:ext uri="{C572A759-6A51-4108-AA02-DFA0A04FC94B}">
-              <ma14:wrappingTextBoxFlag xmlns:ma14="http://schemas.microsoft.com/office/mac/drawingml/2011/main" val="1"/>
+              <ma14:wrappingTextBoxFlag xmlns:ma14="http://schemas.microsoft.com/office/mac/drawingml/2011/main" xmlns:a14="http://schemas.microsoft.com/office/drawing/2010/main" xmlns:m="http://schemas.openxmlformats.org/officeDocument/2006/math" xmlns="" val="1"/>
             </a:ext>
           </a:extLst>
         </p:spPr>
         <p:txBody>
           <a:bodyPr lIns="45719" rIns="45719" anchor="ctr">
-            <a:normAutofit fontScale="100000" lnSpcReduction="0"/>
+            <a:normAutofit/>
           </a:bodyPr>
           <a:lstStyle/>
           <a:p>
-            <a:pPr/>
             <a:r>
               <a:t>Texto del título</a:t>
             </a:r>
@@ -6123,7 +6371,9 @@
       <p:sp>
         <p:nvSpPr>
           <p:cNvPr id="3" name="Nivel de texto 1…"/>
-          <p:cNvSpPr txBox="1"/>
+          <p:cNvSpPr txBox="1">
+            <a:spLocks noGrp="1"/>
+          </p:cNvSpPr>
           <p:nvPr>
             <p:ph type="body" idx="1"/>
           </p:nvPr>
@@ -6141,17 +6391,16 @@
           </a:ln>
           <a:extLst>
             <a:ext uri="{C572A759-6A51-4108-AA02-DFA0A04FC94B}">
-              <ma14:wrappingTextBoxFlag xmlns:ma14="http://schemas.microsoft.com/office/mac/drawingml/2011/main" val="1"/>
+              <ma14:wrappingTextBoxFlag xmlns:ma14="http://schemas.microsoft.com/office/mac/drawingml/2011/main" xmlns:a14="http://schemas.microsoft.com/office/drawing/2010/main" xmlns:m="http://schemas.openxmlformats.org/officeDocument/2006/math" xmlns="" val="1"/>
             </a:ext>
           </a:extLst>
         </p:spPr>
         <p:txBody>
           <a:bodyPr lIns="45719" rIns="45719">
-            <a:normAutofit fontScale="100000" lnSpcReduction="0"/>
+            <a:normAutofit/>
           </a:bodyPr>
           <a:lstStyle/>
           <a:p>
-            <a:pPr/>
             <a:r>
               <a:t>Nivel de texto 1</a:t>
             </a:r>
@@ -6185,7 +6434,9 @@
       <p:sp>
         <p:nvSpPr>
           <p:cNvPr id="4" name="Número de diapositiva"/>
-          <p:cNvSpPr txBox="1"/>
+          <p:cNvSpPr txBox="1">
+            <a:spLocks noGrp="1"/>
+          </p:cNvSpPr>
           <p:nvPr>
             <p:ph type="sldNum" sz="quarter" idx="2"/>
           </p:nvPr>
@@ -6217,8 +6468,10 @@
             </a:lvl1pPr>
           </a:lstStyle>
           <a:p>
-            <a:pPr/>
-            <a:fld id="{86CB4B4D-7CA3-9044-876B-883B54F8677D}" type="slidenum"/>
+            <a:fld id="{86CB4B4D-7CA3-9044-876B-883B54F8677D}" type="slidenum">
+              <a:t>‹Nº›</a:t>
+            </a:fld>
+            <a:endParaRPr/>
           </a:p>
         </p:txBody>
       </p:sp>
@@ -6226,42 +6479,42 @@
   </p:cSld>
   <p:clrMap bg1="lt1" tx1="dk1" bg2="lt2" tx2="dk2" accent1="accent1" accent2="accent2" accent3="accent3" accent4="accent4" accent5="accent5" accent6="accent6" hlink="hlink" folHlink="folHlink"/>
   <p:sldLayoutIdLst>
-    <p:sldLayoutId id="2147483649" r:id="rId3"/>
-    <p:sldLayoutId id="2147483650" r:id="rId4"/>
-    <p:sldLayoutId id="2147483651" r:id="rId5"/>
-    <p:sldLayoutId id="2147483652" r:id="rId6"/>
-    <p:sldLayoutId id="2147483653" r:id="rId7"/>
-    <p:sldLayoutId id="2147483654" r:id="rId8"/>
-    <p:sldLayoutId id="2147483655" r:id="rId9"/>
-    <p:sldLayoutId id="2147483656" r:id="rId10"/>
-    <p:sldLayoutId id="2147483657" r:id="rId11"/>
-    <p:sldLayoutId id="2147483658" r:id="rId12"/>
-    <p:sldLayoutId id="2147483659" r:id="rId13"/>
-    <p:sldLayoutId id="2147483660" r:id="rId14"/>
-    <p:sldLayoutId id="2147483661" r:id="rId15"/>
-    <p:sldLayoutId id="2147483662" r:id="rId16"/>
-    <p:sldLayoutId id="2147483663" r:id="rId17"/>
-    <p:sldLayoutId id="2147483664" r:id="rId18"/>
-    <p:sldLayoutId id="2147483665" r:id="rId19"/>
-    <p:sldLayoutId id="2147483666" r:id="rId20"/>
-    <p:sldLayoutId id="2147483667" r:id="rId21"/>
-    <p:sldLayoutId id="2147483668" r:id="rId22"/>
-    <p:sldLayoutId id="2147483669" r:id="rId23"/>
-    <p:sldLayoutId id="2147483670" r:id="rId24"/>
-    <p:sldLayoutId id="2147483671" r:id="rId25"/>
-    <p:sldLayoutId id="2147483672" r:id="rId26"/>
-    <p:sldLayoutId id="2147483673" r:id="rId27"/>
-    <p:sldLayoutId id="2147483674" r:id="rId28"/>
-    <p:sldLayoutId id="2147483675" r:id="rId29"/>
-    <p:sldLayoutId id="2147483676" r:id="rId30"/>
-    <p:sldLayoutId id="2147483677" r:id="rId31"/>
-    <p:sldLayoutId id="2147483678" r:id="rId32"/>
-    <p:sldLayoutId id="2147483679" r:id="rId33"/>
-    <p:sldLayoutId id="2147483680" r:id="rId34"/>
-    <p:sldLayoutId id="2147483681" r:id="rId35"/>
-    <p:sldLayoutId id="2147483682" r:id="rId36"/>
+    <p:sldLayoutId id="2147483649" r:id="rId1"/>
+    <p:sldLayoutId id="2147483650" r:id="rId2"/>
+    <p:sldLayoutId id="2147483651" r:id="rId3"/>
+    <p:sldLayoutId id="2147483652" r:id="rId4"/>
+    <p:sldLayoutId id="2147483653" r:id="rId5"/>
+    <p:sldLayoutId id="2147483654" r:id="rId6"/>
+    <p:sldLayoutId id="2147483655" r:id="rId7"/>
+    <p:sldLayoutId id="2147483656" r:id="rId8"/>
+    <p:sldLayoutId id="2147483657" r:id="rId9"/>
+    <p:sldLayoutId id="2147483658" r:id="rId10"/>
+    <p:sldLayoutId id="2147483659" r:id="rId11"/>
+    <p:sldLayoutId id="2147483660" r:id="rId12"/>
+    <p:sldLayoutId id="2147483661" r:id="rId13"/>
+    <p:sldLayoutId id="2147483662" r:id="rId14"/>
+    <p:sldLayoutId id="2147483663" r:id="rId15"/>
+    <p:sldLayoutId id="2147483664" r:id="rId16"/>
+    <p:sldLayoutId id="2147483665" r:id="rId17"/>
+    <p:sldLayoutId id="2147483666" r:id="rId18"/>
+    <p:sldLayoutId id="2147483667" r:id="rId19"/>
+    <p:sldLayoutId id="2147483668" r:id="rId20"/>
+    <p:sldLayoutId id="2147483669" r:id="rId21"/>
+    <p:sldLayoutId id="2147483670" r:id="rId22"/>
+    <p:sldLayoutId id="2147483671" r:id="rId23"/>
+    <p:sldLayoutId id="2147483672" r:id="rId24"/>
+    <p:sldLayoutId id="2147483673" r:id="rId25"/>
+    <p:sldLayoutId id="2147483674" r:id="rId26"/>
+    <p:sldLayoutId id="2147483675" r:id="rId27"/>
+    <p:sldLayoutId id="2147483676" r:id="rId28"/>
+    <p:sldLayoutId id="2147483677" r:id="rId29"/>
+    <p:sldLayoutId id="2147483678" r:id="rId30"/>
+    <p:sldLayoutId id="2147483679" r:id="rId31"/>
+    <p:sldLayoutId id="2147483680" r:id="rId32"/>
+    <p:sldLayoutId id="2147483681" r:id="rId33"/>
+    <p:sldLayoutId id="2147483682" r:id="rId34"/>
   </p:sldLayoutIdLst>
-  <p:transition xmlns:p14="http://schemas.microsoft.com/office/powerpoint/2010/main" spd="med" advClick="1"/>
+  <p:transition spd="med"/>
   <p:txStyles>
     <p:titleStyle>
       <a:lvl1pPr marL="0" marR="0" indent="0" algn="l" defTabSz="914400" rtl="0" latinLnBrk="0">
@@ -6279,7 +6532,7 @@
         <a:buFontTx/>
         <a:buNone/>
         <a:tabLst/>
-        <a:defRPr b="0" baseline="0" cap="none" i="0" spc="0" strike="noStrike" sz="3600" u="none">
+        <a:defRPr sz="3600" b="0" i="0" u="none" strike="noStrike" cap="none" spc="0" baseline="0">
           <a:ln>
             <a:noFill/>
           </a:ln>
@@ -6308,7 +6561,7 @@
         <a:buFontTx/>
         <a:buNone/>
         <a:tabLst/>
-        <a:defRPr b="0" baseline="0" cap="none" i="0" spc="0" strike="noStrike" sz="3600" u="none">
+        <a:defRPr sz="3600" b="0" i="0" u="none" strike="noStrike" cap="none" spc="0" baseline="0">
           <a:ln>
             <a:noFill/>
           </a:ln>
@@ -6337,7 +6590,7 @@
         <a:buFontTx/>
         <a:buNone/>
         <a:tabLst/>
-        <a:defRPr b="0" baseline="0" cap="none" i="0" spc="0" strike="noStrike" sz="3600" u="none">
+        <a:defRPr sz="3600" b="0" i="0" u="none" strike="noStrike" cap="none" spc="0" baseline="0">
           <a:ln>
             <a:noFill/>
           </a:ln>
@@ -6366,7 +6619,7 @@
         <a:buFontTx/>
         <a:buNone/>
         <a:tabLst/>
-        <a:defRPr b="0" baseline="0" cap="none" i="0" spc="0" strike="noStrike" sz="3600" u="none">
+        <a:defRPr sz="3600" b="0" i="0" u="none" strike="noStrike" cap="none" spc="0" baseline="0">
           <a:ln>
             <a:noFill/>
           </a:ln>
@@ -6395,7 +6648,7 @@
         <a:buFontTx/>
         <a:buNone/>
         <a:tabLst/>
-        <a:defRPr b="0" baseline="0" cap="none" i="0" spc="0" strike="noStrike" sz="3600" u="none">
+        <a:defRPr sz="3600" b="0" i="0" u="none" strike="noStrike" cap="none" spc="0" baseline="0">
           <a:ln>
             <a:noFill/>
           </a:ln>
@@ -6424,7 +6677,7 @@
         <a:buFontTx/>
         <a:buNone/>
         <a:tabLst/>
-        <a:defRPr b="0" baseline="0" cap="none" i="0" spc="0" strike="noStrike" sz="3600" u="none">
+        <a:defRPr sz="3600" b="0" i="0" u="none" strike="noStrike" cap="none" spc="0" baseline="0">
           <a:ln>
             <a:noFill/>
           </a:ln>
@@ -6453,7 +6706,7 @@
         <a:buFontTx/>
         <a:buNone/>
         <a:tabLst/>
-        <a:defRPr b="0" baseline="0" cap="none" i="0" spc="0" strike="noStrike" sz="3600" u="none">
+        <a:defRPr sz="3600" b="0" i="0" u="none" strike="noStrike" cap="none" spc="0" baseline="0">
           <a:ln>
             <a:noFill/>
           </a:ln>
@@ -6482,7 +6735,7 @@
         <a:buFontTx/>
         <a:buNone/>
         <a:tabLst/>
-        <a:defRPr b="0" baseline="0" cap="none" i="0" spc="0" strike="noStrike" sz="3600" u="none">
+        <a:defRPr sz="3600" b="0" i="0" u="none" strike="noStrike" cap="none" spc="0" baseline="0">
           <a:ln>
             <a:noFill/>
           </a:ln>
@@ -6511,7 +6764,7 @@
         <a:buFontTx/>
         <a:buNone/>
         <a:tabLst/>
-        <a:defRPr b="0" baseline="0" cap="none" i="0" spc="0" strike="noStrike" sz="3600" u="none">
+        <a:defRPr sz="3600" b="0" i="0" u="none" strike="noStrike" cap="none" spc="0" baseline="0">
           <a:ln>
             <a:noFill/>
           </a:ln>
@@ -6542,7 +6795,7 @@
         <a:buFontTx/>
         <a:buChar char="•"/>
         <a:tabLst/>
-        <a:defRPr b="0" baseline="0" cap="none" i="0" spc="0" strike="noStrike" sz="2000" u="none">
+        <a:defRPr sz="2000" b="0" i="0" u="none" strike="noStrike" cap="none" spc="0" baseline="0">
           <a:ln>
             <a:noFill/>
           </a:ln>
@@ -6571,7 +6824,7 @@
         <a:buFontTx/>
         <a:buChar char="–"/>
         <a:tabLst/>
-        <a:defRPr b="0" baseline="0" cap="none" i="0" spc="0" strike="noStrike" sz="2000" u="none">
+        <a:defRPr sz="2000" b="0" i="0" u="none" strike="noStrike" cap="none" spc="0" baseline="0">
           <a:ln>
             <a:noFill/>
           </a:ln>
@@ -6600,7 +6853,7 @@
         <a:buFontTx/>
         <a:buChar char="•"/>
         <a:tabLst/>
-        <a:defRPr b="0" baseline="0" cap="none" i="0" spc="0" strike="noStrike" sz="2000" u="none">
+        <a:defRPr sz="2000" b="0" i="0" u="none" strike="noStrike" cap="none" spc="0" baseline="0">
           <a:ln>
             <a:noFill/>
           </a:ln>
@@ -6629,7 +6882,7 @@
         <a:buFontTx/>
         <a:buChar char="–"/>
         <a:tabLst/>
-        <a:defRPr b="0" baseline="0" cap="none" i="0" spc="0" strike="noStrike" sz="2000" u="none">
+        <a:defRPr sz="2000" b="0" i="0" u="none" strike="noStrike" cap="none" spc="0" baseline="0">
           <a:ln>
             <a:noFill/>
           </a:ln>
@@ -6658,7 +6911,7 @@
         <a:buFontTx/>
         <a:buChar char="»"/>
         <a:tabLst/>
-        <a:defRPr b="0" baseline="0" cap="none" i="0" spc="0" strike="noStrike" sz="2000" u="none">
+        <a:defRPr sz="2000" b="0" i="0" u="none" strike="noStrike" cap="none" spc="0" baseline="0">
           <a:ln>
             <a:noFill/>
           </a:ln>
@@ -6687,7 +6940,7 @@
         <a:buFontTx/>
         <a:buChar char="»"/>
         <a:tabLst/>
-        <a:defRPr b="0" baseline="0" cap="none" i="0" spc="0" strike="noStrike" sz="2000" u="none">
+        <a:defRPr sz="2000" b="0" i="0" u="none" strike="noStrike" cap="none" spc="0" baseline="0">
           <a:ln>
             <a:noFill/>
           </a:ln>
@@ -6716,7 +6969,7 @@
         <a:buFontTx/>
         <a:buChar char="»"/>
         <a:tabLst/>
-        <a:defRPr b="0" baseline="0" cap="none" i="0" spc="0" strike="noStrike" sz="2000" u="none">
+        <a:defRPr sz="2000" b="0" i="0" u="none" strike="noStrike" cap="none" spc="0" baseline="0">
           <a:ln>
             <a:noFill/>
           </a:ln>
@@ -6745,7 +6998,7 @@
         <a:buFontTx/>
         <a:buChar char="»"/>
         <a:tabLst/>
-        <a:defRPr b="0" baseline="0" cap="none" i="0" spc="0" strike="noStrike" sz="2000" u="none">
+        <a:defRPr sz="2000" b="0" i="0" u="none" strike="noStrike" cap="none" spc="0" baseline="0">
           <a:ln>
             <a:noFill/>
           </a:ln>
@@ -6774,7 +7027,7 @@
         <a:buFontTx/>
         <a:buChar char="»"/>
         <a:tabLst/>
-        <a:defRPr b="0" baseline="0" cap="none" i="0" spc="0" strike="noStrike" sz="2000" u="none">
+        <a:defRPr sz="2000" b="0" i="0" u="none" strike="noStrike" cap="none" spc="0" baseline="0">
           <a:ln>
             <a:noFill/>
           </a:ln>
@@ -6805,7 +7058,7 @@
         <a:buFontTx/>
         <a:buNone/>
         <a:tabLst/>
-        <a:defRPr b="1" baseline="0" cap="none" i="0" spc="0" strike="noStrike" sz="1200" u="none">
+        <a:defRPr sz="1200" b="1" i="0" u="none" strike="noStrike" cap="none" spc="0" baseline="0">
           <a:ln>
             <a:noFill/>
           </a:ln>
@@ -6834,7 +7087,7 @@
         <a:buFontTx/>
         <a:buNone/>
         <a:tabLst/>
-        <a:defRPr b="1" baseline="0" cap="none" i="0" spc="0" strike="noStrike" sz="1200" u="none">
+        <a:defRPr sz="1200" b="1" i="0" u="none" strike="noStrike" cap="none" spc="0" baseline="0">
           <a:ln>
             <a:noFill/>
           </a:ln>
@@ -6863,7 +7116,7 @@
         <a:buFontTx/>
         <a:buNone/>
         <a:tabLst/>
-        <a:defRPr b="1" baseline="0" cap="none" i="0" spc="0" strike="noStrike" sz="1200" u="none">
+        <a:defRPr sz="1200" b="1" i="0" u="none" strike="noStrike" cap="none" spc="0" baseline="0">
           <a:ln>
             <a:noFill/>
           </a:ln>
@@ -6892,7 +7145,7 @@
         <a:buFontTx/>
         <a:buNone/>
         <a:tabLst/>
-        <a:defRPr b="1" baseline="0" cap="none" i="0" spc="0" strike="noStrike" sz="1200" u="none">
+        <a:defRPr sz="1200" b="1" i="0" u="none" strike="noStrike" cap="none" spc="0" baseline="0">
           <a:ln>
             <a:noFill/>
           </a:ln>
@@ -6921,7 +7174,7 @@
         <a:buFontTx/>
         <a:buNone/>
         <a:tabLst/>
-        <a:defRPr b="1" baseline="0" cap="none" i="0" spc="0" strike="noStrike" sz="1200" u="none">
+        <a:defRPr sz="1200" b="1" i="0" u="none" strike="noStrike" cap="none" spc="0" baseline="0">
           <a:ln>
             <a:noFill/>
           </a:ln>
@@ -6950,7 +7203,7 @@
         <a:buFontTx/>
         <a:buNone/>
         <a:tabLst/>
-        <a:defRPr b="1" baseline="0" cap="none" i="0" spc="0" strike="noStrike" sz="1200" u="none">
+        <a:defRPr sz="1200" b="1" i="0" u="none" strike="noStrike" cap="none" spc="0" baseline="0">
           <a:ln>
             <a:noFill/>
           </a:ln>
@@ -6979,7 +7232,7 @@
         <a:buFontTx/>
         <a:buNone/>
         <a:tabLst/>
-        <a:defRPr b="1" baseline="0" cap="none" i="0" spc="0" strike="noStrike" sz="1200" u="none">
+        <a:defRPr sz="1200" b="1" i="0" u="none" strike="noStrike" cap="none" spc="0" baseline="0">
           <a:ln>
             <a:noFill/>
           </a:ln>
@@ -7008,7 +7261,7 @@
         <a:buFontTx/>
         <a:buNone/>
         <a:tabLst/>
-        <a:defRPr b="1" baseline="0" cap="none" i="0" spc="0" strike="noStrike" sz="1200" u="none">
+        <a:defRPr sz="1200" b="1" i="0" u="none" strike="noStrike" cap="none" spc="0" baseline="0">
           <a:ln>
             <a:noFill/>
           </a:ln>
@@ -7037,7 +7290,7 @@
         <a:buFontTx/>
         <a:buNone/>
         <a:tabLst/>
-        <a:defRPr b="1" baseline="0" cap="none" i="0" spc="0" strike="noStrike" sz="1200" u="none">
+        <a:defRPr sz="1200" b="1" i="0" u="none" strike="noStrike" cap="none" spc="0" baseline="0">
           <a:ln>
             <a:noFill/>
           </a:ln>
@@ -7057,7 +7310,7 @@
 </file>
 
 <file path=ppt/slides/slide1.xml><?xml version="1.0" encoding="utf-8"?>
-<p:sld xmlns:a="http://schemas.openxmlformats.org/drawingml/2006/main" xmlns:r="http://schemas.openxmlformats.org/officeDocument/2006/relationships" xmlns:p="http://schemas.openxmlformats.org/presentationml/2006/main" xmlns:m="http://schemas.openxmlformats.org/officeDocument/2006/math" xmlns:a14="http://schemas.microsoft.com/office/drawing/2010/main" showMasterSp="1" showMasterPhAnim="1">
+<p:sld xmlns:a="http://schemas.openxmlformats.org/drawingml/2006/main" xmlns:r="http://schemas.openxmlformats.org/officeDocument/2006/relationships" xmlns:p="http://schemas.openxmlformats.org/presentationml/2006/main">
   <p:cSld>
     <p:spTree>
       <p:nvGrpSpPr>
@@ -7076,15 +7329,17 @@
       <p:sp>
         <p:nvSpPr>
           <p:cNvPr id="323" name="Google Shape;53;p14"/>
-          <p:cNvSpPr txBox="1"/>
+          <p:cNvSpPr txBox="1">
+            <a:spLocks noGrp="1"/>
+          </p:cNvSpPr>
           <p:nvPr>
             <p:ph type="title"/>
           </p:nvPr>
         </p:nvSpPr>
         <p:spPr>
           <a:xfrm>
-            <a:off x="210975" y="1001424"/>
-            <a:ext cx="3455700" cy="2538002"/>
+            <a:off x="0" y="1001424"/>
+            <a:ext cx="3903825" cy="2538002"/>
           </a:xfrm>
           <a:prstGeom prst="rect">
             <a:avLst/>
@@ -7096,10 +7351,23 @@
             <a:lvl1pPr algn="ctr"/>
           </a:lstStyle>
           <a:p>
-            <a:pPr/>
-            <a:r>
-              <a:t>Principio de Responsabilidad Unica</a:t>
-            </a:r>
+            <a:r>
+              <a:rPr dirty="0"/>
+              <a:t>Principio de </a:t>
+            </a:r>
+            <a:r>
+              <a:rPr dirty="0" err="1" smtClean="0"/>
+              <a:t>Responsabilidad</a:t>
+            </a:r>
+            <a:r>
+              <a:rPr lang="es-CR" dirty="0" smtClean="0"/>
+              <a:t> Ú</a:t>
+            </a:r>
+            <a:r>
+              <a:rPr dirty="0" err="1" smtClean="0"/>
+              <a:t>nica</a:t>
+            </a:r>
+            <a:endParaRPr dirty="0"/>
           </a:p>
         </p:txBody>
       </p:sp>
@@ -7112,7 +7380,7 @@
         <p:spPr>
           <a:xfrm>
             <a:off x="-1" y="4383325"/>
-            <a:ext cx="3164402" cy="1300451"/>
+            <a:ext cx="3903826" cy="1015630"/>
           </a:xfrm>
           <a:prstGeom prst="rect">
             <a:avLst/>
@@ -7122,12 +7390,12 @@
           </a:ln>
           <a:extLst>
             <a:ext uri="{C572A759-6A51-4108-AA02-DFA0A04FC94B}">
-              <ma14:wrappingTextBoxFlag xmlns:ma14="http://schemas.microsoft.com/office/mac/drawingml/2011/main" val="1"/>
+              <ma14:wrappingTextBoxFlag xmlns:ma14="http://schemas.microsoft.com/office/mac/drawingml/2011/main" xmlns:a14="http://schemas.microsoft.com/office/drawing/2010/main" xmlns:m="http://schemas.openxmlformats.org/officeDocument/2006/math" xmlns="" val="1"/>
             </a:ext>
           </a:extLst>
         </p:spPr>
         <p:txBody>
-          <a:bodyPr lIns="91424" tIns="91424" rIns="91424" bIns="91424">
+          <a:bodyPr wrap="square" lIns="91424" tIns="91424" rIns="91424" bIns="91424">
             <a:spAutoFit/>
           </a:bodyPr>
           <a:lstStyle/>
@@ -7141,6 +7409,7 @@
               </a:defRPr>
             </a:pPr>
             <a:r>
+              <a:rPr dirty="0"/>
               <a:t>Norlan Esquivel Méndez.</a:t>
             </a:r>
           </a:p>
@@ -7154,6 +7423,7 @@
               </a:defRPr>
             </a:pPr>
             <a:r>
+              <a:rPr dirty="0"/>
               <a:t>Leonardo Chaves Hernández.</a:t>
             </a:r>
           </a:p>
@@ -7167,10 +7437,27 @@
               </a:defRPr>
             </a:pPr>
             <a:r>
-              <a:t>Rafael Cerdas Aburto.</a:t>
-            </a:r>
-            <a:r>
-              <a:rPr>
+              <a:rPr dirty="0"/>
+              <a:t>Rafael </a:t>
+            </a:r>
+            <a:r>
+              <a:rPr dirty="0" err="1"/>
+              <a:t>Cerdas</a:t>
+            </a:r>
+            <a:r>
+              <a:rPr dirty="0"/>
+              <a:t> </a:t>
+            </a:r>
+            <a:r>
+              <a:rPr dirty="0" err="1"/>
+              <a:t>Aburto</a:t>
+            </a:r>
+            <a:r>
+              <a:rPr dirty="0"/>
+              <a:t>.</a:t>
+            </a:r>
+            <a:r>
+              <a:rPr dirty="0">
                 <a:solidFill>
                   <a:schemeClr val="accent3">
                     <a:lumOff val="44000"/>
@@ -7187,12 +7474,12 @@
   <p:clrMapOvr>
     <a:masterClrMapping/>
   </p:clrMapOvr>
-  <p:transition xmlns:p14="http://schemas.microsoft.com/office/powerpoint/2010/main" spd="med" advClick="1"/>
+  <p:transition spd="med"/>
 </p:sld>
 </file>
 
 <file path=ppt/slides/slide2.xml><?xml version="1.0" encoding="utf-8"?>
-<p:sld xmlns:a="http://schemas.openxmlformats.org/drawingml/2006/main" xmlns:r="http://schemas.openxmlformats.org/officeDocument/2006/relationships" xmlns:p="http://schemas.openxmlformats.org/presentationml/2006/main" xmlns:m="http://schemas.openxmlformats.org/officeDocument/2006/math" xmlns:a14="http://schemas.microsoft.com/office/drawing/2010/main" showMasterSp="1" showMasterPhAnim="1">
+<p:sld xmlns:a="http://schemas.openxmlformats.org/drawingml/2006/main" xmlns:r="http://schemas.openxmlformats.org/officeDocument/2006/relationships" xmlns:p="http://schemas.openxmlformats.org/presentationml/2006/main">
   <p:cSld>
     <p:spTree>
       <p:nvGrpSpPr>
@@ -7211,7 +7498,9 @@
       <p:sp>
         <p:nvSpPr>
           <p:cNvPr id="326" name="Google Shape;59;p15"/>
-          <p:cNvSpPr txBox="1"/>
+          <p:cNvSpPr txBox="1">
+            <a:spLocks noGrp="1"/>
+          </p:cNvSpPr>
           <p:nvPr>
             <p:ph type="body" idx="4294967295"/>
           </p:nvPr>
@@ -7229,7 +7518,7 @@
           <a:bodyPr lIns="45699" tIns="45699" rIns="45699" bIns="45699"/>
           <a:lstStyle/>
           <a:p>
-            <a:pPr marL="0" indent="0">
+            <a:pPr marL="0" indent="0" algn="just">
               <a:lnSpc>
                 <a:spcPct val="150000"/>
               </a:lnSpc>
@@ -7248,9 +7537,10 @@
                 <a:sym typeface="Arial"/>
               </a:defRPr>
             </a:pPr>
-          </a:p>
-          <a:p>
-            <a:pPr marL="0" indent="0">
+            <a:endParaRPr dirty="0"/>
+          </a:p>
+          <a:p>
+            <a:pPr marL="0" indent="0" algn="just">
               <a:lnSpc>
                 <a:spcPct val="150000"/>
               </a:lnSpc>
@@ -7266,16 +7556,96 @@
               </a:defRPr>
             </a:pPr>
             <a:r>
-              <a:t>El principio de responsabilidad única es introducido por Robert C. Martín como parte de los principios que conforman el acrónimo de SOLID.</a:t>
-            </a:r>
-            <a:r>
-              <a:rPr sz="1900"/>
+              <a:rPr dirty="0"/>
+              <a:t>El principio de </a:t>
+            </a:r>
+            <a:r>
+              <a:rPr dirty="0" err="1"/>
+              <a:t>responsabilidad</a:t>
+            </a:r>
+            <a:r>
+              <a:rPr dirty="0"/>
               <a:t> </a:t>
             </a:r>
-            <a:endParaRPr sz="1900"/>
-          </a:p>
-          <a:p>
-            <a:pPr marL="0" indent="0">
+            <a:r>
+              <a:rPr dirty="0" err="1"/>
+              <a:t>única</a:t>
+            </a:r>
+            <a:r>
+              <a:rPr dirty="0"/>
+              <a:t> </a:t>
+            </a:r>
+            <a:r>
+              <a:rPr dirty="0" err="1"/>
+              <a:t>es</a:t>
+            </a:r>
+            <a:r>
+              <a:rPr dirty="0"/>
+              <a:t> </a:t>
+            </a:r>
+            <a:r>
+              <a:rPr dirty="0" err="1"/>
+              <a:t>introducido</a:t>
+            </a:r>
+            <a:r>
+              <a:rPr dirty="0"/>
+              <a:t> </a:t>
+            </a:r>
+            <a:r>
+              <a:rPr dirty="0" err="1"/>
+              <a:t>por</a:t>
+            </a:r>
+            <a:r>
+              <a:rPr dirty="0"/>
+              <a:t> Robert C. Martín </a:t>
+            </a:r>
+            <a:r>
+              <a:rPr dirty="0" err="1"/>
+              <a:t>como</a:t>
+            </a:r>
+            <a:r>
+              <a:rPr dirty="0"/>
+              <a:t> parte de </a:t>
+            </a:r>
+            <a:r>
+              <a:rPr dirty="0" err="1"/>
+              <a:t>los</a:t>
+            </a:r>
+            <a:r>
+              <a:rPr dirty="0"/>
+              <a:t> </a:t>
+            </a:r>
+            <a:r>
+              <a:rPr dirty="0" err="1"/>
+              <a:t>principios</a:t>
+            </a:r>
+            <a:r>
+              <a:rPr dirty="0"/>
+              <a:t> que </a:t>
+            </a:r>
+            <a:r>
+              <a:rPr dirty="0" err="1"/>
+              <a:t>conforman</a:t>
+            </a:r>
+            <a:r>
+              <a:rPr dirty="0"/>
+              <a:t> el </a:t>
+            </a:r>
+            <a:r>
+              <a:rPr dirty="0" err="1"/>
+              <a:t>acrónimo</a:t>
+            </a:r>
+            <a:r>
+              <a:rPr dirty="0"/>
+              <a:t> de SOLID.</a:t>
+            </a:r>
+            <a:r>
+              <a:rPr sz="1900" dirty="0"/>
+              <a:t> </a:t>
+            </a:r>
+          </a:p>
+          <a:p>
+            <a:pPr marL="0" indent="0" algn="just">
               <a:lnSpc>
                 <a:spcPct val="150000"/>
               </a:lnSpc>
@@ -7290,9 +7660,10 @@
                 </a:solidFill>
               </a:defRPr>
             </a:pPr>
-          </a:p>
-          <a:p>
-            <a:pPr marL="0" indent="0">
+            <a:endParaRPr sz="1900" dirty="0"/>
+          </a:p>
+          <a:p>
+            <a:pPr marL="0" indent="0" algn="just">
               <a:lnSpc>
                 <a:spcPct val="115000"/>
               </a:lnSpc>
@@ -7308,7 +7679,136 @@
               </a:defRPr>
             </a:pPr>
             <a:r>
-              <a:t>SOLID representa los 5 principios básicos de la programación orientada a objetos, al aplicar estos 5 principios que conforman SOLID se puede conseguir un código más estable y flexible.</a:t>
+              <a:rPr dirty="0"/>
+              <a:t>SOLID </a:t>
+            </a:r>
+            <a:r>
+              <a:rPr dirty="0" err="1"/>
+              <a:t>representa</a:t>
+            </a:r>
+            <a:r>
+              <a:rPr dirty="0"/>
+              <a:t> </a:t>
+            </a:r>
+            <a:r>
+              <a:rPr dirty="0" err="1"/>
+              <a:t>los</a:t>
+            </a:r>
+            <a:r>
+              <a:rPr dirty="0"/>
+              <a:t> 5 </a:t>
+            </a:r>
+            <a:r>
+              <a:rPr dirty="0" err="1"/>
+              <a:t>principios</a:t>
+            </a:r>
+            <a:r>
+              <a:rPr dirty="0"/>
+              <a:t> </a:t>
+            </a:r>
+            <a:r>
+              <a:rPr dirty="0" err="1"/>
+              <a:t>básicos</a:t>
+            </a:r>
+            <a:r>
+              <a:rPr dirty="0"/>
+              <a:t> de la </a:t>
+            </a:r>
+            <a:r>
+              <a:rPr dirty="0" err="1"/>
+              <a:t>programación</a:t>
+            </a:r>
+            <a:r>
+              <a:rPr dirty="0"/>
+              <a:t> </a:t>
+            </a:r>
+            <a:r>
+              <a:rPr dirty="0" err="1"/>
+              <a:t>orientada</a:t>
+            </a:r>
+            <a:r>
+              <a:rPr dirty="0"/>
+              <a:t> a </a:t>
+            </a:r>
+            <a:r>
+              <a:rPr dirty="0" err="1"/>
+              <a:t>objetos</a:t>
+            </a:r>
+            <a:r>
+              <a:rPr dirty="0"/>
+              <a:t>, al </a:t>
+            </a:r>
+            <a:r>
+              <a:rPr dirty="0" err="1"/>
+              <a:t>aplicar</a:t>
+            </a:r>
+            <a:r>
+              <a:rPr dirty="0"/>
+              <a:t> </a:t>
+            </a:r>
+            <a:r>
+              <a:rPr dirty="0" err="1"/>
+              <a:t>estos</a:t>
+            </a:r>
+            <a:r>
+              <a:rPr dirty="0"/>
+              <a:t> 5 </a:t>
+            </a:r>
+            <a:r>
+              <a:rPr dirty="0" err="1"/>
+              <a:t>principios</a:t>
+            </a:r>
+            <a:r>
+              <a:rPr dirty="0"/>
+              <a:t> que </a:t>
+            </a:r>
+            <a:r>
+              <a:rPr dirty="0" err="1"/>
+              <a:t>conforman</a:t>
+            </a:r>
+            <a:r>
+              <a:rPr dirty="0"/>
+              <a:t> SOLID se </a:t>
+            </a:r>
+            <a:r>
+              <a:rPr dirty="0" err="1"/>
+              <a:t>puede</a:t>
+            </a:r>
+            <a:r>
+              <a:rPr dirty="0"/>
+              <a:t> </a:t>
+            </a:r>
+            <a:r>
+              <a:rPr dirty="0" err="1"/>
+              <a:t>conseguir</a:t>
+            </a:r>
+            <a:r>
+              <a:rPr dirty="0"/>
+              <a:t> un </a:t>
+            </a:r>
+            <a:r>
+              <a:rPr dirty="0" err="1"/>
+              <a:t>código</a:t>
+            </a:r>
+            <a:r>
+              <a:rPr dirty="0"/>
+              <a:t> </a:t>
+            </a:r>
+            <a:r>
+              <a:rPr dirty="0" err="1"/>
+              <a:t>más</a:t>
+            </a:r>
+            <a:r>
+              <a:rPr dirty="0"/>
+              <a:t> </a:t>
+            </a:r>
+            <a:r>
+              <a:rPr dirty="0" err="1"/>
+              <a:t>estable</a:t>
+            </a:r>
+            <a:r>
+              <a:rPr dirty="0"/>
+              <a:t> y flexible.</a:t>
             </a:r>
           </a:p>
         </p:txBody>
@@ -7318,12 +7818,12 @@
   <p:clrMapOvr>
     <a:masterClrMapping/>
   </p:clrMapOvr>
-  <p:transition xmlns:p14="http://schemas.microsoft.com/office/powerpoint/2010/main" spd="med" advClick="1"/>
+  <p:transition spd="med"/>
 </p:sld>
 </file>
 
 <file path=ppt/slides/slide3.xml><?xml version="1.0" encoding="utf-8"?>
-<p:sld xmlns:a="http://schemas.openxmlformats.org/drawingml/2006/main" xmlns:r="http://schemas.openxmlformats.org/officeDocument/2006/relationships" xmlns:p="http://schemas.openxmlformats.org/presentationml/2006/main" xmlns:m="http://schemas.openxmlformats.org/officeDocument/2006/math" xmlns:a14="http://schemas.microsoft.com/office/drawing/2010/main" showMasterSp="1" showMasterPhAnim="1">
+<p:sld xmlns:a="http://schemas.openxmlformats.org/drawingml/2006/main" xmlns:r="http://schemas.openxmlformats.org/officeDocument/2006/relationships" xmlns:p="http://schemas.openxmlformats.org/presentationml/2006/main">
   <p:cSld>
     <p:spTree>
       <p:nvGrpSpPr>
@@ -7342,7 +7842,9 @@
       <p:sp>
         <p:nvSpPr>
           <p:cNvPr id="328" name="Google Shape;64;p16"/>
-          <p:cNvSpPr txBox="1"/>
+          <p:cNvSpPr txBox="1">
+            <a:spLocks noGrp="1"/>
+          </p:cNvSpPr>
           <p:nvPr>
             <p:ph type="body" sz="half" idx="4294967295"/>
           </p:nvPr>
@@ -7357,7 +7859,9 @@
           </a:prstGeom>
         </p:spPr>
         <p:txBody>
-          <a:bodyPr lIns="45699" tIns="45699" rIns="45699" bIns="45699"/>
+          <a:bodyPr lIns="45699" tIns="45699" rIns="45699" bIns="45699">
+            <a:normAutofit lnSpcReduction="10000"/>
+          </a:bodyPr>
           <a:lstStyle/>
           <a:p>
             <a:pPr marL="0" indent="0" defTabSz="886968">
@@ -7375,9 +7879,10 @@
                 </a:solidFill>
               </a:defRPr>
             </a:pPr>
-          </a:p>
-          <a:p>
-            <a:pPr marL="0" indent="0" defTabSz="886968">
+            <a:endParaRPr dirty="0"/>
+          </a:p>
+          <a:p>
+            <a:pPr marL="0" indent="0" algn="just" defTabSz="886968">
               <a:lnSpc>
                 <a:spcPct val="150000"/>
               </a:lnSpc>
@@ -7393,11 +7898,44 @@
               </a:defRPr>
             </a:pPr>
             <a:r>
-              <a:t>El principio de responsabilidad única es el primero de ellos.</a:t>
-            </a:r>
-          </a:p>
-          <a:p>
-            <a:pPr marL="0" indent="0" defTabSz="886968">
+              <a:rPr dirty="0"/>
+              <a:t>El principio de </a:t>
+            </a:r>
+            <a:r>
+              <a:rPr dirty="0" err="1"/>
+              <a:t>responsabilidad</a:t>
+            </a:r>
+            <a:r>
+              <a:rPr dirty="0"/>
+              <a:t> </a:t>
+            </a:r>
+            <a:r>
+              <a:rPr dirty="0" err="1"/>
+              <a:t>única</a:t>
+            </a:r>
+            <a:r>
+              <a:rPr dirty="0"/>
+              <a:t> </a:t>
+            </a:r>
+            <a:r>
+              <a:rPr dirty="0" err="1"/>
+              <a:t>es</a:t>
+            </a:r>
+            <a:r>
+              <a:rPr dirty="0"/>
+              <a:t> el primero de </a:t>
+            </a:r>
+            <a:r>
+              <a:rPr dirty="0" err="1"/>
+              <a:t>ellos</a:t>
+            </a:r>
+            <a:r>
+              <a:rPr dirty="0"/>
+              <a:t>.</a:t>
+            </a:r>
+          </a:p>
+          <a:p>
+            <a:pPr marL="0" indent="0" algn="just" defTabSz="886968">
               <a:lnSpc>
                 <a:spcPct val="150000"/>
               </a:lnSpc>
@@ -7413,7 +7951,160 @@
               </a:defRPr>
             </a:pPr>
             <a:r>
-              <a:t>Este principio lo que nos dice básicamente es que una clase solamente debería tener una razón para cambiar. “No debe existir más que una razón para que una clase cambie.”</a:t>
+              <a:rPr dirty="0"/>
+              <a:t>Este principio lo que </a:t>
+            </a:r>
+            <a:r>
+              <a:rPr dirty="0" err="1"/>
+              <a:t>nos</a:t>
+            </a:r>
+            <a:r>
+              <a:rPr dirty="0"/>
+              <a:t> dice </a:t>
+            </a:r>
+            <a:r>
+              <a:rPr dirty="0" err="1"/>
+              <a:t>básicamente</a:t>
+            </a:r>
+            <a:r>
+              <a:rPr dirty="0"/>
+              <a:t> </a:t>
+            </a:r>
+            <a:r>
+              <a:rPr dirty="0" err="1"/>
+              <a:t>es</a:t>
+            </a:r>
+            <a:r>
+              <a:rPr dirty="0"/>
+              <a:t> que </a:t>
+            </a:r>
+            <a:r>
+              <a:rPr dirty="0" err="1"/>
+              <a:t>una</a:t>
+            </a:r>
+            <a:r>
+              <a:rPr dirty="0"/>
+              <a:t> </a:t>
+            </a:r>
+            <a:r>
+              <a:rPr dirty="0" err="1"/>
+              <a:t>clase</a:t>
+            </a:r>
+            <a:r>
+              <a:rPr dirty="0"/>
+              <a:t> </a:t>
+            </a:r>
+            <a:r>
+              <a:rPr dirty="0" err="1"/>
+              <a:t>solamente</a:t>
+            </a:r>
+            <a:r>
+              <a:rPr dirty="0"/>
+              <a:t> </a:t>
+            </a:r>
+            <a:r>
+              <a:rPr dirty="0" err="1"/>
+              <a:t>debería</a:t>
+            </a:r>
+            <a:r>
+              <a:rPr dirty="0"/>
+              <a:t> </a:t>
+            </a:r>
+            <a:r>
+              <a:rPr dirty="0" err="1"/>
+              <a:t>tener</a:t>
+            </a:r>
+            <a:r>
+              <a:rPr dirty="0"/>
+              <a:t> </a:t>
+            </a:r>
+            <a:r>
+              <a:rPr dirty="0" err="1"/>
+              <a:t>una</a:t>
+            </a:r>
+            <a:r>
+              <a:rPr dirty="0"/>
+              <a:t> </a:t>
+            </a:r>
+            <a:r>
+              <a:rPr dirty="0" err="1"/>
+              <a:t>razón</a:t>
+            </a:r>
+            <a:r>
+              <a:rPr dirty="0"/>
+              <a:t> para </a:t>
+            </a:r>
+            <a:r>
+              <a:rPr dirty="0" err="1"/>
+              <a:t>cambiar</a:t>
+            </a:r>
+            <a:r>
+              <a:rPr dirty="0"/>
+              <a:t>. “No </a:t>
+            </a:r>
+            <a:r>
+              <a:rPr dirty="0" err="1"/>
+              <a:t>debe</a:t>
+            </a:r>
+            <a:r>
+              <a:rPr dirty="0"/>
+              <a:t> </a:t>
+            </a:r>
+            <a:r>
+              <a:rPr dirty="0" err="1"/>
+              <a:t>existir</a:t>
+            </a:r>
+            <a:r>
+              <a:rPr dirty="0"/>
+              <a:t> </a:t>
+            </a:r>
+            <a:r>
+              <a:rPr dirty="0" err="1"/>
+              <a:t>más</a:t>
+            </a:r>
+            <a:r>
+              <a:rPr dirty="0"/>
+              <a:t> que </a:t>
+            </a:r>
+            <a:r>
+              <a:rPr dirty="0" err="1"/>
+              <a:t>una</a:t>
+            </a:r>
+            <a:r>
+              <a:rPr dirty="0"/>
+              <a:t> </a:t>
+            </a:r>
+            <a:r>
+              <a:rPr dirty="0" err="1"/>
+              <a:t>razón</a:t>
+            </a:r>
+            <a:r>
+              <a:rPr dirty="0"/>
+              <a:t> para que </a:t>
+            </a:r>
+            <a:r>
+              <a:rPr dirty="0" err="1"/>
+              <a:t>una</a:t>
+            </a:r>
+            <a:r>
+              <a:rPr dirty="0"/>
+              <a:t> </a:t>
+            </a:r>
+            <a:r>
+              <a:rPr dirty="0" err="1"/>
+              <a:t>clase</a:t>
+            </a:r>
+            <a:r>
+              <a:rPr dirty="0"/>
+              <a:t> </a:t>
+            </a:r>
+            <a:r>
+              <a:rPr dirty="0" err="1"/>
+              <a:t>cambie</a:t>
+            </a:r>
+            <a:r>
+              <a:rPr dirty="0"/>
+              <a:t>.”</a:t>
             </a:r>
           </a:p>
         </p:txBody>
@@ -7423,12 +8114,12 @@
   <p:clrMapOvr>
     <a:masterClrMapping/>
   </p:clrMapOvr>
-  <p:transition xmlns:p14="http://schemas.microsoft.com/office/powerpoint/2010/main" spd="med" advClick="1"/>
+  <p:transition spd="med"/>
 </p:sld>
 </file>
 
 <file path=ppt/slides/slide4.xml><?xml version="1.0" encoding="utf-8"?>
-<p:sld xmlns:a="http://schemas.openxmlformats.org/drawingml/2006/main" xmlns:r="http://schemas.openxmlformats.org/officeDocument/2006/relationships" xmlns:p="http://schemas.openxmlformats.org/presentationml/2006/main" xmlns:m="http://schemas.openxmlformats.org/officeDocument/2006/math" xmlns:a14="http://schemas.microsoft.com/office/drawing/2010/main" showMasterSp="1" showMasterPhAnim="1">
+<p:sld xmlns:a="http://schemas.openxmlformats.org/drawingml/2006/main" xmlns:r="http://schemas.openxmlformats.org/officeDocument/2006/relationships" xmlns:p="http://schemas.openxmlformats.org/presentationml/2006/main">
   <p:cSld>
     <p:spTree>
       <p:nvGrpSpPr>
@@ -7447,7 +8138,9 @@
       <p:sp>
         <p:nvSpPr>
           <p:cNvPr id="330" name="Google Shape;69;p17"/>
-          <p:cNvSpPr txBox="1"/>
+          <p:cNvSpPr txBox="1">
+            <a:spLocks noGrp="1"/>
+          </p:cNvSpPr>
           <p:nvPr>
             <p:ph type="body" idx="4294967295"/>
           </p:nvPr>
@@ -7455,17 +8148,19 @@
         <p:spPr>
           <a:xfrm>
             <a:off x="407999" y="1041100"/>
-            <a:ext cx="6664202" cy="4065600"/>
+            <a:ext cx="6339165" cy="4065600"/>
           </a:xfrm>
           <a:prstGeom prst="rect">
             <a:avLst/>
           </a:prstGeom>
         </p:spPr>
         <p:txBody>
-          <a:bodyPr lIns="45699" tIns="45699" rIns="45699" bIns="45699"/>
+          <a:bodyPr lIns="45699" tIns="45699" rIns="45699" bIns="45699">
+            <a:normAutofit lnSpcReduction="10000"/>
+          </a:bodyPr>
           <a:lstStyle/>
           <a:p>
-            <a:pPr marL="0" indent="0" defTabSz="813816">
+            <a:pPr marL="0" indent="0" algn="just" defTabSz="813816">
               <a:lnSpc>
                 <a:spcPct val="150000"/>
               </a:lnSpc>
@@ -7480,9 +8175,10 @@
                 </a:solidFill>
               </a:defRPr>
             </a:pPr>
-          </a:p>
-          <a:p>
-            <a:pPr marL="0" indent="0" defTabSz="813816">
+            <a:endParaRPr dirty="0"/>
+          </a:p>
+          <a:p>
+            <a:pPr marL="0" indent="0" algn="just" defTabSz="813816">
               <a:lnSpc>
                 <a:spcPct val="150000"/>
               </a:lnSpc>
@@ -7498,11 +8194,292 @@
               </a:defRPr>
             </a:pPr>
             <a:r>
-              <a:t>Al incumplir este principio a la hora de crear código, hace el código más difícil, tanto de modificar así como de darle mantenimiento. Ya que si no se cumple este principio, a la hora de hacer un cambio en alguna parte del código puede que afecte directa o indirectamente a otra parte del mismo código que no necesariamente tenga alguna relación con el cambio anterior.</a:t>
-            </a:r>
-          </a:p>
-          <a:p>
-            <a:pPr marL="0" indent="0" defTabSz="813816">
+              <a:rPr dirty="0"/>
+              <a:t>Al </a:t>
+            </a:r>
+            <a:r>
+              <a:rPr dirty="0" err="1"/>
+              <a:t>incumplir</a:t>
+            </a:r>
+            <a:r>
+              <a:rPr dirty="0"/>
+              <a:t> </a:t>
+            </a:r>
+            <a:r>
+              <a:rPr dirty="0" err="1"/>
+              <a:t>este</a:t>
+            </a:r>
+            <a:r>
+              <a:rPr dirty="0"/>
+              <a:t> principio a la hora de </a:t>
+            </a:r>
+            <a:r>
+              <a:rPr dirty="0" err="1"/>
+              <a:t>crear</a:t>
+            </a:r>
+            <a:r>
+              <a:rPr dirty="0"/>
+              <a:t> </a:t>
+            </a:r>
+            <a:r>
+              <a:rPr dirty="0" err="1"/>
+              <a:t>código</a:t>
+            </a:r>
+            <a:r>
+              <a:rPr dirty="0"/>
+              <a:t>, </a:t>
+            </a:r>
+            <a:r>
+              <a:rPr dirty="0" err="1"/>
+              <a:t>hace</a:t>
+            </a:r>
+            <a:r>
+              <a:rPr dirty="0"/>
+              <a:t> el </a:t>
+            </a:r>
+            <a:r>
+              <a:rPr dirty="0" err="1"/>
+              <a:t>código</a:t>
+            </a:r>
+            <a:r>
+              <a:rPr dirty="0"/>
+              <a:t> </a:t>
+            </a:r>
+            <a:r>
+              <a:rPr dirty="0" err="1"/>
+              <a:t>más</a:t>
+            </a:r>
+            <a:r>
+              <a:rPr dirty="0"/>
+              <a:t> </a:t>
+            </a:r>
+            <a:r>
+              <a:rPr dirty="0" err="1"/>
+              <a:t>difícil</a:t>
+            </a:r>
+            <a:r>
+              <a:rPr dirty="0"/>
+              <a:t>, </a:t>
+            </a:r>
+            <a:r>
+              <a:rPr dirty="0" err="1"/>
+              <a:t>tanto</a:t>
+            </a:r>
+            <a:r>
+              <a:rPr dirty="0"/>
+              <a:t> de </a:t>
+            </a:r>
+            <a:r>
+              <a:rPr dirty="0" err="1"/>
+              <a:t>modificar</a:t>
+            </a:r>
+            <a:r>
+              <a:rPr dirty="0"/>
+              <a:t> </a:t>
+            </a:r>
+            <a:r>
+              <a:rPr dirty="0" err="1"/>
+              <a:t>así</a:t>
+            </a:r>
+            <a:r>
+              <a:rPr dirty="0"/>
+              <a:t> </a:t>
+            </a:r>
+            <a:r>
+              <a:rPr dirty="0" err="1"/>
+              <a:t>como</a:t>
+            </a:r>
+            <a:r>
+              <a:rPr dirty="0"/>
+              <a:t> de </a:t>
+            </a:r>
+            <a:r>
+              <a:rPr dirty="0" err="1"/>
+              <a:t>darle</a:t>
+            </a:r>
+            <a:r>
+              <a:rPr dirty="0"/>
+              <a:t> </a:t>
+            </a:r>
+            <a:r>
+              <a:rPr dirty="0" err="1"/>
+              <a:t>mantenimiento</a:t>
+            </a:r>
+            <a:r>
+              <a:rPr dirty="0"/>
+              <a:t>. </a:t>
+            </a:r>
+            <a:r>
+              <a:rPr dirty="0" err="1"/>
+              <a:t>Ya</a:t>
+            </a:r>
+            <a:r>
+              <a:rPr dirty="0"/>
+              <a:t> que </a:t>
+            </a:r>
+            <a:r>
+              <a:rPr dirty="0" err="1"/>
+              <a:t>si</a:t>
+            </a:r>
+            <a:r>
+              <a:rPr dirty="0"/>
+              <a:t> no se </a:t>
+            </a:r>
+            <a:r>
+              <a:rPr dirty="0" err="1"/>
+              <a:t>cumple</a:t>
+            </a:r>
+            <a:r>
+              <a:rPr dirty="0"/>
+              <a:t> </a:t>
+            </a:r>
+            <a:r>
+              <a:rPr dirty="0" err="1"/>
+              <a:t>este</a:t>
+            </a:r>
+            <a:r>
+              <a:rPr dirty="0"/>
+              <a:t> principio, a la hora de </a:t>
+            </a:r>
+            <a:r>
+              <a:rPr dirty="0" err="1"/>
+              <a:t>hacer</a:t>
+            </a:r>
+            <a:r>
+              <a:rPr dirty="0"/>
+              <a:t> un </a:t>
+            </a:r>
+            <a:r>
+              <a:rPr dirty="0" err="1"/>
+              <a:t>cambio</a:t>
+            </a:r>
+            <a:r>
+              <a:rPr dirty="0"/>
+              <a:t> </a:t>
+            </a:r>
+            <a:r>
+              <a:rPr dirty="0" err="1"/>
+              <a:t>en</a:t>
+            </a:r>
+            <a:r>
+              <a:rPr dirty="0"/>
+              <a:t> </a:t>
+            </a:r>
+            <a:r>
+              <a:rPr dirty="0" err="1"/>
+              <a:t>alguna</a:t>
+            </a:r>
+            <a:r>
+              <a:rPr dirty="0"/>
+              <a:t> parte del </a:t>
+            </a:r>
+            <a:r>
+              <a:rPr dirty="0" err="1"/>
+              <a:t>código</a:t>
+            </a:r>
+            <a:r>
+              <a:rPr dirty="0"/>
+              <a:t> </a:t>
+            </a:r>
+            <a:r>
+              <a:rPr dirty="0" err="1"/>
+              <a:t>puede</a:t>
+            </a:r>
+            <a:r>
+              <a:rPr dirty="0"/>
+              <a:t> que </a:t>
+            </a:r>
+            <a:r>
+              <a:rPr dirty="0" err="1"/>
+              <a:t>afecte</a:t>
+            </a:r>
+            <a:r>
+              <a:rPr dirty="0"/>
+              <a:t> </a:t>
+            </a:r>
+            <a:r>
+              <a:rPr dirty="0" err="1"/>
+              <a:t>directa</a:t>
+            </a:r>
+            <a:r>
+              <a:rPr dirty="0"/>
+              <a:t> o </a:t>
+            </a:r>
+            <a:r>
+              <a:rPr dirty="0" err="1"/>
+              <a:t>indirectamente</a:t>
+            </a:r>
+            <a:r>
+              <a:rPr dirty="0"/>
+              <a:t> a </a:t>
+            </a:r>
+            <a:r>
+              <a:rPr dirty="0" err="1"/>
+              <a:t>otra</a:t>
+            </a:r>
+            <a:r>
+              <a:rPr dirty="0"/>
+              <a:t> parte del </a:t>
+            </a:r>
+            <a:r>
+              <a:rPr dirty="0" err="1"/>
+              <a:t>mismo</a:t>
+            </a:r>
+            <a:r>
+              <a:rPr dirty="0"/>
+              <a:t> </a:t>
+            </a:r>
+            <a:r>
+              <a:rPr dirty="0" err="1"/>
+              <a:t>código</a:t>
+            </a:r>
+            <a:r>
+              <a:rPr dirty="0"/>
+              <a:t> que no </a:t>
+            </a:r>
+            <a:r>
+              <a:rPr dirty="0" err="1"/>
+              <a:t>necesariamente</a:t>
+            </a:r>
+            <a:r>
+              <a:rPr dirty="0"/>
+              <a:t> </a:t>
+            </a:r>
+            <a:r>
+              <a:rPr dirty="0" err="1"/>
+              <a:t>tenga</a:t>
+            </a:r>
+            <a:r>
+              <a:rPr dirty="0"/>
+              <a:t> </a:t>
+            </a:r>
+            <a:r>
+              <a:rPr dirty="0" err="1"/>
+              <a:t>alguna</a:t>
+            </a:r>
+            <a:r>
+              <a:rPr dirty="0"/>
+              <a:t> </a:t>
+            </a:r>
+            <a:r>
+              <a:rPr dirty="0" err="1"/>
+              <a:t>relación</a:t>
+            </a:r>
+            <a:r>
+              <a:rPr dirty="0"/>
+              <a:t> con el </a:t>
+            </a:r>
+            <a:r>
+              <a:rPr dirty="0" err="1"/>
+              <a:t>cambio</a:t>
+            </a:r>
+            <a:r>
+              <a:rPr dirty="0"/>
+              <a:t> anterior.</a:t>
+            </a:r>
+          </a:p>
+          <a:p>
+            <a:pPr marL="0" indent="0" algn="just" defTabSz="813816">
               <a:lnSpc>
                 <a:spcPct val="150000"/>
               </a:lnSpc>
@@ -7518,7 +8495,88 @@
               </a:defRPr>
             </a:pPr>
             <a:r>
-              <a:t> Por eso no se debe tener múltiples responsabilidades en una misma clase.</a:t>
+              <a:rPr dirty="0"/>
+              <a:t> </a:t>
+            </a:r>
+            <a:r>
+              <a:rPr dirty="0" err="1"/>
+              <a:t>Por</a:t>
+            </a:r>
+            <a:r>
+              <a:rPr dirty="0"/>
+              <a:t> </a:t>
+            </a:r>
+            <a:r>
+              <a:rPr dirty="0" err="1"/>
+              <a:t>eso</a:t>
+            </a:r>
+            <a:r>
+              <a:rPr dirty="0"/>
+              <a:t> no se </a:t>
+            </a:r>
+            <a:r>
+              <a:rPr dirty="0" err="1"/>
+              <a:t>debe</a:t>
+            </a:r>
+            <a:r>
+              <a:rPr dirty="0"/>
+              <a:t> </a:t>
+            </a:r>
+            <a:r>
+              <a:rPr dirty="0" err="1"/>
+              <a:t>tener</a:t>
+            </a:r>
+            <a:r>
+              <a:rPr dirty="0"/>
+              <a:t> </a:t>
+            </a:r>
+            <a:r>
+              <a:rPr dirty="0" err="1"/>
+              <a:t>múltiples</a:t>
+            </a:r>
+            <a:r>
+              <a:rPr dirty="0"/>
+              <a:t> </a:t>
+            </a:r>
+            <a:r>
+              <a:rPr dirty="0" err="1"/>
+              <a:t>responsabilidades</a:t>
+            </a:r>
+            <a:r>
+              <a:rPr dirty="0"/>
+              <a:t> </a:t>
+            </a:r>
+            <a:r>
+              <a:rPr dirty="0" err="1"/>
+              <a:t>en</a:t>
+            </a:r>
+            <a:r>
+              <a:rPr dirty="0"/>
+              <a:t> </a:t>
+            </a:r>
+            <a:r>
+              <a:rPr dirty="0" err="1"/>
+              <a:t>una</a:t>
+            </a:r>
+            <a:r>
+              <a:rPr dirty="0"/>
+              <a:t> </a:t>
+            </a:r>
+            <a:r>
+              <a:rPr dirty="0" err="1"/>
+              <a:t>misma</a:t>
+            </a:r>
+            <a:r>
+              <a:rPr dirty="0"/>
+              <a:t> </a:t>
+            </a:r>
+            <a:r>
+              <a:rPr dirty="0" err="1"/>
+              <a:t>clase</a:t>
+            </a:r>
+            <a:r>
+              <a:rPr dirty="0"/>
+              <a:t>.</a:t>
             </a:r>
           </a:p>
         </p:txBody>
@@ -7528,12 +8586,12 @@
   <p:clrMapOvr>
     <a:masterClrMapping/>
   </p:clrMapOvr>
-  <p:transition xmlns:p14="http://schemas.microsoft.com/office/powerpoint/2010/main" spd="med" advClick="1"/>
+  <p:transition spd="med"/>
 </p:sld>
 </file>
 
 <file path=ppt/slides/slide5.xml><?xml version="1.0" encoding="utf-8"?>
-<p:sld xmlns:a="http://schemas.openxmlformats.org/drawingml/2006/main" xmlns:r="http://schemas.openxmlformats.org/officeDocument/2006/relationships" xmlns:p="http://schemas.openxmlformats.org/presentationml/2006/main" xmlns:m="http://schemas.openxmlformats.org/officeDocument/2006/math" xmlns:a14="http://schemas.microsoft.com/office/drawing/2010/main" showMasterSp="1" showMasterPhAnim="1">
+<p:sld xmlns:a="http://schemas.openxmlformats.org/drawingml/2006/main" xmlns:r="http://schemas.openxmlformats.org/officeDocument/2006/relationships" xmlns:p="http://schemas.openxmlformats.org/presentationml/2006/main">
   <p:cSld>
     <p:spTree>
       <p:nvGrpSpPr>
@@ -7552,7 +8610,9 @@
       <p:sp>
         <p:nvSpPr>
           <p:cNvPr id="332" name="Google Shape;74;p18"/>
-          <p:cNvSpPr txBox="1"/>
+          <p:cNvSpPr txBox="1">
+            <a:spLocks noGrp="1"/>
+          </p:cNvSpPr>
           <p:nvPr>
             <p:ph type="body" sz="half" idx="4294967295"/>
           </p:nvPr>
@@ -7560,7 +8620,7 @@
         <p:spPr>
           <a:xfrm>
             <a:off x="227174" y="2417424"/>
-            <a:ext cx="6763202" cy="2558701"/>
+            <a:ext cx="6492281" cy="2558701"/>
           </a:xfrm>
           <a:prstGeom prst="rect">
             <a:avLst/>
@@ -7570,7 +8630,7 @@
           <a:bodyPr lIns="45699" tIns="45699" rIns="45699" bIns="45699"/>
           <a:lstStyle/>
           <a:p>
-            <a:pPr marL="0" indent="0">
+            <a:pPr marL="0" indent="0" algn="just">
               <a:lnSpc>
                 <a:spcPct val="150000"/>
               </a:lnSpc>
@@ -7586,11 +8646,80 @@
               </a:defRPr>
             </a:pPr>
             <a:r>
-              <a:t>Una de las ventajas de este principio es que se consigue alta cohesión y un bajo acoplamiento.</a:t>
-            </a:r>
-          </a:p>
-          <a:p>
-            <a:pPr marL="0" indent="0">
+              <a:rPr dirty="0" err="1"/>
+              <a:t>Una</a:t>
+            </a:r>
+            <a:r>
+              <a:rPr dirty="0"/>
+              <a:t> de las </a:t>
+            </a:r>
+            <a:r>
+              <a:rPr dirty="0" err="1"/>
+              <a:t>ventajas</a:t>
+            </a:r>
+            <a:r>
+              <a:rPr dirty="0"/>
+              <a:t> de </a:t>
+            </a:r>
+            <a:r>
+              <a:rPr dirty="0" err="1"/>
+              <a:t>este</a:t>
+            </a:r>
+            <a:r>
+              <a:rPr dirty="0"/>
+              <a:t> principio </a:t>
+            </a:r>
+            <a:r>
+              <a:rPr dirty="0" err="1"/>
+              <a:t>es</a:t>
+            </a:r>
+            <a:r>
+              <a:rPr dirty="0"/>
+              <a:t> que se </a:t>
+            </a:r>
+            <a:r>
+              <a:rPr dirty="0" err="1"/>
+              <a:t>consigue</a:t>
+            </a:r>
+            <a:r>
+              <a:rPr dirty="0"/>
+              <a:t> </a:t>
+            </a:r>
+            <a:r>
+              <a:rPr dirty="0" err="1"/>
+              <a:t>alta</a:t>
+            </a:r>
+            <a:r>
+              <a:rPr dirty="0"/>
+              <a:t> </a:t>
+            </a:r>
+            <a:r>
+              <a:rPr dirty="0" err="1"/>
+              <a:t>cohesión</a:t>
+            </a:r>
+            <a:r>
+              <a:rPr dirty="0"/>
+              <a:t> y un </a:t>
+            </a:r>
+            <a:r>
+              <a:rPr dirty="0" err="1"/>
+              <a:t>bajo</a:t>
+            </a:r>
+            <a:r>
+              <a:rPr dirty="0"/>
+              <a:t> </a:t>
+            </a:r>
+            <a:r>
+              <a:rPr dirty="0" err="1"/>
+              <a:t>acoplamiento</a:t>
+            </a:r>
+            <a:r>
+              <a:rPr dirty="0"/>
+              <a:t>.</a:t>
+            </a:r>
+          </a:p>
+          <a:p>
+            <a:pPr marL="0" indent="0" algn="just">
               <a:lnSpc>
                 <a:spcPct val="150000"/>
               </a:lnSpc>
@@ -7606,7 +8735,112 @@
               </a:defRPr>
             </a:pPr>
             <a:r>
-              <a:t>Hay que evitar crear clase muy grandes con más de una responsabilidad porque la clase será más sensible al cambio.</a:t>
+              <a:rPr dirty="0"/>
+              <a:t>Hay que </a:t>
+            </a:r>
+            <a:r>
+              <a:rPr dirty="0" err="1"/>
+              <a:t>evitar</a:t>
+            </a:r>
+            <a:r>
+              <a:rPr dirty="0"/>
+              <a:t> </a:t>
+            </a:r>
+            <a:r>
+              <a:rPr dirty="0" err="1"/>
+              <a:t>crear</a:t>
+            </a:r>
+            <a:r>
+              <a:rPr dirty="0"/>
+              <a:t> </a:t>
+            </a:r>
+            <a:r>
+              <a:rPr dirty="0" err="1"/>
+              <a:t>clase</a:t>
+            </a:r>
+            <a:r>
+              <a:rPr dirty="0"/>
+              <a:t> </a:t>
+            </a:r>
+            <a:r>
+              <a:rPr dirty="0" err="1"/>
+              <a:t>muy</a:t>
+            </a:r>
+            <a:r>
+              <a:rPr dirty="0"/>
+              <a:t> </a:t>
+            </a:r>
+            <a:r>
+              <a:rPr dirty="0" err="1"/>
+              <a:t>grandes</a:t>
+            </a:r>
+            <a:r>
+              <a:rPr dirty="0"/>
+              <a:t> con </a:t>
+            </a:r>
+            <a:r>
+              <a:rPr dirty="0" err="1"/>
+              <a:t>más</a:t>
+            </a:r>
+            <a:r>
+              <a:rPr dirty="0"/>
+              <a:t> de </a:t>
+            </a:r>
+            <a:r>
+              <a:rPr dirty="0" err="1"/>
+              <a:t>una</a:t>
+            </a:r>
+            <a:r>
+              <a:rPr dirty="0"/>
+              <a:t> </a:t>
+            </a:r>
+            <a:r>
+              <a:rPr dirty="0" err="1"/>
+              <a:t>responsabilidad</a:t>
+            </a:r>
+            <a:r>
+              <a:rPr dirty="0"/>
+              <a:t> </a:t>
+            </a:r>
+            <a:r>
+              <a:rPr dirty="0" err="1"/>
+              <a:t>porque</a:t>
+            </a:r>
+            <a:r>
+              <a:rPr dirty="0"/>
+              <a:t> la </a:t>
+            </a:r>
+            <a:r>
+              <a:rPr dirty="0" err="1"/>
+              <a:t>clase</a:t>
+            </a:r>
+            <a:r>
+              <a:rPr dirty="0"/>
+              <a:t> </a:t>
+            </a:r>
+            <a:r>
+              <a:rPr dirty="0" err="1"/>
+              <a:t>será</a:t>
+            </a:r>
+            <a:r>
+              <a:rPr dirty="0"/>
+              <a:t> </a:t>
+            </a:r>
+            <a:r>
+              <a:rPr dirty="0" err="1"/>
+              <a:t>más</a:t>
+            </a:r>
+            <a:r>
+              <a:rPr dirty="0"/>
+              <a:t> sensible al </a:t>
+            </a:r>
+            <a:r>
+              <a:rPr dirty="0" err="1"/>
+              <a:t>cambio</a:t>
+            </a:r>
+            <a:r>
+              <a:rPr dirty="0"/>
+              <a:t>.</a:t>
             </a:r>
           </a:p>
         </p:txBody>
@@ -7616,12 +8850,12 @@
   <p:clrMapOvr>
     <a:masterClrMapping/>
   </p:clrMapOvr>
-  <p:transition xmlns:p14="http://schemas.microsoft.com/office/powerpoint/2010/main" spd="med" advClick="1"/>
+  <p:transition spd="med"/>
 </p:sld>
 </file>
 
 <file path=ppt/slides/slide6.xml><?xml version="1.0" encoding="utf-8"?>
-<p:sld xmlns:a="http://schemas.openxmlformats.org/drawingml/2006/main" xmlns:r="http://schemas.openxmlformats.org/officeDocument/2006/relationships" xmlns:p="http://schemas.openxmlformats.org/presentationml/2006/main" xmlns:m="http://schemas.openxmlformats.org/officeDocument/2006/math" xmlns:a14="http://schemas.microsoft.com/office/drawing/2010/main" showMasterSp="1" showMasterPhAnim="1">
+<p:sld xmlns:a="http://schemas.openxmlformats.org/drawingml/2006/main" xmlns:r="http://schemas.openxmlformats.org/officeDocument/2006/relationships" xmlns:p="http://schemas.openxmlformats.org/presentationml/2006/main">
   <p:cSld>
     <p:spTree>
       <p:nvGrpSpPr>
@@ -7656,7 +8890,7 @@
           </a:ln>
           <a:extLst>
             <a:ext uri="{C572A759-6A51-4108-AA02-DFA0A04FC94B}">
-              <ma14:wrappingTextBoxFlag xmlns:ma14="http://schemas.microsoft.com/office/mac/drawingml/2011/main" val="1"/>
+              <ma14:wrappingTextBoxFlag xmlns:ma14="http://schemas.microsoft.com/office/mac/drawingml/2011/main" xmlns:a14="http://schemas.microsoft.com/office/drawing/2010/main" xmlns:m="http://schemas.openxmlformats.org/officeDocument/2006/math" xmlns="" val="1"/>
             </a:ext>
           </a:extLst>
         </p:spPr>
@@ -7666,7 +8900,7 @@
           </a:bodyPr>
           <a:lstStyle>
             <a:lvl1pPr defTabSz="457200">
-              <a:defRPr b="0" sz="3600">
+              <a:defRPr sz="3600" b="0">
                 <a:solidFill>
                   <a:srgbClr val="0CA3D7"/>
                 </a:solidFill>
@@ -7678,7 +8912,6 @@
             </a:lvl1pPr>
           </a:lstStyle>
           <a:p>
-            <a:pPr/>
             <a:r>
               <a:t>Objeto Todopoderoso (God Object)</a:t>
             </a:r>
@@ -7694,7 +8927,7 @@
         <p:spPr>
           <a:xfrm>
             <a:off x="152950" y="2148435"/>
-            <a:ext cx="8393185" cy="3157214"/>
+            <a:ext cx="6635777" cy="3990832"/>
           </a:xfrm>
           <a:prstGeom prst="rect">
             <a:avLst/>
@@ -7704,21 +8937,21 @@
           </a:ln>
           <a:extLst>
             <a:ext uri="{C572A759-6A51-4108-AA02-DFA0A04FC94B}">
-              <ma14:wrappingTextBoxFlag xmlns:ma14="http://schemas.microsoft.com/office/mac/drawingml/2011/main" val="1"/>
+              <ma14:wrappingTextBoxFlag xmlns:ma14="http://schemas.microsoft.com/office/mac/drawingml/2011/main" xmlns:a14="http://schemas.microsoft.com/office/drawing/2010/main" xmlns:m="http://schemas.openxmlformats.org/officeDocument/2006/math" xmlns="" val="1"/>
             </a:ext>
           </a:extLst>
         </p:spPr>
         <p:txBody>
-          <a:bodyPr lIns="45718" tIns="45718" rIns="45718" bIns="45718">
+          <a:bodyPr wrap="square" lIns="45718" tIns="45718" rIns="45718" bIns="45718">
             <a:spAutoFit/>
           </a:bodyPr>
           <a:lstStyle/>
           <a:p>
-            <a:pPr defTabSz="457200">
+            <a:pPr algn="just" defTabSz="457200">
               <a:lnSpc>
                 <a:spcPts val="5600"/>
               </a:lnSpc>
-              <a:defRPr b="0" sz="2000">
+              <a:defRPr sz="2000" b="0">
                 <a:solidFill>
                   <a:srgbClr val="666666"/>
                 </a:solidFill>
@@ -7729,9 +8962,102 @@
               </a:defRPr>
             </a:pPr>
             <a:r>
-              <a:t>En programación orientada a objetos, un objeto todopoderoso (God Object) es un objeto que conoce demasiado o hace demasiado. </a:t>
-            </a:r>
-            <a:endParaRPr>
+              <a:rPr dirty="0" err="1"/>
+              <a:t>En</a:t>
+            </a:r>
+            <a:r>
+              <a:rPr dirty="0"/>
+              <a:t> </a:t>
+            </a:r>
+            <a:r>
+              <a:rPr dirty="0" err="1"/>
+              <a:t>programación</a:t>
+            </a:r>
+            <a:r>
+              <a:rPr dirty="0"/>
+              <a:t> </a:t>
+            </a:r>
+            <a:r>
+              <a:rPr dirty="0" err="1"/>
+              <a:t>orientada</a:t>
+            </a:r>
+            <a:r>
+              <a:rPr dirty="0"/>
+              <a:t> a </a:t>
+            </a:r>
+            <a:r>
+              <a:rPr dirty="0" err="1"/>
+              <a:t>objetos</a:t>
+            </a:r>
+            <a:r>
+              <a:rPr dirty="0"/>
+              <a:t>, un </a:t>
+            </a:r>
+            <a:r>
+              <a:rPr dirty="0" err="1"/>
+              <a:t>objeto</a:t>
+            </a:r>
+            <a:r>
+              <a:rPr dirty="0"/>
+              <a:t> </a:t>
+            </a:r>
+            <a:r>
+              <a:rPr dirty="0" err="1"/>
+              <a:t>todopoderoso</a:t>
+            </a:r>
+            <a:r>
+              <a:rPr dirty="0"/>
+              <a:t> (God Object) </a:t>
+            </a:r>
+            <a:r>
+              <a:rPr dirty="0" err="1"/>
+              <a:t>es</a:t>
+            </a:r>
+            <a:r>
+              <a:rPr dirty="0"/>
+              <a:t> un </a:t>
+            </a:r>
+            <a:r>
+              <a:rPr dirty="0" err="1"/>
+              <a:t>objeto</a:t>
+            </a:r>
+            <a:r>
+              <a:rPr dirty="0"/>
+              <a:t> que </a:t>
+            </a:r>
+            <a:r>
+              <a:rPr dirty="0" err="1"/>
+              <a:t>conoce</a:t>
+            </a:r>
+            <a:r>
+              <a:rPr dirty="0"/>
+              <a:t> </a:t>
+            </a:r>
+            <a:r>
+              <a:rPr dirty="0" err="1"/>
+              <a:t>demasiado</a:t>
+            </a:r>
+            <a:r>
+              <a:rPr dirty="0"/>
+              <a:t> o </a:t>
+            </a:r>
+            <a:r>
+              <a:rPr dirty="0" err="1"/>
+              <a:t>hace</a:t>
+            </a:r>
+            <a:r>
+              <a:rPr dirty="0"/>
+              <a:t> </a:t>
+            </a:r>
+            <a:r>
+              <a:rPr dirty="0" err="1"/>
+              <a:t>demasiado</a:t>
+            </a:r>
+            <a:r>
+              <a:rPr dirty="0"/>
+              <a:t>. </a:t>
+            </a:r>
+            <a:endParaRPr dirty="0">
               <a:solidFill>
                 <a:srgbClr val="000000"/>
               </a:solidFill>
@@ -7742,8 +9068,8 @@
             </a:endParaRPr>
           </a:p>
           <a:p>
-            <a:pPr defTabSz="457200">
-              <a:defRPr b="0" sz="2000">
+            <a:pPr algn="just" defTabSz="457200">
+              <a:defRPr sz="2000" b="0">
                 <a:solidFill>
                   <a:srgbClr val="000000"/>
                 </a:solidFill>
@@ -7753,13 +9079,22 @@
                 <a:sym typeface="Times"/>
               </a:defRPr>
             </a:pPr>
-          </a:p>
-          <a:p>
-            <a:pPr defTabSz="457200">
+            <a:endParaRPr dirty="0">
+              <a:solidFill>
+                <a:srgbClr val="000000"/>
+              </a:solidFill>
+              <a:latin typeface="Times"/>
+              <a:ea typeface="Times"/>
+              <a:cs typeface="Times"/>
+              <a:sym typeface="Times"/>
+            </a:endParaRPr>
+          </a:p>
+          <a:p>
+            <a:pPr algn="just" defTabSz="457200">
               <a:lnSpc>
                 <a:spcPts val="5600"/>
               </a:lnSpc>
-              <a:defRPr b="0" sz="2000">
+              <a:defRPr sz="2000" b="0">
                 <a:solidFill>
                   <a:srgbClr val="666666"/>
                 </a:solidFill>
@@ -7770,7 +9105,80 @@
               </a:defRPr>
             </a:pPr>
             <a:r>
-              <a:t>El objeto todopoderoso es un ejemplo de un anti-patrón y es lo contrario del principio de responsabilidad única.</a:t>
+              <a:rPr dirty="0"/>
+              <a:t>El </a:t>
+            </a:r>
+            <a:r>
+              <a:rPr dirty="0" err="1"/>
+              <a:t>objeto</a:t>
+            </a:r>
+            <a:r>
+              <a:rPr dirty="0"/>
+              <a:t> </a:t>
+            </a:r>
+            <a:r>
+              <a:rPr dirty="0" err="1"/>
+              <a:t>todopoderoso</a:t>
+            </a:r>
+            <a:r>
+              <a:rPr dirty="0"/>
+              <a:t> </a:t>
+            </a:r>
+            <a:r>
+              <a:rPr dirty="0" err="1"/>
+              <a:t>es</a:t>
+            </a:r>
+            <a:r>
+              <a:rPr dirty="0"/>
+              <a:t> un </a:t>
+            </a:r>
+            <a:r>
+              <a:rPr dirty="0" err="1"/>
+              <a:t>ejemplo</a:t>
+            </a:r>
+            <a:r>
+              <a:rPr dirty="0"/>
+              <a:t> de un anti-</a:t>
+            </a:r>
+            <a:r>
+              <a:rPr dirty="0" err="1"/>
+              <a:t>patrón</a:t>
+            </a:r>
+            <a:r>
+              <a:rPr dirty="0"/>
+              <a:t> y </a:t>
+            </a:r>
+            <a:r>
+              <a:rPr dirty="0" err="1"/>
+              <a:t>es</a:t>
+            </a:r>
+            <a:r>
+              <a:rPr dirty="0"/>
+              <a:t> lo </a:t>
+            </a:r>
+            <a:r>
+              <a:rPr dirty="0" err="1"/>
+              <a:t>contrario</a:t>
+            </a:r>
+            <a:r>
+              <a:rPr dirty="0"/>
+              <a:t> del principio de </a:t>
+            </a:r>
+            <a:r>
+              <a:rPr dirty="0" err="1"/>
+              <a:t>responsabilidad</a:t>
+            </a:r>
+            <a:r>
+              <a:rPr dirty="0"/>
+              <a:t> </a:t>
+            </a:r>
+            <a:r>
+              <a:rPr dirty="0" err="1"/>
+              <a:t>única</a:t>
+            </a:r>
+            <a:r>
+              <a:rPr dirty="0"/>
+              <a:t>.</a:t>
             </a:r>
           </a:p>
         </p:txBody>
@@ -7780,12 +9188,12 @@
   <p:clrMapOvr>
     <a:masterClrMapping/>
   </p:clrMapOvr>
-  <p:transition xmlns:p14="http://schemas.microsoft.com/office/powerpoint/2010/main" spd="med" advClick="1"/>
+  <p:transition spd="med"/>
 </p:sld>
 </file>
 
 <file path=ppt/slides/slide7.xml><?xml version="1.0" encoding="utf-8"?>
-<p:sld xmlns:a="http://schemas.openxmlformats.org/drawingml/2006/main" xmlns:r="http://schemas.openxmlformats.org/officeDocument/2006/relationships" xmlns:p="http://schemas.openxmlformats.org/presentationml/2006/main" xmlns:m="http://schemas.openxmlformats.org/officeDocument/2006/math" xmlns:a14="http://schemas.microsoft.com/office/drawing/2010/main" showMasterSp="1" showMasterPhAnim="1">
+<p:sld xmlns:a="http://schemas.openxmlformats.org/drawingml/2006/main" xmlns:r="http://schemas.openxmlformats.org/officeDocument/2006/relationships" xmlns:p="http://schemas.openxmlformats.org/presentationml/2006/main">
   <p:cSld>
     <p:spTree>
       <p:nvGrpSpPr>
@@ -7820,7 +9228,7 @@
           </a:ln>
           <a:extLst>
             <a:ext uri="{C572A759-6A51-4108-AA02-DFA0A04FC94B}">
-              <ma14:wrappingTextBoxFlag xmlns:ma14="http://schemas.microsoft.com/office/mac/drawingml/2011/main" val="1"/>
+              <ma14:wrappingTextBoxFlag xmlns:ma14="http://schemas.microsoft.com/office/mac/drawingml/2011/main" xmlns:a14="http://schemas.microsoft.com/office/drawing/2010/main" xmlns:m="http://schemas.openxmlformats.org/officeDocument/2006/math" xmlns="" val="1"/>
             </a:ext>
           </a:extLst>
         </p:spPr>
@@ -7830,8 +9238,8 @@
           </a:bodyPr>
           <a:lstStyle/>
           <a:p>
-            <a:pPr defTabSz="457200">
-              <a:defRPr b="0" sz="2000">
+            <a:pPr algn="just" defTabSz="457200">
+              <a:defRPr sz="2000" b="0">
                 <a:solidFill>
                   <a:srgbClr val="000000"/>
                 </a:solidFill>
@@ -7842,14 +9250,152 @@
               </a:defRPr>
             </a:pPr>
             <a:r>
-              <a:t>- Como ejemplo de objeto todopoderoso podemos tomar una navaja rusa, tiene muchas funciones y esto lo podemos tomar como el </a:t>
-            </a:r>
-            <a:r>
-              <a:rPr u="sng"/>
+              <a:rPr dirty="0"/>
+              <a:t>- Como </a:t>
+            </a:r>
+            <a:r>
+              <a:rPr dirty="0" err="1"/>
+              <a:t>ejemplo</a:t>
+            </a:r>
+            <a:r>
+              <a:rPr dirty="0"/>
+              <a:t> de </a:t>
+            </a:r>
+            <a:r>
+              <a:rPr dirty="0" err="1"/>
+              <a:t>objeto</a:t>
+            </a:r>
+            <a:r>
+              <a:rPr dirty="0"/>
+              <a:t> </a:t>
+            </a:r>
+            <a:r>
+              <a:rPr dirty="0" err="1"/>
+              <a:t>todopoderoso</a:t>
+            </a:r>
+            <a:r>
+              <a:rPr dirty="0"/>
+              <a:t> </a:t>
+            </a:r>
+            <a:r>
+              <a:rPr dirty="0" err="1"/>
+              <a:t>podemos</a:t>
+            </a:r>
+            <a:r>
+              <a:rPr dirty="0"/>
+              <a:t> </a:t>
+            </a:r>
+            <a:r>
+              <a:rPr dirty="0" err="1"/>
+              <a:t>tomar</a:t>
+            </a:r>
+            <a:r>
+              <a:rPr dirty="0"/>
+              <a:t> </a:t>
+            </a:r>
+            <a:r>
+              <a:rPr dirty="0" err="1"/>
+              <a:t>una</a:t>
+            </a:r>
+            <a:r>
+              <a:rPr dirty="0"/>
+              <a:t> </a:t>
+            </a:r>
+            <a:r>
+              <a:rPr dirty="0" err="1"/>
+              <a:t>navaja</a:t>
+            </a:r>
+            <a:r>
+              <a:rPr dirty="0"/>
+              <a:t> </a:t>
+            </a:r>
+            <a:r>
+              <a:rPr dirty="0" err="1"/>
+              <a:t>rusa</a:t>
+            </a:r>
+            <a:r>
+              <a:rPr dirty="0"/>
+              <a:t>, </a:t>
+            </a:r>
+            <a:r>
+              <a:rPr dirty="0" err="1"/>
+              <a:t>tiene</a:t>
+            </a:r>
+            <a:r>
+              <a:rPr dirty="0"/>
+              <a:t> </a:t>
+            </a:r>
+            <a:r>
+              <a:rPr dirty="0" err="1"/>
+              <a:t>muchas</a:t>
+            </a:r>
+            <a:r>
+              <a:rPr dirty="0"/>
+              <a:t> </a:t>
+            </a:r>
+            <a:r>
+              <a:rPr dirty="0" err="1"/>
+              <a:t>funciones</a:t>
+            </a:r>
+            <a:r>
+              <a:rPr dirty="0"/>
+              <a:t> y </a:t>
+            </a:r>
+            <a:r>
+              <a:rPr dirty="0" err="1"/>
+              <a:t>esto</a:t>
+            </a:r>
+            <a:r>
+              <a:rPr dirty="0"/>
+              <a:t> lo </a:t>
+            </a:r>
+            <a:r>
+              <a:rPr dirty="0" err="1"/>
+              <a:t>podemos</a:t>
+            </a:r>
+            <a:r>
+              <a:rPr dirty="0"/>
+              <a:t> </a:t>
+            </a:r>
+            <a:r>
+              <a:rPr dirty="0" err="1"/>
+              <a:t>tomar</a:t>
+            </a:r>
+            <a:r>
+              <a:rPr dirty="0"/>
+              <a:t> </a:t>
+            </a:r>
+            <a:r>
+              <a:rPr dirty="0" err="1"/>
+              <a:t>como</a:t>
+            </a:r>
+            <a:r>
+              <a:rPr dirty="0"/>
+              <a:t> el </a:t>
+            </a:r>
+            <a:r>
+              <a:rPr u="sng" dirty="0"/>
               <a:t>NO CUMPLIMIENTO</a:t>
             </a:r>
             <a:r>
-              <a:t> de la responsabilidad única.</a:t>
+              <a:rPr dirty="0"/>
+              <a:t> de la </a:t>
+            </a:r>
+            <a:r>
+              <a:rPr dirty="0" err="1"/>
+              <a:t>responsabilidad</a:t>
+            </a:r>
+            <a:r>
+              <a:rPr dirty="0"/>
+              <a:t> </a:t>
+            </a:r>
+            <a:r>
+              <a:rPr dirty="0" err="1"/>
+              <a:t>única</a:t>
+            </a:r>
+            <a:r>
+              <a:rPr dirty="0"/>
+              <a:t>.</a:t>
             </a:r>
           </a:p>
         </p:txBody>
@@ -7863,7 +9409,7 @@
         <p:spPr>
           <a:xfrm>
             <a:off x="182115" y="3840121"/>
-            <a:ext cx="5318837" cy="701039"/>
+            <a:ext cx="5036673" cy="701039"/>
           </a:xfrm>
           <a:prstGeom prst="rect">
             <a:avLst/>
@@ -7873,17 +9419,17 @@
           </a:ln>
           <a:extLst>
             <a:ext uri="{C572A759-6A51-4108-AA02-DFA0A04FC94B}">
-              <ma14:wrappingTextBoxFlag xmlns:ma14="http://schemas.microsoft.com/office/mac/drawingml/2011/main" val="1"/>
+              <ma14:wrappingTextBoxFlag xmlns:ma14="http://schemas.microsoft.com/office/mac/drawingml/2011/main" xmlns:a14="http://schemas.microsoft.com/office/drawing/2010/main" xmlns:m="http://schemas.openxmlformats.org/officeDocument/2006/math" xmlns="" val="1"/>
             </a:ext>
           </a:extLst>
         </p:spPr>
         <p:txBody>
-          <a:bodyPr lIns="45718" tIns="45718" rIns="45718" bIns="45718">
+          <a:bodyPr wrap="square" lIns="45718" tIns="45718" rIns="45718" bIns="45718">
             <a:spAutoFit/>
           </a:bodyPr>
           <a:lstStyle>
             <a:lvl1pPr defTabSz="457200">
-              <a:defRPr b="0" sz="2000">
+              <a:defRPr sz="2000" b="0">
                 <a:solidFill>
                   <a:srgbClr val="000000"/>
                 </a:solidFill>
@@ -7895,9 +9441,74 @@
             </a:lvl1pPr>
           </a:lstStyle>
           <a:p>
-            <a:pPr/>
-            <a:r>
-              <a:t> - De otra manera podemos tomar un destornillador que tiene una sola función.</a:t>
+            <a:pPr algn="just"/>
+            <a:r>
+              <a:rPr dirty="0"/>
+              <a:t> - De </a:t>
+            </a:r>
+            <a:r>
+              <a:rPr dirty="0" err="1"/>
+              <a:t>otra</a:t>
+            </a:r>
+            <a:r>
+              <a:rPr dirty="0"/>
+              <a:t> </a:t>
+            </a:r>
+            <a:r>
+              <a:rPr dirty="0" err="1"/>
+              <a:t>manera</a:t>
+            </a:r>
+            <a:r>
+              <a:rPr dirty="0"/>
+              <a:t> </a:t>
+            </a:r>
+            <a:r>
+              <a:rPr dirty="0" err="1"/>
+              <a:t>podemos</a:t>
+            </a:r>
+            <a:r>
+              <a:rPr dirty="0"/>
+              <a:t> </a:t>
+            </a:r>
+            <a:r>
+              <a:rPr dirty="0" err="1"/>
+              <a:t>tomar</a:t>
+            </a:r>
+            <a:r>
+              <a:rPr dirty="0"/>
+              <a:t> un </a:t>
+            </a:r>
+            <a:r>
+              <a:rPr dirty="0" err="1"/>
+              <a:t>destornillador</a:t>
+            </a:r>
+            <a:r>
+              <a:rPr dirty="0"/>
+              <a:t> que </a:t>
+            </a:r>
+            <a:r>
+              <a:rPr dirty="0" err="1"/>
+              <a:t>tiene</a:t>
+            </a:r>
+            <a:r>
+              <a:rPr dirty="0"/>
+              <a:t> </a:t>
+            </a:r>
+            <a:r>
+              <a:rPr dirty="0" err="1"/>
+              <a:t>una</a:t>
+            </a:r>
+            <a:r>
+              <a:rPr dirty="0"/>
+              <a:t> sola </a:t>
+            </a:r>
+            <a:r>
+              <a:rPr dirty="0" err="1"/>
+              <a:t>función</a:t>
+            </a:r>
+            <a:r>
+              <a:rPr dirty="0"/>
+              <a:t>.</a:t>
             </a:r>
           </a:p>
         </p:txBody>
@@ -7965,12 +9576,12 @@
   <p:clrMapOvr>
     <a:masterClrMapping/>
   </p:clrMapOvr>
-  <p:transition xmlns:p14="http://schemas.microsoft.com/office/powerpoint/2010/main" spd="med" advClick="1"/>
+  <p:transition spd="med"/>
 </p:sld>
 </file>
 
 <file path=ppt/slides/slide8.xml><?xml version="1.0" encoding="utf-8"?>
-<p:sld xmlns:a="http://schemas.openxmlformats.org/drawingml/2006/main" xmlns:r="http://schemas.openxmlformats.org/officeDocument/2006/relationships" xmlns:p="http://schemas.openxmlformats.org/presentationml/2006/main" xmlns:m="http://schemas.openxmlformats.org/officeDocument/2006/math" xmlns:a14="http://schemas.microsoft.com/office/drawing/2010/main" showMasterSp="1" showMasterPhAnim="1">
+<p:sld xmlns:a="http://schemas.openxmlformats.org/drawingml/2006/main" xmlns:r="http://schemas.openxmlformats.org/officeDocument/2006/relationships" xmlns:p="http://schemas.openxmlformats.org/presentationml/2006/main">
   <p:cSld>
     <p:spTree>
       <p:nvGrpSpPr>
@@ -8005,7 +9616,7 @@
           </a:ln>
           <a:extLst>
             <a:ext uri="{C572A759-6A51-4108-AA02-DFA0A04FC94B}">
-              <ma14:wrappingTextBoxFlag xmlns:ma14="http://schemas.microsoft.com/office/mac/drawingml/2011/main" val="1"/>
+              <ma14:wrappingTextBoxFlag xmlns:ma14="http://schemas.microsoft.com/office/mac/drawingml/2011/main" xmlns:a14="http://schemas.microsoft.com/office/drawing/2010/main" xmlns:m="http://schemas.openxmlformats.org/officeDocument/2006/math" xmlns="" val="1"/>
             </a:ext>
           </a:extLst>
         </p:spPr>
@@ -8015,7 +9626,7 @@
           </a:bodyPr>
           <a:lstStyle>
             <a:lvl1pPr defTabSz="457200">
-              <a:defRPr b="0" sz="4800">
+              <a:defRPr sz="4800" b="0">
                 <a:solidFill>
                   <a:srgbClr val="0CA3D7"/>
                 </a:solidFill>
@@ -8027,7 +9638,6 @@
             </a:lvl1pPr>
           </a:lstStyle>
           <a:p>
-            <a:pPr/>
             <a:r>
               <a:t>Fin.</a:t>
             </a:r>
@@ -8042,8 +9652,8 @@
         </p:nvSpPr>
         <p:spPr>
           <a:xfrm>
-            <a:off x="797982" y="2159690"/>
-            <a:ext cx="4857858" cy="485139"/>
+            <a:off x="777044" y="2159690"/>
+            <a:ext cx="4899735" cy="492438"/>
           </a:xfrm>
           <a:prstGeom prst="rect">
             <a:avLst/>
@@ -8053,7 +9663,7 @@
           </a:ln>
           <a:extLst>
             <a:ext uri="{C572A759-6A51-4108-AA02-DFA0A04FC94B}">
-              <ma14:wrappingTextBoxFlag xmlns:ma14="http://schemas.microsoft.com/office/mac/drawingml/2011/main" val="1"/>
+              <ma14:wrappingTextBoxFlag xmlns:ma14="http://schemas.microsoft.com/office/mac/drawingml/2011/main" xmlns:a14="http://schemas.microsoft.com/office/drawing/2010/main" xmlns:m="http://schemas.openxmlformats.org/officeDocument/2006/math" xmlns="" val="1"/>
             </a:ext>
           </a:extLst>
         </p:spPr>
@@ -8063,7 +9673,7 @@
           </a:bodyPr>
           <a:lstStyle>
             <a:lvl1pPr defTabSz="457200">
-              <a:defRPr b="0" sz="2600">
+              <a:defRPr sz="2600" b="0">
                 <a:solidFill>
                   <a:srgbClr val="666666"/>
                 </a:solidFill>
@@ -8075,9 +9685,38 @@
             </a:lvl1pPr>
           </a:lstStyle>
           <a:p>
-            <a:pPr/>
-            <a:r>
-              <a:t>Muchas gracias por su atención.</a:t>
+            <a:pPr algn="just"/>
+            <a:r>
+              <a:rPr dirty="0" err="1"/>
+              <a:t>Muchas</a:t>
+            </a:r>
+            <a:r>
+              <a:rPr dirty="0"/>
+              <a:t> gracias </a:t>
+            </a:r>
+            <a:r>
+              <a:rPr dirty="0" err="1"/>
+              <a:t>por</a:t>
+            </a:r>
+            <a:r>
+              <a:rPr dirty="0"/>
+              <a:t> </a:t>
+            </a:r>
+            <a:r>
+              <a:rPr dirty="0" err="1"/>
+              <a:t>su</a:t>
+            </a:r>
+            <a:r>
+              <a:rPr dirty="0"/>
+              <a:t> </a:t>
+            </a:r>
+            <a:r>
+              <a:rPr dirty="0" err="1"/>
+              <a:t>atención</a:t>
+            </a:r>
+            <a:r>
+              <a:rPr dirty="0"/>
+              <a:t>.</a:t>
             </a:r>
           </a:p>
         </p:txBody>
@@ -8087,12 +9726,12 @@
   <p:clrMapOvr>
     <a:masterClrMapping/>
   </p:clrMapOvr>
-  <p:transition xmlns:p14="http://schemas.microsoft.com/office/powerpoint/2010/main" spd="med" advClick="1"/>
+  <p:transition spd="med"/>
 </p:sld>
 </file>
 
 <file path=ppt/theme/theme1.xml><?xml version="1.0" encoding="utf-8"?>
-<a:theme xmlns:a="http://schemas.openxmlformats.org/drawingml/2006/main" xmlns:r="http://schemas.openxmlformats.org/officeDocument/2006/relationships" name="template">
+<a:theme xmlns:a="http://schemas.openxmlformats.org/drawingml/2006/main" name="template">
   <a:themeElements>
     <a:clrScheme name="template">
       <a:dk1>
@@ -8224,7 +9863,7 @@
         </a:effectStyle>
         <a:effectStyle>
           <a:effectLst>
-            <a:outerShdw sx="100000" sy="100000" kx="0" ky="0" algn="b" rotWithShape="0" blurRad="38100" dist="20000" dir="5400000">
+            <a:outerShdw blurRad="38100" dist="20000" dir="5400000" rotWithShape="0">
               <a:srgbClr val="000000">
                 <a:alpha val="38000"/>
               </a:srgbClr>
@@ -8302,7 +9941,7 @@
         <a:effectLst/>
         <a:sp3d/>
       </a:spPr>
-      <a:bodyPr rot="0" spcFirstLastPara="1" vertOverflow="overflow" horzOverflow="overflow" vert="horz" wrap="square" lIns="45719" tIns="45719" rIns="45719" bIns="45719" numCol="1" spcCol="38100" rtlCol="0" anchor="t" upright="0">
+      <a:bodyPr rot="0" spcFirstLastPara="1" vertOverflow="overflow" horzOverflow="overflow" vert="horz" wrap="square" lIns="45719" tIns="45719" rIns="45719" bIns="45719" numCol="1" spcCol="38100" rtlCol="0" anchor="t">
         <a:spAutoFit/>
       </a:bodyPr>
       <a:lstStyle>
@@ -8321,7 +9960,7 @@
           <a:buFontTx/>
           <a:buNone/>
           <a:tabLst/>
-          <a:defRPr b="1" baseline="0" cap="none" i="0" spc="0" strike="noStrike" sz="1800" u="none" kumimoji="0" normalizeH="0">
+          <a:defRPr kumimoji="0" sz="1800" b="1" i="0" u="none" strike="noStrike" cap="none" spc="0" normalizeH="0" baseline="0">
             <a:ln>
               <a:noFill/>
             </a:ln>
@@ -8351,7 +9990,7 @@
           <a:buFontTx/>
           <a:buNone/>
           <a:tabLst/>
-          <a:defRPr b="0" baseline="0" cap="none" i="0" spc="0" strike="noStrike" sz="1800" u="none" kumimoji="0" normalizeH="0">
+          <a:defRPr kumimoji="0" sz="1800" b="0" i="0" u="none" strike="noStrike" cap="none" spc="0" normalizeH="0" baseline="0">
             <a:ln>
               <a:noFill/>
             </a:ln>
@@ -8377,7 +10016,7 @@
           <a:buFontTx/>
           <a:buNone/>
           <a:tabLst/>
-          <a:defRPr b="0" baseline="0" cap="none" i="0" spc="0" strike="noStrike" sz="1800" u="none" kumimoji="0" normalizeH="0">
+          <a:defRPr kumimoji="0" sz="1800" b="0" i="0" u="none" strike="noStrike" cap="none" spc="0" normalizeH="0" baseline="0">
             <a:ln>
               <a:noFill/>
             </a:ln>
@@ -8403,7 +10042,7 @@
           <a:buFontTx/>
           <a:buNone/>
           <a:tabLst/>
-          <a:defRPr b="0" baseline="0" cap="none" i="0" spc="0" strike="noStrike" sz="1800" u="none" kumimoji="0" normalizeH="0">
+          <a:defRPr kumimoji="0" sz="1800" b="0" i="0" u="none" strike="noStrike" cap="none" spc="0" normalizeH="0" baseline="0">
             <a:ln>
               <a:noFill/>
             </a:ln>
@@ -8429,7 +10068,7 @@
           <a:buFontTx/>
           <a:buNone/>
           <a:tabLst/>
-          <a:defRPr b="0" baseline="0" cap="none" i="0" spc="0" strike="noStrike" sz="1800" u="none" kumimoji="0" normalizeH="0">
+          <a:defRPr kumimoji="0" sz="1800" b="0" i="0" u="none" strike="noStrike" cap="none" spc="0" normalizeH="0" baseline="0">
             <a:ln>
               <a:noFill/>
             </a:ln>
@@ -8455,7 +10094,7 @@
           <a:buFontTx/>
           <a:buNone/>
           <a:tabLst/>
-          <a:defRPr b="0" baseline="0" cap="none" i="0" spc="0" strike="noStrike" sz="1800" u="none" kumimoji="0" normalizeH="0">
+          <a:defRPr kumimoji="0" sz="1800" b="0" i="0" u="none" strike="noStrike" cap="none" spc="0" normalizeH="0" baseline="0">
             <a:ln>
               <a:noFill/>
             </a:ln>
@@ -8481,7 +10120,7 @@
           <a:buFontTx/>
           <a:buNone/>
           <a:tabLst/>
-          <a:defRPr b="0" baseline="0" cap="none" i="0" spc="0" strike="noStrike" sz="1800" u="none" kumimoji="0" normalizeH="0">
+          <a:defRPr kumimoji="0" sz="1800" b="0" i="0" u="none" strike="noStrike" cap="none" spc="0" normalizeH="0" baseline="0">
             <a:ln>
               <a:noFill/>
             </a:ln>
@@ -8507,7 +10146,7 @@
           <a:buFontTx/>
           <a:buNone/>
           <a:tabLst/>
-          <a:defRPr b="0" baseline="0" cap="none" i="0" spc="0" strike="noStrike" sz="1800" u="none" kumimoji="0" normalizeH="0">
+          <a:defRPr kumimoji="0" sz="1800" b="0" i="0" u="none" strike="noStrike" cap="none" spc="0" normalizeH="0" baseline="0">
             <a:ln>
               <a:noFill/>
             </a:ln>
@@ -8533,7 +10172,7 @@
           <a:buFontTx/>
           <a:buNone/>
           <a:tabLst/>
-          <a:defRPr b="0" baseline="0" cap="none" i="0" spc="0" strike="noStrike" sz="1800" u="none" kumimoji="0" normalizeH="0">
+          <a:defRPr kumimoji="0" sz="1800" b="0" i="0" u="none" strike="noStrike" cap="none" spc="0" normalizeH="0" baseline="0">
             <a:ln>
               <a:noFill/>
             </a:ln>
@@ -8559,7 +10198,7 @@
           <a:buFontTx/>
           <a:buNone/>
           <a:tabLst/>
-          <a:defRPr b="0" baseline="0" cap="none" i="0" spc="0" strike="noStrike" sz="1800" u="none" kumimoji="0" normalizeH="0">
+          <a:defRPr kumimoji="0" sz="1800" b="0" i="0" u="none" strike="noStrike" cap="none" spc="0" normalizeH="0" baseline="0">
             <a:ln>
               <a:noFill/>
             </a:ln>
@@ -8572,9 +10211,15 @@
         </a:lvl9pPr>
       </a:lstStyle>
       <a:style>
-        <a:lnRef idx="0"/>
-        <a:fillRef idx="0"/>
-        <a:effectRef idx="0"/>
+        <a:lnRef idx="0">
+          <a:scrgbClr r="0" g="0" b="0"/>
+        </a:lnRef>
+        <a:fillRef idx="0">
+          <a:scrgbClr r="0" g="0" b="0"/>
+        </a:fillRef>
+        <a:effectRef idx="0">
+          <a:scrgbClr r="0" g="0" b="0"/>
+        </a:effectRef>
         <a:fontRef idx="none"/>
       </a:style>
     </a:spDef>
@@ -8589,7 +10234,7 @@
           <a:round/>
         </a:ln>
         <a:effectLst>
-          <a:outerShdw sx="100000" sy="100000" kx="0" ky="0" algn="b" rotWithShape="0" blurRad="38100" dist="20000" dir="5400000">
+          <a:outerShdw blurRad="38100" dist="20000" dir="5400000" rotWithShape="0">
             <a:srgbClr val="000000">
               <a:alpha val="38000"/>
             </a:srgbClr>
@@ -8597,7 +10242,7 @@
         </a:effectLst>
         <a:sp3d/>
       </a:spPr>
-      <a:bodyPr rot="0" spcFirstLastPara="1" vertOverflow="overflow" horzOverflow="overflow" vert="horz" wrap="square" lIns="91439" tIns="45719" rIns="91439" bIns="45719" numCol="1" spcCol="38100" rtlCol="0" anchor="t" upright="0">
+      <a:bodyPr rot="0" spcFirstLastPara="1" vertOverflow="overflow" horzOverflow="overflow" vert="horz" wrap="square" lIns="91439" tIns="45719" rIns="91439" bIns="45719" numCol="1" spcCol="38100" rtlCol="0" anchor="t">
         <a:noAutofit/>
       </a:bodyPr>
       <a:lstStyle>
@@ -8616,7 +10261,7 @@
           <a:buFontTx/>
           <a:buNone/>
           <a:tabLst/>
-          <a:defRPr b="0" baseline="0" cap="none" i="0" spc="0" strike="noStrike" sz="1800" u="none" kumimoji="0" normalizeH="0">
+          <a:defRPr kumimoji="0" sz="1800" b="0" i="0" u="none" strike="noStrike" cap="none" spc="0" normalizeH="0" baseline="0">
             <a:ln>
               <a:noFill/>
             </a:ln>
@@ -8642,7 +10287,7 @@
           <a:buFontTx/>
           <a:buNone/>
           <a:tabLst/>
-          <a:defRPr b="0" baseline="0" cap="none" i="0" spc="0" strike="noStrike" sz="1800" u="none" kumimoji="0" normalizeH="0">
+          <a:defRPr kumimoji="0" sz="1800" b="0" i="0" u="none" strike="noStrike" cap="none" spc="0" normalizeH="0" baseline="0">
             <a:ln>
               <a:noFill/>
             </a:ln>
@@ -8668,7 +10313,7 @@
           <a:buFontTx/>
           <a:buNone/>
           <a:tabLst/>
-          <a:defRPr b="0" baseline="0" cap="none" i="0" spc="0" strike="noStrike" sz="1800" u="none" kumimoji="0" normalizeH="0">
+          <a:defRPr kumimoji="0" sz="1800" b="0" i="0" u="none" strike="noStrike" cap="none" spc="0" normalizeH="0" baseline="0">
             <a:ln>
               <a:noFill/>
             </a:ln>
@@ -8694,7 +10339,7 @@
           <a:buFontTx/>
           <a:buNone/>
           <a:tabLst/>
-          <a:defRPr b="0" baseline="0" cap="none" i="0" spc="0" strike="noStrike" sz="1800" u="none" kumimoji="0" normalizeH="0">
+          <a:defRPr kumimoji="0" sz="1800" b="0" i="0" u="none" strike="noStrike" cap="none" spc="0" normalizeH="0" baseline="0">
             <a:ln>
               <a:noFill/>
             </a:ln>
@@ -8720,7 +10365,7 @@
           <a:buFontTx/>
           <a:buNone/>
           <a:tabLst/>
-          <a:defRPr b="0" baseline="0" cap="none" i="0" spc="0" strike="noStrike" sz="1800" u="none" kumimoji="0" normalizeH="0">
+          <a:defRPr kumimoji="0" sz="1800" b="0" i="0" u="none" strike="noStrike" cap="none" spc="0" normalizeH="0" baseline="0">
             <a:ln>
               <a:noFill/>
             </a:ln>
@@ -8746,7 +10391,7 @@
           <a:buFontTx/>
           <a:buNone/>
           <a:tabLst/>
-          <a:defRPr b="0" baseline="0" cap="none" i="0" spc="0" strike="noStrike" sz="1800" u="none" kumimoji="0" normalizeH="0">
+          <a:defRPr kumimoji="0" sz="1800" b="0" i="0" u="none" strike="noStrike" cap="none" spc="0" normalizeH="0" baseline="0">
             <a:ln>
               <a:noFill/>
             </a:ln>
@@ -8772,7 +10417,7 @@
           <a:buFontTx/>
           <a:buNone/>
           <a:tabLst/>
-          <a:defRPr b="0" baseline="0" cap="none" i="0" spc="0" strike="noStrike" sz="1800" u="none" kumimoji="0" normalizeH="0">
+          <a:defRPr kumimoji="0" sz="1800" b="0" i="0" u="none" strike="noStrike" cap="none" spc="0" normalizeH="0" baseline="0">
             <a:ln>
               <a:noFill/>
             </a:ln>
@@ -8798,7 +10443,7 @@
           <a:buFontTx/>
           <a:buNone/>
           <a:tabLst/>
-          <a:defRPr b="0" baseline="0" cap="none" i="0" spc="0" strike="noStrike" sz="1800" u="none" kumimoji="0" normalizeH="0">
+          <a:defRPr kumimoji="0" sz="1800" b="0" i="0" u="none" strike="noStrike" cap="none" spc="0" normalizeH="0" baseline="0">
             <a:ln>
               <a:noFill/>
             </a:ln>
@@ -8824,7 +10469,7 @@
           <a:buFontTx/>
           <a:buNone/>
           <a:tabLst/>
-          <a:defRPr b="0" baseline="0" cap="none" i="0" spc="0" strike="noStrike" sz="1800" u="none" kumimoji="0" normalizeH="0">
+          <a:defRPr kumimoji="0" sz="1800" b="0" i="0" u="none" strike="noStrike" cap="none" spc="0" normalizeH="0" baseline="0">
             <a:ln>
               <a:noFill/>
             </a:ln>
@@ -8850,7 +10495,7 @@
           <a:buFontTx/>
           <a:buNone/>
           <a:tabLst/>
-          <a:defRPr b="0" baseline="0" cap="none" i="0" spc="0" strike="noStrike" sz="1800" u="none" kumimoji="0" normalizeH="0">
+          <a:defRPr kumimoji="0" sz="1800" b="0" i="0" u="none" strike="noStrike" cap="none" spc="0" normalizeH="0" baseline="0">
             <a:ln>
               <a:noFill/>
             </a:ln>
@@ -8863,9 +10508,15 @@
         </a:lvl9pPr>
       </a:lstStyle>
       <a:style>
-        <a:lnRef idx="0"/>
-        <a:fillRef idx="0"/>
-        <a:effectRef idx="0"/>
+        <a:lnRef idx="0">
+          <a:scrgbClr r="0" g="0" b="0"/>
+        </a:lnRef>
+        <a:fillRef idx="0">
+          <a:scrgbClr r="0" g="0" b="0"/>
+        </a:fillRef>
+        <a:effectRef idx="0">
+          <a:scrgbClr r="0" g="0" b="0"/>
+        </a:effectRef>
         <a:fontRef idx="none"/>
       </a:style>
     </a:lnDef>
@@ -8879,7 +10530,7 @@
         <a:effectLst/>
         <a:sp3d/>
       </a:spPr>
-      <a:bodyPr rot="0" spcFirstLastPara="1" vertOverflow="overflow" horzOverflow="overflow" vert="horz" wrap="square" lIns="45719" tIns="45719" rIns="45719" bIns="45719" numCol="1" spcCol="38100" rtlCol="0" anchor="t" upright="0">
+      <a:bodyPr rot="0" spcFirstLastPara="1" vertOverflow="overflow" horzOverflow="overflow" vert="horz" wrap="square" lIns="45719" tIns="45719" rIns="45719" bIns="45719" numCol="1" spcCol="38100" rtlCol="0" anchor="t">
         <a:spAutoFit/>
       </a:bodyPr>
       <a:lstStyle>
@@ -8898,7 +10549,7 @@
           <a:buFontTx/>
           <a:buNone/>
           <a:tabLst/>
-          <a:defRPr b="1" baseline="0" cap="none" i="0" spc="0" strike="noStrike" sz="1800" u="none" kumimoji="0" normalizeH="0">
+          <a:defRPr kumimoji="0" sz="1800" b="1" i="0" u="none" strike="noStrike" cap="none" spc="0" normalizeH="0" baseline="0">
             <a:ln>
               <a:noFill/>
             </a:ln>
@@ -8928,7 +10579,7 @@
           <a:buFontTx/>
           <a:buNone/>
           <a:tabLst/>
-          <a:defRPr b="0" baseline="0" cap="none" i="0" spc="0" strike="noStrike" sz="1800" u="none" kumimoji="0" normalizeH="0">
+          <a:defRPr kumimoji="0" sz="1800" b="0" i="0" u="none" strike="noStrike" cap="none" spc="0" normalizeH="0" baseline="0">
             <a:ln>
               <a:noFill/>
             </a:ln>
@@ -8954,7 +10605,7 @@
           <a:buFontTx/>
           <a:buNone/>
           <a:tabLst/>
-          <a:defRPr b="0" baseline="0" cap="none" i="0" spc="0" strike="noStrike" sz="1800" u="none" kumimoji="0" normalizeH="0">
+          <a:defRPr kumimoji="0" sz="1800" b="0" i="0" u="none" strike="noStrike" cap="none" spc="0" normalizeH="0" baseline="0">
             <a:ln>
               <a:noFill/>
             </a:ln>
@@ -8980,7 +10631,7 @@
           <a:buFontTx/>
           <a:buNone/>
           <a:tabLst/>
-          <a:defRPr b="0" baseline="0" cap="none" i="0" spc="0" strike="noStrike" sz="1800" u="none" kumimoji="0" normalizeH="0">
+          <a:defRPr kumimoji="0" sz="1800" b="0" i="0" u="none" strike="noStrike" cap="none" spc="0" normalizeH="0" baseline="0">
             <a:ln>
               <a:noFill/>
             </a:ln>
@@ -9006,7 +10657,7 @@
           <a:buFontTx/>
           <a:buNone/>
           <a:tabLst/>
-          <a:defRPr b="0" baseline="0" cap="none" i="0" spc="0" strike="noStrike" sz="1800" u="none" kumimoji="0" normalizeH="0">
+          <a:defRPr kumimoji="0" sz="1800" b="0" i="0" u="none" strike="noStrike" cap="none" spc="0" normalizeH="0" baseline="0">
             <a:ln>
               <a:noFill/>
             </a:ln>
@@ -9032,7 +10683,7 @@
           <a:buFontTx/>
           <a:buNone/>
           <a:tabLst/>
-          <a:defRPr b="0" baseline="0" cap="none" i="0" spc="0" strike="noStrike" sz="1800" u="none" kumimoji="0" normalizeH="0">
+          <a:defRPr kumimoji="0" sz="1800" b="0" i="0" u="none" strike="noStrike" cap="none" spc="0" normalizeH="0" baseline="0">
             <a:ln>
               <a:noFill/>
             </a:ln>
@@ -9058,7 +10709,7 @@
           <a:buFontTx/>
           <a:buNone/>
           <a:tabLst/>
-          <a:defRPr b="0" baseline="0" cap="none" i="0" spc="0" strike="noStrike" sz="1800" u="none" kumimoji="0" normalizeH="0">
+          <a:defRPr kumimoji="0" sz="1800" b="0" i="0" u="none" strike="noStrike" cap="none" spc="0" normalizeH="0" baseline="0">
             <a:ln>
               <a:noFill/>
             </a:ln>
@@ -9084,7 +10735,7 @@
           <a:buFontTx/>
           <a:buNone/>
           <a:tabLst/>
-          <a:defRPr b="0" baseline="0" cap="none" i="0" spc="0" strike="noStrike" sz="1800" u="none" kumimoji="0" normalizeH="0">
+          <a:defRPr kumimoji="0" sz="1800" b="0" i="0" u="none" strike="noStrike" cap="none" spc="0" normalizeH="0" baseline="0">
             <a:ln>
               <a:noFill/>
             </a:ln>
@@ -9110,7 +10761,7 @@
           <a:buFontTx/>
           <a:buNone/>
           <a:tabLst/>
-          <a:defRPr b="0" baseline="0" cap="none" i="0" spc="0" strike="noStrike" sz="1800" u="none" kumimoji="0" normalizeH="0">
+          <a:defRPr kumimoji="0" sz="1800" b="0" i="0" u="none" strike="noStrike" cap="none" spc="0" normalizeH="0" baseline="0">
             <a:ln>
               <a:noFill/>
             </a:ln>
@@ -9136,7 +10787,7 @@
           <a:buFontTx/>
           <a:buNone/>
           <a:tabLst/>
-          <a:defRPr b="0" baseline="0" cap="none" i="0" spc="0" strike="noStrike" sz="1800" u="none" kumimoji="0" normalizeH="0">
+          <a:defRPr kumimoji="0" sz="1800" b="0" i="0" u="none" strike="noStrike" cap="none" spc="0" normalizeH="0" baseline="0">
             <a:ln>
               <a:noFill/>
             </a:ln>
@@ -9149,18 +10800,25 @@
         </a:lvl9pPr>
       </a:lstStyle>
       <a:style>
-        <a:lnRef idx="0"/>
-        <a:fillRef idx="0"/>
-        <a:effectRef idx="0"/>
+        <a:lnRef idx="0">
+          <a:scrgbClr r="0" g="0" b="0"/>
+        </a:lnRef>
+        <a:fillRef idx="0">
+          <a:scrgbClr r="0" g="0" b="0"/>
+        </a:fillRef>
+        <a:effectRef idx="0">
+          <a:scrgbClr r="0" g="0" b="0"/>
+        </a:effectRef>
         <a:fontRef idx="none"/>
       </a:style>
     </a:txDef>
   </a:objectDefaults>
+  <a:extraClrSchemeLst/>
 </a:theme>
 </file>
 
 <file path=ppt/theme/theme2.xml><?xml version="1.0" encoding="utf-8"?>
-<a:theme xmlns:a="http://schemas.openxmlformats.org/drawingml/2006/main" xmlns:r="http://schemas.openxmlformats.org/officeDocument/2006/relationships" name="template">
+<a:theme xmlns:a="http://schemas.openxmlformats.org/drawingml/2006/main" name="template">
   <a:themeElements>
     <a:clrScheme name="template">
       <a:dk1>
@@ -9292,7 +10950,7 @@
         </a:effectStyle>
         <a:effectStyle>
           <a:effectLst>
-            <a:outerShdw sx="100000" sy="100000" kx="0" ky="0" algn="b" rotWithShape="0" blurRad="38100" dist="20000" dir="5400000">
+            <a:outerShdw blurRad="38100" dist="20000" dir="5400000" rotWithShape="0">
               <a:srgbClr val="000000">
                 <a:alpha val="38000"/>
               </a:srgbClr>
@@ -9370,7 +11028,7 @@
         <a:effectLst/>
         <a:sp3d/>
       </a:spPr>
-      <a:bodyPr rot="0" spcFirstLastPara="1" vertOverflow="overflow" horzOverflow="overflow" vert="horz" wrap="square" lIns="45719" tIns="45719" rIns="45719" bIns="45719" numCol="1" spcCol="38100" rtlCol="0" anchor="t" upright="0">
+      <a:bodyPr rot="0" spcFirstLastPara="1" vertOverflow="overflow" horzOverflow="overflow" vert="horz" wrap="square" lIns="45719" tIns="45719" rIns="45719" bIns="45719" numCol="1" spcCol="38100" rtlCol="0" anchor="t">
         <a:spAutoFit/>
       </a:bodyPr>
       <a:lstStyle>
@@ -9389,7 +11047,7 @@
           <a:buFontTx/>
           <a:buNone/>
           <a:tabLst/>
-          <a:defRPr b="1" baseline="0" cap="none" i="0" spc="0" strike="noStrike" sz="1800" u="none" kumimoji="0" normalizeH="0">
+          <a:defRPr kumimoji="0" sz="1800" b="1" i="0" u="none" strike="noStrike" cap="none" spc="0" normalizeH="0" baseline="0">
             <a:ln>
               <a:noFill/>
             </a:ln>
@@ -9419,7 +11077,7 @@
           <a:buFontTx/>
           <a:buNone/>
           <a:tabLst/>
-          <a:defRPr b="0" baseline="0" cap="none" i="0" spc="0" strike="noStrike" sz="1800" u="none" kumimoji="0" normalizeH="0">
+          <a:defRPr kumimoji="0" sz="1800" b="0" i="0" u="none" strike="noStrike" cap="none" spc="0" normalizeH="0" baseline="0">
             <a:ln>
               <a:noFill/>
             </a:ln>
@@ -9445,7 +11103,7 @@
           <a:buFontTx/>
           <a:buNone/>
           <a:tabLst/>
-          <a:defRPr b="0" baseline="0" cap="none" i="0" spc="0" strike="noStrike" sz="1800" u="none" kumimoji="0" normalizeH="0">
+          <a:defRPr kumimoji="0" sz="1800" b="0" i="0" u="none" strike="noStrike" cap="none" spc="0" normalizeH="0" baseline="0">
             <a:ln>
               <a:noFill/>
             </a:ln>
@@ -9471,7 +11129,7 @@
           <a:buFontTx/>
           <a:buNone/>
           <a:tabLst/>
-          <a:defRPr b="0" baseline="0" cap="none" i="0" spc="0" strike="noStrike" sz="1800" u="none" kumimoji="0" normalizeH="0">
+          <a:defRPr kumimoji="0" sz="1800" b="0" i="0" u="none" strike="noStrike" cap="none" spc="0" normalizeH="0" baseline="0">
             <a:ln>
               <a:noFill/>
             </a:ln>
@@ -9497,7 +11155,7 @@
           <a:buFontTx/>
           <a:buNone/>
           <a:tabLst/>
-          <a:defRPr b="0" baseline="0" cap="none" i="0" spc="0" strike="noStrike" sz="1800" u="none" kumimoji="0" normalizeH="0">
+          <a:defRPr kumimoji="0" sz="1800" b="0" i="0" u="none" strike="noStrike" cap="none" spc="0" normalizeH="0" baseline="0">
             <a:ln>
               <a:noFill/>
             </a:ln>
@@ -9523,7 +11181,7 @@
           <a:buFontTx/>
           <a:buNone/>
           <a:tabLst/>
-          <a:defRPr b="0" baseline="0" cap="none" i="0" spc="0" strike="noStrike" sz="1800" u="none" kumimoji="0" normalizeH="0">
+          <a:defRPr kumimoji="0" sz="1800" b="0" i="0" u="none" strike="noStrike" cap="none" spc="0" normalizeH="0" baseline="0">
             <a:ln>
               <a:noFill/>
             </a:ln>
@@ -9549,7 +11207,7 @@
           <a:buFontTx/>
           <a:buNone/>
           <a:tabLst/>
-          <a:defRPr b="0" baseline="0" cap="none" i="0" spc="0" strike="noStrike" sz="1800" u="none" kumimoji="0" normalizeH="0">
+          <a:defRPr kumimoji="0" sz="1800" b="0" i="0" u="none" strike="noStrike" cap="none" spc="0" normalizeH="0" baseline="0">
             <a:ln>
               <a:noFill/>
             </a:ln>
@@ -9575,7 +11233,7 @@
           <a:buFontTx/>
           <a:buNone/>
           <a:tabLst/>
-          <a:defRPr b="0" baseline="0" cap="none" i="0" spc="0" strike="noStrike" sz="1800" u="none" kumimoji="0" normalizeH="0">
+          <a:defRPr kumimoji="0" sz="1800" b="0" i="0" u="none" strike="noStrike" cap="none" spc="0" normalizeH="0" baseline="0">
             <a:ln>
               <a:noFill/>
             </a:ln>
@@ -9601,7 +11259,7 @@
           <a:buFontTx/>
           <a:buNone/>
           <a:tabLst/>
-          <a:defRPr b="0" baseline="0" cap="none" i="0" spc="0" strike="noStrike" sz="1800" u="none" kumimoji="0" normalizeH="0">
+          <a:defRPr kumimoji="0" sz="1800" b="0" i="0" u="none" strike="noStrike" cap="none" spc="0" normalizeH="0" baseline="0">
             <a:ln>
               <a:noFill/>
             </a:ln>
@@ -9627,7 +11285,7 @@
           <a:buFontTx/>
           <a:buNone/>
           <a:tabLst/>
-          <a:defRPr b="0" baseline="0" cap="none" i="0" spc="0" strike="noStrike" sz="1800" u="none" kumimoji="0" normalizeH="0">
+          <a:defRPr kumimoji="0" sz="1800" b="0" i="0" u="none" strike="noStrike" cap="none" spc="0" normalizeH="0" baseline="0">
             <a:ln>
               <a:noFill/>
             </a:ln>
@@ -9640,9 +11298,15 @@
         </a:lvl9pPr>
       </a:lstStyle>
       <a:style>
-        <a:lnRef idx="0"/>
-        <a:fillRef idx="0"/>
-        <a:effectRef idx="0"/>
+        <a:lnRef idx="0">
+          <a:scrgbClr r="0" g="0" b="0"/>
+        </a:lnRef>
+        <a:fillRef idx="0">
+          <a:scrgbClr r="0" g="0" b="0"/>
+        </a:fillRef>
+        <a:effectRef idx="0">
+          <a:scrgbClr r="0" g="0" b="0"/>
+        </a:effectRef>
         <a:fontRef idx="none"/>
       </a:style>
     </a:spDef>
@@ -9657,7 +11321,7 @@
           <a:round/>
         </a:ln>
         <a:effectLst>
-          <a:outerShdw sx="100000" sy="100000" kx="0" ky="0" algn="b" rotWithShape="0" blurRad="38100" dist="20000" dir="5400000">
+          <a:outerShdw blurRad="38100" dist="20000" dir="5400000" rotWithShape="0">
             <a:srgbClr val="000000">
               <a:alpha val="38000"/>
             </a:srgbClr>
@@ -9665,7 +11329,7 @@
         </a:effectLst>
         <a:sp3d/>
       </a:spPr>
-      <a:bodyPr rot="0" spcFirstLastPara="1" vertOverflow="overflow" horzOverflow="overflow" vert="horz" wrap="square" lIns="91439" tIns="45719" rIns="91439" bIns="45719" numCol="1" spcCol="38100" rtlCol="0" anchor="t" upright="0">
+      <a:bodyPr rot="0" spcFirstLastPara="1" vertOverflow="overflow" horzOverflow="overflow" vert="horz" wrap="square" lIns="91439" tIns="45719" rIns="91439" bIns="45719" numCol="1" spcCol="38100" rtlCol="0" anchor="t">
         <a:noAutofit/>
       </a:bodyPr>
       <a:lstStyle>
@@ -9684,7 +11348,7 @@
           <a:buFontTx/>
           <a:buNone/>
           <a:tabLst/>
-          <a:defRPr b="0" baseline="0" cap="none" i="0" spc="0" strike="noStrike" sz="1800" u="none" kumimoji="0" normalizeH="0">
+          <a:defRPr kumimoji="0" sz="1800" b="0" i="0" u="none" strike="noStrike" cap="none" spc="0" normalizeH="0" baseline="0">
             <a:ln>
               <a:noFill/>
             </a:ln>
@@ -9710,7 +11374,7 @@
           <a:buFontTx/>
           <a:buNone/>
           <a:tabLst/>
-          <a:defRPr b="0" baseline="0" cap="none" i="0" spc="0" strike="noStrike" sz="1800" u="none" kumimoji="0" normalizeH="0">
+          <a:defRPr kumimoji="0" sz="1800" b="0" i="0" u="none" strike="noStrike" cap="none" spc="0" normalizeH="0" baseline="0">
             <a:ln>
               <a:noFill/>
             </a:ln>
@@ -9736,7 +11400,7 @@
           <a:buFontTx/>
           <a:buNone/>
           <a:tabLst/>
-          <a:defRPr b="0" baseline="0" cap="none" i="0" spc="0" strike="noStrike" sz="1800" u="none" kumimoji="0" normalizeH="0">
+          <a:defRPr kumimoji="0" sz="1800" b="0" i="0" u="none" strike="noStrike" cap="none" spc="0" normalizeH="0" baseline="0">
             <a:ln>
               <a:noFill/>
             </a:ln>
@@ -9762,7 +11426,7 @@
           <a:buFontTx/>
           <a:buNone/>
           <a:tabLst/>
-          <a:defRPr b="0" baseline="0" cap="none" i="0" spc="0" strike="noStrike" sz="1800" u="none" kumimoji="0" normalizeH="0">
+          <a:defRPr kumimoji="0" sz="1800" b="0" i="0" u="none" strike="noStrike" cap="none" spc="0" normalizeH="0" baseline="0">
             <a:ln>
               <a:noFill/>
             </a:ln>
@@ -9788,7 +11452,7 @@
           <a:buFontTx/>
           <a:buNone/>
           <a:tabLst/>
-          <a:defRPr b="0" baseline="0" cap="none" i="0" spc="0" strike="noStrike" sz="1800" u="none" kumimoji="0" normalizeH="0">
+          <a:defRPr kumimoji="0" sz="1800" b="0" i="0" u="none" strike="noStrike" cap="none" spc="0" normalizeH="0" baseline="0">
             <a:ln>
               <a:noFill/>
             </a:ln>
@@ -9814,7 +11478,7 @@
           <a:buFontTx/>
           <a:buNone/>
           <a:tabLst/>
-          <a:defRPr b="0" baseline="0" cap="none" i="0" spc="0" strike="noStrike" sz="1800" u="none" kumimoji="0" normalizeH="0">
+          <a:defRPr kumimoji="0" sz="1800" b="0" i="0" u="none" strike="noStrike" cap="none" spc="0" normalizeH="0" baseline="0">
             <a:ln>
               <a:noFill/>
             </a:ln>
@@ -9840,7 +11504,7 @@
           <a:buFontTx/>
           <a:buNone/>
           <a:tabLst/>
-          <a:defRPr b="0" baseline="0" cap="none" i="0" spc="0" strike="noStrike" sz="1800" u="none" kumimoji="0" normalizeH="0">
+          <a:defRPr kumimoji="0" sz="1800" b="0" i="0" u="none" strike="noStrike" cap="none" spc="0" normalizeH="0" baseline="0">
             <a:ln>
               <a:noFill/>
             </a:ln>
@@ -9866,7 +11530,7 @@
           <a:buFontTx/>
           <a:buNone/>
           <a:tabLst/>
-          <a:defRPr b="0" baseline="0" cap="none" i="0" spc="0" strike="noStrike" sz="1800" u="none" kumimoji="0" normalizeH="0">
+          <a:defRPr kumimoji="0" sz="1800" b="0" i="0" u="none" strike="noStrike" cap="none" spc="0" normalizeH="0" baseline="0">
             <a:ln>
               <a:noFill/>
             </a:ln>
@@ -9892,7 +11556,7 @@
           <a:buFontTx/>
           <a:buNone/>
           <a:tabLst/>
-          <a:defRPr b="0" baseline="0" cap="none" i="0" spc="0" strike="noStrike" sz="1800" u="none" kumimoji="0" normalizeH="0">
+          <a:defRPr kumimoji="0" sz="1800" b="0" i="0" u="none" strike="noStrike" cap="none" spc="0" normalizeH="0" baseline="0">
             <a:ln>
               <a:noFill/>
             </a:ln>
@@ -9918,7 +11582,7 @@
           <a:buFontTx/>
           <a:buNone/>
           <a:tabLst/>
-          <a:defRPr b="0" baseline="0" cap="none" i="0" spc="0" strike="noStrike" sz="1800" u="none" kumimoji="0" normalizeH="0">
+          <a:defRPr kumimoji="0" sz="1800" b="0" i="0" u="none" strike="noStrike" cap="none" spc="0" normalizeH="0" baseline="0">
             <a:ln>
               <a:noFill/>
             </a:ln>
@@ -9931,9 +11595,15 @@
         </a:lvl9pPr>
       </a:lstStyle>
       <a:style>
-        <a:lnRef idx="0"/>
-        <a:fillRef idx="0"/>
-        <a:effectRef idx="0"/>
+        <a:lnRef idx="0">
+          <a:scrgbClr r="0" g="0" b="0"/>
+        </a:lnRef>
+        <a:fillRef idx="0">
+          <a:scrgbClr r="0" g="0" b="0"/>
+        </a:fillRef>
+        <a:effectRef idx="0">
+          <a:scrgbClr r="0" g="0" b="0"/>
+        </a:effectRef>
         <a:fontRef idx="none"/>
       </a:style>
     </a:lnDef>
@@ -9947,7 +11617,7 @@
         <a:effectLst/>
         <a:sp3d/>
       </a:spPr>
-      <a:bodyPr rot="0" spcFirstLastPara="1" vertOverflow="overflow" horzOverflow="overflow" vert="horz" wrap="square" lIns="45719" tIns="45719" rIns="45719" bIns="45719" numCol="1" spcCol="38100" rtlCol="0" anchor="t" upright="0">
+      <a:bodyPr rot="0" spcFirstLastPara="1" vertOverflow="overflow" horzOverflow="overflow" vert="horz" wrap="square" lIns="45719" tIns="45719" rIns="45719" bIns="45719" numCol="1" spcCol="38100" rtlCol="0" anchor="t">
         <a:spAutoFit/>
       </a:bodyPr>
       <a:lstStyle>
@@ -9966,7 +11636,7 @@
           <a:buFontTx/>
           <a:buNone/>
           <a:tabLst/>
-          <a:defRPr b="1" baseline="0" cap="none" i="0" spc="0" strike="noStrike" sz="1800" u="none" kumimoji="0" normalizeH="0">
+          <a:defRPr kumimoji="0" sz="1800" b="1" i="0" u="none" strike="noStrike" cap="none" spc="0" normalizeH="0" baseline="0">
             <a:ln>
               <a:noFill/>
             </a:ln>
@@ -9996,7 +11666,7 @@
           <a:buFontTx/>
           <a:buNone/>
           <a:tabLst/>
-          <a:defRPr b="0" baseline="0" cap="none" i="0" spc="0" strike="noStrike" sz="1800" u="none" kumimoji="0" normalizeH="0">
+          <a:defRPr kumimoji="0" sz="1800" b="0" i="0" u="none" strike="noStrike" cap="none" spc="0" normalizeH="0" baseline="0">
             <a:ln>
               <a:noFill/>
             </a:ln>
@@ -10022,7 +11692,7 @@
           <a:buFontTx/>
           <a:buNone/>
           <a:tabLst/>
-          <a:defRPr b="0" baseline="0" cap="none" i="0" spc="0" strike="noStrike" sz="1800" u="none" kumimoji="0" normalizeH="0">
+          <a:defRPr kumimoji="0" sz="1800" b="0" i="0" u="none" strike="noStrike" cap="none" spc="0" normalizeH="0" baseline="0">
             <a:ln>
               <a:noFill/>
             </a:ln>
@@ -10048,7 +11718,7 @@
           <a:buFontTx/>
           <a:buNone/>
           <a:tabLst/>
-          <a:defRPr b="0" baseline="0" cap="none" i="0" spc="0" strike="noStrike" sz="1800" u="none" kumimoji="0" normalizeH="0">
+          <a:defRPr kumimoji="0" sz="1800" b="0" i="0" u="none" strike="noStrike" cap="none" spc="0" normalizeH="0" baseline="0">
             <a:ln>
               <a:noFill/>
             </a:ln>
@@ -10074,7 +11744,7 @@
           <a:buFontTx/>
           <a:buNone/>
           <a:tabLst/>
-          <a:defRPr b="0" baseline="0" cap="none" i="0" spc="0" strike="noStrike" sz="1800" u="none" kumimoji="0" normalizeH="0">
+          <a:defRPr kumimoji="0" sz="1800" b="0" i="0" u="none" strike="noStrike" cap="none" spc="0" normalizeH="0" baseline="0">
             <a:ln>
               <a:noFill/>
             </a:ln>
@@ -10100,7 +11770,7 @@
           <a:buFontTx/>
           <a:buNone/>
           <a:tabLst/>
-          <a:defRPr b="0" baseline="0" cap="none" i="0" spc="0" strike="noStrike" sz="1800" u="none" kumimoji="0" normalizeH="0">
+          <a:defRPr kumimoji="0" sz="1800" b="0" i="0" u="none" strike="noStrike" cap="none" spc="0" normalizeH="0" baseline="0">
             <a:ln>
               <a:noFill/>
             </a:ln>
@@ -10126,7 +11796,7 @@
           <a:buFontTx/>
           <a:buNone/>
           <a:tabLst/>
-          <a:defRPr b="0" baseline="0" cap="none" i="0" spc="0" strike="noStrike" sz="1800" u="none" kumimoji="0" normalizeH="0">
+          <a:defRPr kumimoji="0" sz="1800" b="0" i="0" u="none" strike="noStrike" cap="none" spc="0" normalizeH="0" baseline="0">
             <a:ln>
               <a:noFill/>
             </a:ln>
@@ -10152,7 +11822,7 @@
           <a:buFontTx/>
           <a:buNone/>
           <a:tabLst/>
-          <a:defRPr b="0" baseline="0" cap="none" i="0" spc="0" strike="noStrike" sz="1800" u="none" kumimoji="0" normalizeH="0">
+          <a:defRPr kumimoji="0" sz="1800" b="0" i="0" u="none" strike="noStrike" cap="none" spc="0" normalizeH="0" baseline="0">
             <a:ln>
               <a:noFill/>
             </a:ln>
@@ -10178,7 +11848,7 @@
           <a:buFontTx/>
           <a:buNone/>
           <a:tabLst/>
-          <a:defRPr b="0" baseline="0" cap="none" i="0" spc="0" strike="noStrike" sz="1800" u="none" kumimoji="0" normalizeH="0">
+          <a:defRPr kumimoji="0" sz="1800" b="0" i="0" u="none" strike="noStrike" cap="none" spc="0" normalizeH="0" baseline="0">
             <a:ln>
               <a:noFill/>
             </a:ln>
@@ -10204,7 +11874,7 @@
           <a:buFontTx/>
           <a:buNone/>
           <a:tabLst/>
-          <a:defRPr b="0" baseline="0" cap="none" i="0" spc="0" strike="noStrike" sz="1800" u="none" kumimoji="0" normalizeH="0">
+          <a:defRPr kumimoji="0" sz="1800" b="0" i="0" u="none" strike="noStrike" cap="none" spc="0" normalizeH="0" baseline="0">
             <a:ln>
               <a:noFill/>
             </a:ln>
@@ -10217,12 +11887,19 @@
         </a:lvl9pPr>
       </a:lstStyle>
       <a:style>
-        <a:lnRef idx="0"/>
-        <a:fillRef idx="0"/>
-        <a:effectRef idx="0"/>
+        <a:lnRef idx="0">
+          <a:scrgbClr r="0" g="0" b="0"/>
+        </a:lnRef>
+        <a:fillRef idx="0">
+          <a:scrgbClr r="0" g="0" b="0"/>
+        </a:fillRef>
+        <a:effectRef idx="0">
+          <a:scrgbClr r="0" g="0" b="0"/>
+        </a:effectRef>
         <a:fontRef idx="none"/>
       </a:style>
     </a:txDef>
   </a:objectDefaults>
+  <a:extraClrSchemeLst/>
 </a:theme>
 </file>